--- a/Final presentation Phase A-24-2-R-8.pptx
+++ b/Final presentation Phase A-24-2-R-8.pptx
@@ -16,7 +16,7 @@
     <p:sldId id="263" r:id="rId7"/>
     <p:sldId id="259" r:id="rId8"/>
     <p:sldId id="262" r:id="rId9"/>
-    <p:sldId id="264" r:id="rId10"/>
+    <p:sldId id="272" r:id="rId10"/>
     <p:sldId id="265" r:id="rId11"/>
     <p:sldId id="266" r:id="rId12"/>
     <p:sldId id="267" r:id="rId13"/>
@@ -262,6 +262,2996 @@
     </p:ext>
   </p:extLst>
 </p:presentation>
+</file>
+
+<file path=ppt/diagrams/colors1.xml><?xml version="1.0" encoding="utf-8"?>
+<dgm:colorsDef xmlns:dgm="http://schemas.openxmlformats.org/drawingml/2006/diagram" xmlns:a="http://schemas.openxmlformats.org/drawingml/2006/main" uniqueId="urn:microsoft.com/office/officeart/2018/5/colors/Iconchunking_neutralicon_colorful1">
+  <dgm:title val=""/>
+  <dgm:desc val=""/>
+  <dgm:catLst>
+    <dgm:cat type="colorful" pri="10100"/>
+  </dgm:catLst>
+  <dgm:styleLbl name="node0">
+    <dgm:fillClrLst meth="repeat">
+      <a:schemeClr val="accent1"/>
+    </dgm:fillClrLst>
+    <dgm:linClrLst meth="repeat">
+      <a:schemeClr val="lt1"/>
+    </dgm:linClrLst>
+    <dgm:effectClrLst/>
+    <dgm:txLinClrLst/>
+    <dgm:txFillClrLst/>
+    <dgm:txEffectClrLst/>
+  </dgm:styleLbl>
+  <dgm:styleLbl name="node1">
+    <dgm:fillClrLst meth="repeat">
+      <a:schemeClr val="bg1"/>
+    </dgm:fillClrLst>
+    <dgm:linClrLst meth="repeat">
+      <a:schemeClr val="lt1">
+        <a:alpha val="0"/>
+      </a:schemeClr>
+    </dgm:linClrLst>
+    <dgm:effectClrLst/>
+    <dgm:txLinClrLst/>
+    <dgm:txFillClrLst meth="repeat">
+      <a:schemeClr val="dk1"/>
+    </dgm:txFillClrLst>
+    <dgm:txEffectClrLst/>
+  </dgm:styleLbl>
+  <dgm:styleLbl name="alignNode1">
+    <dgm:fillClrLst meth="repeat">
+      <a:schemeClr val="accent2"/>
+      <a:schemeClr val="accent3"/>
+      <a:schemeClr val="accent4"/>
+      <a:schemeClr val="accent5"/>
+      <a:schemeClr val="accent6"/>
+    </dgm:fillClrLst>
+    <dgm:linClrLst meth="repeat">
+      <a:schemeClr val="accent2"/>
+      <a:schemeClr val="accent3"/>
+      <a:schemeClr val="accent4"/>
+      <a:schemeClr val="accent5"/>
+      <a:schemeClr val="accent6"/>
+    </dgm:linClrLst>
+    <dgm:effectClrLst/>
+    <dgm:txLinClrLst/>
+    <dgm:txFillClrLst/>
+    <dgm:txEffectClrLst/>
+  </dgm:styleLbl>
+  <dgm:styleLbl name="lnNode1">
+    <dgm:fillClrLst meth="repeat">
+      <a:schemeClr val="accent2"/>
+      <a:schemeClr val="accent3"/>
+      <a:schemeClr val="accent4"/>
+      <a:schemeClr val="accent5"/>
+      <a:schemeClr val="accent6"/>
+    </dgm:fillClrLst>
+    <dgm:linClrLst meth="repeat">
+      <a:schemeClr val="lt1"/>
+    </dgm:linClrLst>
+    <dgm:effectClrLst/>
+    <dgm:txLinClrLst/>
+    <dgm:txFillClrLst/>
+    <dgm:txEffectClrLst/>
+  </dgm:styleLbl>
+  <dgm:styleLbl name="vennNode1">
+    <dgm:fillClrLst meth="repeat">
+      <a:schemeClr val="accent2">
+        <a:alpha val="50000"/>
+      </a:schemeClr>
+      <a:schemeClr val="accent3">
+        <a:alpha val="50000"/>
+      </a:schemeClr>
+      <a:schemeClr val="accent4">
+        <a:alpha val="50000"/>
+      </a:schemeClr>
+      <a:schemeClr val="accent5">
+        <a:alpha val="50000"/>
+      </a:schemeClr>
+      <a:schemeClr val="accent6">
+        <a:alpha val="50000"/>
+      </a:schemeClr>
+    </dgm:fillClrLst>
+    <dgm:linClrLst meth="repeat">
+      <a:schemeClr val="lt1"/>
+    </dgm:linClrLst>
+    <dgm:effectClrLst/>
+    <dgm:txLinClrLst/>
+    <dgm:txFillClrLst/>
+    <dgm:txEffectClrLst/>
+  </dgm:styleLbl>
+  <dgm:styleLbl name="node2">
+    <dgm:fillClrLst>
+      <a:schemeClr val="accent2"/>
+    </dgm:fillClrLst>
+    <dgm:linClrLst meth="repeat">
+      <a:schemeClr val="lt1"/>
+    </dgm:linClrLst>
+    <dgm:effectClrLst/>
+    <dgm:txLinClrLst/>
+    <dgm:txFillClrLst/>
+    <dgm:txEffectClrLst/>
+  </dgm:styleLbl>
+  <dgm:styleLbl name="node3">
+    <dgm:fillClrLst>
+      <a:schemeClr val="accent3"/>
+    </dgm:fillClrLst>
+    <dgm:linClrLst meth="repeat">
+      <a:schemeClr val="lt1"/>
+    </dgm:linClrLst>
+    <dgm:effectClrLst/>
+    <dgm:txLinClrLst/>
+    <dgm:txFillClrLst/>
+    <dgm:txEffectClrLst/>
+  </dgm:styleLbl>
+  <dgm:styleLbl name="node4">
+    <dgm:fillClrLst>
+      <a:schemeClr val="accent4"/>
+    </dgm:fillClrLst>
+    <dgm:linClrLst meth="repeat">
+      <a:schemeClr val="lt1"/>
+    </dgm:linClrLst>
+    <dgm:effectClrLst/>
+    <dgm:txLinClrLst/>
+    <dgm:txFillClrLst/>
+    <dgm:txEffectClrLst/>
+  </dgm:styleLbl>
+  <dgm:styleLbl name="fgImgPlace1">
+    <dgm:fillClrLst meth="repeat">
+      <a:schemeClr val="accent2">
+        <a:tint val="50000"/>
+      </a:schemeClr>
+      <a:schemeClr val="accent3">
+        <a:tint val="50000"/>
+      </a:schemeClr>
+      <a:schemeClr val="accent4">
+        <a:tint val="50000"/>
+      </a:schemeClr>
+      <a:schemeClr val="accent5">
+        <a:tint val="50000"/>
+      </a:schemeClr>
+      <a:schemeClr val="accent6">
+        <a:tint val="50000"/>
+      </a:schemeClr>
+    </dgm:fillClrLst>
+    <dgm:linClrLst meth="repeat">
+      <a:schemeClr val="lt1"/>
+    </dgm:linClrLst>
+    <dgm:effectClrLst/>
+    <dgm:txLinClrLst/>
+    <dgm:txFillClrLst meth="repeat">
+      <a:schemeClr val="lt1"/>
+    </dgm:txFillClrLst>
+    <dgm:txEffectClrLst/>
+  </dgm:styleLbl>
+  <dgm:styleLbl name="alignImgPlace1">
+    <dgm:fillClrLst>
+      <a:schemeClr val="accent1">
+        <a:tint val="50000"/>
+      </a:schemeClr>
+      <a:schemeClr val="accent2">
+        <a:tint val="20000"/>
+      </a:schemeClr>
+    </dgm:fillClrLst>
+    <dgm:linClrLst meth="repeat">
+      <a:schemeClr val="lt1"/>
+    </dgm:linClrLst>
+    <dgm:effectClrLst/>
+    <dgm:txLinClrLst/>
+    <dgm:txFillClrLst meth="repeat">
+      <a:schemeClr val="lt1"/>
+    </dgm:txFillClrLst>
+    <dgm:txEffectClrLst/>
+  </dgm:styleLbl>
+  <dgm:styleLbl name="bgImgPlace1">
+    <dgm:fillClrLst>
+      <a:schemeClr val="accent1">
+        <a:tint val="50000"/>
+      </a:schemeClr>
+      <a:schemeClr val="accent2">
+        <a:tint val="20000"/>
+      </a:schemeClr>
+    </dgm:fillClrLst>
+    <dgm:linClrLst meth="repeat">
+      <a:schemeClr val="lt1"/>
+    </dgm:linClrLst>
+    <dgm:effectClrLst/>
+    <dgm:txLinClrLst/>
+    <dgm:txFillClrLst meth="repeat">
+      <a:schemeClr val="lt1"/>
+    </dgm:txFillClrLst>
+    <dgm:txEffectClrLst/>
+  </dgm:styleLbl>
+  <dgm:styleLbl name="sibTrans2D1">
+    <dgm:fillClrLst meth="repeat">
+      <a:schemeClr val="accent2"/>
+      <a:schemeClr val="accent3"/>
+      <a:schemeClr val="accent4"/>
+      <a:schemeClr val="accent5"/>
+      <a:schemeClr val="accent6"/>
+    </dgm:fillClrLst>
+    <dgm:linClrLst meth="cycle">
+      <a:schemeClr val="lt1"/>
+    </dgm:linClrLst>
+    <dgm:effectClrLst/>
+    <dgm:txLinClrLst/>
+    <dgm:txFillClrLst/>
+    <dgm:txEffectClrLst/>
+  </dgm:styleLbl>
+  <dgm:styleLbl name="fgSibTrans2D1">
+    <dgm:fillClrLst meth="repeat">
+      <a:schemeClr val="accent2"/>
+      <a:schemeClr val="accent3"/>
+      <a:schemeClr val="accent4"/>
+      <a:schemeClr val="accent5"/>
+      <a:schemeClr val="accent6"/>
+    </dgm:fillClrLst>
+    <dgm:linClrLst meth="cycle">
+      <a:schemeClr val="lt1"/>
+    </dgm:linClrLst>
+    <dgm:effectClrLst/>
+    <dgm:txLinClrLst/>
+    <dgm:txFillClrLst meth="repeat">
+      <a:schemeClr val="lt1"/>
+    </dgm:txFillClrLst>
+    <dgm:txEffectClrLst/>
+  </dgm:styleLbl>
+  <dgm:styleLbl name="bgSibTrans2D1">
+    <dgm:fillClrLst meth="repeat">
+      <a:schemeClr val="accent2"/>
+      <a:schemeClr val="accent3"/>
+      <a:schemeClr val="accent4"/>
+      <a:schemeClr val="accent5"/>
+      <a:schemeClr val="accent6"/>
+    </dgm:fillClrLst>
+    <dgm:linClrLst meth="cycle">
+      <a:schemeClr val="lt1"/>
+    </dgm:linClrLst>
+    <dgm:effectClrLst/>
+    <dgm:txLinClrLst/>
+    <dgm:txFillClrLst meth="repeat">
+      <a:schemeClr val="lt1"/>
+    </dgm:txFillClrLst>
+    <dgm:txEffectClrLst/>
+  </dgm:styleLbl>
+  <dgm:styleLbl name="sibTrans1D1">
+    <dgm:fillClrLst meth="repeat">
+      <a:schemeClr val="accent2"/>
+      <a:schemeClr val="accent3"/>
+      <a:schemeClr val="accent4"/>
+      <a:schemeClr val="accent5"/>
+      <a:schemeClr val="accent6"/>
+    </dgm:fillClrLst>
+    <dgm:linClrLst meth="repeat">
+      <a:schemeClr val="accent2"/>
+      <a:schemeClr val="accent3"/>
+      <a:schemeClr val="accent4"/>
+      <a:schemeClr val="accent5"/>
+      <a:schemeClr val="accent6"/>
+    </dgm:linClrLst>
+    <dgm:effectClrLst/>
+    <dgm:txLinClrLst/>
+    <dgm:txFillClrLst meth="repeat">
+      <a:schemeClr val="tx1"/>
+    </dgm:txFillClrLst>
+    <dgm:txEffectClrLst/>
+  </dgm:styleLbl>
+  <dgm:styleLbl name="callout">
+    <dgm:fillClrLst meth="repeat">
+      <a:schemeClr val="accent2"/>
+    </dgm:fillClrLst>
+    <dgm:linClrLst meth="repeat">
+      <a:schemeClr val="accent2">
+        <a:tint val="50000"/>
+      </a:schemeClr>
+    </dgm:linClrLst>
+    <dgm:effectClrLst/>
+    <dgm:txLinClrLst/>
+    <dgm:txFillClrLst meth="repeat">
+      <a:schemeClr val="tx1"/>
+    </dgm:txFillClrLst>
+    <dgm:txEffectClrLst/>
+  </dgm:styleLbl>
+  <dgm:styleLbl name="asst0">
+    <dgm:fillClrLst meth="repeat">
+      <a:schemeClr val="accent1"/>
+    </dgm:fillClrLst>
+    <dgm:linClrLst meth="repeat">
+      <a:schemeClr val="lt1"/>
+    </dgm:linClrLst>
+    <dgm:effectClrLst/>
+    <dgm:txLinClrLst/>
+    <dgm:txFillClrLst/>
+    <dgm:txEffectClrLst/>
+  </dgm:styleLbl>
+  <dgm:styleLbl name="asst1">
+    <dgm:fillClrLst meth="repeat">
+      <a:schemeClr val="accent2"/>
+    </dgm:fillClrLst>
+    <dgm:linClrLst meth="repeat">
+      <a:schemeClr val="lt1"/>
+    </dgm:linClrLst>
+    <dgm:effectClrLst/>
+    <dgm:txLinClrLst/>
+    <dgm:txFillClrLst/>
+    <dgm:txEffectClrLst/>
+  </dgm:styleLbl>
+  <dgm:styleLbl name="asst2">
+    <dgm:fillClrLst>
+      <a:schemeClr val="accent3"/>
+    </dgm:fillClrLst>
+    <dgm:linClrLst meth="repeat">
+      <a:schemeClr val="lt1"/>
+    </dgm:linClrLst>
+    <dgm:effectClrLst/>
+    <dgm:txLinClrLst/>
+    <dgm:txFillClrLst/>
+    <dgm:txEffectClrLst/>
+  </dgm:styleLbl>
+  <dgm:styleLbl name="asst3">
+    <dgm:fillClrLst>
+      <a:schemeClr val="accent4"/>
+    </dgm:fillClrLst>
+    <dgm:linClrLst meth="repeat">
+      <a:schemeClr val="lt1"/>
+    </dgm:linClrLst>
+    <dgm:effectClrLst/>
+    <dgm:txLinClrLst/>
+    <dgm:txFillClrLst/>
+    <dgm:txEffectClrLst/>
+  </dgm:styleLbl>
+  <dgm:styleLbl name="asst4">
+    <dgm:fillClrLst>
+      <a:schemeClr val="accent5"/>
+    </dgm:fillClrLst>
+    <dgm:linClrLst meth="repeat">
+      <a:schemeClr val="lt1"/>
+    </dgm:linClrLst>
+    <dgm:effectClrLst/>
+    <dgm:txLinClrLst/>
+    <dgm:txFillClrLst/>
+    <dgm:txEffectClrLst/>
+  </dgm:styleLbl>
+  <dgm:styleLbl name="parChTrans2D1">
+    <dgm:fillClrLst meth="repeat">
+      <a:schemeClr val="accent2"/>
+    </dgm:fillClrLst>
+    <dgm:linClrLst meth="repeat">
+      <a:schemeClr val="lt1"/>
+    </dgm:linClrLst>
+    <dgm:effectClrLst/>
+    <dgm:txLinClrLst/>
+    <dgm:txFillClrLst meth="repeat">
+      <a:schemeClr val="lt1"/>
+    </dgm:txFillClrLst>
+    <dgm:txEffectClrLst/>
+  </dgm:styleLbl>
+  <dgm:styleLbl name="parChTrans2D2">
+    <dgm:fillClrLst meth="repeat">
+      <a:schemeClr val="accent3"/>
+    </dgm:fillClrLst>
+    <dgm:linClrLst meth="repeat">
+      <a:schemeClr val="lt1"/>
+    </dgm:linClrLst>
+    <dgm:effectClrLst/>
+    <dgm:txLinClrLst/>
+    <dgm:txFillClrLst/>
+    <dgm:txEffectClrLst/>
+  </dgm:styleLbl>
+  <dgm:styleLbl name="parChTrans2D3">
+    <dgm:fillClrLst meth="repeat">
+      <a:schemeClr val="accent4"/>
+    </dgm:fillClrLst>
+    <dgm:linClrLst meth="repeat">
+      <a:schemeClr val="lt1"/>
+    </dgm:linClrLst>
+    <dgm:effectClrLst/>
+    <dgm:txLinClrLst/>
+    <dgm:txFillClrLst/>
+    <dgm:txEffectClrLst/>
+  </dgm:styleLbl>
+  <dgm:styleLbl name="parChTrans2D4">
+    <dgm:fillClrLst meth="repeat">
+      <a:schemeClr val="accent5"/>
+    </dgm:fillClrLst>
+    <dgm:linClrLst meth="repeat">
+      <a:schemeClr val="lt1"/>
+    </dgm:linClrLst>
+    <dgm:effectClrLst/>
+    <dgm:txLinClrLst/>
+    <dgm:txFillClrLst meth="repeat">
+      <a:schemeClr val="lt1"/>
+    </dgm:txFillClrLst>
+    <dgm:txEffectClrLst/>
+  </dgm:styleLbl>
+  <dgm:styleLbl name="parChTrans1D1">
+    <dgm:fillClrLst meth="repeat">
+      <a:schemeClr val="accent2"/>
+    </dgm:fillClrLst>
+    <dgm:linClrLst meth="repeat">
+      <a:schemeClr val="accent1"/>
+    </dgm:linClrLst>
+    <dgm:effectClrLst/>
+    <dgm:txLinClrLst/>
+    <dgm:txFillClrLst meth="repeat">
+      <a:schemeClr val="tx1"/>
+    </dgm:txFillClrLst>
+    <dgm:txEffectClrLst/>
+  </dgm:styleLbl>
+  <dgm:styleLbl name="parChTrans1D2">
+    <dgm:fillClrLst meth="repeat">
+      <a:schemeClr val="accent3">
+        <a:tint val="90000"/>
+      </a:schemeClr>
+    </dgm:fillClrLst>
+    <dgm:linClrLst meth="repeat">
+      <a:schemeClr val="accent2"/>
+    </dgm:linClrLst>
+    <dgm:effectClrLst/>
+    <dgm:txLinClrLst/>
+    <dgm:txFillClrLst meth="repeat">
+      <a:schemeClr val="tx1"/>
+    </dgm:txFillClrLst>
+    <dgm:txEffectClrLst/>
+  </dgm:styleLbl>
+  <dgm:styleLbl name="parChTrans1D3">
+    <dgm:fillClrLst meth="repeat">
+      <a:schemeClr val="accent4">
+        <a:tint val="70000"/>
+      </a:schemeClr>
+    </dgm:fillClrLst>
+    <dgm:linClrLst meth="repeat">
+      <a:schemeClr val="accent3"/>
+    </dgm:linClrLst>
+    <dgm:effectClrLst/>
+    <dgm:txLinClrLst/>
+    <dgm:txFillClrLst meth="repeat">
+      <a:schemeClr val="tx1"/>
+    </dgm:txFillClrLst>
+    <dgm:txEffectClrLst/>
+  </dgm:styleLbl>
+  <dgm:styleLbl name="parChTrans1D4">
+    <dgm:fillClrLst meth="repeat">
+      <a:schemeClr val="accent5">
+        <a:tint val="50000"/>
+      </a:schemeClr>
+    </dgm:fillClrLst>
+    <dgm:linClrLst meth="repeat">
+      <a:schemeClr val="accent4"/>
+    </dgm:linClrLst>
+    <dgm:effectClrLst/>
+    <dgm:txLinClrLst/>
+    <dgm:txFillClrLst meth="repeat">
+      <a:schemeClr val="tx1"/>
+    </dgm:txFillClrLst>
+    <dgm:txEffectClrLst/>
+  </dgm:styleLbl>
+  <dgm:styleLbl name="fgAcc1">
+    <dgm:fillClrLst meth="repeat">
+      <a:schemeClr val="lt1">
+        <a:alpha val="90000"/>
+      </a:schemeClr>
+    </dgm:fillClrLst>
+    <dgm:linClrLst meth="repeat">
+      <a:schemeClr val="accent2"/>
+      <a:schemeClr val="accent3"/>
+      <a:schemeClr val="accent4"/>
+      <a:schemeClr val="accent5"/>
+      <a:schemeClr val="accent6"/>
+    </dgm:linClrLst>
+    <dgm:effectClrLst/>
+    <dgm:txLinClrLst/>
+    <dgm:txFillClrLst meth="repeat">
+      <a:schemeClr val="dk1"/>
+    </dgm:txFillClrLst>
+    <dgm:txEffectClrLst/>
+  </dgm:styleLbl>
+  <dgm:styleLbl name="conFgAcc1">
+    <dgm:fillClrLst meth="repeat">
+      <a:schemeClr val="lt1">
+        <a:alpha val="90000"/>
+      </a:schemeClr>
+    </dgm:fillClrLst>
+    <dgm:linClrLst meth="repeat">
+      <a:schemeClr val="accent2"/>
+      <a:schemeClr val="accent3"/>
+      <a:schemeClr val="accent4"/>
+      <a:schemeClr val="accent5"/>
+      <a:schemeClr val="accent6"/>
+    </dgm:linClrLst>
+    <dgm:effectClrLst/>
+    <dgm:txLinClrLst/>
+    <dgm:txFillClrLst meth="repeat">
+      <a:schemeClr val="dk1"/>
+    </dgm:txFillClrLst>
+    <dgm:txEffectClrLst/>
+  </dgm:styleLbl>
+  <dgm:styleLbl name="alignAcc1">
+    <dgm:fillClrLst meth="repeat">
+      <a:schemeClr val="lt1">
+        <a:alpha val="90000"/>
+      </a:schemeClr>
+    </dgm:fillClrLst>
+    <dgm:linClrLst meth="repeat">
+      <a:schemeClr val="accent2"/>
+      <a:schemeClr val="accent3"/>
+      <a:schemeClr val="accent4"/>
+      <a:schemeClr val="accent5"/>
+      <a:schemeClr val="accent6"/>
+    </dgm:linClrLst>
+    <dgm:effectClrLst/>
+    <dgm:txLinClrLst/>
+    <dgm:txFillClrLst meth="repeat">
+      <a:schemeClr val="dk1"/>
+    </dgm:txFillClrLst>
+    <dgm:txEffectClrLst/>
+  </dgm:styleLbl>
+  <dgm:styleLbl name="trAlignAcc1">
+    <dgm:fillClrLst meth="repeat">
+      <a:schemeClr val="lt1">
+        <a:alpha val="40000"/>
+      </a:schemeClr>
+    </dgm:fillClrLst>
+    <dgm:linClrLst meth="repeat">
+      <a:schemeClr val="accent1"/>
+    </dgm:linClrLst>
+    <dgm:effectClrLst/>
+    <dgm:txLinClrLst/>
+    <dgm:txFillClrLst meth="repeat">
+      <a:schemeClr val="dk1"/>
+    </dgm:txFillClrLst>
+    <dgm:txEffectClrLst/>
+  </dgm:styleLbl>
+  <dgm:styleLbl name="bgAcc1">
+    <dgm:fillClrLst meth="repeat">
+      <a:schemeClr val="lt1">
+        <a:alpha val="90000"/>
+      </a:schemeClr>
+    </dgm:fillClrLst>
+    <dgm:linClrLst meth="repeat">
+      <a:schemeClr val="accent2"/>
+      <a:schemeClr val="accent3"/>
+      <a:schemeClr val="accent4"/>
+      <a:schemeClr val="accent5"/>
+      <a:schemeClr val="accent6"/>
+    </dgm:linClrLst>
+    <dgm:effectClrLst/>
+    <dgm:txLinClrLst/>
+    <dgm:txFillClrLst meth="repeat">
+      <a:schemeClr val="dk1"/>
+    </dgm:txFillClrLst>
+    <dgm:txEffectClrLst/>
+  </dgm:styleLbl>
+  <dgm:styleLbl name="solidFgAcc1">
+    <dgm:fillClrLst meth="repeat">
+      <a:schemeClr val="lt1"/>
+    </dgm:fillClrLst>
+    <dgm:linClrLst meth="repeat">
+      <a:schemeClr val="accent2"/>
+      <a:schemeClr val="accent3"/>
+      <a:schemeClr val="accent4"/>
+      <a:schemeClr val="accent5"/>
+      <a:schemeClr val="accent6"/>
+    </dgm:linClrLst>
+    <dgm:effectClrLst/>
+    <dgm:txLinClrLst/>
+    <dgm:txFillClrLst meth="repeat">
+      <a:schemeClr val="dk1"/>
+    </dgm:txFillClrLst>
+    <dgm:txEffectClrLst/>
+  </dgm:styleLbl>
+  <dgm:styleLbl name="solidAlignAcc1">
+    <dgm:fillClrLst meth="repeat">
+      <a:schemeClr val="lt1"/>
+    </dgm:fillClrLst>
+    <dgm:linClrLst meth="repeat">
+      <a:schemeClr val="accent2"/>
+      <a:schemeClr val="accent3"/>
+      <a:schemeClr val="accent4"/>
+      <a:schemeClr val="accent5"/>
+      <a:schemeClr val="accent6"/>
+    </dgm:linClrLst>
+    <dgm:effectClrLst/>
+    <dgm:txLinClrLst/>
+    <dgm:txFillClrLst meth="repeat">
+      <a:schemeClr val="dk1"/>
+    </dgm:txFillClrLst>
+    <dgm:txEffectClrLst/>
+  </dgm:styleLbl>
+  <dgm:styleLbl name="solidBgAcc1">
+    <dgm:fillClrLst meth="repeat">
+      <a:schemeClr val="lt1"/>
+    </dgm:fillClrLst>
+    <dgm:linClrLst meth="repeat">
+      <a:schemeClr val="accent2"/>
+      <a:schemeClr val="accent3"/>
+      <a:schemeClr val="accent4"/>
+      <a:schemeClr val="accent5"/>
+      <a:schemeClr val="accent6"/>
+    </dgm:linClrLst>
+    <dgm:effectClrLst/>
+    <dgm:txLinClrLst/>
+    <dgm:txFillClrLst meth="repeat">
+      <a:schemeClr val="dk1"/>
+    </dgm:txFillClrLst>
+    <dgm:txEffectClrLst/>
+  </dgm:styleLbl>
+  <dgm:styleLbl name="fgAccFollowNode1">
+    <dgm:fillClrLst meth="repeat">
+      <a:schemeClr val="accent2">
+        <a:tint val="40000"/>
+        <a:alpha val="90000"/>
+      </a:schemeClr>
+      <a:schemeClr val="accent3">
+        <a:tint val="40000"/>
+        <a:alpha val="90000"/>
+      </a:schemeClr>
+      <a:schemeClr val="accent4">
+        <a:tint val="40000"/>
+        <a:alpha val="90000"/>
+      </a:schemeClr>
+      <a:schemeClr val="accent5">
+        <a:tint val="40000"/>
+        <a:alpha val="90000"/>
+      </a:schemeClr>
+      <a:schemeClr val="accent6">
+        <a:tint val="40000"/>
+        <a:alpha val="90000"/>
+      </a:schemeClr>
+    </dgm:fillClrLst>
+    <dgm:linClrLst meth="repeat">
+      <a:schemeClr val="accent2">
+        <a:tint val="40000"/>
+        <a:alpha val="90000"/>
+      </a:schemeClr>
+      <a:schemeClr val="accent3">
+        <a:tint val="40000"/>
+        <a:alpha val="90000"/>
+      </a:schemeClr>
+      <a:schemeClr val="accent4">
+        <a:tint val="40000"/>
+        <a:alpha val="90000"/>
+      </a:schemeClr>
+      <a:schemeClr val="accent5">
+        <a:tint val="40000"/>
+        <a:alpha val="90000"/>
+      </a:schemeClr>
+      <a:schemeClr val="accent6">
+        <a:tint val="40000"/>
+        <a:alpha val="90000"/>
+      </a:schemeClr>
+    </dgm:linClrLst>
+    <dgm:effectClrLst/>
+    <dgm:txLinClrLst/>
+    <dgm:txFillClrLst meth="repeat">
+      <a:schemeClr val="dk1"/>
+    </dgm:txFillClrLst>
+    <dgm:txEffectClrLst/>
+  </dgm:styleLbl>
+  <dgm:styleLbl name="alignAccFollowNode1">
+    <dgm:fillClrLst meth="repeat">
+      <a:schemeClr val="accent2">
+        <a:tint val="40000"/>
+        <a:alpha val="90000"/>
+      </a:schemeClr>
+      <a:schemeClr val="accent3">
+        <a:tint val="40000"/>
+        <a:alpha val="90000"/>
+      </a:schemeClr>
+      <a:schemeClr val="accent4">
+        <a:tint val="40000"/>
+        <a:alpha val="90000"/>
+      </a:schemeClr>
+      <a:schemeClr val="accent5">
+        <a:tint val="40000"/>
+        <a:alpha val="90000"/>
+      </a:schemeClr>
+      <a:schemeClr val="accent6">
+        <a:tint val="40000"/>
+        <a:alpha val="90000"/>
+      </a:schemeClr>
+    </dgm:fillClrLst>
+    <dgm:linClrLst meth="repeat">
+      <a:schemeClr val="accent2">
+        <a:tint val="40000"/>
+        <a:alpha val="90000"/>
+      </a:schemeClr>
+      <a:schemeClr val="accent3">
+        <a:tint val="40000"/>
+        <a:alpha val="90000"/>
+      </a:schemeClr>
+      <a:schemeClr val="accent4">
+        <a:tint val="40000"/>
+        <a:alpha val="90000"/>
+      </a:schemeClr>
+      <a:schemeClr val="accent5">
+        <a:tint val="40000"/>
+        <a:alpha val="90000"/>
+      </a:schemeClr>
+      <a:schemeClr val="accent6">
+        <a:tint val="40000"/>
+        <a:alpha val="90000"/>
+      </a:schemeClr>
+    </dgm:linClrLst>
+    <dgm:effectClrLst/>
+    <dgm:txLinClrLst/>
+    <dgm:txFillClrLst meth="repeat">
+      <a:schemeClr val="dk1"/>
+    </dgm:txFillClrLst>
+    <dgm:txEffectClrLst/>
+  </dgm:styleLbl>
+  <dgm:styleLbl name="bgAccFollowNode1">
+    <dgm:fillClrLst meth="repeat">
+      <a:schemeClr val="accent2">
+        <a:tint val="40000"/>
+        <a:alpha val="90000"/>
+      </a:schemeClr>
+      <a:schemeClr val="accent3">
+        <a:tint val="40000"/>
+        <a:alpha val="90000"/>
+      </a:schemeClr>
+      <a:schemeClr val="accent4">
+        <a:tint val="40000"/>
+        <a:alpha val="90000"/>
+      </a:schemeClr>
+      <a:schemeClr val="accent5">
+        <a:tint val="40000"/>
+        <a:alpha val="90000"/>
+      </a:schemeClr>
+      <a:schemeClr val="accent6">
+        <a:tint val="40000"/>
+        <a:alpha val="90000"/>
+      </a:schemeClr>
+    </dgm:fillClrLst>
+    <dgm:linClrLst meth="repeat">
+      <a:schemeClr val="accent2">
+        <a:tint val="40000"/>
+        <a:alpha val="90000"/>
+      </a:schemeClr>
+      <a:schemeClr val="accent3">
+        <a:tint val="40000"/>
+        <a:alpha val="90000"/>
+      </a:schemeClr>
+      <a:schemeClr val="accent4">
+        <a:tint val="40000"/>
+        <a:alpha val="90000"/>
+      </a:schemeClr>
+      <a:schemeClr val="accent5">
+        <a:tint val="40000"/>
+        <a:alpha val="90000"/>
+      </a:schemeClr>
+      <a:schemeClr val="accent6">
+        <a:tint val="40000"/>
+        <a:alpha val="90000"/>
+      </a:schemeClr>
+    </dgm:linClrLst>
+    <dgm:effectClrLst/>
+    <dgm:txLinClrLst/>
+    <dgm:txFillClrLst meth="repeat">
+      <a:schemeClr val="dk1"/>
+    </dgm:txFillClrLst>
+    <dgm:txEffectClrLst/>
+  </dgm:styleLbl>
+  <dgm:styleLbl name="fgAcc0">
+    <dgm:fillClrLst meth="repeat">
+      <a:schemeClr val="lt1">
+        <a:alpha val="90000"/>
+      </a:schemeClr>
+    </dgm:fillClrLst>
+    <dgm:linClrLst>
+      <a:schemeClr val="accent1"/>
+    </dgm:linClrLst>
+    <dgm:effectClrLst/>
+    <dgm:txLinClrLst/>
+    <dgm:txFillClrLst meth="repeat">
+      <a:schemeClr val="dk1"/>
+    </dgm:txFillClrLst>
+    <dgm:txEffectClrLst/>
+  </dgm:styleLbl>
+  <dgm:styleLbl name="fgAcc2">
+    <dgm:fillClrLst meth="repeat">
+      <a:schemeClr val="lt1">
+        <a:alpha val="90000"/>
+      </a:schemeClr>
+    </dgm:fillClrLst>
+    <dgm:linClrLst>
+      <a:schemeClr val="accent2"/>
+    </dgm:linClrLst>
+    <dgm:effectClrLst/>
+    <dgm:txLinClrLst/>
+    <dgm:txFillClrLst meth="repeat">
+      <a:schemeClr val="dk1"/>
+    </dgm:txFillClrLst>
+    <dgm:txEffectClrLst/>
+  </dgm:styleLbl>
+  <dgm:styleLbl name="fgAcc3">
+    <dgm:fillClrLst meth="repeat">
+      <a:schemeClr val="lt1">
+        <a:alpha val="90000"/>
+      </a:schemeClr>
+    </dgm:fillClrLst>
+    <dgm:linClrLst>
+      <a:schemeClr val="accent3"/>
+    </dgm:linClrLst>
+    <dgm:effectClrLst/>
+    <dgm:txLinClrLst/>
+    <dgm:txFillClrLst meth="repeat">
+      <a:schemeClr val="dk1"/>
+    </dgm:txFillClrLst>
+    <dgm:txEffectClrLst/>
+  </dgm:styleLbl>
+  <dgm:styleLbl name="fgAcc4">
+    <dgm:fillClrLst meth="repeat">
+      <a:schemeClr val="lt1">
+        <a:alpha val="90000"/>
+      </a:schemeClr>
+    </dgm:fillClrLst>
+    <dgm:linClrLst>
+      <a:schemeClr val="accent4"/>
+    </dgm:linClrLst>
+    <dgm:effectClrLst/>
+    <dgm:txLinClrLst/>
+    <dgm:txFillClrLst meth="repeat">
+      <a:schemeClr val="dk1"/>
+    </dgm:txFillClrLst>
+    <dgm:txEffectClrLst/>
+  </dgm:styleLbl>
+  <dgm:styleLbl name="bgShp">
+    <dgm:fillClrLst meth="repeat">
+      <a:schemeClr val="accent2"/>
+      <a:schemeClr val="accent3"/>
+      <a:schemeClr val="accent4"/>
+      <a:schemeClr val="accent5"/>
+      <a:schemeClr val="accent6"/>
+    </dgm:fillClrLst>
+    <dgm:linClrLst meth="repeat">
+      <a:schemeClr val="lt1">
+        <a:alpha val="0"/>
+      </a:schemeClr>
+    </dgm:linClrLst>
+    <dgm:effectClrLst/>
+    <dgm:txLinClrLst/>
+    <dgm:txFillClrLst/>
+    <dgm:txEffectClrLst/>
+  </dgm:styleLbl>
+  <dgm:styleLbl name="dkBgShp">
+    <dgm:fillClrLst meth="repeat">
+      <a:schemeClr val="accent2">
+        <a:shade val="90000"/>
+      </a:schemeClr>
+    </dgm:fillClrLst>
+    <dgm:linClrLst meth="repeat">
+      <a:schemeClr val="dk1"/>
+    </dgm:linClrLst>
+    <dgm:effectClrLst/>
+    <dgm:txLinClrLst/>
+    <dgm:txFillClrLst meth="repeat">
+      <a:schemeClr val="lt1"/>
+    </dgm:txFillClrLst>
+    <dgm:txEffectClrLst/>
+  </dgm:styleLbl>
+  <dgm:styleLbl name="trBgShp">
+    <dgm:fillClrLst meth="repeat">
+      <a:schemeClr val="accent1">
+        <a:tint val="50000"/>
+        <a:alpha val="40000"/>
+      </a:schemeClr>
+    </dgm:fillClrLst>
+    <dgm:linClrLst meth="repeat">
+      <a:schemeClr val="accent2"/>
+    </dgm:linClrLst>
+    <dgm:effectClrLst/>
+    <dgm:txLinClrLst/>
+    <dgm:txFillClrLst meth="repeat">
+      <a:schemeClr val="lt1"/>
+    </dgm:txFillClrLst>
+    <dgm:txEffectClrLst/>
+  </dgm:styleLbl>
+  <dgm:styleLbl name="fgShp">
+    <dgm:fillClrLst meth="repeat">
+      <a:schemeClr val="accent2">
+        <a:tint val="40000"/>
+      </a:schemeClr>
+    </dgm:fillClrLst>
+    <dgm:linClrLst meth="repeat">
+      <a:schemeClr val="lt1"/>
+    </dgm:linClrLst>
+    <dgm:effectClrLst/>
+    <dgm:txLinClrLst/>
+    <dgm:txFillClrLst meth="repeat">
+      <a:schemeClr val="dk1"/>
+    </dgm:txFillClrLst>
+    <dgm:txEffectClrLst/>
+  </dgm:styleLbl>
+  <dgm:styleLbl name="revTx">
+    <dgm:fillClrLst meth="repeat">
+      <a:schemeClr val="lt1">
+        <a:alpha val="0"/>
+      </a:schemeClr>
+    </dgm:fillClrLst>
+    <dgm:linClrLst meth="repeat">
+      <a:schemeClr val="dk1">
+        <a:alpha val="0"/>
+      </a:schemeClr>
+    </dgm:linClrLst>
+    <dgm:effectClrLst/>
+    <dgm:txLinClrLst/>
+    <dgm:txFillClrLst meth="repeat">
+      <a:schemeClr val="tx1"/>
+    </dgm:txFillClrLst>
+    <dgm:txEffectClrLst/>
+  </dgm:styleLbl>
+</dgm:colorsDef>
+</file>
+
+<file path=ppt/diagrams/data1.xml><?xml version="1.0" encoding="utf-8"?>
+<dgm:dataModel xmlns:dgm="http://schemas.openxmlformats.org/drawingml/2006/diagram" xmlns:a="http://schemas.openxmlformats.org/drawingml/2006/main">
+  <dgm:ptLst>
+    <dgm:pt modelId="{D6A8E4C5-5612-4C24-9B74-EE8DF1118721}" type="doc">
+      <dgm:prSet loTypeId="urn:microsoft.com/office/officeart/2018/5/layout/IconCircleLabelList" loCatId="icon" qsTypeId="urn:microsoft.com/office/officeart/2005/8/quickstyle/simple1" qsCatId="simple" csTypeId="urn:microsoft.com/office/officeart/2018/5/colors/Iconchunking_neutralicon_colorful1" csCatId="colorful" phldr="1"/>
+      <dgm:spPr/>
+      <dgm:t>
+        <a:bodyPr/>
+        <a:lstStyle/>
+        <a:p>
+          <a:endParaRPr lang="en-US"/>
+        </a:p>
+      </dgm:t>
+    </dgm:pt>
+    <dgm:pt modelId="{1F301181-B9E1-4C83-8334-7319C670AE5E}">
+      <dgm:prSet/>
+      <dgm:spPr/>
+      <dgm:t>
+        <a:bodyPr/>
+        <a:lstStyle/>
+        <a:p>
+          <a:pPr>
+            <a:defRPr cap="all"/>
+          </a:pPr>
+          <a:r>
+            <a:rPr lang="en-US" dirty="0"/>
+            <a:t>Clinical Heterogeneity.</a:t>
+          </a:r>
+        </a:p>
+      </dgm:t>
+    </dgm:pt>
+    <dgm:pt modelId="{B65EE4A5-FC7D-4B6E-B5A0-1BC1C28F2331}" type="parTrans" cxnId="{9D6094D5-9723-4A85-B070-BFA83011396F}">
+      <dgm:prSet/>
+      <dgm:spPr/>
+      <dgm:t>
+        <a:bodyPr/>
+        <a:lstStyle/>
+        <a:p>
+          <a:endParaRPr lang="en-US"/>
+        </a:p>
+      </dgm:t>
+    </dgm:pt>
+    <dgm:pt modelId="{BE14B17C-6F63-415E-B3B0-5051FB5BE895}" type="sibTrans" cxnId="{9D6094D5-9723-4A85-B070-BFA83011396F}">
+      <dgm:prSet/>
+      <dgm:spPr/>
+      <dgm:t>
+        <a:bodyPr/>
+        <a:lstStyle/>
+        <a:p>
+          <a:endParaRPr lang="en-US"/>
+        </a:p>
+      </dgm:t>
+    </dgm:pt>
+    <dgm:pt modelId="{7FB40A45-476E-412B-9567-AD8C11558CB4}">
+      <dgm:prSet/>
+      <dgm:spPr/>
+      <dgm:t>
+        <a:bodyPr/>
+        <a:lstStyle/>
+        <a:p>
+          <a:pPr>
+            <a:defRPr cap="all"/>
+          </a:pPr>
+          <a:r>
+            <a:rPr lang="en-US"/>
+            <a:t>Genetic Diversity.</a:t>
+          </a:r>
+        </a:p>
+      </dgm:t>
+    </dgm:pt>
+    <dgm:pt modelId="{1B19D3C6-8941-4EA9-8FED-FB9A322B8BEF}" type="parTrans" cxnId="{35053768-4044-4984-BC69-5D954EEFFEE7}">
+      <dgm:prSet/>
+      <dgm:spPr/>
+      <dgm:t>
+        <a:bodyPr/>
+        <a:lstStyle/>
+        <a:p>
+          <a:endParaRPr lang="en-US"/>
+        </a:p>
+      </dgm:t>
+    </dgm:pt>
+    <dgm:pt modelId="{C625C9BC-FADA-4F54-9651-B16B58136E62}" type="sibTrans" cxnId="{35053768-4044-4984-BC69-5D954EEFFEE7}">
+      <dgm:prSet/>
+      <dgm:spPr/>
+      <dgm:t>
+        <a:bodyPr/>
+        <a:lstStyle/>
+        <a:p>
+          <a:endParaRPr lang="en-US"/>
+        </a:p>
+      </dgm:t>
+    </dgm:pt>
+    <dgm:pt modelId="{56BF82C2-DE1C-45A4-AE6D-35CFE677BC66}">
+      <dgm:prSet/>
+      <dgm:spPr/>
+      <dgm:t>
+        <a:bodyPr/>
+        <a:lstStyle/>
+        <a:p>
+          <a:pPr>
+            <a:defRPr cap="all"/>
+          </a:pPr>
+          <a:r>
+            <a:rPr lang="en-US"/>
+            <a:t>Diagnosis Based on Symptoms.</a:t>
+          </a:r>
+        </a:p>
+      </dgm:t>
+    </dgm:pt>
+    <dgm:pt modelId="{8084FFD8-F125-49AE-A4E2-3B2B91EA6129}" type="parTrans" cxnId="{5D6206A2-299A-4BF4-BF41-8263203F77A9}">
+      <dgm:prSet/>
+      <dgm:spPr/>
+      <dgm:t>
+        <a:bodyPr/>
+        <a:lstStyle/>
+        <a:p>
+          <a:endParaRPr lang="en-US"/>
+        </a:p>
+      </dgm:t>
+    </dgm:pt>
+    <dgm:pt modelId="{0BD01A56-702D-4E02-B0F6-0B479998E93A}" type="sibTrans" cxnId="{5D6206A2-299A-4BF4-BF41-8263203F77A9}">
+      <dgm:prSet/>
+      <dgm:spPr/>
+      <dgm:t>
+        <a:bodyPr/>
+        <a:lstStyle/>
+        <a:p>
+          <a:endParaRPr lang="en-US"/>
+        </a:p>
+      </dgm:t>
+    </dgm:pt>
+    <dgm:pt modelId="{954EC3CD-DC66-4642-AC74-7AD1BF87827F}" type="pres">
+      <dgm:prSet presAssocID="{D6A8E4C5-5612-4C24-9B74-EE8DF1118721}" presName="root" presStyleCnt="0">
+        <dgm:presLayoutVars>
+          <dgm:dir/>
+          <dgm:resizeHandles val="exact"/>
+        </dgm:presLayoutVars>
+      </dgm:prSet>
+      <dgm:spPr/>
+      <dgm:t>
+        <a:bodyPr/>
+        <a:lstStyle/>
+        <a:p>
+          <a:pPr rtl="1"/>
+          <a:endParaRPr lang="he-IL"/>
+        </a:p>
+      </dgm:t>
+    </dgm:pt>
+    <dgm:pt modelId="{E2ECFE69-D48E-4CF2-8F6F-880DA70B445F}" type="pres">
+      <dgm:prSet presAssocID="{1F301181-B9E1-4C83-8334-7319C670AE5E}" presName="compNode" presStyleCnt="0"/>
+      <dgm:spPr/>
+    </dgm:pt>
+    <dgm:pt modelId="{2068DA73-23E6-4918-93AF-62348FBF42AA}" type="pres">
+      <dgm:prSet presAssocID="{1F301181-B9E1-4C83-8334-7319C670AE5E}" presName="iconBgRect" presStyleLbl="bgShp" presStyleIdx="0" presStyleCnt="3"/>
+      <dgm:spPr/>
+    </dgm:pt>
+    <dgm:pt modelId="{DA3194A7-6CB3-428B-9E8E-A07A13AE3DF6}" type="pres">
+      <dgm:prSet presAssocID="{1F301181-B9E1-4C83-8334-7319C670AE5E}" presName="iconRect" presStyleLbl="node1" presStyleIdx="0" presStyleCnt="3"/>
+      <dgm:spPr>
+        <a:blipFill>
+          <a:blip xmlns:r="http://schemas.openxmlformats.org/officeDocument/2006/relationships" r:embed="rId1">
+            <a:extLst>
+              <a:ext uri="{28A0092B-C50C-407E-A947-70E740481C1C}">
+                <a14:useLocalDpi xmlns:a14="http://schemas.microsoft.com/office/drawing/2010/main" val="0"/>
+              </a:ext>
+              <a:ext uri="{96DAC541-7B7A-43D3-8B79-37D633B846F1}">
+                <asvg:svgBlip xmlns:asvg="http://schemas.microsoft.com/office/drawing/2016/SVG/main" xmlns="" r:embed="rId2"/>
+              </a:ext>
+            </a:extLst>
+          </a:blip>
+          <a:stretch>
+            <a:fillRect/>
+          </a:stretch>
+        </a:blipFill>
+        <a:ln>
+          <a:noFill/>
+        </a:ln>
+      </dgm:spPr>
+      <dgm:extLst>
+        <a:ext uri="{E40237B7-FDA0-4F09-8148-C483321AD2D9}">
+          <dgm14:cNvPr xmlns:dgm14="http://schemas.microsoft.com/office/drawing/2010/diagram" id="0" name="" descr="דנ&quot;א"/>
+        </a:ext>
+      </dgm:extLst>
+    </dgm:pt>
+    <dgm:pt modelId="{9FE1FB6D-A2F1-4CD7-AE79-38BBCC17CAC1}" type="pres">
+      <dgm:prSet presAssocID="{1F301181-B9E1-4C83-8334-7319C670AE5E}" presName="spaceRect" presStyleCnt="0"/>
+      <dgm:spPr/>
+    </dgm:pt>
+    <dgm:pt modelId="{45ED0BE7-522D-4C5E-8405-F4ABD96B1AD6}" type="pres">
+      <dgm:prSet presAssocID="{1F301181-B9E1-4C83-8334-7319C670AE5E}" presName="textRect" presStyleLbl="revTx" presStyleIdx="0" presStyleCnt="3">
+        <dgm:presLayoutVars>
+          <dgm:chMax val="1"/>
+          <dgm:chPref val="1"/>
+        </dgm:presLayoutVars>
+      </dgm:prSet>
+      <dgm:spPr/>
+      <dgm:t>
+        <a:bodyPr/>
+        <a:lstStyle/>
+        <a:p>
+          <a:pPr rtl="1"/>
+          <a:endParaRPr lang="he-IL"/>
+        </a:p>
+      </dgm:t>
+    </dgm:pt>
+    <dgm:pt modelId="{2CC73336-9875-4EC9-BE2F-FF4476B91C08}" type="pres">
+      <dgm:prSet presAssocID="{BE14B17C-6F63-415E-B3B0-5051FB5BE895}" presName="sibTrans" presStyleCnt="0"/>
+      <dgm:spPr/>
+    </dgm:pt>
+    <dgm:pt modelId="{A4DBBA70-7B53-490C-AA4F-8B5930FBD374}" type="pres">
+      <dgm:prSet presAssocID="{7FB40A45-476E-412B-9567-AD8C11558CB4}" presName="compNode" presStyleCnt="0"/>
+      <dgm:spPr/>
+    </dgm:pt>
+    <dgm:pt modelId="{5C112F6D-CFA3-4F11-83F0-D1DE8CFCA2E1}" type="pres">
+      <dgm:prSet presAssocID="{7FB40A45-476E-412B-9567-AD8C11558CB4}" presName="iconBgRect" presStyleLbl="bgShp" presStyleIdx="1" presStyleCnt="3"/>
+      <dgm:spPr/>
+    </dgm:pt>
+    <dgm:pt modelId="{55C34A4C-437B-4949-AE2C-A3D2AB6DA618}" type="pres">
+      <dgm:prSet presAssocID="{7FB40A45-476E-412B-9567-AD8C11558CB4}" presName="iconRect" presStyleLbl="node1" presStyleIdx="1" presStyleCnt="3"/>
+      <dgm:spPr>
+        <a:blipFill>
+          <a:blip xmlns:r="http://schemas.openxmlformats.org/officeDocument/2006/relationships" r:embed="rId3">
+            <a:extLst>
+              <a:ext uri="{28A0092B-C50C-407E-A947-70E740481C1C}">
+                <a14:useLocalDpi xmlns:a14="http://schemas.microsoft.com/office/drawing/2010/main" val="0"/>
+              </a:ext>
+              <a:ext uri="{96DAC541-7B7A-43D3-8B79-37D633B846F1}">
+                <asvg:svgBlip xmlns:asvg="http://schemas.microsoft.com/office/drawing/2016/SVG/main" xmlns="" r:embed="rId4"/>
+              </a:ext>
+            </a:extLst>
+          </a:blip>
+          <a:stretch>
+            <a:fillRect/>
+          </a:stretch>
+        </a:blipFill>
+        <a:ln>
+          <a:noFill/>
+        </a:ln>
+      </dgm:spPr>
+      <dgm:extLst>
+        <a:ext uri="{E40237B7-FDA0-4F09-8148-C483321AD2D9}">
+          <dgm14:cNvPr xmlns:dgm14="http://schemas.microsoft.com/office/drawing/2010/diagram" id="0" name="" descr="Finger Print"/>
+        </a:ext>
+      </dgm:extLst>
+    </dgm:pt>
+    <dgm:pt modelId="{77502BD5-48C2-462F-88BC-37A1DBB861F9}" type="pres">
+      <dgm:prSet presAssocID="{7FB40A45-476E-412B-9567-AD8C11558CB4}" presName="spaceRect" presStyleCnt="0"/>
+      <dgm:spPr/>
+    </dgm:pt>
+    <dgm:pt modelId="{A5E9AD51-32C3-4513-B819-0EC615BE65F8}" type="pres">
+      <dgm:prSet presAssocID="{7FB40A45-476E-412B-9567-AD8C11558CB4}" presName="textRect" presStyleLbl="revTx" presStyleIdx="1" presStyleCnt="3">
+        <dgm:presLayoutVars>
+          <dgm:chMax val="1"/>
+          <dgm:chPref val="1"/>
+        </dgm:presLayoutVars>
+      </dgm:prSet>
+      <dgm:spPr/>
+      <dgm:t>
+        <a:bodyPr/>
+        <a:lstStyle/>
+        <a:p>
+          <a:pPr rtl="1"/>
+          <a:endParaRPr lang="he-IL"/>
+        </a:p>
+      </dgm:t>
+    </dgm:pt>
+    <dgm:pt modelId="{491C411A-8717-400E-A34F-9ED053C265E9}" type="pres">
+      <dgm:prSet presAssocID="{C625C9BC-FADA-4F54-9651-B16B58136E62}" presName="sibTrans" presStyleCnt="0"/>
+      <dgm:spPr/>
+    </dgm:pt>
+    <dgm:pt modelId="{999E9F28-2A19-47C8-98F5-759FF280255E}" type="pres">
+      <dgm:prSet presAssocID="{56BF82C2-DE1C-45A4-AE6D-35CFE677BC66}" presName="compNode" presStyleCnt="0"/>
+      <dgm:spPr/>
+    </dgm:pt>
+    <dgm:pt modelId="{A80A8607-B084-49DE-ADE4-50BDE0C5310F}" type="pres">
+      <dgm:prSet presAssocID="{56BF82C2-DE1C-45A4-AE6D-35CFE677BC66}" presName="iconBgRect" presStyleLbl="bgShp" presStyleIdx="2" presStyleCnt="3"/>
+      <dgm:spPr/>
+    </dgm:pt>
+    <dgm:pt modelId="{15744580-19B5-4E2F-82A5-727E880F9F6E}" type="pres">
+      <dgm:prSet presAssocID="{56BF82C2-DE1C-45A4-AE6D-35CFE677BC66}" presName="iconRect" presStyleLbl="node1" presStyleIdx="2" presStyleCnt="3"/>
+      <dgm:spPr>
+        <a:blipFill>
+          <a:blip xmlns:r="http://schemas.openxmlformats.org/officeDocument/2006/relationships" r:embed="rId5">
+            <a:extLst>
+              <a:ext uri="{28A0092B-C50C-407E-A947-70E740481C1C}">
+                <a14:useLocalDpi xmlns:a14="http://schemas.microsoft.com/office/drawing/2010/main" val="0"/>
+              </a:ext>
+              <a:ext uri="{96DAC541-7B7A-43D3-8B79-37D633B846F1}">
+                <asvg:svgBlip xmlns:asvg="http://schemas.microsoft.com/office/drawing/2016/SVG/main" xmlns="" r:embed="rId6"/>
+              </a:ext>
+            </a:extLst>
+          </a:blip>
+          <a:stretch>
+            <a:fillRect/>
+          </a:stretch>
+        </a:blipFill>
+        <a:ln>
+          <a:noFill/>
+        </a:ln>
+      </dgm:spPr>
+      <dgm:extLst>
+        <a:ext uri="{E40237B7-FDA0-4F09-8148-C483321AD2D9}">
+          <dgm14:cNvPr xmlns:dgm14="http://schemas.microsoft.com/office/drawing/2010/diagram" id="0" name="" descr="סטטוסקופ"/>
+        </a:ext>
+      </dgm:extLst>
+    </dgm:pt>
+    <dgm:pt modelId="{9EAAF8E6-EEA0-4AB4-9934-66D5F151A6B1}" type="pres">
+      <dgm:prSet presAssocID="{56BF82C2-DE1C-45A4-AE6D-35CFE677BC66}" presName="spaceRect" presStyleCnt="0"/>
+      <dgm:spPr/>
+    </dgm:pt>
+    <dgm:pt modelId="{97F3F3C2-E9CE-4907-9E85-EE11DB9C1526}" type="pres">
+      <dgm:prSet presAssocID="{56BF82C2-DE1C-45A4-AE6D-35CFE677BC66}" presName="textRect" presStyleLbl="revTx" presStyleIdx="2" presStyleCnt="3">
+        <dgm:presLayoutVars>
+          <dgm:chMax val="1"/>
+          <dgm:chPref val="1"/>
+        </dgm:presLayoutVars>
+      </dgm:prSet>
+      <dgm:spPr/>
+      <dgm:t>
+        <a:bodyPr/>
+        <a:lstStyle/>
+        <a:p>
+          <a:pPr rtl="1"/>
+          <a:endParaRPr lang="he-IL"/>
+        </a:p>
+      </dgm:t>
+    </dgm:pt>
+  </dgm:ptLst>
+  <dgm:cxnLst>
+    <dgm:cxn modelId="{B90DDC71-B75E-41A7-A395-E860B1988117}" type="presOf" srcId="{56BF82C2-DE1C-45A4-AE6D-35CFE677BC66}" destId="{97F3F3C2-E9CE-4907-9E85-EE11DB9C1526}" srcOrd="0" destOrd="0" presId="urn:microsoft.com/office/officeart/2018/5/layout/IconCircleLabelList"/>
+    <dgm:cxn modelId="{5D6206A2-299A-4BF4-BF41-8263203F77A9}" srcId="{D6A8E4C5-5612-4C24-9B74-EE8DF1118721}" destId="{56BF82C2-DE1C-45A4-AE6D-35CFE677BC66}" srcOrd="2" destOrd="0" parTransId="{8084FFD8-F125-49AE-A4E2-3B2B91EA6129}" sibTransId="{0BD01A56-702D-4E02-B0F6-0B479998E93A}"/>
+    <dgm:cxn modelId="{D899D208-6F93-4A76-B57D-66B0132F6504}" type="presOf" srcId="{D6A8E4C5-5612-4C24-9B74-EE8DF1118721}" destId="{954EC3CD-DC66-4642-AC74-7AD1BF87827F}" srcOrd="0" destOrd="0" presId="urn:microsoft.com/office/officeart/2018/5/layout/IconCircleLabelList"/>
+    <dgm:cxn modelId="{35053768-4044-4984-BC69-5D954EEFFEE7}" srcId="{D6A8E4C5-5612-4C24-9B74-EE8DF1118721}" destId="{7FB40A45-476E-412B-9567-AD8C11558CB4}" srcOrd="1" destOrd="0" parTransId="{1B19D3C6-8941-4EA9-8FED-FB9A322B8BEF}" sibTransId="{C625C9BC-FADA-4F54-9651-B16B58136E62}"/>
+    <dgm:cxn modelId="{0EC1CA18-45D0-4383-A10B-8198531780FA}" type="presOf" srcId="{1F301181-B9E1-4C83-8334-7319C670AE5E}" destId="{45ED0BE7-522D-4C5E-8405-F4ABD96B1AD6}" srcOrd="0" destOrd="0" presId="urn:microsoft.com/office/officeart/2018/5/layout/IconCircleLabelList"/>
+    <dgm:cxn modelId="{5F83DA07-6B84-44B8-870A-E41686224B32}" type="presOf" srcId="{7FB40A45-476E-412B-9567-AD8C11558CB4}" destId="{A5E9AD51-32C3-4513-B819-0EC615BE65F8}" srcOrd="0" destOrd="0" presId="urn:microsoft.com/office/officeart/2018/5/layout/IconCircleLabelList"/>
+    <dgm:cxn modelId="{9D6094D5-9723-4A85-B070-BFA83011396F}" srcId="{D6A8E4C5-5612-4C24-9B74-EE8DF1118721}" destId="{1F301181-B9E1-4C83-8334-7319C670AE5E}" srcOrd="0" destOrd="0" parTransId="{B65EE4A5-FC7D-4B6E-B5A0-1BC1C28F2331}" sibTransId="{BE14B17C-6F63-415E-B3B0-5051FB5BE895}"/>
+    <dgm:cxn modelId="{B7E708ED-BACB-46C1-A5C1-584C919C983F}" type="presParOf" srcId="{954EC3CD-DC66-4642-AC74-7AD1BF87827F}" destId="{E2ECFE69-D48E-4CF2-8F6F-880DA70B445F}" srcOrd="0" destOrd="0" presId="urn:microsoft.com/office/officeart/2018/5/layout/IconCircleLabelList"/>
+    <dgm:cxn modelId="{F0DA037A-DACE-4A31-A3BE-B2922ABD0C80}" type="presParOf" srcId="{E2ECFE69-D48E-4CF2-8F6F-880DA70B445F}" destId="{2068DA73-23E6-4918-93AF-62348FBF42AA}" srcOrd="0" destOrd="0" presId="urn:microsoft.com/office/officeart/2018/5/layout/IconCircleLabelList"/>
+    <dgm:cxn modelId="{055FAE0F-B74B-4BFC-AD69-72209699CC9A}" type="presParOf" srcId="{E2ECFE69-D48E-4CF2-8F6F-880DA70B445F}" destId="{DA3194A7-6CB3-428B-9E8E-A07A13AE3DF6}" srcOrd="1" destOrd="0" presId="urn:microsoft.com/office/officeart/2018/5/layout/IconCircleLabelList"/>
+    <dgm:cxn modelId="{E2FF3CAA-451E-4043-872E-C3BBAC6A569F}" type="presParOf" srcId="{E2ECFE69-D48E-4CF2-8F6F-880DA70B445F}" destId="{9FE1FB6D-A2F1-4CD7-AE79-38BBCC17CAC1}" srcOrd="2" destOrd="0" presId="urn:microsoft.com/office/officeart/2018/5/layout/IconCircleLabelList"/>
+    <dgm:cxn modelId="{428C6CCF-8678-4D16-BD94-3C7D2D5D842E}" type="presParOf" srcId="{E2ECFE69-D48E-4CF2-8F6F-880DA70B445F}" destId="{45ED0BE7-522D-4C5E-8405-F4ABD96B1AD6}" srcOrd="3" destOrd="0" presId="urn:microsoft.com/office/officeart/2018/5/layout/IconCircleLabelList"/>
+    <dgm:cxn modelId="{4DC647EE-ED46-471C-8A41-44DCB866798A}" type="presParOf" srcId="{954EC3CD-DC66-4642-AC74-7AD1BF87827F}" destId="{2CC73336-9875-4EC9-BE2F-FF4476B91C08}" srcOrd="1" destOrd="0" presId="urn:microsoft.com/office/officeart/2018/5/layout/IconCircleLabelList"/>
+    <dgm:cxn modelId="{999F03C5-5B7E-448D-92C7-C056F0DAA2DF}" type="presParOf" srcId="{954EC3CD-DC66-4642-AC74-7AD1BF87827F}" destId="{A4DBBA70-7B53-490C-AA4F-8B5930FBD374}" srcOrd="2" destOrd="0" presId="urn:microsoft.com/office/officeart/2018/5/layout/IconCircleLabelList"/>
+    <dgm:cxn modelId="{B2385F26-0036-43F1-90EA-FB8111AC2946}" type="presParOf" srcId="{A4DBBA70-7B53-490C-AA4F-8B5930FBD374}" destId="{5C112F6D-CFA3-4F11-83F0-D1DE8CFCA2E1}" srcOrd="0" destOrd="0" presId="urn:microsoft.com/office/officeart/2018/5/layout/IconCircleLabelList"/>
+    <dgm:cxn modelId="{4469FE99-62F6-42C1-84BF-892406743DD8}" type="presParOf" srcId="{A4DBBA70-7B53-490C-AA4F-8B5930FBD374}" destId="{55C34A4C-437B-4949-AE2C-A3D2AB6DA618}" srcOrd="1" destOrd="0" presId="urn:microsoft.com/office/officeart/2018/5/layout/IconCircleLabelList"/>
+    <dgm:cxn modelId="{0A9A96E6-81DC-451B-B4A8-C87D7FF3E8E4}" type="presParOf" srcId="{A4DBBA70-7B53-490C-AA4F-8B5930FBD374}" destId="{77502BD5-48C2-462F-88BC-37A1DBB861F9}" srcOrd="2" destOrd="0" presId="urn:microsoft.com/office/officeart/2018/5/layout/IconCircleLabelList"/>
+    <dgm:cxn modelId="{643E3D5E-57FF-4439-A3CF-BE68FB2D2916}" type="presParOf" srcId="{A4DBBA70-7B53-490C-AA4F-8B5930FBD374}" destId="{A5E9AD51-32C3-4513-B819-0EC615BE65F8}" srcOrd="3" destOrd="0" presId="urn:microsoft.com/office/officeart/2018/5/layout/IconCircleLabelList"/>
+    <dgm:cxn modelId="{95C6084C-3305-465E-B4E4-89B37FC0EF0F}" type="presParOf" srcId="{954EC3CD-DC66-4642-AC74-7AD1BF87827F}" destId="{491C411A-8717-400E-A34F-9ED053C265E9}" srcOrd="3" destOrd="0" presId="urn:microsoft.com/office/officeart/2018/5/layout/IconCircleLabelList"/>
+    <dgm:cxn modelId="{4E180C23-FEE8-4F06-9DCC-513A8A7C09C0}" type="presParOf" srcId="{954EC3CD-DC66-4642-AC74-7AD1BF87827F}" destId="{999E9F28-2A19-47C8-98F5-759FF280255E}" srcOrd="4" destOrd="0" presId="urn:microsoft.com/office/officeart/2018/5/layout/IconCircleLabelList"/>
+    <dgm:cxn modelId="{DC997940-96D9-4D56-BE41-141AD4CB37E3}" type="presParOf" srcId="{999E9F28-2A19-47C8-98F5-759FF280255E}" destId="{A80A8607-B084-49DE-ADE4-50BDE0C5310F}" srcOrd="0" destOrd="0" presId="urn:microsoft.com/office/officeart/2018/5/layout/IconCircleLabelList"/>
+    <dgm:cxn modelId="{58F0EEC4-FF9E-46AC-86A0-A433C72A6583}" type="presParOf" srcId="{999E9F28-2A19-47C8-98F5-759FF280255E}" destId="{15744580-19B5-4E2F-82A5-727E880F9F6E}" srcOrd="1" destOrd="0" presId="urn:microsoft.com/office/officeart/2018/5/layout/IconCircleLabelList"/>
+    <dgm:cxn modelId="{455C9BAE-6B99-4D55-8B2F-6E66DC2ABA84}" type="presParOf" srcId="{999E9F28-2A19-47C8-98F5-759FF280255E}" destId="{9EAAF8E6-EEA0-4AB4-9934-66D5F151A6B1}" srcOrd="2" destOrd="0" presId="urn:microsoft.com/office/officeart/2018/5/layout/IconCircleLabelList"/>
+    <dgm:cxn modelId="{9B8BA22C-7E22-44ED-B823-E299A847A0D3}" type="presParOf" srcId="{999E9F28-2A19-47C8-98F5-759FF280255E}" destId="{97F3F3C2-E9CE-4907-9E85-EE11DB9C1526}" srcOrd="3" destOrd="0" presId="urn:microsoft.com/office/officeart/2018/5/layout/IconCircleLabelList"/>
+  </dgm:cxnLst>
+  <dgm:bg/>
+  <dgm:whole/>
+  <dgm:extLst>
+    <a:ext uri="http://schemas.microsoft.com/office/drawing/2008/diagram">
+      <dsp:dataModelExt xmlns:dsp="http://schemas.microsoft.com/office/drawing/2008/diagram" relId="rId7" minVer="http://schemas.openxmlformats.org/drawingml/2006/diagram"/>
+    </a:ext>
+  </dgm:extLst>
+</dgm:dataModel>
+</file>
+
+<file path=ppt/diagrams/drawing1.xml><?xml version="1.0" encoding="utf-8"?>
+<dsp:drawing xmlns:dgm="http://schemas.openxmlformats.org/drawingml/2006/diagram" xmlns:dsp="http://schemas.microsoft.com/office/drawing/2008/diagram" xmlns:a="http://schemas.openxmlformats.org/drawingml/2006/main">
+  <dsp:spTree>
+    <dsp:nvGrpSpPr>
+      <dsp:cNvPr id="0" name=""/>
+      <dsp:cNvGrpSpPr/>
+    </dsp:nvGrpSpPr>
+    <dsp:grpSpPr/>
+    <dsp:sp modelId="{2068DA73-23E6-4918-93AF-62348FBF42AA}">
+      <dsp:nvSpPr>
+        <dsp:cNvPr id="0" name=""/>
+        <dsp:cNvSpPr/>
+      </dsp:nvSpPr>
+      <dsp:spPr>
+        <a:xfrm>
+          <a:off x="2076210" y="11924"/>
+          <a:ext cx="1132312" cy="1132312"/>
+        </a:xfrm>
+        <a:prstGeom prst="ellipse">
+          <a:avLst/>
+        </a:prstGeom>
+        <a:solidFill>
+          <a:schemeClr val="accent2">
+            <a:hueOff val="0"/>
+            <a:satOff val="0"/>
+            <a:lumOff val="0"/>
+            <a:alphaOff val="0"/>
+          </a:schemeClr>
+        </a:solidFill>
+        <a:ln>
+          <a:noFill/>
+        </a:ln>
+        <a:effectLst/>
+      </dsp:spPr>
+      <dsp:style>
+        <a:lnRef idx="0">
+          <a:scrgbClr r="0" g="0" b="0"/>
+        </a:lnRef>
+        <a:fillRef idx="1">
+          <a:scrgbClr r="0" g="0" b="0"/>
+        </a:fillRef>
+        <a:effectRef idx="0">
+          <a:scrgbClr r="0" g="0" b="0"/>
+        </a:effectRef>
+        <a:fontRef idx="minor"/>
+      </dsp:style>
+    </dsp:sp>
+    <dsp:sp modelId="{DA3194A7-6CB3-428B-9E8E-A07A13AE3DF6}">
+      <dsp:nvSpPr>
+        <dsp:cNvPr id="0" name=""/>
+        <dsp:cNvSpPr/>
+      </dsp:nvSpPr>
+      <dsp:spPr>
+        <a:xfrm>
+          <a:off x="2317522" y="253237"/>
+          <a:ext cx="649687" cy="649687"/>
+        </a:xfrm>
+        <a:prstGeom prst="rect">
+          <a:avLst/>
+        </a:prstGeom>
+        <a:blipFill>
+          <a:blip xmlns:r="http://schemas.openxmlformats.org/officeDocument/2006/relationships" r:embed="rId1">
+            <a:extLst>
+              <a:ext uri="{28A0092B-C50C-407E-A947-70E740481C1C}">
+                <a14:useLocalDpi xmlns:a14="http://schemas.microsoft.com/office/drawing/2010/main" val="0"/>
+              </a:ext>
+              <a:ext uri="{96DAC541-7B7A-43D3-8B79-37D633B846F1}">
+                <asvg:svgBlip xmlns:asvg="http://schemas.microsoft.com/office/drawing/2016/SVG/main" xmlns="" r:embed="rId2"/>
+              </a:ext>
+            </a:extLst>
+          </a:blip>
+          <a:stretch>
+            <a:fillRect/>
+          </a:stretch>
+        </a:blipFill>
+        <a:ln w="19050" cap="rnd" cmpd="sng" algn="ctr">
+          <a:noFill/>
+          <a:prstDash val="solid"/>
+        </a:ln>
+        <a:effectLst/>
+      </dsp:spPr>
+      <dsp:style>
+        <a:lnRef idx="2">
+          <a:scrgbClr r="0" g="0" b="0"/>
+        </a:lnRef>
+        <a:fillRef idx="1">
+          <a:scrgbClr r="0" g="0" b="0"/>
+        </a:fillRef>
+        <a:effectRef idx="0">
+          <a:scrgbClr r="0" g="0" b="0"/>
+        </a:effectRef>
+        <a:fontRef idx="minor">
+          <a:schemeClr val="lt1"/>
+        </a:fontRef>
+      </dsp:style>
+    </dsp:sp>
+    <dsp:sp modelId="{45ED0BE7-522D-4C5E-8405-F4ABD96B1AD6}">
+      <dsp:nvSpPr>
+        <dsp:cNvPr id="0" name=""/>
+        <dsp:cNvSpPr/>
+      </dsp:nvSpPr>
+      <dsp:spPr>
+        <a:xfrm>
+          <a:off x="1714241" y="1496925"/>
+          <a:ext cx="1856250" cy="720000"/>
+        </a:xfrm>
+        <a:prstGeom prst="rect">
+          <a:avLst/>
+        </a:prstGeom>
+        <a:noFill/>
+        <a:ln>
+          <a:noFill/>
+        </a:ln>
+        <a:effectLst/>
+      </dsp:spPr>
+      <dsp:style>
+        <a:lnRef idx="0">
+          <a:scrgbClr r="0" g="0" b="0"/>
+        </a:lnRef>
+        <a:fillRef idx="0">
+          <a:scrgbClr r="0" g="0" b="0"/>
+        </a:fillRef>
+        <a:effectRef idx="0">
+          <a:scrgbClr r="0" g="0" b="0"/>
+        </a:effectRef>
+        <a:fontRef idx="minor"/>
+      </dsp:style>
+      <dsp:txBody>
+        <a:bodyPr spcFirstLastPara="0" vert="horz" wrap="square" lIns="0" tIns="0" rIns="0" bIns="0" numCol="1" spcCol="1270" anchor="t" anchorCtr="0">
+          <a:noAutofit/>
+        </a:bodyPr>
+        <a:lstStyle/>
+        <a:p>
+          <a:pPr lvl="0" algn="ctr" defTabSz="800100">
+            <a:lnSpc>
+              <a:spcPct val="90000"/>
+            </a:lnSpc>
+            <a:spcBef>
+              <a:spcPct val="0"/>
+            </a:spcBef>
+            <a:spcAft>
+              <a:spcPct val="35000"/>
+            </a:spcAft>
+            <a:defRPr cap="all"/>
+          </a:pPr>
+          <a:r>
+            <a:rPr lang="en-US" sz="1800" kern="1200" dirty="0"/>
+            <a:t>Clinical Heterogeneity.</a:t>
+          </a:r>
+        </a:p>
+      </dsp:txBody>
+      <dsp:txXfrm>
+        <a:off x="1714241" y="1496925"/>
+        <a:ext cx="1856250" cy="720000"/>
+      </dsp:txXfrm>
+    </dsp:sp>
+    <dsp:sp modelId="{5C112F6D-CFA3-4F11-83F0-D1DE8CFCA2E1}">
+      <dsp:nvSpPr>
+        <dsp:cNvPr id="0" name=""/>
+        <dsp:cNvSpPr/>
+      </dsp:nvSpPr>
+      <dsp:spPr>
+        <a:xfrm>
+          <a:off x="4257303" y="11924"/>
+          <a:ext cx="1132312" cy="1132312"/>
+        </a:xfrm>
+        <a:prstGeom prst="ellipse">
+          <a:avLst/>
+        </a:prstGeom>
+        <a:solidFill>
+          <a:schemeClr val="accent3">
+            <a:hueOff val="0"/>
+            <a:satOff val="0"/>
+            <a:lumOff val="0"/>
+            <a:alphaOff val="0"/>
+          </a:schemeClr>
+        </a:solidFill>
+        <a:ln>
+          <a:noFill/>
+        </a:ln>
+        <a:effectLst/>
+      </dsp:spPr>
+      <dsp:style>
+        <a:lnRef idx="0">
+          <a:scrgbClr r="0" g="0" b="0"/>
+        </a:lnRef>
+        <a:fillRef idx="1">
+          <a:scrgbClr r="0" g="0" b="0"/>
+        </a:fillRef>
+        <a:effectRef idx="0">
+          <a:scrgbClr r="0" g="0" b="0"/>
+        </a:effectRef>
+        <a:fontRef idx="minor"/>
+      </dsp:style>
+    </dsp:sp>
+    <dsp:sp modelId="{55C34A4C-437B-4949-AE2C-A3D2AB6DA618}">
+      <dsp:nvSpPr>
+        <dsp:cNvPr id="0" name=""/>
+        <dsp:cNvSpPr/>
+      </dsp:nvSpPr>
+      <dsp:spPr>
+        <a:xfrm>
+          <a:off x="4498616" y="253237"/>
+          <a:ext cx="649687" cy="649687"/>
+        </a:xfrm>
+        <a:prstGeom prst="rect">
+          <a:avLst/>
+        </a:prstGeom>
+        <a:blipFill>
+          <a:blip xmlns:r="http://schemas.openxmlformats.org/officeDocument/2006/relationships" r:embed="rId3">
+            <a:extLst>
+              <a:ext uri="{28A0092B-C50C-407E-A947-70E740481C1C}">
+                <a14:useLocalDpi xmlns:a14="http://schemas.microsoft.com/office/drawing/2010/main" val="0"/>
+              </a:ext>
+              <a:ext uri="{96DAC541-7B7A-43D3-8B79-37D633B846F1}">
+                <asvg:svgBlip xmlns:asvg="http://schemas.microsoft.com/office/drawing/2016/SVG/main" xmlns="" r:embed="rId4"/>
+              </a:ext>
+            </a:extLst>
+          </a:blip>
+          <a:stretch>
+            <a:fillRect/>
+          </a:stretch>
+        </a:blipFill>
+        <a:ln w="19050" cap="rnd" cmpd="sng" algn="ctr">
+          <a:noFill/>
+          <a:prstDash val="solid"/>
+        </a:ln>
+        <a:effectLst/>
+      </dsp:spPr>
+      <dsp:style>
+        <a:lnRef idx="2">
+          <a:scrgbClr r="0" g="0" b="0"/>
+        </a:lnRef>
+        <a:fillRef idx="1">
+          <a:scrgbClr r="0" g="0" b="0"/>
+        </a:fillRef>
+        <a:effectRef idx="0">
+          <a:scrgbClr r="0" g="0" b="0"/>
+        </a:effectRef>
+        <a:fontRef idx="minor">
+          <a:schemeClr val="lt1"/>
+        </a:fontRef>
+      </dsp:style>
+    </dsp:sp>
+    <dsp:sp modelId="{A5E9AD51-32C3-4513-B819-0EC615BE65F8}">
+      <dsp:nvSpPr>
+        <dsp:cNvPr id="0" name=""/>
+        <dsp:cNvSpPr/>
+      </dsp:nvSpPr>
+      <dsp:spPr>
+        <a:xfrm>
+          <a:off x="3895335" y="1496925"/>
+          <a:ext cx="1856250" cy="720000"/>
+        </a:xfrm>
+        <a:prstGeom prst="rect">
+          <a:avLst/>
+        </a:prstGeom>
+        <a:noFill/>
+        <a:ln>
+          <a:noFill/>
+        </a:ln>
+        <a:effectLst/>
+      </dsp:spPr>
+      <dsp:style>
+        <a:lnRef idx="0">
+          <a:scrgbClr r="0" g="0" b="0"/>
+        </a:lnRef>
+        <a:fillRef idx="0">
+          <a:scrgbClr r="0" g="0" b="0"/>
+        </a:fillRef>
+        <a:effectRef idx="0">
+          <a:scrgbClr r="0" g="0" b="0"/>
+        </a:effectRef>
+        <a:fontRef idx="minor"/>
+      </dsp:style>
+      <dsp:txBody>
+        <a:bodyPr spcFirstLastPara="0" vert="horz" wrap="square" lIns="0" tIns="0" rIns="0" bIns="0" numCol="1" spcCol="1270" anchor="t" anchorCtr="0">
+          <a:noAutofit/>
+        </a:bodyPr>
+        <a:lstStyle/>
+        <a:p>
+          <a:pPr lvl="0" algn="ctr" defTabSz="800100">
+            <a:lnSpc>
+              <a:spcPct val="90000"/>
+            </a:lnSpc>
+            <a:spcBef>
+              <a:spcPct val="0"/>
+            </a:spcBef>
+            <a:spcAft>
+              <a:spcPct val="35000"/>
+            </a:spcAft>
+            <a:defRPr cap="all"/>
+          </a:pPr>
+          <a:r>
+            <a:rPr lang="en-US" sz="1800" kern="1200"/>
+            <a:t>Genetic Diversity.</a:t>
+          </a:r>
+        </a:p>
+      </dsp:txBody>
+      <dsp:txXfrm>
+        <a:off x="3895335" y="1496925"/>
+        <a:ext cx="1856250" cy="720000"/>
+      </dsp:txXfrm>
+    </dsp:sp>
+    <dsp:sp modelId="{A80A8607-B084-49DE-ADE4-50BDE0C5310F}">
+      <dsp:nvSpPr>
+        <dsp:cNvPr id="0" name=""/>
+        <dsp:cNvSpPr/>
+      </dsp:nvSpPr>
+      <dsp:spPr>
+        <a:xfrm>
+          <a:off x="6438397" y="11924"/>
+          <a:ext cx="1132312" cy="1132312"/>
+        </a:xfrm>
+        <a:prstGeom prst="ellipse">
+          <a:avLst/>
+        </a:prstGeom>
+        <a:solidFill>
+          <a:schemeClr val="accent4">
+            <a:hueOff val="0"/>
+            <a:satOff val="0"/>
+            <a:lumOff val="0"/>
+            <a:alphaOff val="0"/>
+          </a:schemeClr>
+        </a:solidFill>
+        <a:ln>
+          <a:noFill/>
+        </a:ln>
+        <a:effectLst/>
+      </dsp:spPr>
+      <dsp:style>
+        <a:lnRef idx="0">
+          <a:scrgbClr r="0" g="0" b="0"/>
+        </a:lnRef>
+        <a:fillRef idx="1">
+          <a:scrgbClr r="0" g="0" b="0"/>
+        </a:fillRef>
+        <a:effectRef idx="0">
+          <a:scrgbClr r="0" g="0" b="0"/>
+        </a:effectRef>
+        <a:fontRef idx="minor"/>
+      </dsp:style>
+    </dsp:sp>
+    <dsp:sp modelId="{15744580-19B5-4E2F-82A5-727E880F9F6E}">
+      <dsp:nvSpPr>
+        <dsp:cNvPr id="0" name=""/>
+        <dsp:cNvSpPr/>
+      </dsp:nvSpPr>
+      <dsp:spPr>
+        <a:xfrm>
+          <a:off x="6679710" y="253237"/>
+          <a:ext cx="649687" cy="649687"/>
+        </a:xfrm>
+        <a:prstGeom prst="rect">
+          <a:avLst/>
+        </a:prstGeom>
+        <a:blipFill>
+          <a:blip xmlns:r="http://schemas.openxmlformats.org/officeDocument/2006/relationships" r:embed="rId5">
+            <a:extLst>
+              <a:ext uri="{28A0092B-C50C-407E-A947-70E740481C1C}">
+                <a14:useLocalDpi xmlns:a14="http://schemas.microsoft.com/office/drawing/2010/main" val="0"/>
+              </a:ext>
+              <a:ext uri="{96DAC541-7B7A-43D3-8B79-37D633B846F1}">
+                <asvg:svgBlip xmlns:asvg="http://schemas.microsoft.com/office/drawing/2016/SVG/main" xmlns="" r:embed="rId6"/>
+              </a:ext>
+            </a:extLst>
+          </a:blip>
+          <a:stretch>
+            <a:fillRect/>
+          </a:stretch>
+        </a:blipFill>
+        <a:ln w="19050" cap="rnd" cmpd="sng" algn="ctr">
+          <a:noFill/>
+          <a:prstDash val="solid"/>
+        </a:ln>
+        <a:effectLst/>
+      </dsp:spPr>
+      <dsp:style>
+        <a:lnRef idx="2">
+          <a:scrgbClr r="0" g="0" b="0"/>
+        </a:lnRef>
+        <a:fillRef idx="1">
+          <a:scrgbClr r="0" g="0" b="0"/>
+        </a:fillRef>
+        <a:effectRef idx="0">
+          <a:scrgbClr r="0" g="0" b="0"/>
+        </a:effectRef>
+        <a:fontRef idx="minor">
+          <a:schemeClr val="lt1"/>
+        </a:fontRef>
+      </dsp:style>
+    </dsp:sp>
+    <dsp:sp modelId="{97F3F3C2-E9CE-4907-9E85-EE11DB9C1526}">
+      <dsp:nvSpPr>
+        <dsp:cNvPr id="0" name=""/>
+        <dsp:cNvSpPr/>
+      </dsp:nvSpPr>
+      <dsp:spPr>
+        <a:xfrm>
+          <a:off x="6076428" y="1496925"/>
+          <a:ext cx="1856250" cy="720000"/>
+        </a:xfrm>
+        <a:prstGeom prst="rect">
+          <a:avLst/>
+        </a:prstGeom>
+        <a:noFill/>
+        <a:ln>
+          <a:noFill/>
+        </a:ln>
+        <a:effectLst/>
+      </dsp:spPr>
+      <dsp:style>
+        <a:lnRef idx="0">
+          <a:scrgbClr r="0" g="0" b="0"/>
+        </a:lnRef>
+        <a:fillRef idx="0">
+          <a:scrgbClr r="0" g="0" b="0"/>
+        </a:fillRef>
+        <a:effectRef idx="0">
+          <a:scrgbClr r="0" g="0" b="0"/>
+        </a:effectRef>
+        <a:fontRef idx="minor"/>
+      </dsp:style>
+      <dsp:txBody>
+        <a:bodyPr spcFirstLastPara="0" vert="horz" wrap="square" lIns="0" tIns="0" rIns="0" bIns="0" numCol="1" spcCol="1270" anchor="t" anchorCtr="0">
+          <a:noAutofit/>
+        </a:bodyPr>
+        <a:lstStyle/>
+        <a:p>
+          <a:pPr lvl="0" algn="ctr" defTabSz="800100">
+            <a:lnSpc>
+              <a:spcPct val="90000"/>
+            </a:lnSpc>
+            <a:spcBef>
+              <a:spcPct val="0"/>
+            </a:spcBef>
+            <a:spcAft>
+              <a:spcPct val="35000"/>
+            </a:spcAft>
+            <a:defRPr cap="all"/>
+          </a:pPr>
+          <a:r>
+            <a:rPr lang="en-US" sz="1800" kern="1200"/>
+            <a:t>Diagnosis Based on Symptoms.</a:t>
+          </a:r>
+        </a:p>
+      </dsp:txBody>
+      <dsp:txXfrm>
+        <a:off x="6076428" y="1496925"/>
+        <a:ext cx="1856250" cy="720000"/>
+      </dsp:txXfrm>
+    </dsp:sp>
+  </dsp:spTree>
+</dsp:drawing>
+</file>
+
+<file path=ppt/diagrams/layout1.xml><?xml version="1.0" encoding="utf-8"?>
+<dgm:layoutDef xmlns:dgm="http://schemas.openxmlformats.org/drawingml/2006/diagram" xmlns:a="http://schemas.openxmlformats.org/drawingml/2006/main" uniqueId="urn:microsoft.com/office/officeart/2018/5/layout/IconCircleLabelList">
+  <dgm:title val="Icon Circle Label List"/>
+  <dgm:desc val="Use to show non-sequential or grouped chunks of information accompanied by a related visuals. Works best with icons or small pictures with short text captions."/>
+  <dgm:catLst>
+    <dgm:cat type="icon" pri="500"/>
+  </dgm:catLst>
+  <dgm:sampData useDef="1">
+    <dgm:dataModel>
+      <dgm:ptLst/>
+      <dgm:bg/>
+      <dgm:whole/>
+    </dgm:dataModel>
+  </dgm:sampData>
+  <dgm:styleData useDef="1">
+    <dgm:dataModel>
+      <dgm:ptLst/>
+      <dgm:bg/>
+      <dgm:whole/>
+    </dgm:dataModel>
+  </dgm:styleData>
+  <dgm:clrData useDef="1">
+    <dgm:dataModel>
+      <dgm:ptLst/>
+      <dgm:bg/>
+      <dgm:whole/>
+    </dgm:dataModel>
+  </dgm:clrData>
+  <dgm:layoutNode name="root">
+    <dgm:varLst>
+      <dgm:dir/>
+      <dgm:resizeHandles val="exact"/>
+    </dgm:varLst>
+    <dgm:choose name="Name0">
+      <dgm:if name="Name1" axis="self" func="var" arg="dir" op="equ" val="norm">
+        <dgm:alg type="snake">
+          <dgm:param type="grDir" val="tL"/>
+          <dgm:param type="flowDir" val="row"/>
+          <dgm:param type="contDir" val="sameDir"/>
+          <dgm:param type="off" val="ctr"/>
+          <dgm:param type="vertAlign" val="mid"/>
+          <dgm:param type="horzAlign" val="ctr"/>
+        </dgm:alg>
+      </dgm:if>
+      <dgm:else name="Name2">
+        <dgm:alg type="snake">
+          <dgm:param type="grDir" val="tR"/>
+          <dgm:param type="flowDir" val="row"/>
+          <dgm:param type="contDir" val="sameDir"/>
+          <dgm:param type="off" val="ctr"/>
+          <dgm:param type="vertAlign" val="mid"/>
+          <dgm:param type="horzAlign" val="ctr"/>
+        </dgm:alg>
+      </dgm:else>
+    </dgm:choose>
+    <dgm:shape xmlns:r="http://schemas.openxmlformats.org/officeDocument/2006/relationships" r:blip="">
+      <dgm:adjLst/>
+    </dgm:shape>
+    <dgm:presOf/>
+    <dgm:choose name="Name3">
+      <dgm:if name="Name4" axis="ch" ptType="node" func="cnt" op="lte" val="2">
+        <dgm:constrLst>
+          <dgm:constr type="h" for="ch" forName="compNode" refType="h" fact="0.4"/>
+          <dgm:constr type="w" for="ch" forName="compNode" val="100"/>
+          <dgm:constr type="w" for="ch" forName="sibTrans" refType="w" refFor="ch" refForName="compNode" fact="0.175"/>
+          <dgm:constr type="sp" refType="w" refFor="ch" refForName="compNode" op="equ" fact="0.25"/>
+          <dgm:constr type="primFontSz" for="des" ptType="node" op="equ" val="44"/>
+          <dgm:constr type="h" for="des" forName="compNode" op="equ"/>
+          <dgm:constr type="h" for="des" forName="textRect" op="equ"/>
+        </dgm:constrLst>
+      </dgm:if>
+      <dgm:if name="Name5" axis="ch" ptType="node" func="cnt" op="lte" val="3">
+        <dgm:constrLst>
+          <dgm:constr type="h" for="ch" forName="compNode" refType="h" fact="0.4"/>
+          <dgm:constr type="w" for="ch" forName="compNode" val="100"/>
+          <dgm:constr type="w" for="ch" forName="sibTrans" refType="w" refFor="ch" refForName="compNode" fact="0.175"/>
+          <dgm:constr type="sp" refType="w" refFor="ch" refForName="compNode" op="equ" fact="0.25"/>
+          <dgm:constr type="primFontSz" for="des" ptType="node" op="equ" val="40"/>
+          <dgm:constr type="h" for="des" forName="compNode" op="equ"/>
+          <dgm:constr type="h" for="des" forName="textRect" op="equ"/>
+        </dgm:constrLst>
+      </dgm:if>
+      <dgm:if name="Name6" axis="ch" ptType="node" func="cnt" op="lte" val="4">
+        <dgm:constrLst>
+          <dgm:constr type="h" for="ch" forName="compNode" refType="h" fact="0.4"/>
+          <dgm:constr type="w" for="ch" forName="compNode" refType="w"/>
+          <dgm:constr type="w" for="ch" forName="sibTrans" refType="w" refFor="ch" refForName="compNode" fact="0.175"/>
+          <dgm:constr type="sp" refType="w" refFor="ch" refForName="compNode" op="equ" fact="0.25"/>
+          <dgm:constr type="primFontSz" for="des" ptType="node" op="equ" val="32"/>
+          <dgm:constr type="h" for="des" forName="compNode" op="equ"/>
+          <dgm:constr type="h" for="des" forName="textRect" op="equ"/>
+        </dgm:constrLst>
+      </dgm:if>
+      <dgm:else name="Name7">
+        <dgm:constrLst>
+          <dgm:constr type="h" for="ch" forName="compNode" refType="h" fact="0.4"/>
+          <dgm:constr type="w" for="ch" forName="compNode" refType="w"/>
+          <dgm:constr type="w" for="ch" forName="sibTrans" refType="w" refFor="ch" refForName="compNode" fact="0.175"/>
+          <dgm:constr type="sp" refType="w" refFor="ch" refForName="compNode" op="equ" fact="0.25"/>
+          <dgm:constr type="primFontSz" for="des" ptType="node" op="equ" val="24"/>
+          <dgm:constr type="h" for="des" forName="compNode" op="equ"/>
+          <dgm:constr type="h" for="des" forName="textRect" op="equ"/>
+        </dgm:constrLst>
+      </dgm:else>
+    </dgm:choose>
+    <dgm:ruleLst>
+      <dgm:rule type="w" for="ch" forName="compNode" val="50" fact="NaN" max="NaN"/>
+    </dgm:ruleLst>
+    <dgm:forEach name="Name8" axis="ch" ptType="node">
+      <dgm:layoutNode name="compNode">
+        <dgm:alg type="composite"/>
+        <dgm:shape xmlns:r="http://schemas.openxmlformats.org/officeDocument/2006/relationships" r:blip="">
+          <dgm:adjLst/>
+        </dgm:shape>
+        <dgm:presOf axis="self"/>
+        <dgm:constrLst>
+          <dgm:constr type="w" for="ch" forName="iconBgRect" refType="w" fact="0.61"/>
+          <dgm:constr type="h" for="ch" forName="iconBgRect" refType="w" refFor="ch" refForName="iconBgRect"/>
+          <dgm:constr type="t" for="ch" forName="iconBgRect"/>
+          <dgm:constr type="ctrX" for="ch" forName="iconBgRect" refType="w" fact="0.5"/>
+          <dgm:constr type="w" for="ch" forName="iconRect" refType="w" fact="0.35"/>
+          <dgm:constr type="h" for="ch" forName="iconRect" refType="w" refFor="ch" refForName="iconRect"/>
+          <dgm:constr type="ctrX" for="ch" forName="iconRect" refType="ctrX" refFor="ch" refForName="iconBgRect"/>
+          <dgm:constr type="ctrY" for="ch" forName="iconRect" refType="ctrY" refFor="ch" refForName="iconBgRect"/>
+          <dgm:constr type="h" for="ch" forName="spaceRect" refType="w" fact="0.19"/>
+          <dgm:constr type="w" for="ch" forName="spaceRect" refType="w"/>
+          <dgm:constr type="l" for="ch" forName="spaceRect"/>
+          <dgm:constr type="t" for="ch" forName="spaceRect" refType="b" refFor="ch" refForName="iconBgRect"/>
+          <dgm:constr type="h" for="ch" forName="textRect" val="20"/>
+          <dgm:constr type="w" for="ch" forName="textRect" refType="w"/>
+          <dgm:constr type="l" for="ch" forName="textRect"/>
+          <dgm:constr type="t" for="ch" forName="textRect" refType="b" refFor="ch" refForName="spaceRect"/>
+        </dgm:constrLst>
+        <dgm:ruleLst>
+          <dgm:rule type="h" val="INF" fact="NaN" max="NaN"/>
+        </dgm:ruleLst>
+        <dgm:layoutNode name="iconBgRect" styleLbl="bgShp">
+          <dgm:alg type="sp"/>
+          <dgm:shape xmlns:r="http://schemas.openxmlformats.org/officeDocument/2006/relationships" type="ellipse" r:blip="">
+            <dgm:adjLst/>
+          </dgm:shape>
+          <dgm:presOf/>
+          <dgm:constrLst/>
+          <dgm:ruleLst/>
+        </dgm:layoutNode>
+        <dgm:layoutNode name="iconRect" styleLbl="node1">
+          <dgm:alg type="sp"/>
+          <dgm:shape xmlns:r="http://schemas.openxmlformats.org/officeDocument/2006/relationships" type="rect" r:blip="" blipPhldr="1">
+            <dgm:adjLst/>
+          </dgm:shape>
+          <dgm:presOf/>
+          <dgm:constrLst/>
+          <dgm:ruleLst/>
+        </dgm:layoutNode>
+        <dgm:layoutNode name="spaceRect">
+          <dgm:alg type="sp"/>
+          <dgm:shape xmlns:r="http://schemas.openxmlformats.org/officeDocument/2006/relationships" r:blip="">
+            <dgm:adjLst/>
+          </dgm:shape>
+          <dgm:presOf/>
+          <dgm:constrLst/>
+          <dgm:ruleLst/>
+        </dgm:layoutNode>
+        <dgm:layoutNode name="textRect" styleLbl="revTx">
+          <dgm:varLst>
+            <dgm:chMax val="1"/>
+            <dgm:chPref val="1"/>
+          </dgm:varLst>
+          <dgm:alg type="tx">
+            <dgm:param type="txAnchorVert" val="t"/>
+          </dgm:alg>
+          <dgm:shape xmlns:r="http://schemas.openxmlformats.org/officeDocument/2006/relationships" type="rect" r:blip="">
+            <dgm:adjLst/>
+          </dgm:shape>
+          <dgm:presOf axis="self" ptType="node"/>
+          <dgm:constrLst>
+            <dgm:constr type="lMarg"/>
+            <dgm:constr type="rMarg"/>
+            <dgm:constr type="tMarg"/>
+            <dgm:constr type="bMarg"/>
+          </dgm:constrLst>
+          <dgm:ruleLst>
+            <dgm:rule type="primFontSz" val="11" fact="NaN" max="NaN"/>
+            <dgm:rule type="h" val="INF" fact="NaN" max="NaN"/>
+          </dgm:ruleLst>
+        </dgm:layoutNode>
+      </dgm:layoutNode>
+      <dgm:forEach name="Name9" axis="followSib" ptType="sibTrans" cnt="1">
+        <dgm:layoutNode name="sibTrans">
+          <dgm:alg type="sp"/>
+          <dgm:shape xmlns:r="http://schemas.openxmlformats.org/officeDocument/2006/relationships" r:blip="">
+            <dgm:adjLst/>
+          </dgm:shape>
+          <dgm:presOf axis="self"/>
+          <dgm:constrLst/>
+          <dgm:ruleLst/>
+        </dgm:layoutNode>
+      </dgm:forEach>
+    </dgm:forEach>
+  </dgm:layoutNode>
+  <dgm:extLst>
+    <a:ext uri="{68A01E43-0DF5-4B5B-8FA6-DAF915123BFB}">
+      <dgm1612:lstStyle xmlns:dgm1612="http://schemas.microsoft.com/office/drawing/2016/12/diagram" xmlns="">
+        <a:lvl1pPr>
+          <a:lnSpc>
+            <a:spcPct val="100000"/>
+          </a:lnSpc>
+          <a:defRPr cap="all"/>
+        </a:lvl1pPr>
+      </dgm1612:lstStyle>
+    </a:ext>
+  </dgm:extLst>
+</dgm:layoutDef>
+</file>
+
+<file path=ppt/diagrams/quickStyle1.xml><?xml version="1.0" encoding="utf-8"?>
+<dgm:styleDef xmlns:dgm="http://schemas.openxmlformats.org/drawingml/2006/diagram" xmlns:a="http://schemas.openxmlformats.org/drawingml/2006/main" uniqueId="urn:microsoft.com/office/officeart/2005/8/quickstyle/simple1">
+  <dgm:title val=""/>
+  <dgm:desc val=""/>
+  <dgm:catLst>
+    <dgm:cat type="simple" pri="10100"/>
+  </dgm:catLst>
+  <dgm:scene3d>
+    <a:camera prst="orthographicFront"/>
+    <a:lightRig rig="threePt" dir="t"/>
+  </dgm:scene3d>
+  <dgm:styleLbl name="node0">
+    <dgm:scene3d>
+      <a:camera prst="orthographicFront"/>
+      <a:lightRig rig="threePt" dir="t"/>
+    </dgm:scene3d>
+    <dgm:sp3d/>
+    <dgm:txPr/>
+    <dgm:style>
+      <a:lnRef idx="2">
+        <a:scrgbClr r="0" g="0" b="0"/>
+      </a:lnRef>
+      <a:fillRef idx="1">
+        <a:scrgbClr r="0" g="0" b="0"/>
+      </a:fillRef>
+      <a:effectRef idx="0">
+        <a:scrgbClr r="0" g="0" b="0"/>
+      </a:effectRef>
+      <a:fontRef idx="minor">
+        <a:schemeClr val="lt1"/>
+      </a:fontRef>
+    </dgm:style>
+  </dgm:styleLbl>
+  <dgm:styleLbl name="lnNode1">
+    <dgm:scene3d>
+      <a:camera prst="orthographicFront"/>
+      <a:lightRig rig="threePt" dir="t"/>
+    </dgm:scene3d>
+    <dgm:sp3d/>
+    <dgm:txPr/>
+    <dgm:style>
+      <a:lnRef idx="2">
+        <a:scrgbClr r="0" g="0" b="0"/>
+      </a:lnRef>
+      <a:fillRef idx="1">
+        <a:scrgbClr r="0" g="0" b="0"/>
+      </a:fillRef>
+      <a:effectRef idx="0">
+        <a:scrgbClr r="0" g="0" b="0"/>
+      </a:effectRef>
+      <a:fontRef idx="minor">
+        <a:schemeClr val="lt1"/>
+      </a:fontRef>
+    </dgm:style>
+  </dgm:styleLbl>
+  <dgm:styleLbl name="vennNode1">
+    <dgm:scene3d>
+      <a:camera prst="orthographicFront"/>
+      <a:lightRig rig="threePt" dir="t"/>
+    </dgm:scene3d>
+    <dgm:sp3d/>
+    <dgm:txPr/>
+    <dgm:style>
+      <a:lnRef idx="2">
+        <a:scrgbClr r="0" g="0" b="0"/>
+      </a:lnRef>
+      <a:fillRef idx="1">
+        <a:scrgbClr r="0" g="0" b="0"/>
+      </a:fillRef>
+      <a:effectRef idx="0">
+        <a:scrgbClr r="0" g="0" b="0"/>
+      </a:effectRef>
+      <a:fontRef idx="minor">
+        <a:schemeClr val="tx1"/>
+      </a:fontRef>
+    </dgm:style>
+  </dgm:styleLbl>
+  <dgm:styleLbl name="alignNode1">
+    <dgm:scene3d>
+      <a:camera prst="orthographicFront"/>
+      <a:lightRig rig="threePt" dir="t"/>
+    </dgm:scene3d>
+    <dgm:sp3d/>
+    <dgm:txPr/>
+    <dgm:style>
+      <a:lnRef idx="2">
+        <a:scrgbClr r="0" g="0" b="0"/>
+      </a:lnRef>
+      <a:fillRef idx="1">
+        <a:scrgbClr r="0" g="0" b="0"/>
+      </a:fillRef>
+      <a:effectRef idx="0">
+        <a:scrgbClr r="0" g="0" b="0"/>
+      </a:effectRef>
+      <a:fontRef idx="minor">
+        <a:schemeClr val="lt1"/>
+      </a:fontRef>
+    </dgm:style>
+  </dgm:styleLbl>
+  <dgm:styleLbl name="node1">
+    <dgm:scene3d>
+      <a:camera prst="orthographicFront"/>
+      <a:lightRig rig="threePt" dir="t"/>
+    </dgm:scene3d>
+    <dgm:sp3d/>
+    <dgm:txPr/>
+    <dgm:style>
+      <a:lnRef idx="2">
+        <a:scrgbClr r="0" g="0" b="0"/>
+      </a:lnRef>
+      <a:fillRef idx="1">
+        <a:scrgbClr r="0" g="0" b="0"/>
+      </a:fillRef>
+      <a:effectRef idx="0">
+        <a:scrgbClr r="0" g="0" b="0"/>
+      </a:effectRef>
+      <a:fontRef idx="minor">
+        <a:schemeClr val="lt1"/>
+      </a:fontRef>
+    </dgm:style>
+  </dgm:styleLbl>
+  <dgm:styleLbl name="node2">
+    <dgm:scene3d>
+      <a:camera prst="orthographicFront"/>
+      <a:lightRig rig="threePt" dir="t"/>
+    </dgm:scene3d>
+    <dgm:sp3d/>
+    <dgm:txPr/>
+    <dgm:style>
+      <a:lnRef idx="2">
+        <a:scrgbClr r="0" g="0" b="0"/>
+      </a:lnRef>
+      <a:fillRef idx="1">
+        <a:scrgbClr r="0" g="0" b="0"/>
+      </a:fillRef>
+      <a:effectRef idx="0">
+        <a:scrgbClr r="0" g="0" b="0"/>
+      </a:effectRef>
+      <a:fontRef idx="minor">
+        <a:schemeClr val="lt1"/>
+      </a:fontRef>
+    </dgm:style>
+  </dgm:styleLbl>
+  <dgm:styleLbl name="node3">
+    <dgm:scene3d>
+      <a:camera prst="orthographicFront"/>
+      <a:lightRig rig="threePt" dir="t"/>
+    </dgm:scene3d>
+    <dgm:sp3d/>
+    <dgm:txPr/>
+    <dgm:style>
+      <a:lnRef idx="2">
+        <a:scrgbClr r="0" g="0" b="0"/>
+      </a:lnRef>
+      <a:fillRef idx="1">
+        <a:scrgbClr r="0" g="0" b="0"/>
+      </a:fillRef>
+      <a:effectRef idx="0">
+        <a:scrgbClr r="0" g="0" b="0"/>
+      </a:effectRef>
+      <a:fontRef idx="minor">
+        <a:schemeClr val="lt1"/>
+      </a:fontRef>
+    </dgm:style>
+  </dgm:styleLbl>
+  <dgm:styleLbl name="node4">
+    <dgm:scene3d>
+      <a:camera prst="orthographicFront"/>
+      <a:lightRig rig="threePt" dir="t"/>
+    </dgm:scene3d>
+    <dgm:sp3d/>
+    <dgm:txPr/>
+    <dgm:style>
+      <a:lnRef idx="2">
+        <a:scrgbClr r="0" g="0" b="0"/>
+      </a:lnRef>
+      <a:fillRef idx="1">
+        <a:scrgbClr r="0" g="0" b="0"/>
+      </a:fillRef>
+      <a:effectRef idx="0">
+        <a:scrgbClr r="0" g="0" b="0"/>
+      </a:effectRef>
+      <a:fontRef idx="minor">
+        <a:schemeClr val="lt1"/>
+      </a:fontRef>
+    </dgm:style>
+  </dgm:styleLbl>
+  <dgm:styleLbl name="fgImgPlace1">
+    <dgm:scene3d>
+      <a:camera prst="orthographicFront"/>
+      <a:lightRig rig="threePt" dir="t"/>
+    </dgm:scene3d>
+    <dgm:sp3d/>
+    <dgm:txPr/>
+    <dgm:style>
+      <a:lnRef idx="2">
+        <a:scrgbClr r="0" g="0" b="0"/>
+      </a:lnRef>
+      <a:fillRef idx="1">
+        <a:scrgbClr r="0" g="0" b="0"/>
+      </a:fillRef>
+      <a:effectRef idx="0">
+        <a:scrgbClr r="0" g="0" b="0"/>
+      </a:effectRef>
+      <a:fontRef idx="minor"/>
+    </dgm:style>
+  </dgm:styleLbl>
+  <dgm:styleLbl name="alignImgPlace1">
+    <dgm:scene3d>
+      <a:camera prst="orthographicFront"/>
+      <a:lightRig rig="threePt" dir="t"/>
+    </dgm:scene3d>
+    <dgm:sp3d/>
+    <dgm:txPr/>
+    <dgm:style>
+      <a:lnRef idx="2">
+        <a:scrgbClr r="0" g="0" b="0"/>
+      </a:lnRef>
+      <a:fillRef idx="1">
+        <a:scrgbClr r="0" g="0" b="0"/>
+      </a:fillRef>
+      <a:effectRef idx="0">
+        <a:scrgbClr r="0" g="0" b="0"/>
+      </a:effectRef>
+      <a:fontRef idx="minor"/>
+    </dgm:style>
+  </dgm:styleLbl>
+  <dgm:styleLbl name="bgImgPlace1">
+    <dgm:scene3d>
+      <a:camera prst="orthographicFront"/>
+      <a:lightRig rig="threePt" dir="t"/>
+    </dgm:scene3d>
+    <dgm:sp3d/>
+    <dgm:txPr/>
+    <dgm:style>
+      <a:lnRef idx="2">
+        <a:scrgbClr r="0" g="0" b="0"/>
+      </a:lnRef>
+      <a:fillRef idx="1">
+        <a:scrgbClr r="0" g="0" b="0"/>
+      </a:fillRef>
+      <a:effectRef idx="0">
+        <a:scrgbClr r="0" g="0" b="0"/>
+      </a:effectRef>
+      <a:fontRef idx="minor"/>
+    </dgm:style>
+  </dgm:styleLbl>
+  <dgm:styleLbl name="sibTrans2D1">
+    <dgm:scene3d>
+      <a:camera prst="orthographicFront"/>
+      <a:lightRig rig="threePt" dir="t"/>
+    </dgm:scene3d>
+    <dgm:sp3d/>
+    <dgm:txPr/>
+    <dgm:style>
+      <a:lnRef idx="0">
+        <a:scrgbClr r="0" g="0" b="0"/>
+      </a:lnRef>
+      <a:fillRef idx="1">
+        <a:scrgbClr r="0" g="0" b="0"/>
+      </a:fillRef>
+      <a:effectRef idx="0">
+        <a:scrgbClr r="0" g="0" b="0"/>
+      </a:effectRef>
+      <a:fontRef idx="minor">
+        <a:schemeClr val="lt1"/>
+      </a:fontRef>
+    </dgm:style>
+  </dgm:styleLbl>
+  <dgm:styleLbl name="fgSibTrans2D1">
+    <dgm:scene3d>
+      <a:camera prst="orthographicFront"/>
+      <a:lightRig rig="threePt" dir="t"/>
+    </dgm:scene3d>
+    <dgm:sp3d/>
+    <dgm:txPr/>
+    <dgm:style>
+      <a:lnRef idx="0">
+        <a:scrgbClr r="0" g="0" b="0"/>
+      </a:lnRef>
+      <a:fillRef idx="1">
+        <a:scrgbClr r="0" g="0" b="0"/>
+      </a:fillRef>
+      <a:effectRef idx="0">
+        <a:scrgbClr r="0" g="0" b="0"/>
+      </a:effectRef>
+      <a:fontRef idx="minor">
+        <a:schemeClr val="lt1"/>
+      </a:fontRef>
+    </dgm:style>
+  </dgm:styleLbl>
+  <dgm:styleLbl name="bgSibTrans2D1">
+    <dgm:scene3d>
+      <a:camera prst="orthographicFront"/>
+      <a:lightRig rig="threePt" dir="t"/>
+    </dgm:scene3d>
+    <dgm:sp3d/>
+    <dgm:txPr/>
+    <dgm:style>
+      <a:lnRef idx="0">
+        <a:scrgbClr r="0" g="0" b="0"/>
+      </a:lnRef>
+      <a:fillRef idx="1">
+        <a:scrgbClr r="0" g="0" b="0"/>
+      </a:fillRef>
+      <a:effectRef idx="0">
+        <a:scrgbClr r="0" g="0" b="0"/>
+      </a:effectRef>
+      <a:fontRef idx="minor">
+        <a:schemeClr val="lt1"/>
+      </a:fontRef>
+    </dgm:style>
+  </dgm:styleLbl>
+  <dgm:styleLbl name="sibTrans1D1">
+    <dgm:scene3d>
+      <a:camera prst="orthographicFront"/>
+      <a:lightRig rig="threePt" dir="t"/>
+    </dgm:scene3d>
+    <dgm:sp3d/>
+    <dgm:txPr/>
+    <dgm:style>
+      <a:lnRef idx="1">
+        <a:scrgbClr r="0" g="0" b="0"/>
+      </a:lnRef>
+      <a:fillRef idx="0">
+        <a:scrgbClr r="0" g="0" b="0"/>
+      </a:fillRef>
+      <a:effectRef idx="0">
+        <a:scrgbClr r="0" g="0" b="0"/>
+      </a:effectRef>
+      <a:fontRef idx="minor"/>
+    </dgm:style>
+  </dgm:styleLbl>
+  <dgm:styleLbl name="callout">
+    <dgm:scene3d>
+      <a:camera prst="orthographicFront"/>
+      <a:lightRig rig="threePt" dir="t"/>
+    </dgm:scene3d>
+    <dgm:sp3d/>
+    <dgm:txPr/>
+    <dgm:style>
+      <a:lnRef idx="2">
+        <a:scrgbClr r="0" g="0" b="0"/>
+      </a:lnRef>
+      <a:fillRef idx="1">
+        <a:scrgbClr r="0" g="0" b="0"/>
+      </a:fillRef>
+      <a:effectRef idx="0">
+        <a:scrgbClr r="0" g="0" b="0"/>
+      </a:effectRef>
+      <a:fontRef idx="minor"/>
+    </dgm:style>
+  </dgm:styleLbl>
+  <dgm:styleLbl name="asst0">
+    <dgm:scene3d>
+      <a:camera prst="orthographicFront"/>
+      <a:lightRig rig="threePt" dir="t"/>
+    </dgm:scene3d>
+    <dgm:sp3d/>
+    <dgm:txPr/>
+    <dgm:style>
+      <a:lnRef idx="2">
+        <a:scrgbClr r="0" g="0" b="0"/>
+      </a:lnRef>
+      <a:fillRef idx="1">
+        <a:scrgbClr r="0" g="0" b="0"/>
+      </a:fillRef>
+      <a:effectRef idx="0">
+        <a:scrgbClr r="0" g="0" b="0"/>
+      </a:effectRef>
+      <a:fontRef idx="minor">
+        <a:schemeClr val="lt1"/>
+      </a:fontRef>
+    </dgm:style>
+  </dgm:styleLbl>
+  <dgm:styleLbl name="asst1">
+    <dgm:scene3d>
+      <a:camera prst="orthographicFront"/>
+      <a:lightRig rig="threePt" dir="t"/>
+    </dgm:scene3d>
+    <dgm:sp3d/>
+    <dgm:txPr/>
+    <dgm:style>
+      <a:lnRef idx="2">
+        <a:scrgbClr r="0" g="0" b="0"/>
+      </a:lnRef>
+      <a:fillRef idx="1">
+        <a:scrgbClr r="0" g="0" b="0"/>
+      </a:fillRef>
+      <a:effectRef idx="0">
+        <a:scrgbClr r="0" g="0" b="0"/>
+      </a:effectRef>
+      <a:fontRef idx="minor">
+        <a:schemeClr val="lt1"/>
+      </a:fontRef>
+    </dgm:style>
+  </dgm:styleLbl>
+  <dgm:styleLbl name="asst2">
+    <dgm:scene3d>
+      <a:camera prst="orthographicFront"/>
+      <a:lightRig rig="threePt" dir="t"/>
+    </dgm:scene3d>
+    <dgm:sp3d/>
+    <dgm:txPr/>
+    <dgm:style>
+      <a:lnRef idx="2">
+        <a:scrgbClr r="0" g="0" b="0"/>
+      </a:lnRef>
+      <a:fillRef idx="1">
+        <a:scrgbClr r="0" g="0" b="0"/>
+      </a:fillRef>
+      <a:effectRef idx="0">
+        <a:scrgbClr r="0" g="0" b="0"/>
+      </a:effectRef>
+      <a:fontRef idx="minor">
+        <a:schemeClr val="lt1"/>
+      </a:fontRef>
+    </dgm:style>
+  </dgm:styleLbl>
+  <dgm:styleLbl name="asst3">
+    <dgm:scene3d>
+      <a:camera prst="orthographicFront"/>
+      <a:lightRig rig="threePt" dir="t"/>
+    </dgm:scene3d>
+    <dgm:sp3d/>
+    <dgm:txPr/>
+    <dgm:style>
+      <a:lnRef idx="2">
+        <a:scrgbClr r="0" g="0" b="0"/>
+      </a:lnRef>
+      <a:fillRef idx="1">
+        <a:scrgbClr r="0" g="0" b="0"/>
+      </a:fillRef>
+      <a:effectRef idx="0">
+        <a:scrgbClr r="0" g="0" b="0"/>
+      </a:effectRef>
+      <a:fontRef idx="minor">
+        <a:schemeClr val="lt1"/>
+      </a:fontRef>
+    </dgm:style>
+  </dgm:styleLbl>
+  <dgm:styleLbl name="asst4">
+    <dgm:scene3d>
+      <a:camera prst="orthographicFront"/>
+      <a:lightRig rig="threePt" dir="t"/>
+    </dgm:scene3d>
+    <dgm:sp3d/>
+    <dgm:txPr/>
+    <dgm:style>
+      <a:lnRef idx="2">
+        <a:scrgbClr r="0" g="0" b="0"/>
+      </a:lnRef>
+      <a:fillRef idx="1">
+        <a:scrgbClr r="0" g="0" b="0"/>
+      </a:fillRef>
+      <a:effectRef idx="0">
+        <a:scrgbClr r="0" g="0" b="0"/>
+      </a:effectRef>
+      <a:fontRef idx="minor">
+        <a:schemeClr val="lt1"/>
+      </a:fontRef>
+    </dgm:style>
+  </dgm:styleLbl>
+  <dgm:styleLbl name="parChTrans2D1">
+    <dgm:scene3d>
+      <a:camera prst="orthographicFront"/>
+      <a:lightRig rig="threePt" dir="t"/>
+    </dgm:scene3d>
+    <dgm:sp3d/>
+    <dgm:txPr/>
+    <dgm:style>
+      <a:lnRef idx="2">
+        <a:scrgbClr r="0" g="0" b="0"/>
+      </a:lnRef>
+      <a:fillRef idx="1">
+        <a:scrgbClr r="0" g="0" b="0"/>
+      </a:fillRef>
+      <a:effectRef idx="0">
+        <a:scrgbClr r="0" g="0" b="0"/>
+      </a:effectRef>
+      <a:fontRef idx="minor">
+        <a:schemeClr val="lt1"/>
+      </a:fontRef>
+    </dgm:style>
+  </dgm:styleLbl>
+  <dgm:styleLbl name="parChTrans2D2">
+    <dgm:scene3d>
+      <a:camera prst="orthographicFront"/>
+      <a:lightRig rig="threePt" dir="t"/>
+    </dgm:scene3d>
+    <dgm:sp3d/>
+    <dgm:txPr/>
+    <dgm:style>
+      <a:lnRef idx="2">
+        <a:scrgbClr r="0" g="0" b="0"/>
+      </a:lnRef>
+      <a:fillRef idx="1">
+        <a:scrgbClr r="0" g="0" b="0"/>
+      </a:fillRef>
+      <a:effectRef idx="0">
+        <a:scrgbClr r="0" g="0" b="0"/>
+      </a:effectRef>
+      <a:fontRef idx="minor">
+        <a:schemeClr val="lt1"/>
+      </a:fontRef>
+    </dgm:style>
+  </dgm:styleLbl>
+  <dgm:styleLbl name="parChTrans2D3">
+    <dgm:scene3d>
+      <a:camera prst="orthographicFront"/>
+      <a:lightRig rig="threePt" dir="t"/>
+    </dgm:scene3d>
+    <dgm:sp3d/>
+    <dgm:txPr/>
+    <dgm:style>
+      <a:lnRef idx="2">
+        <a:scrgbClr r="0" g="0" b="0"/>
+      </a:lnRef>
+      <a:fillRef idx="1">
+        <a:scrgbClr r="0" g="0" b="0"/>
+      </a:fillRef>
+      <a:effectRef idx="0">
+        <a:scrgbClr r="0" g="0" b="0"/>
+      </a:effectRef>
+      <a:fontRef idx="minor">
+        <a:schemeClr val="lt1"/>
+      </a:fontRef>
+    </dgm:style>
+  </dgm:styleLbl>
+  <dgm:styleLbl name="parChTrans2D4">
+    <dgm:scene3d>
+      <a:camera prst="orthographicFront"/>
+      <a:lightRig rig="threePt" dir="t"/>
+    </dgm:scene3d>
+    <dgm:sp3d/>
+    <dgm:txPr/>
+    <dgm:style>
+      <a:lnRef idx="2">
+        <a:scrgbClr r="0" g="0" b="0"/>
+      </a:lnRef>
+      <a:fillRef idx="1">
+        <a:scrgbClr r="0" g="0" b="0"/>
+      </a:fillRef>
+      <a:effectRef idx="0">
+        <a:scrgbClr r="0" g="0" b="0"/>
+      </a:effectRef>
+      <a:fontRef idx="minor">
+        <a:schemeClr val="lt1"/>
+      </a:fontRef>
+    </dgm:style>
+  </dgm:styleLbl>
+  <dgm:styleLbl name="parChTrans1D1">
+    <dgm:scene3d>
+      <a:camera prst="orthographicFront"/>
+      <a:lightRig rig="threePt" dir="t"/>
+    </dgm:scene3d>
+    <dgm:sp3d/>
+    <dgm:txPr/>
+    <dgm:style>
+      <a:lnRef idx="2">
+        <a:scrgbClr r="0" g="0" b="0"/>
+      </a:lnRef>
+      <a:fillRef idx="0">
+        <a:scrgbClr r="0" g="0" b="0"/>
+      </a:fillRef>
+      <a:effectRef idx="0">
+        <a:scrgbClr r="0" g="0" b="0"/>
+      </a:effectRef>
+      <a:fontRef idx="minor"/>
+    </dgm:style>
+  </dgm:styleLbl>
+  <dgm:styleLbl name="parChTrans1D2">
+    <dgm:scene3d>
+      <a:camera prst="orthographicFront"/>
+      <a:lightRig rig="threePt" dir="t"/>
+    </dgm:scene3d>
+    <dgm:sp3d/>
+    <dgm:txPr/>
+    <dgm:style>
+      <a:lnRef idx="2">
+        <a:scrgbClr r="0" g="0" b="0"/>
+      </a:lnRef>
+      <a:fillRef idx="0">
+        <a:scrgbClr r="0" g="0" b="0"/>
+      </a:fillRef>
+      <a:effectRef idx="0">
+        <a:scrgbClr r="0" g="0" b="0"/>
+      </a:effectRef>
+      <a:fontRef idx="minor"/>
+    </dgm:style>
+  </dgm:styleLbl>
+  <dgm:styleLbl name="parChTrans1D3">
+    <dgm:scene3d>
+      <a:camera prst="orthographicFront"/>
+      <a:lightRig rig="threePt" dir="t"/>
+    </dgm:scene3d>
+    <dgm:sp3d/>
+    <dgm:txPr/>
+    <dgm:style>
+      <a:lnRef idx="2">
+        <a:scrgbClr r="0" g="0" b="0"/>
+      </a:lnRef>
+      <a:fillRef idx="0">
+        <a:scrgbClr r="0" g="0" b="0"/>
+      </a:fillRef>
+      <a:effectRef idx="0">
+        <a:scrgbClr r="0" g="0" b="0"/>
+      </a:effectRef>
+      <a:fontRef idx="minor"/>
+    </dgm:style>
+  </dgm:styleLbl>
+  <dgm:styleLbl name="parChTrans1D4">
+    <dgm:scene3d>
+      <a:camera prst="orthographicFront"/>
+      <a:lightRig rig="threePt" dir="t"/>
+    </dgm:scene3d>
+    <dgm:sp3d/>
+    <dgm:txPr/>
+    <dgm:style>
+      <a:lnRef idx="2">
+        <a:scrgbClr r="0" g="0" b="0"/>
+      </a:lnRef>
+      <a:fillRef idx="0">
+        <a:scrgbClr r="0" g="0" b="0"/>
+      </a:fillRef>
+      <a:effectRef idx="0">
+        <a:scrgbClr r="0" g="0" b="0"/>
+      </a:effectRef>
+      <a:fontRef idx="minor"/>
+    </dgm:style>
+  </dgm:styleLbl>
+  <dgm:styleLbl name="fgAcc1">
+    <dgm:scene3d>
+      <a:camera prst="orthographicFront"/>
+      <a:lightRig rig="threePt" dir="t"/>
+    </dgm:scene3d>
+    <dgm:sp3d/>
+    <dgm:txPr/>
+    <dgm:style>
+      <a:lnRef idx="2">
+        <a:scrgbClr r="0" g="0" b="0"/>
+      </a:lnRef>
+      <a:fillRef idx="1">
+        <a:scrgbClr r="0" g="0" b="0"/>
+      </a:fillRef>
+      <a:effectRef idx="0">
+        <a:scrgbClr r="0" g="0" b="0"/>
+      </a:effectRef>
+      <a:fontRef idx="minor"/>
+    </dgm:style>
+  </dgm:styleLbl>
+  <dgm:styleLbl name="conFgAcc1">
+    <dgm:scene3d>
+      <a:camera prst="orthographicFront"/>
+      <a:lightRig rig="threePt" dir="t"/>
+    </dgm:scene3d>
+    <dgm:sp3d/>
+    <dgm:txPr/>
+    <dgm:style>
+      <a:lnRef idx="2">
+        <a:scrgbClr r="0" g="0" b="0"/>
+      </a:lnRef>
+      <a:fillRef idx="1">
+        <a:scrgbClr r="0" g="0" b="0"/>
+      </a:fillRef>
+      <a:effectRef idx="0">
+        <a:scrgbClr r="0" g="0" b="0"/>
+      </a:effectRef>
+      <a:fontRef idx="minor"/>
+    </dgm:style>
+  </dgm:styleLbl>
+  <dgm:styleLbl name="alignAcc1">
+    <dgm:scene3d>
+      <a:camera prst="orthographicFront"/>
+      <a:lightRig rig="threePt" dir="t"/>
+    </dgm:scene3d>
+    <dgm:sp3d/>
+    <dgm:txPr/>
+    <dgm:style>
+      <a:lnRef idx="2">
+        <a:scrgbClr r="0" g="0" b="0"/>
+      </a:lnRef>
+      <a:fillRef idx="1">
+        <a:scrgbClr r="0" g="0" b="0"/>
+      </a:fillRef>
+      <a:effectRef idx="0">
+        <a:scrgbClr r="0" g="0" b="0"/>
+      </a:effectRef>
+      <a:fontRef idx="minor"/>
+    </dgm:style>
+  </dgm:styleLbl>
+  <dgm:styleLbl name="trAlignAcc1">
+    <dgm:scene3d>
+      <a:camera prst="orthographicFront"/>
+      <a:lightRig rig="threePt" dir="t"/>
+    </dgm:scene3d>
+    <dgm:sp3d/>
+    <dgm:txPr/>
+    <dgm:style>
+      <a:lnRef idx="1">
+        <a:scrgbClr r="0" g="0" b="0"/>
+      </a:lnRef>
+      <a:fillRef idx="1">
+        <a:scrgbClr r="0" g="0" b="0"/>
+      </a:fillRef>
+      <a:effectRef idx="0">
+        <a:scrgbClr r="0" g="0" b="0"/>
+      </a:effectRef>
+      <a:fontRef idx="minor"/>
+    </dgm:style>
+  </dgm:styleLbl>
+  <dgm:styleLbl name="bgAcc1">
+    <dgm:scene3d>
+      <a:camera prst="orthographicFront"/>
+      <a:lightRig rig="threePt" dir="t"/>
+    </dgm:scene3d>
+    <dgm:sp3d/>
+    <dgm:txPr/>
+    <dgm:style>
+      <a:lnRef idx="2">
+        <a:scrgbClr r="0" g="0" b="0"/>
+      </a:lnRef>
+      <a:fillRef idx="1">
+        <a:scrgbClr r="0" g="0" b="0"/>
+      </a:fillRef>
+      <a:effectRef idx="0">
+        <a:scrgbClr r="0" g="0" b="0"/>
+      </a:effectRef>
+      <a:fontRef idx="minor"/>
+    </dgm:style>
+  </dgm:styleLbl>
+  <dgm:styleLbl name="solidFgAcc1">
+    <dgm:scene3d>
+      <a:camera prst="orthographicFront"/>
+      <a:lightRig rig="threePt" dir="t"/>
+    </dgm:scene3d>
+    <dgm:sp3d/>
+    <dgm:txPr/>
+    <dgm:style>
+      <a:lnRef idx="2">
+        <a:scrgbClr r="0" g="0" b="0"/>
+      </a:lnRef>
+      <a:fillRef idx="1">
+        <a:scrgbClr r="0" g="0" b="0"/>
+      </a:fillRef>
+      <a:effectRef idx="0">
+        <a:scrgbClr r="0" g="0" b="0"/>
+      </a:effectRef>
+      <a:fontRef idx="minor"/>
+    </dgm:style>
+  </dgm:styleLbl>
+  <dgm:styleLbl name="solidAlignAcc1">
+    <dgm:scene3d>
+      <a:camera prst="orthographicFront"/>
+      <a:lightRig rig="threePt" dir="t"/>
+    </dgm:scene3d>
+    <dgm:sp3d/>
+    <dgm:txPr/>
+    <dgm:style>
+      <a:lnRef idx="2">
+        <a:scrgbClr r="0" g="0" b="0"/>
+      </a:lnRef>
+      <a:fillRef idx="1">
+        <a:scrgbClr r="0" g="0" b="0"/>
+      </a:fillRef>
+      <a:effectRef idx="0">
+        <a:scrgbClr r="0" g="0" b="0"/>
+      </a:effectRef>
+      <a:fontRef idx="minor"/>
+    </dgm:style>
+  </dgm:styleLbl>
+  <dgm:styleLbl name="solidBgAcc1">
+    <dgm:scene3d>
+      <a:camera prst="orthographicFront"/>
+      <a:lightRig rig="threePt" dir="t"/>
+    </dgm:scene3d>
+    <dgm:sp3d/>
+    <dgm:txPr/>
+    <dgm:style>
+      <a:lnRef idx="2">
+        <a:scrgbClr r="0" g="0" b="0"/>
+      </a:lnRef>
+      <a:fillRef idx="1">
+        <a:scrgbClr r="0" g="0" b="0"/>
+      </a:fillRef>
+      <a:effectRef idx="0">
+        <a:scrgbClr r="0" g="0" b="0"/>
+      </a:effectRef>
+      <a:fontRef idx="minor"/>
+    </dgm:style>
+  </dgm:styleLbl>
+  <dgm:styleLbl name="fgAccFollowNode1">
+    <dgm:scene3d>
+      <a:camera prst="orthographicFront"/>
+      <a:lightRig rig="threePt" dir="t"/>
+    </dgm:scene3d>
+    <dgm:sp3d/>
+    <dgm:txPr/>
+    <dgm:style>
+      <a:lnRef idx="2">
+        <a:scrgbClr r="0" g="0" b="0"/>
+      </a:lnRef>
+      <a:fillRef idx="1">
+        <a:scrgbClr r="0" g="0" b="0"/>
+      </a:fillRef>
+      <a:effectRef idx="0">
+        <a:scrgbClr r="0" g="0" b="0"/>
+      </a:effectRef>
+      <a:fontRef idx="minor"/>
+    </dgm:style>
+  </dgm:styleLbl>
+  <dgm:styleLbl name="alignAccFollowNode1">
+    <dgm:scene3d>
+      <a:camera prst="orthographicFront"/>
+      <a:lightRig rig="threePt" dir="t"/>
+    </dgm:scene3d>
+    <dgm:sp3d/>
+    <dgm:txPr/>
+    <dgm:style>
+      <a:lnRef idx="2">
+        <a:scrgbClr r="0" g="0" b="0"/>
+      </a:lnRef>
+      <a:fillRef idx="1">
+        <a:scrgbClr r="0" g="0" b="0"/>
+      </a:fillRef>
+      <a:effectRef idx="0">
+        <a:scrgbClr r="0" g="0" b="0"/>
+      </a:effectRef>
+      <a:fontRef idx="minor"/>
+    </dgm:style>
+  </dgm:styleLbl>
+  <dgm:styleLbl name="bgAccFollowNode1">
+    <dgm:scene3d>
+      <a:camera prst="orthographicFront"/>
+      <a:lightRig rig="threePt" dir="t"/>
+    </dgm:scene3d>
+    <dgm:sp3d/>
+    <dgm:txPr/>
+    <dgm:style>
+      <a:lnRef idx="2">
+        <a:scrgbClr r="0" g="0" b="0"/>
+      </a:lnRef>
+      <a:fillRef idx="1">
+        <a:scrgbClr r="0" g="0" b="0"/>
+      </a:fillRef>
+      <a:effectRef idx="0">
+        <a:scrgbClr r="0" g="0" b="0"/>
+      </a:effectRef>
+      <a:fontRef idx="minor"/>
+    </dgm:style>
+  </dgm:styleLbl>
+  <dgm:styleLbl name="fgAcc0">
+    <dgm:scene3d>
+      <a:camera prst="orthographicFront"/>
+      <a:lightRig rig="threePt" dir="t"/>
+    </dgm:scene3d>
+    <dgm:sp3d/>
+    <dgm:txPr/>
+    <dgm:style>
+      <a:lnRef idx="2">
+        <a:scrgbClr r="0" g="0" b="0"/>
+      </a:lnRef>
+      <a:fillRef idx="1">
+        <a:scrgbClr r="0" g="0" b="0"/>
+      </a:fillRef>
+      <a:effectRef idx="0">
+        <a:scrgbClr r="0" g="0" b="0"/>
+      </a:effectRef>
+      <a:fontRef idx="minor"/>
+    </dgm:style>
+  </dgm:styleLbl>
+  <dgm:styleLbl name="fgAcc2">
+    <dgm:scene3d>
+      <a:camera prst="orthographicFront"/>
+      <a:lightRig rig="threePt" dir="t"/>
+    </dgm:scene3d>
+    <dgm:sp3d/>
+    <dgm:txPr/>
+    <dgm:style>
+      <a:lnRef idx="2">
+        <a:scrgbClr r="0" g="0" b="0"/>
+      </a:lnRef>
+      <a:fillRef idx="1">
+        <a:scrgbClr r="0" g="0" b="0"/>
+      </a:fillRef>
+      <a:effectRef idx="0">
+        <a:scrgbClr r="0" g="0" b="0"/>
+      </a:effectRef>
+      <a:fontRef idx="minor"/>
+    </dgm:style>
+  </dgm:styleLbl>
+  <dgm:styleLbl name="fgAcc3">
+    <dgm:scene3d>
+      <a:camera prst="orthographicFront"/>
+      <a:lightRig rig="threePt" dir="t"/>
+    </dgm:scene3d>
+    <dgm:sp3d/>
+    <dgm:txPr/>
+    <dgm:style>
+      <a:lnRef idx="2">
+        <a:scrgbClr r="0" g="0" b="0"/>
+      </a:lnRef>
+      <a:fillRef idx="1">
+        <a:scrgbClr r="0" g="0" b="0"/>
+      </a:fillRef>
+      <a:effectRef idx="0">
+        <a:scrgbClr r="0" g="0" b="0"/>
+      </a:effectRef>
+      <a:fontRef idx="minor"/>
+    </dgm:style>
+  </dgm:styleLbl>
+  <dgm:styleLbl name="fgAcc4">
+    <dgm:scene3d>
+      <a:camera prst="orthographicFront"/>
+      <a:lightRig rig="threePt" dir="t"/>
+    </dgm:scene3d>
+    <dgm:sp3d/>
+    <dgm:txPr/>
+    <dgm:style>
+      <a:lnRef idx="2">
+        <a:scrgbClr r="0" g="0" b="0"/>
+      </a:lnRef>
+      <a:fillRef idx="1">
+        <a:scrgbClr r="0" g="0" b="0"/>
+      </a:fillRef>
+      <a:effectRef idx="0">
+        <a:scrgbClr r="0" g="0" b="0"/>
+      </a:effectRef>
+      <a:fontRef idx="minor"/>
+    </dgm:style>
+  </dgm:styleLbl>
+  <dgm:styleLbl name="bgShp">
+    <dgm:scene3d>
+      <a:camera prst="orthographicFront"/>
+      <a:lightRig rig="threePt" dir="t"/>
+    </dgm:scene3d>
+    <dgm:sp3d/>
+    <dgm:txPr/>
+    <dgm:style>
+      <a:lnRef idx="0">
+        <a:scrgbClr r="0" g="0" b="0"/>
+      </a:lnRef>
+      <a:fillRef idx="1">
+        <a:scrgbClr r="0" g="0" b="0"/>
+      </a:fillRef>
+      <a:effectRef idx="0">
+        <a:scrgbClr r="0" g="0" b="0"/>
+      </a:effectRef>
+      <a:fontRef idx="minor"/>
+    </dgm:style>
+  </dgm:styleLbl>
+  <dgm:styleLbl name="dkBgShp">
+    <dgm:scene3d>
+      <a:camera prst="orthographicFront"/>
+      <a:lightRig rig="threePt" dir="t"/>
+    </dgm:scene3d>
+    <dgm:sp3d/>
+    <dgm:txPr/>
+    <dgm:style>
+      <a:lnRef idx="0">
+        <a:scrgbClr r="0" g="0" b="0"/>
+      </a:lnRef>
+      <a:fillRef idx="1">
+        <a:scrgbClr r="0" g="0" b="0"/>
+      </a:fillRef>
+      <a:effectRef idx="0">
+        <a:scrgbClr r="0" g="0" b="0"/>
+      </a:effectRef>
+      <a:fontRef idx="minor"/>
+    </dgm:style>
+  </dgm:styleLbl>
+  <dgm:styleLbl name="trBgShp">
+    <dgm:scene3d>
+      <a:camera prst="orthographicFront"/>
+      <a:lightRig rig="threePt" dir="t"/>
+    </dgm:scene3d>
+    <dgm:sp3d/>
+    <dgm:txPr/>
+    <dgm:style>
+      <a:lnRef idx="0">
+        <a:scrgbClr r="0" g="0" b="0"/>
+      </a:lnRef>
+      <a:fillRef idx="1">
+        <a:scrgbClr r="0" g="0" b="0"/>
+      </a:fillRef>
+      <a:effectRef idx="0">
+        <a:scrgbClr r="0" g="0" b="0"/>
+      </a:effectRef>
+      <a:fontRef idx="minor"/>
+    </dgm:style>
+  </dgm:styleLbl>
+  <dgm:styleLbl name="fgShp">
+    <dgm:scene3d>
+      <a:camera prst="orthographicFront"/>
+      <a:lightRig rig="threePt" dir="t"/>
+    </dgm:scene3d>
+    <dgm:sp3d/>
+    <dgm:txPr/>
+    <dgm:style>
+      <a:lnRef idx="2">
+        <a:scrgbClr r="0" g="0" b="0"/>
+      </a:lnRef>
+      <a:fillRef idx="1">
+        <a:scrgbClr r="0" g="0" b="0"/>
+      </a:fillRef>
+      <a:effectRef idx="0">
+        <a:scrgbClr r="0" g="0" b="0"/>
+      </a:effectRef>
+      <a:fontRef idx="minor"/>
+    </dgm:style>
+  </dgm:styleLbl>
+  <dgm:styleLbl name="revTx">
+    <dgm:scene3d>
+      <a:camera prst="orthographicFront"/>
+      <a:lightRig rig="threePt" dir="t"/>
+    </dgm:scene3d>
+    <dgm:sp3d/>
+    <dgm:txPr/>
+    <dgm:style>
+      <a:lnRef idx="0">
+        <a:scrgbClr r="0" g="0" b="0"/>
+      </a:lnRef>
+      <a:fillRef idx="0">
+        <a:scrgbClr r="0" g="0" b="0"/>
+      </a:fillRef>
+      <a:effectRef idx="0">
+        <a:scrgbClr r="0" g="0" b="0"/>
+      </a:effectRef>
+      <a:fontRef idx="minor"/>
+    </dgm:style>
+  </dgm:styleLbl>
+</dgm:styleDef>
 </file>
 
 <file path=ppt/notesMasters/notesMaster1.xml><?xml version="1.0" encoding="utf-8"?>
@@ -1613,13 +4603,13 @@
               <a:buNone/>
             </a:pPr>
             <a:r>
-              <a:rPr lang="en-US"/>
+              <a:rPr lang="en-US" dirty="0"/>
               <a:t>Transfer learning is a machine learning technique where a model developed for one task is reused for a different, but related, task. It leverages the knowledge gained from solving one problem to improve performance on another, often requiring less data and computational resources.</a:t>
             </a:r>
             <a:br>
-              <a:rPr lang="en-US"/>
+              <a:rPr lang="en-US" dirty="0"/>
             </a:br>
-            <a:endParaRPr/>
+            <a:endParaRPr dirty="0"/>
           </a:p>
           <a:p>
             <a:pPr marL="0" lvl="0" indent="0" algn="l" rtl="0">
@@ -1632,10 +4622,10 @@
               <a:buNone/>
             </a:pPr>
             <a:r>
-              <a:rPr lang="en-US"/>
+              <a:rPr lang="en-US" dirty="0"/>
               <a:t>Using transfer learning accelerates the development of models for new tasks and significantly reduces the amount of data and computing resources required. Transfer learning improves the efficiency and effectiveness of machine learning applications in various domains by using already trained models, leading to more robust and generalized models</a:t>
             </a:r>
-            <a:endParaRPr/>
+            <a:endParaRPr dirty="0"/>
           </a:p>
         </p:txBody>
       </p:sp>
@@ -1748,7 +4738,7 @@
               <a:buNone/>
             </a:pPr>
             <a:r>
-              <a:rPr lang="en-US">
+              <a:rPr lang="en-US" dirty="0">
                 <a:solidFill>
                   <a:srgbClr val="212121"/>
                 </a:solidFill>
@@ -1756,14 +4746,14 @@
               <a:t>Before starting the training process, we prepare the dataset. The dataset includes MRI images labeled as either ASD or non-ASD. </a:t>
             </a:r>
             <a:br>
-              <a:rPr lang="en-US">
+              <a:rPr lang="en-US" dirty="0">
                 <a:solidFill>
                   <a:srgbClr val="212121"/>
                 </a:solidFill>
               </a:rPr>
             </a:br>
             <a:r>
-              <a:rPr lang="en-US">
+              <a:rPr lang="en-US" dirty="0">
                 <a:solidFill>
                   <a:srgbClr val="212121"/>
                 </a:solidFill>
@@ -1771,14 +4761,14 @@
               <a:t>The dataset is split, Training set 80%: Used to train the model. </a:t>
             </a:r>
             <a:br>
-              <a:rPr lang="en-US">
+              <a:rPr lang="en-US" dirty="0">
                 <a:solidFill>
                   <a:srgbClr val="212121"/>
                 </a:solidFill>
               </a:rPr>
             </a:br>
             <a:r>
-              <a:rPr lang="en-US">
+              <a:rPr lang="en-US" dirty="0">
                 <a:solidFill>
                   <a:srgbClr val="212121"/>
                 </a:solidFill>
@@ -1786,14 +4776,14 @@
               <a:t>Validation set 15%: Used during training to monitor the model’s performance and help prevent overfitting. The test set 5%: Used after training to evaluate the model’s final performance. </a:t>
             </a:r>
             <a:br>
-              <a:rPr lang="en-US">
+              <a:rPr lang="en-US" dirty="0">
                 <a:solidFill>
                   <a:srgbClr val="212121"/>
                 </a:solidFill>
               </a:rPr>
             </a:br>
             <a:r>
-              <a:rPr lang="en-US">
+              <a:rPr lang="en-US" dirty="0">
                 <a:solidFill>
                   <a:srgbClr val="212121"/>
                 </a:solidFill>
@@ -1801,14 +4791,14 @@
               <a:t>Loading Inception V4 model pre-trained on ImageNet. </a:t>
             </a:r>
             <a:br>
-              <a:rPr lang="en-US">
+              <a:rPr lang="en-US" dirty="0">
                 <a:solidFill>
                   <a:srgbClr val="212121"/>
                 </a:solidFill>
               </a:rPr>
             </a:br>
             <a:r>
-              <a:rPr lang="en-US">
+              <a:rPr lang="en-US" dirty="0">
                 <a:solidFill>
                   <a:srgbClr val="212121"/>
                 </a:solidFill>
@@ -1816,36 +4806,52 @@
               <a:t>The early layers of the pre-trained model capture general features, which are useful for many tasks. Therefore, these layers are frozen during training to retain their pre-trained weights. Only the deeper layers will be trained to learn task-specific features.</a:t>
             </a:r>
             <a:br>
-              <a:rPr lang="en-US">
+              <a:rPr lang="en-US" dirty="0">
                 <a:solidFill>
                   <a:srgbClr val="212121"/>
                 </a:solidFill>
               </a:rPr>
             </a:br>
             <a:r>
-              <a:rPr lang="en-US">
+              <a:rPr lang="en-US" dirty="0">
                 <a:solidFill>
                   <a:srgbClr val="212121"/>
                 </a:solidFill>
               </a:rPr>
-              <a:t>The final layer will have 2 output units with a softmax activation function to output probabilities for the two classes. </a:t>
+              <a:t>The final layer will have 2 output units with a </a:t>
+            </a:r>
+            <a:r>
+              <a:rPr lang="en-US" dirty="0" err="1">
+                <a:solidFill>
+                  <a:srgbClr val="212121"/>
+                </a:solidFill>
+              </a:rPr>
+              <a:t>softmax</a:t>
+            </a:r>
+            <a:r>
+              <a:rPr lang="en-US" dirty="0">
+                <a:solidFill>
+                  <a:srgbClr val="212121"/>
+                </a:solidFill>
+              </a:rPr>
+              <a:t> activation function to output probabilities for the two classes. </a:t>
             </a:r>
             <a:br>
-              <a:rPr lang="en-US">
+              <a:rPr lang="en-US" dirty="0">
                 <a:solidFill>
                   <a:srgbClr val="212121"/>
                 </a:solidFill>
               </a:rPr>
             </a:br>
             <a:r>
-              <a:rPr lang="en-US">
+              <a:rPr lang="en-US" dirty="0">
                 <a:solidFill>
                   <a:srgbClr val="212121"/>
                 </a:solidFill>
               </a:rPr>
               <a:t>A batch size of 32 or 64 images per batch is defined, depending on your hardware capabilities. </a:t>
             </a:r>
-            <a:endParaRPr>
+            <a:endParaRPr dirty="0">
               <a:solidFill>
                 <a:srgbClr val="212121"/>
               </a:solidFill>
@@ -1866,7 +4872,7 @@
               <a:buFont typeface="Arial"/>
               <a:buNone/>
             </a:pPr>
-            <a:endParaRPr sz="1000" u="sng">
+            <a:endParaRPr sz="1000" u="sng" dirty="0">
               <a:solidFill>
                 <a:srgbClr val="FF0000"/>
               </a:solidFill>
@@ -1891,7 +4897,7 @@
               <a:buNone/>
             </a:pPr>
             <a:r>
-              <a:rPr lang="en-US" u="sng">
+              <a:rPr lang="en-US" u="sng" dirty="0">
                 <a:solidFill>
                   <a:srgbClr val="212121"/>
                 </a:solidFill>
@@ -1899,21 +4905,21 @@
               <a:t>Training: </a:t>
             </a:r>
             <a:br>
-              <a:rPr lang="en-US" u="sng">
+              <a:rPr lang="en-US" u="sng" dirty="0">
                 <a:solidFill>
                   <a:srgbClr val="212121"/>
                 </a:solidFill>
               </a:rPr>
             </a:br>
             <a:r>
-              <a:rPr lang="en-US">
+              <a:rPr lang="en-US" dirty="0">
                 <a:solidFill>
                   <a:srgbClr val="212121"/>
                 </a:solidFill>
               </a:rPr>
               <a:t>Initially, only the new layers added to the model are trained, while the early layers from Inception V4 are frozen.</a:t>
             </a:r>
-            <a:endParaRPr>
+            <a:endParaRPr dirty="0">
               <a:solidFill>
                 <a:srgbClr val="212121"/>
               </a:solidFill>
@@ -1938,29 +4944,53 @@
               <a:buNone/>
             </a:pPr>
             <a:r>
-              <a:rPr lang="en-US" u="sng">
+              <a:rPr lang="en-US" u="sng" dirty="0">
                 <a:solidFill>
                   <a:srgbClr val="212121"/>
                 </a:solidFill>
               </a:rPr>
               <a:t>Validation:</a:t>
             </a:r>
+            <a:r>
+              <a:rPr lang="en-US" dirty="0">
+                <a:solidFill>
+                  <a:srgbClr val="212121"/>
+                </a:solidFill>
+              </a:rPr>
+              <a:t/>
+            </a:r>
             <a:br>
-              <a:rPr lang="en-US">
+              <a:rPr lang="en-US" dirty="0">
                 <a:solidFill>
                   <a:srgbClr val="212121"/>
                 </a:solidFill>
               </a:rPr>
             </a:br>
             <a:r>
-              <a:rPr lang="en-US">
+              <a:rPr lang="en-US" dirty="0">
                 <a:solidFill>
                   <a:srgbClr val="212121"/>
                 </a:solidFill>
               </a:rPr>
-              <a:t> Monitor validation performance after each epoch to check for signs of overfitting or underfitting. </a:t>
+              <a:t> Monitor validation performance after each epoch to check for signs of overfitting or </a:t>
             </a:r>
-            <a:endParaRPr>
+            <a:r>
+              <a:rPr lang="en-US" dirty="0" err="1">
+                <a:solidFill>
+                  <a:srgbClr val="212121"/>
+                </a:solidFill>
+              </a:rPr>
+              <a:t>underfitting</a:t>
+            </a:r>
+            <a:r>
+              <a:rPr lang="en-US" dirty="0">
+                <a:solidFill>
+                  <a:srgbClr val="212121"/>
+                </a:solidFill>
+              </a:rPr>
+              <a:t>. </a:t>
+            </a:r>
+            <a:endParaRPr dirty="0">
               <a:solidFill>
                 <a:srgbClr val="212121"/>
               </a:solidFill>
@@ -1985,29 +5015,37 @@
               <a:buNone/>
             </a:pPr>
             <a:r>
-              <a:rPr lang="en-US" u="sng">
+              <a:rPr lang="en-US" u="sng" dirty="0">
                 <a:solidFill>
                   <a:srgbClr val="212121"/>
                 </a:solidFill>
               </a:rPr>
               <a:t>Testing: </a:t>
             </a:r>
+            <a:r>
+              <a:rPr lang="en-US" dirty="0">
+                <a:solidFill>
+                  <a:srgbClr val="212121"/>
+                </a:solidFill>
+              </a:rPr>
+              <a:t/>
+            </a:r>
             <a:br>
-              <a:rPr lang="en-US">
+              <a:rPr lang="en-US" dirty="0">
                 <a:solidFill>
                   <a:srgbClr val="212121"/>
                 </a:solidFill>
               </a:rPr>
             </a:br>
             <a:r>
-              <a:rPr lang="en-US">
+              <a:rPr lang="en-US" dirty="0">
                 <a:solidFill>
                   <a:srgbClr val="212121"/>
                 </a:solidFill>
               </a:rPr>
               <a:t>To evaluate the final performance, we will measure performance metrics such as accuracy, precision, recall, F1-score, and confusion matrix on the test set to assess how well the model generalizes to completely unseen data. </a:t>
             </a:r>
-            <a:endParaRPr>
+            <a:endParaRPr dirty="0">
               <a:solidFill>
                 <a:srgbClr val="212121"/>
               </a:solidFill>
@@ -2032,14 +5070,14 @@
               <a:buNone/>
             </a:pPr>
             <a:r>
-              <a:rPr lang="en-US">
+              <a:rPr lang="en-US" dirty="0">
                 <a:solidFill>
                   <a:srgbClr val="212121"/>
                 </a:solidFill>
               </a:rPr>
               <a:t>Once the model performs well on the training, we will fine-tune if necessary (canceling the freeze part or all of the model and continuing training with a smaller learning rate for better performance) [fig. 8].</a:t>
             </a:r>
-            <a:endParaRPr>
+            <a:endParaRPr dirty="0">
               <a:solidFill>
                 <a:srgbClr val="212121"/>
               </a:solidFill>
@@ -2055,7 +5093,7 @@
               </a:spcAft>
               <a:buNone/>
             </a:pPr>
-            <a:endParaRPr/>
+            <a:endParaRPr dirty="0"/>
           </a:p>
         </p:txBody>
       </p:sp>
@@ -2217,94 +5255,7 @@
               </a:spcAft>
               <a:buNone/>
             </a:pPr>
-            <a:r>
-              <a:rPr lang="en-US" sz="1100" b="1"/>
-              <a:t>Overview of the Interface:</a:t>
-            </a:r>
-            <a:endParaRPr sz="1100"/>
-          </a:p>
-          <a:p>
-            <a:pPr marL="457200" lvl="0" indent="-317500" algn="l" rtl="0">
-              <a:lnSpc>
-                <a:spcPct val="115000"/>
-              </a:lnSpc>
-              <a:spcBef>
-                <a:spcPts val="1200"/>
-              </a:spcBef>
-              <a:spcAft>
-                <a:spcPts val="0"/>
-              </a:spcAft>
-              <a:buSzPts val="1400"/>
-              <a:buAutoNum type="arabicPeriod"/>
-            </a:pPr>
-            <a:r>
-              <a:rPr lang="en-US" sz="1100" b="1"/>
-              <a:t>Overview of the Interface: </a:t>
-            </a:r>
-            <a:br>
-              <a:rPr lang="en-US" sz="1100" b="1"/>
-            </a:br>
-            <a:r>
-              <a:rPr lang="en-US"/>
-              <a:t>This is the main interface for the ASD Classification System. On the left, we can see the patient's information, which includes the name and ID. This section allows medical professionals to input the patient’s details, such as notes or medical history, by clicking the 'Add Medical record notes' button</a:t>
-            </a:r>
-            <a:endParaRPr/>
-          </a:p>
-          <a:p>
-            <a:pPr marL="457200" lvl="0" indent="-317500" algn="l" rtl="0">
-              <a:spcBef>
-                <a:spcPts val="0"/>
-              </a:spcBef>
-              <a:spcAft>
-                <a:spcPts val="0"/>
-              </a:spcAft>
-              <a:buSzPts val="1400"/>
-              <a:buAutoNum type="arabicPeriod"/>
-            </a:pPr>
-            <a:r>
-              <a:rPr lang="en-US" sz="1100"/>
-              <a:t>Upload Section: </a:t>
-            </a:r>
-            <a:br>
-              <a:rPr lang="en-US" sz="1100"/>
-            </a:br>
-            <a:r>
-              <a:rPr lang="en-US" sz="1100"/>
-              <a:t>The center of the interface is where the user uploads the patient's MRI scan in </a:t>
-            </a:r>
-            <a:r>
-              <a:rPr lang="en-US" sz="1100" b="1"/>
-              <a:t>.NII</a:t>
-            </a:r>
-            <a:r>
-              <a:rPr lang="en-US" sz="1100"/>
-              <a:t> file format. This system is designed to take brain MRI images and process them for ASD classification.</a:t>
-            </a:r>
-            <a:br>
-              <a:rPr lang="en-US" sz="1100"/>
-            </a:br>
-            <a:r>
-              <a:rPr lang="en-US" sz="1100"/>
-              <a:t>The large arrow icon indicates the area where the user can either click or drag and drop the MRI file.</a:t>
-            </a:r>
-            <a:endParaRPr sz="1100"/>
-          </a:p>
-          <a:p>
-            <a:pPr marL="457200" lvl="0" indent="-298450" algn="l" rtl="0">
-              <a:spcBef>
-                <a:spcPts val="0"/>
-              </a:spcBef>
-              <a:spcAft>
-                <a:spcPts val="0"/>
-              </a:spcAft>
-              <a:buSzPts val="1100"/>
-              <a:buAutoNum type="arabicPeriod"/>
-            </a:pPr>
-            <a:r>
-              <a:rPr lang="en-US" sz="1100"/>
-              <a:t>Result Section:"Once the file is uploaded and processed, the result section at the bottom will display the prediction outcome. Currently, since no image is uploaded, the result area is empty, and the 'Save' button is disabled.</a:t>
-            </a:r>
-            <a:endParaRPr sz="1100"/>
+            <a:endParaRPr sz="1100" dirty="0"/>
           </a:p>
         </p:txBody>
       </p:sp>
@@ -2469,114 +5420,7 @@
               <a:buSzPts val="1400"/>
               <a:buAutoNum type="arabicPeriod"/>
             </a:pPr>
-            <a:r>
-              <a:rPr lang="en-US"/>
-              <a:t>Uploaded MRI Display: </a:t>
-            </a:r>
-            <a:br>
-              <a:rPr lang="en-US"/>
-            </a:br>
-            <a:r>
-              <a:rPr lang="en-US"/>
-              <a:t>In the second interface view, the uploaded MRI file is shown in the top-right box. This allows the medical professional to visually confirm that the correct file has been uploaded.</a:t>
-            </a:r>
-            <a:endParaRPr/>
-          </a:p>
-          <a:p>
-            <a:pPr marL="457200" lvl="0" indent="-317500" algn="l" rtl="0">
-              <a:spcBef>
-                <a:spcPts val="0"/>
-              </a:spcBef>
-              <a:spcAft>
-                <a:spcPts val="0"/>
-              </a:spcAft>
-              <a:buSzPts val="1400"/>
-              <a:buAutoNum type="arabicPeriod"/>
-            </a:pPr>
-            <a:r>
-              <a:rPr lang="en-US"/>
-              <a:t>Prediction Result:</a:t>
-            </a:r>
-            <a:br>
-              <a:rPr lang="en-US"/>
-            </a:br>
-            <a:r>
-              <a:rPr lang="en-US" sz="1100"/>
-              <a:t>The result of the classification is displayed below the MRI image. In this case, the system has detected ASD with a </a:t>
-            </a:r>
-            <a:r>
-              <a:rPr lang="en-US" sz="1100" b="1"/>
-              <a:t>confidence score of 0.87 (or 87%)</a:t>
-            </a:r>
-            <a:r>
-              <a:rPr lang="en-US" sz="1100"/>
-              <a:t>, indicating the system’s certainty about the prediction.</a:t>
-            </a:r>
-            <a:endParaRPr sz="1100"/>
-          </a:p>
-          <a:p>
-            <a:pPr marL="457200" lvl="0" indent="0" algn="l" rtl="0">
-              <a:spcBef>
-                <a:spcPts val="0"/>
-              </a:spcBef>
-              <a:spcAft>
-                <a:spcPts val="0"/>
-              </a:spcAft>
-              <a:buNone/>
-            </a:pPr>
-            <a:r>
-              <a:rPr lang="en-US" sz="1100"/>
-              <a:t>The confidence score helps the clinician assess how reliable the system’s prediction is, providing a helpful metric for decision-making</a:t>
-            </a:r>
-            <a:endParaRPr sz="1100"/>
-          </a:p>
-          <a:p>
-            <a:pPr marL="457200" lvl="0" indent="-298450" algn="l" rtl="0">
-              <a:spcBef>
-                <a:spcPts val="0"/>
-              </a:spcBef>
-              <a:spcAft>
-                <a:spcPts val="0"/>
-              </a:spcAft>
-              <a:buSzPts val="1100"/>
-              <a:buAutoNum type="arabicPeriod"/>
-            </a:pPr>
-            <a:r>
-              <a:rPr lang="en-US" sz="1100"/>
-              <a:t>Saving the Result:</a:t>
-            </a:r>
-            <a:br>
-              <a:rPr lang="en-US" sz="1100"/>
-            </a:br>
-            <a:r>
-              <a:rPr lang="en-US" sz="1100"/>
-              <a:t>The clinician now has the option to save the result using the 'Save' button on the bottom right, which will store the prediction and MRI in the patient’s record for future reference.</a:t>
-            </a:r>
-            <a:endParaRPr sz="1100"/>
-          </a:p>
-          <a:p>
-            <a:pPr marL="457200" lvl="0" indent="-298450" algn="l" rtl="0">
-              <a:spcBef>
-                <a:spcPts val="0"/>
-              </a:spcBef>
-              <a:spcAft>
-                <a:spcPts val="0"/>
-              </a:spcAft>
-              <a:buSzPts val="1100"/>
-              <a:buAutoNum type="arabicPeriod"/>
-            </a:pPr>
-            <a:r>
-              <a:rPr lang="en-US" sz="1100"/>
-              <a:t>Functionality Recap:</a:t>
-            </a:r>
-            <a:br>
-              <a:rPr lang="en-US" sz="1100"/>
-            </a:br>
-            <a:r>
-              <a:rPr lang="en-US" sz="1100"/>
-              <a:t>This simple yet powerful interface is designed for ease of use by healthcare professionals, allowing them to upload MRI scans, obtain results quickly, and save records efficiently.</a:t>
-            </a:r>
-            <a:endParaRPr sz="1100"/>
+            <a:endParaRPr sz="1100" dirty="0"/>
           </a:p>
         </p:txBody>
       </p:sp>
@@ -2683,320 +5527,9 @@
               <a:spcAft>
                 <a:spcPts val="0"/>
               </a:spcAft>
-              <a:buClr>
-                <a:schemeClr val="dk1"/>
-              </a:buClr>
-              <a:buSzPts val="1100"/>
-              <a:buFont typeface="Arial"/>
               <a:buNone/>
             </a:pPr>
-            <a:r>
-              <a:rPr lang="en-US"/>
-              <a:t>1. Test Case 1: Uploading a Valid NII File</a:t>
-            </a:r>
-            <a:endParaRPr/>
-          </a:p>
-          <a:p>
-            <a:pPr marL="0" lvl="0" indent="0" algn="l" rtl="0">
-              <a:spcBef>
-                <a:spcPts val="0"/>
-              </a:spcBef>
-              <a:spcAft>
-                <a:spcPts val="0"/>
-              </a:spcAft>
-              <a:buClr>
-                <a:schemeClr val="dk1"/>
-              </a:buClr>
-              <a:buSzPts val="1100"/>
-              <a:buFont typeface="Arial"/>
-              <a:buNone/>
-            </a:pPr>
-            <a:r>
-              <a:rPr lang="en-US"/>
-              <a:t>This test involves uploading a correct NII file containing anatomical MRI scans. The system should start processing the file and send the scans as input to the model to begin the enhancement and classification process. </a:t>
-            </a:r>
-            <a:endParaRPr/>
-          </a:p>
-          <a:p>
-            <a:pPr marL="0" lvl="0" indent="0" algn="l" rtl="0">
-              <a:spcBef>
-                <a:spcPts val="0"/>
-              </a:spcBef>
-              <a:spcAft>
-                <a:spcPts val="0"/>
-              </a:spcAft>
-              <a:buClr>
-                <a:schemeClr val="dk1"/>
-              </a:buClr>
-              <a:buSzPts val="1100"/>
-              <a:buFont typeface="Arial"/>
-              <a:buNone/>
-            </a:pPr>
-            <a:r>
-              <a:rPr lang="en-US"/>
-              <a:t>2. Test Case 2: Pressing the Upload Button Without Selecting a File</a:t>
-            </a:r>
-            <a:endParaRPr/>
-          </a:p>
-          <a:p>
-            <a:pPr marL="0" lvl="0" indent="0" algn="l" rtl="0">
-              <a:spcBef>
-                <a:spcPts val="0"/>
-              </a:spcBef>
-              <a:spcAft>
-                <a:spcPts val="0"/>
-              </a:spcAft>
-              <a:buClr>
-                <a:schemeClr val="dk1"/>
-              </a:buClr>
-              <a:buSzPts val="1100"/>
-              <a:buFont typeface="Arial"/>
-              <a:buNone/>
-            </a:pPr>
-            <a:r>
-              <a:rPr lang="en-US"/>
-              <a:t>In this case, the user tries to proceed without uploading any file. The expected result is an error message that reads: 'Error! No file has been uploaded.' This ensures that users are aware they need to provide a valid file before continuing.</a:t>
-            </a:r>
-            <a:endParaRPr/>
-          </a:p>
-          <a:p>
-            <a:pPr marL="0" lvl="0" indent="0" algn="l" rtl="0">
-              <a:spcBef>
-                <a:spcPts val="0"/>
-              </a:spcBef>
-              <a:spcAft>
-                <a:spcPts val="0"/>
-              </a:spcAft>
-              <a:buClr>
-                <a:schemeClr val="dk1"/>
-              </a:buClr>
-              <a:buSzPts val="1100"/>
-              <a:buFont typeface="Arial"/>
-              <a:buNone/>
-            </a:pPr>
-            <a:r>
-              <a:rPr lang="en-US"/>
-              <a:t>3. Test Case 3: Uploading the Wrong File Type</a:t>
-            </a:r>
-            <a:endParaRPr/>
-          </a:p>
-          <a:p>
-            <a:pPr marL="0" lvl="0" indent="0" algn="l" rtl="0">
-              <a:spcBef>
-                <a:spcPts val="0"/>
-              </a:spcBef>
-              <a:spcAft>
-                <a:spcPts val="0"/>
-              </a:spcAft>
-              <a:buClr>
-                <a:schemeClr val="dk1"/>
-              </a:buClr>
-              <a:buSzPts val="1100"/>
-              <a:buFont typeface="Arial"/>
-              <a:buNone/>
-            </a:pPr>
-            <a:r>
-              <a:rPr lang="en-US"/>
-              <a:t>Here, we test what happens when the user tries to upload a file that is not in the supported format, such as a .jpg or .png file. The system should throw an error: 'Error! The file type is not supported.' This prevents incorrect data from entering the system.</a:t>
-            </a:r>
-            <a:endParaRPr/>
-          </a:p>
-          <a:p>
-            <a:pPr marL="0" lvl="0" indent="0" algn="l" rtl="0">
-              <a:spcBef>
-                <a:spcPts val="0"/>
-              </a:spcBef>
-              <a:spcAft>
-                <a:spcPts val="0"/>
-              </a:spcAft>
-              <a:buClr>
-                <a:schemeClr val="dk1"/>
-              </a:buClr>
-              <a:buSzPts val="1100"/>
-              <a:buFont typeface="Arial"/>
-              <a:buNone/>
-            </a:pPr>
-            <a:r>
-              <a:rPr lang="en-US"/>
-              <a:t>4. Test Case 4: Uploading an Empty File</a:t>
-            </a:r>
-            <a:endParaRPr/>
-          </a:p>
-          <a:p>
-            <a:pPr marL="0" lvl="0" indent="0" algn="l" rtl="0">
-              <a:spcBef>
-                <a:spcPts val="0"/>
-              </a:spcBef>
-              <a:spcAft>
-                <a:spcPts val="0"/>
-              </a:spcAft>
-              <a:buClr>
-                <a:schemeClr val="dk1"/>
-              </a:buClr>
-              <a:buSzPts val="1100"/>
-              <a:buFont typeface="Arial"/>
-              <a:buNone/>
-            </a:pPr>
-            <a:r>
-              <a:rPr lang="en-US"/>
-              <a:t> If an empty file is uploaded, the system should detect this and return an error message: 'Error! The file is empty.' This ensures the system only processes valid MRI data.</a:t>
-            </a:r>
-            <a:endParaRPr/>
-          </a:p>
-          <a:p>
-            <a:pPr marL="0" lvl="0" indent="0" algn="l" rtl="0">
-              <a:spcBef>
-                <a:spcPts val="0"/>
-              </a:spcBef>
-              <a:spcAft>
-                <a:spcPts val="0"/>
-              </a:spcAft>
-              <a:buClr>
-                <a:schemeClr val="dk1"/>
-              </a:buClr>
-              <a:buSzPts val="1100"/>
-              <a:buFont typeface="Arial"/>
-              <a:buNone/>
-            </a:pPr>
-            <a:r>
-              <a:rPr lang="en-US"/>
-              <a:t>5. Test Case 5: Saving the Result After a Successful Upload</a:t>
-            </a:r>
-            <a:endParaRPr/>
-          </a:p>
-          <a:p>
-            <a:pPr marL="0" lvl="0" indent="0" algn="l" rtl="0">
-              <a:spcBef>
-                <a:spcPts val="0"/>
-              </a:spcBef>
-              <a:spcAft>
-                <a:spcPts val="0"/>
-              </a:spcAft>
-              <a:buClr>
-                <a:schemeClr val="dk1"/>
-              </a:buClr>
-              <a:buSzPts val="1100"/>
-              <a:buFont typeface="Arial"/>
-              <a:buNone/>
-            </a:pPr>
-            <a:r>
-              <a:rPr lang="en-US"/>
-              <a:t>Once the file has been uploaded and the results have been received, this test checks if the 'Save' button correctly stores the image and results in the file system. The expected behavior is that the result is successfully saved.</a:t>
-            </a:r>
-            <a:endParaRPr/>
-          </a:p>
-          <a:p>
-            <a:pPr marL="0" lvl="0" indent="0" algn="l" rtl="0">
-              <a:spcBef>
-                <a:spcPts val="0"/>
-              </a:spcBef>
-              <a:spcAft>
-                <a:spcPts val="0"/>
-              </a:spcAft>
-              <a:buClr>
-                <a:schemeClr val="dk1"/>
-              </a:buClr>
-              <a:buSzPts val="1100"/>
-              <a:buFont typeface="Arial"/>
-              <a:buNone/>
-            </a:pPr>
-            <a:r>
-              <a:rPr lang="en-US"/>
-              <a:t>6. Test Case 6: Pressing the Save Button Without Uploading a File</a:t>
-            </a:r>
-            <a:endParaRPr/>
-          </a:p>
-          <a:p>
-            <a:pPr marL="0" lvl="0" indent="0" algn="l" rtl="0">
-              <a:spcBef>
-                <a:spcPts val="0"/>
-              </a:spcBef>
-              <a:spcAft>
-                <a:spcPts val="0"/>
-              </a:spcAft>
-              <a:buClr>
-                <a:schemeClr val="dk1"/>
-              </a:buClr>
-              <a:buSzPts val="1100"/>
-              <a:buFont typeface="Arial"/>
-              <a:buNone/>
-            </a:pPr>
-            <a:r>
-              <a:rPr lang="en-US"/>
-              <a:t>If the user presses the 'Save' button before uploading any file, the system should prevent this by showing an error: 'Please upload a file.'This ensures that results are only saved after proper file upload and processing.</a:t>
-            </a:r>
-            <a:endParaRPr/>
-          </a:p>
-          <a:p>
-            <a:pPr marL="0" lvl="0" indent="0" algn="l" rtl="0">
-              <a:spcBef>
-                <a:spcPts val="0"/>
-              </a:spcBef>
-              <a:spcAft>
-                <a:spcPts val="0"/>
-              </a:spcAft>
-              <a:buClr>
-                <a:schemeClr val="dk1"/>
-              </a:buClr>
-              <a:buSzPts val="1100"/>
-              <a:buFont typeface="Arial"/>
-              <a:buNone/>
-            </a:pPr>
-            <a:r>
-              <a:rPr lang="en-US"/>
-              <a:t>7. Test Case 7: Adding Medical Record Notes</a:t>
-            </a:r>
-            <a:endParaRPr/>
-          </a:p>
-          <a:p>
-            <a:pPr marL="0" lvl="0" indent="0" algn="l" rtl="0">
-              <a:spcBef>
-                <a:spcPts val="0"/>
-              </a:spcBef>
-              <a:spcAft>
-                <a:spcPts val="0"/>
-              </a:spcAft>
-              <a:buClr>
-                <a:schemeClr val="dk1"/>
-              </a:buClr>
-              <a:buSzPts val="1100"/>
-              <a:buFont typeface="Arial"/>
-              <a:buNone/>
-            </a:pPr>
-            <a:r>
-              <a:rPr lang="en-US"/>
-              <a:t>When the 'Add medical record notes' button is clicked, a window should open, allowing the user to enter important information about the patient’s medical history or other relevant notes. This helps in maintaining detailed patient records.</a:t>
-            </a:r>
-            <a:endParaRPr/>
-          </a:p>
-          <a:p>
-            <a:pPr marL="0" lvl="0" indent="0" algn="l" rtl="0">
-              <a:spcBef>
-                <a:spcPts val="0"/>
-              </a:spcBef>
-              <a:spcAft>
-                <a:spcPts val="0"/>
-              </a:spcAft>
-              <a:buClr>
-                <a:schemeClr val="dk1"/>
-              </a:buClr>
-              <a:buSzPts val="1100"/>
-              <a:buFont typeface="Arial"/>
-              <a:buNone/>
-            </a:pPr>
-            <a:endParaRPr/>
-          </a:p>
-          <a:p>
-            <a:pPr marL="0" lvl="0" indent="0" algn="l" rtl="0">
-              <a:spcBef>
-                <a:spcPts val="0"/>
-              </a:spcBef>
-              <a:spcAft>
-                <a:spcPts val="0"/>
-              </a:spcAft>
-              <a:buNone/>
-            </a:pPr>
-            <a:endParaRPr/>
+            <a:endParaRPr dirty="0"/>
           </a:p>
         </p:txBody>
       </p:sp>
@@ -3207,69 +5740,7 @@
               </a:spcAft>
               <a:buNone/>
             </a:pPr>
-            <a:br>
-              <a:rPr lang="en-US">
-                <a:latin typeface="Calibri"/>
-                <a:ea typeface="Calibri"/>
-                <a:cs typeface="Calibri"/>
-                <a:sym typeface="Calibri"/>
-              </a:rPr>
-            </a:br>
-            <a:br>
-              <a:rPr lang="en-US">
-                <a:latin typeface="Calibri"/>
-                <a:ea typeface="Calibri"/>
-                <a:cs typeface="Calibri"/>
-                <a:sym typeface="Calibri"/>
-              </a:rPr>
-            </a:br>
-            <a:r>
-              <a:rPr lang="en-US">
-                <a:latin typeface="Calibri"/>
-                <a:ea typeface="Calibri"/>
-                <a:cs typeface="Calibri"/>
-                <a:sym typeface="Calibri"/>
-              </a:rPr>
-              <a:t>Autism spectrum disorder (ASD) is a brain-based disorder characterized by social deficits and repetitive behaviors traditionally diagnosed through behavioral assessments. </a:t>
-            </a:r>
-            <a:endParaRPr>
-              <a:latin typeface="Calibri"/>
-              <a:ea typeface="Calibri"/>
-              <a:cs typeface="Calibri"/>
-              <a:sym typeface="Calibri"/>
-            </a:endParaRPr>
-          </a:p>
-          <a:p>
-            <a:pPr marL="0" lvl="0" indent="0" algn="l" rtl="0">
-              <a:lnSpc>
-                <a:spcPct val="90000"/>
-              </a:lnSpc>
-              <a:spcBef>
-                <a:spcPts val="1000"/>
-              </a:spcBef>
-              <a:spcAft>
-                <a:spcPts val="0"/>
-              </a:spcAft>
-              <a:buClr>
-                <a:schemeClr val="dk1"/>
-              </a:buClr>
-              <a:buSzPts val="1100"/>
-              <a:buFont typeface="Arial"/>
-              <a:buNone/>
-            </a:pPr>
-            <a:r>
-              <a:rPr lang="en-US">
-                <a:solidFill>
-                  <a:srgbClr val="FF0000"/>
-                </a:solidFill>
-                <a:latin typeface="Calibri"/>
-                <a:ea typeface="Calibri"/>
-                <a:cs typeface="Calibri"/>
-                <a:sym typeface="Calibri"/>
-              </a:rPr>
-              <a:t>Early diagnosis during is important and can improve the social skills and communication problems of children with ASD and enhance their quality of life. In order to control and treat this disease, an early diagnosis is crucial.</a:t>
-            </a:r>
-            <a:endParaRPr>
+            <a:endParaRPr dirty="0">
               <a:latin typeface="Calibri"/>
               <a:ea typeface="Calibri"/>
               <a:cs typeface="Calibri"/>
@@ -3378,270 +5849,6 @@
               </a:spcAft>
               <a:buNone/>
             </a:pPr>
-            <a:r>
-              <a:rPr lang="en-US" dirty="0"/>
-              <a:t>Today there is no unequivocal way to detect ASD, The traditional way is not always accurate and is based on behavioral tests. Based on DSM (Diagnostic and Statistical Manual of Mental Disorders) or behavioral diagnostic scales.</a:t>
-            </a:r>
-            <a:endParaRPr dirty="0"/>
-          </a:p>
-          <a:p>
-            <a:pPr marL="0" lvl="0" indent="0" algn="l" rtl="0">
-              <a:spcBef>
-                <a:spcPts val="0"/>
-              </a:spcBef>
-              <a:spcAft>
-                <a:spcPts val="0"/>
-              </a:spcAft>
-              <a:buNone/>
-            </a:pPr>
-            <a:br>
-              <a:rPr lang="en-US" dirty="0"/>
-            </a:br>
-            <a:r>
-              <a:rPr lang="en-US" dirty="0">
-                <a:solidFill>
-                  <a:srgbClr val="282828"/>
-                </a:solidFill>
-                <a:highlight>
-                  <a:srgbClr val="F7F7F7"/>
-                </a:highlight>
-              </a:rPr>
-              <a:t>Several neurodevelopmental disorders have complex genetic and epigenetic features that lead to their phenotype(The outward physical expression of a genetic trait) and for some there is no single genetic marker for the diagnosis.  therefore, the diagnosis is made phenotypically </a:t>
-            </a:r>
-            <a:r>
-              <a:rPr lang="en-US" dirty="0">
-                <a:solidFill>
-                  <a:srgbClr val="272525"/>
-                </a:solidFill>
-                <a:latin typeface="Calibri"/>
-                <a:ea typeface="Calibri"/>
-                <a:cs typeface="Calibri"/>
-                <a:sym typeface="Calibri"/>
-              </a:rPr>
-              <a:t>.</a:t>
-            </a:r>
-            <a:r>
-              <a:rPr lang="en-US" dirty="0">
-                <a:solidFill>
-                  <a:srgbClr val="282828"/>
-                </a:solidFill>
-                <a:highlight>
-                  <a:srgbClr val="F7F7F7"/>
-                </a:highlight>
-              </a:rPr>
-              <a:t>a given phenotype may arise from a diverse set of biochemical processes. Similar symptoms can arise from different biochemical processes.</a:t>
-            </a:r>
-            <a:br>
-              <a:rPr lang="en-US" dirty="0">
-                <a:solidFill>
-                  <a:srgbClr val="282828"/>
-                </a:solidFill>
-                <a:highlight>
-                  <a:srgbClr val="F7F7F7"/>
-                </a:highlight>
-              </a:rPr>
-            </a:br>
-            <a:br>
-              <a:rPr lang="en-US" dirty="0">
-                <a:solidFill>
-                  <a:srgbClr val="282828"/>
-                </a:solidFill>
-                <a:highlight>
-                  <a:srgbClr val="F7F7F7"/>
-                </a:highlight>
-              </a:rPr>
-            </a:br>
-            <a:r>
-              <a:rPr lang="en-US" b="1" dirty="0">
-                <a:solidFill>
-                  <a:srgbClr val="282828"/>
-                </a:solidFill>
-                <a:highlight>
-                  <a:srgbClr val="F7F7F7"/>
-                </a:highlight>
-              </a:rPr>
-              <a:t>1.</a:t>
-            </a:r>
-            <a:r>
-              <a:rPr lang="en-US" sz="1100" b="1" dirty="0"/>
-              <a:t>Clinical Heterogeneity:</a:t>
-            </a:r>
-            <a:r>
-              <a:rPr lang="en-US" sz="1100" dirty="0"/>
-              <a:t> Autism encompasses a wide range of symptoms and severity levels. Individuals with autism can exhibit very different behaviors, communication abilities, and interests, making it challenging to establish uniform diagnostic criteria.</a:t>
-            </a:r>
-            <a:endParaRPr sz="1100" dirty="0"/>
-          </a:p>
-          <a:p>
-            <a:pPr marL="0" lvl="0" indent="0" algn="l" rtl="0">
-              <a:spcBef>
-                <a:spcPts val="0"/>
-              </a:spcBef>
-              <a:spcAft>
-                <a:spcPts val="0"/>
-              </a:spcAft>
-              <a:buNone/>
-            </a:pPr>
-            <a:r>
-              <a:rPr lang="en-US" sz="1100" b="1" dirty="0"/>
-              <a:t>2. Genetic Diversity</a:t>
-            </a:r>
-            <a:r>
-              <a:rPr lang="en-US" sz="1100" dirty="0"/>
-              <a:t>: Autism is not caused by a single gene or mutation but rather by a combination of different genes, which can affect in various ways. This makes it challenging to identify specific genetic factors that increase the risk of the disorder.</a:t>
-            </a:r>
-            <a:endParaRPr sz="1100" dirty="0"/>
-          </a:p>
-          <a:p>
-            <a:pPr marL="0" lvl="0" indent="0" algn="l" rtl="0">
-              <a:spcBef>
-                <a:spcPts val="0"/>
-              </a:spcBef>
-              <a:spcAft>
-                <a:spcPts val="0"/>
-              </a:spcAft>
-              <a:buNone/>
-            </a:pPr>
-            <a:r>
-              <a:rPr lang="en-US" sz="1100" b="1" dirty="0"/>
-              <a:t>3. Diagnosis Based on Symptoms</a:t>
-            </a:r>
-            <a:r>
-              <a:rPr lang="en-US" sz="1100" dirty="0"/>
-              <a:t>: The diagnosis of autism is primarily based on behavioral symptoms and observations, rather than on objective tests such as blood tests or imaging. This can lead to subjective assessments or differences in diagnosis between different doctors.</a:t>
-            </a:r>
-            <a:endParaRPr sz="1100" dirty="0"/>
-          </a:p>
-          <a:p>
-            <a:pPr marL="0" lvl="0" indent="0" algn="l" rtl="0">
-              <a:spcBef>
-                <a:spcPts val="0"/>
-              </a:spcBef>
-              <a:spcAft>
-                <a:spcPts val="0"/>
-              </a:spcAft>
-              <a:buNone/>
-            </a:pPr>
-            <a:endParaRPr sz="1100" dirty="0"/>
-          </a:p>
-          <a:p>
-            <a:pPr marL="0" lvl="0" indent="0" algn="l" rtl="0">
-              <a:spcBef>
-                <a:spcPts val="0"/>
-              </a:spcBef>
-              <a:spcAft>
-                <a:spcPts val="0"/>
-              </a:spcAft>
-              <a:buNone/>
-            </a:pPr>
-            <a:r>
-              <a:rPr lang="en-US" dirty="0">
-                <a:solidFill>
-                  <a:srgbClr val="FF0000"/>
-                </a:solidFill>
-                <a:latin typeface="Calibri"/>
-                <a:ea typeface="Calibri"/>
-                <a:cs typeface="Calibri"/>
-                <a:sym typeface="Calibri"/>
-              </a:rPr>
-              <a:t>So far, the diagnosis of ASD and the selection criteria for clinical trials have been guided by the Diagnostic and Statistical Manual of Mental Disorders or behavioral diagnostic scales. In the case of disorders that are influenced by numerous genetic or environmental factors, such as autism spectrum disorders, the disadvantage of symptom-based criteria is that similar symptoms or phenotypes may result from a variety of biochemical processes.  For this reason, only 10%–38% of cases with known genetic deficits have been reported, there are no simple or consistent genetic underpinnings to ASD.[2]</a:t>
-            </a:r>
-            <a:endParaRPr dirty="0">
-              <a:solidFill>
-                <a:srgbClr val="FF0000"/>
-              </a:solidFill>
-              <a:latin typeface="Calibri"/>
-              <a:ea typeface="Calibri"/>
-              <a:cs typeface="Calibri"/>
-              <a:sym typeface="Calibri"/>
-            </a:endParaRPr>
-          </a:p>
-          <a:p>
-            <a:pPr marL="0" lvl="0" indent="0" algn="l" rtl="0">
-              <a:lnSpc>
-                <a:spcPct val="90000"/>
-              </a:lnSpc>
-              <a:spcBef>
-                <a:spcPts val="1000"/>
-              </a:spcBef>
-              <a:spcAft>
-                <a:spcPts val="0"/>
-              </a:spcAft>
-              <a:buNone/>
-            </a:pPr>
-            <a:br>
-              <a:rPr lang="en-US" dirty="0">
-                <a:solidFill>
-                  <a:srgbClr val="FF0000"/>
-                </a:solidFill>
-                <a:latin typeface="Calibri"/>
-                <a:ea typeface="Calibri"/>
-                <a:cs typeface="Calibri"/>
-                <a:sym typeface="Calibri"/>
-              </a:rPr>
-            </a:br>
-            <a:endParaRPr dirty="0">
-              <a:solidFill>
-                <a:srgbClr val="FF0000"/>
-              </a:solidFill>
-              <a:latin typeface="Calibri"/>
-              <a:ea typeface="Calibri"/>
-              <a:cs typeface="Calibri"/>
-              <a:sym typeface="Calibri"/>
-            </a:endParaRPr>
-          </a:p>
-          <a:p>
-            <a:pPr marL="228600" lvl="0" indent="0" algn="l" rtl="0">
-              <a:lnSpc>
-                <a:spcPct val="90000"/>
-              </a:lnSpc>
-              <a:spcBef>
-                <a:spcPts val="1000"/>
-              </a:spcBef>
-              <a:spcAft>
-                <a:spcPts val="0"/>
-              </a:spcAft>
-              <a:buNone/>
-            </a:pPr>
-            <a:endParaRPr dirty="0">
-              <a:solidFill>
-                <a:srgbClr val="FF0000"/>
-              </a:solidFill>
-              <a:latin typeface="Calibri"/>
-              <a:ea typeface="Calibri"/>
-              <a:cs typeface="Calibri"/>
-              <a:sym typeface="Calibri"/>
-            </a:endParaRPr>
-          </a:p>
-          <a:p>
-            <a:pPr marL="228600" lvl="0" indent="0" algn="l" rtl="0">
-              <a:lnSpc>
-                <a:spcPct val="90000"/>
-              </a:lnSpc>
-              <a:spcBef>
-                <a:spcPts val="1000"/>
-              </a:spcBef>
-              <a:spcAft>
-                <a:spcPts val="0"/>
-              </a:spcAft>
-              <a:buClr>
-                <a:schemeClr val="dk1"/>
-              </a:buClr>
-              <a:buSzPts val="1100"/>
-              <a:buFont typeface="Arial"/>
-              <a:buNone/>
-            </a:pPr>
-            <a:br>
-              <a:rPr lang="en-US" dirty="0">
-                <a:solidFill>
-                  <a:srgbClr val="FF0000"/>
-                </a:solidFill>
-                <a:latin typeface="Calibri"/>
-                <a:ea typeface="Calibri"/>
-                <a:cs typeface="Calibri"/>
-                <a:sym typeface="Calibri"/>
-              </a:rPr>
-            </a:br>
             <a:endParaRPr dirty="0"/>
           </a:p>
         </p:txBody>
@@ -3801,45 +6008,7 @@
               </a:spcAft>
               <a:buNone/>
             </a:pPr>
-            <a:r>
-              <a:rPr lang="en-US"/>
-              <a:t>This reduced connectivity means that these areas may not communicate as effectively as they should, which could contribute to some of the challenges in social behavior, communication, and other cognitive functions that are characteristic of autism. </a:t>
-            </a:r>
-            <a:endParaRPr/>
-          </a:p>
-          <a:p>
-            <a:pPr marL="0" lvl="0" indent="0" algn="l" rtl="0">
-              <a:spcBef>
-                <a:spcPts val="0"/>
-              </a:spcBef>
-              <a:spcAft>
-                <a:spcPts val="0"/>
-              </a:spcAft>
-              <a:buNone/>
-            </a:pPr>
-            <a:br>
-              <a:rPr lang="en-US"/>
-            </a:br>
-            <a:r>
-              <a:rPr lang="en-US"/>
-              <a:t>***********************</a:t>
-            </a:r>
-            <a:br>
-              <a:rPr lang="en-US"/>
-            </a:br>
-            <a:endParaRPr/>
-          </a:p>
-          <a:p>
-            <a:pPr marL="0" lvl="0" indent="0" algn="l" rtl="0">
-              <a:spcBef>
-                <a:spcPts val="0"/>
-              </a:spcBef>
-              <a:spcAft>
-                <a:spcPts val="0"/>
-              </a:spcAft>
-              <a:buNone/>
-            </a:pPr>
-            <a:endParaRPr/>
+            <a:endParaRPr dirty="0"/>
           </a:p>
         </p:txBody>
       </p:sp>
@@ -3987,68 +6156,9 @@
               <a:spcAft>
                 <a:spcPts val="0"/>
               </a:spcAft>
-              <a:buClr>
-                <a:schemeClr val="dk1"/>
-              </a:buClr>
-              <a:buSzPts val="1100"/>
-              <a:buFont typeface="Arial"/>
               <a:buNone/>
             </a:pPr>
-            <a:r>
-              <a:rPr lang="en-US"/>
-              <a:t>The ABIDE dataset, used in our project, includes data from 36 sites worldwide with a total of 2,226 datasets. This comprises 1,060 datasets from individuals with Autism Spectrum Disorder (ASD) and 1,166 from control subjects. The dataset covers a wide age range, from 5 to 64 years, and includes resting-state fMRI, structural MRI, and enhanced phenotypic data. For our project, we will specifically use anatomical MRI scans with a resolution of 256x256 pixels.</a:t>
-            </a:r>
-            <a:endParaRPr/>
-          </a:p>
-          <a:p>
-            <a:pPr marL="0" lvl="0" indent="0" algn="l" rtl="0">
-              <a:spcBef>
-                <a:spcPts val="0"/>
-              </a:spcBef>
-              <a:spcAft>
-                <a:spcPts val="0"/>
-              </a:spcAft>
-              <a:buClr>
-                <a:schemeClr val="dk1"/>
-              </a:buClr>
-              <a:buSzPts val="1100"/>
-              <a:buFont typeface="Arial"/>
-              <a:buNone/>
-            </a:pPr>
-            <a:endParaRPr/>
-          </a:p>
-          <a:p>
-            <a:pPr marL="0" lvl="0" indent="0" algn="l" rtl="0">
-              <a:spcBef>
-                <a:spcPts val="0"/>
-              </a:spcBef>
-              <a:spcAft>
-                <a:spcPts val="0"/>
-              </a:spcAft>
-              <a:buClr>
-                <a:schemeClr val="dk1"/>
-              </a:buClr>
-              <a:buSzPts val="1100"/>
-              <a:buFont typeface="Arial"/>
-              <a:buNone/>
-            </a:pPr>
-            <a:r>
-              <a:rPr lang="en-US"/>
-              <a:t>In the picture below we see an anatomical MRI image of one of the patients in the ABIDE dataset.</a:t>
-            </a:r>
-            <a:endParaRPr/>
-          </a:p>
-          <a:p>
-            <a:pPr marL="0" lvl="0" indent="0" algn="l" rtl="0">
-              <a:spcBef>
-                <a:spcPts val="0"/>
-              </a:spcBef>
-              <a:spcAft>
-                <a:spcPts val="0"/>
-              </a:spcAft>
-              <a:buNone/>
-            </a:pPr>
-            <a:endParaRPr/>
+            <a:endParaRPr dirty="0"/>
           </a:p>
         </p:txBody>
       </p:sp>
@@ -4189,30 +6299,6 @@
           </a:bodyPr>
           <a:lstStyle/>
           <a:p>
-            <a:pPr marL="0" lvl="0" indent="0" algn="r" rtl="1">
-              <a:lnSpc>
-                <a:spcPct val="115000"/>
-              </a:lnSpc>
-              <a:spcBef>
-                <a:spcPts val="1200"/>
-              </a:spcBef>
-              <a:spcAft>
-                <a:spcPts val="0"/>
-              </a:spcAft>
-              <a:buClr>
-                <a:schemeClr val="dk1"/>
-              </a:buClr>
-              <a:buSzPts val="1100"/>
-              <a:buFont typeface="Arial"/>
-              <a:buNone/>
-            </a:pPr>
-            <a:r>
-              <a:rPr lang="en-US"/>
-              <a:t>In the study 'Identification of Autism Spectrum Disorder Using Deep Learning and the ABIDE Dataset,' researchers achieved 70% classification accuracy using Denoising Autoencoders and a Multilayer Perceptron. Building on this, our project will use CNN-Inception V4 with Transfer Learning to aim for similar or better accuracy.</a:t>
-            </a:r>
-            <a:endParaRPr/>
-          </a:p>
-          <a:p>
             <a:pPr marL="0" lvl="0" indent="0" algn="l" rtl="0">
               <a:spcBef>
                 <a:spcPts val="1200"/>
@@ -4222,7 +6308,7 @@
               </a:spcAft>
               <a:buNone/>
             </a:pPr>
-            <a:endParaRPr/>
+            <a:endParaRPr dirty="0"/>
           </a:p>
         </p:txBody>
       </p:sp>
@@ -4323,63 +6409,15 @@
           <a:lstStyle/>
           <a:p>
             <a:pPr marL="0" lvl="0" indent="0" algn="l" rtl="0">
-              <a:lnSpc>
-                <a:spcPct val="115000"/>
-              </a:lnSpc>
               <a:spcBef>
                 <a:spcPts val="1200"/>
               </a:spcBef>
               <a:spcAft>
                 <a:spcPts val="0"/>
               </a:spcAft>
-              <a:buClr>
-                <a:schemeClr val="dk1"/>
-              </a:buClr>
-              <a:buSzPts val="1100"/>
-              <a:buFont typeface="Arial"/>
               <a:buNone/>
             </a:pPr>
-            <a:r>
-              <a:rPr lang="en-US"/>
-              <a:t>The study found that people with Autism Spectrum Disorder (ASD) show distinct patterns of brain growth. At birth, brain volume is normal, especially in the frontal and temporal regions. However, in early childhood, individuals with ASD experience rapid brain growth in areas like the frontal cortex, temporal cortex, cerebellum, parietal cortex, occipital lobe, and amygdala. This overgrowth tends to level off in adolescence, but some may show reduced growth or even degeneration in certain areas.</a:t>
-            </a:r>
-            <a:endParaRPr/>
-          </a:p>
-          <a:p>
-            <a:pPr marL="0" lvl="0" indent="0" algn="l" rtl="0">
-              <a:lnSpc>
-                <a:spcPct val="115000"/>
-              </a:lnSpc>
-              <a:spcBef>
-                <a:spcPts val="1200"/>
-              </a:spcBef>
-              <a:spcAft>
-                <a:spcPts val="0"/>
-              </a:spcAft>
-              <a:buClr>
-                <a:schemeClr val="dk1"/>
-              </a:buClr>
-              <a:buSzPts val="1100"/>
-              <a:buFont typeface="Arial"/>
-              <a:buNone/>
-            </a:pPr>
-            <a:r>
-              <a:rPr lang="en-US"/>
-              <a:t>The study's graph shows that ASD individuals (blue line) have larger brain volumes compared to typically developing individuals (red line), who have a smoother growth pattern. Additionally, abnormalities in cortical gray and white matter volumes were consistently observed in ASD. For boys aged 2 to 4, 90% of those with ASD have brain volumes larger than the average, unlike typically developing boys, where only one had a volume exceeding the ASD average.</a:t>
-            </a:r>
-            <a:endParaRPr/>
-          </a:p>
-          <a:p>
-            <a:pPr marL="0" lvl="0" indent="0" algn="l" rtl="0">
-              <a:spcBef>
-                <a:spcPts val="1200"/>
-              </a:spcBef>
-              <a:spcAft>
-                <a:spcPts val="0"/>
-              </a:spcAft>
-              <a:buNone/>
-            </a:pPr>
-            <a:endParaRPr/>
+            <a:endParaRPr dirty="0"/>
           </a:p>
         </p:txBody>
       </p:sp>
@@ -4475,128 +6513,15 @@
           <a:lstStyle/>
           <a:p>
             <a:pPr marL="0" lvl="0" indent="0" algn="l" rtl="0">
-              <a:lnSpc>
-                <a:spcPct val="108000"/>
-              </a:lnSpc>
               <a:spcBef>
-                <a:spcPts val="1000"/>
+                <a:spcPts val="0"/>
               </a:spcBef>
               <a:spcAft>
                 <a:spcPts val="0"/>
               </a:spcAft>
               <a:buNone/>
             </a:pPr>
-            <a:r>
-              <a:rPr lang="en-US">
-                <a:latin typeface="Calibri"/>
-                <a:ea typeface="Calibri"/>
-                <a:cs typeface="Calibri"/>
-                <a:sym typeface="Calibri"/>
-              </a:rPr>
-              <a:t>In this project, we investigated ASD patients' brain imaging data from a worldwide multi-site database known as ABIDE (the Autism Brain Imaging Data Exchange) to improve ASD diagnosis accuracy and reliability. </a:t>
-            </a:r>
-            <a:endParaRPr>
-              <a:latin typeface="Calibri"/>
-              <a:ea typeface="Calibri"/>
-              <a:cs typeface="Calibri"/>
-              <a:sym typeface="Calibri"/>
-            </a:endParaRPr>
-          </a:p>
-          <a:p>
-            <a:pPr marL="0" lvl="0" indent="0" algn="l" rtl="0">
-              <a:lnSpc>
-                <a:spcPct val="108000"/>
-              </a:lnSpc>
-              <a:spcBef>
-                <a:spcPts val="1000"/>
-              </a:spcBef>
-              <a:spcAft>
-                <a:spcPts val="0"/>
-              </a:spcAft>
-              <a:buClr>
-                <a:schemeClr val="dk1"/>
-              </a:buClr>
-              <a:buSzPts val="1100"/>
-              <a:buFont typeface="Arial"/>
-              <a:buNone/>
-            </a:pPr>
-            <a:r>
-              <a:rPr lang="en-US">
-                <a:latin typeface="Calibri"/>
-                <a:ea typeface="Calibri"/>
-                <a:cs typeface="Calibri"/>
-                <a:sym typeface="Calibri"/>
-              </a:rPr>
-              <a:t>Images will be classified using deep learning and CNN-Inception v4 architecture.</a:t>
-            </a:r>
-            <a:endParaRPr>
-              <a:latin typeface="Calibri"/>
-              <a:ea typeface="Calibri"/>
-              <a:cs typeface="Calibri"/>
-              <a:sym typeface="Calibri"/>
-            </a:endParaRPr>
-          </a:p>
-          <a:p>
-            <a:pPr marL="0" lvl="0" indent="0" algn="l" rtl="0">
-              <a:lnSpc>
-                <a:spcPct val="108000"/>
-              </a:lnSpc>
-              <a:spcBef>
-                <a:spcPts val="1000"/>
-              </a:spcBef>
-              <a:spcAft>
-                <a:spcPts val="0"/>
-              </a:spcAft>
-              <a:buClr>
-                <a:schemeClr val="dk1"/>
-              </a:buClr>
-              <a:buSzPts val="1100"/>
-              <a:buFont typeface="Arial"/>
-              <a:buNone/>
-            </a:pPr>
-            <a:endParaRPr>
-              <a:latin typeface="Calibri"/>
-              <a:ea typeface="Calibri"/>
-              <a:cs typeface="Calibri"/>
-              <a:sym typeface="Calibri"/>
-            </a:endParaRPr>
-          </a:p>
-          <a:p>
-            <a:pPr marL="0" lvl="0" indent="0" algn="l" rtl="0">
-              <a:lnSpc>
-                <a:spcPct val="115000"/>
-              </a:lnSpc>
-              <a:spcBef>
-                <a:spcPts val="0"/>
-              </a:spcBef>
-              <a:spcAft>
-                <a:spcPts val="0"/>
-              </a:spcAft>
-              <a:buClr>
-                <a:schemeClr val="dk1"/>
-              </a:buClr>
-              <a:buSzPts val="1100"/>
-              <a:buFont typeface="Arial"/>
-              <a:buNone/>
-            </a:pPr>
-            <a:endParaRPr>
-              <a:latin typeface="Calibri"/>
-              <a:ea typeface="Calibri"/>
-              <a:cs typeface="Calibri"/>
-              <a:sym typeface="Calibri"/>
-            </a:endParaRPr>
-          </a:p>
-          <a:p>
-            <a:pPr marL="0" lvl="0" indent="0" algn="l" rtl="0">
-              <a:spcBef>
-                <a:spcPts val="0"/>
-              </a:spcBef>
-              <a:spcAft>
-                <a:spcPts val="0"/>
-              </a:spcAft>
-              <a:buNone/>
-            </a:pPr>
-            <a:endParaRPr/>
+            <a:endParaRPr dirty="0"/>
           </a:p>
         </p:txBody>
       </p:sp>
@@ -4704,7 +6629,7 @@
               <a:buNone/>
             </a:pPr>
             <a:r>
-              <a:rPr lang="en-US" sz="900">
+              <a:rPr lang="en-US" sz="900" dirty="0" smtClean="0">
                 <a:solidFill>
                   <a:srgbClr val="212121"/>
                 </a:solidFill>
@@ -4712,14 +6637,14 @@
               <a:t>Fig 6: On the left is the overall schema for the pure Inception-v4 network. On the right is the detailed composition of the stem [4].</a:t>
             </a:r>
             <a:br>
-              <a:rPr lang="en-US" sz="900">
+              <a:rPr lang="en-US" sz="900" dirty="0" smtClean="0">
                 <a:solidFill>
                   <a:srgbClr val="212121"/>
                 </a:solidFill>
               </a:rPr>
             </a:br>
             <a:r>
-              <a:rPr lang="en-US" sz="900">
+              <a:rPr lang="en-US" sz="900" dirty="0" smtClean="0">
                 <a:solidFill>
                   <a:srgbClr val="212121"/>
                 </a:solidFill>
@@ -4727,14 +6652,14 @@
               <a:t>Stem: Initial convolutional and pooling layers that process the input image, extracting low-level features (e.g., edges, textures).</a:t>
             </a:r>
             <a:br>
-              <a:rPr lang="en-US" sz="900">
+              <a:rPr lang="en-US" sz="900" dirty="0" smtClean="0">
                 <a:solidFill>
                   <a:srgbClr val="212121"/>
                 </a:solidFill>
               </a:rPr>
             </a:br>
             <a:r>
-              <a:rPr lang="en-US" sz="900">
+              <a:rPr lang="en-US" sz="900" dirty="0" smtClean="0">
                 <a:solidFill>
                   <a:srgbClr val="212121"/>
                 </a:solidFill>
@@ -4742,29 +6667,45 @@
               <a:t>Inception-A: A module that applies multiple convolutional filters in parallel (1x1, 3x3, 5x5) to capture different feature scales, followed by concatenation.</a:t>
             </a:r>
             <a:br>
-              <a:rPr lang="en-US" sz="900">
+              <a:rPr lang="en-US" sz="900" dirty="0" smtClean="0">
                 <a:solidFill>
                   <a:srgbClr val="212121"/>
                 </a:solidFill>
               </a:rPr>
             </a:br>
             <a:r>
-              <a:rPr lang="en-US" sz="900">
+              <a:rPr lang="en-US" sz="900" dirty="0" smtClean="0">
                 <a:solidFill>
                   <a:srgbClr val="212121"/>
                 </a:solidFill>
               </a:rPr>
-              <a:t>Reduction-A: A downsampling layer using convolutions and pooling to reduce the spatial dimensions while preserving key features.</a:t>
+              <a:t>Reduction-A: A </a:t>
+            </a:r>
+            <a:r>
+              <a:rPr lang="en-US" sz="900" dirty="0" err="1" smtClean="0">
+                <a:solidFill>
+                  <a:srgbClr val="212121"/>
+                </a:solidFill>
+              </a:rPr>
+              <a:t>downsampling</a:t>
+            </a:r>
+            <a:r>
+              <a:rPr lang="en-US" sz="900" dirty="0" smtClean="0">
+                <a:solidFill>
+                  <a:srgbClr val="212121"/>
+                </a:solidFill>
+              </a:rPr>
+              <a:t> layer using convolutions and pooling to reduce the spatial dimensions while preserving key features.</a:t>
             </a:r>
             <a:br>
-              <a:rPr lang="en-US" sz="900">
+              <a:rPr lang="en-US" sz="900" dirty="0" smtClean="0">
                 <a:solidFill>
                   <a:srgbClr val="212121"/>
                 </a:solidFill>
               </a:rPr>
             </a:br>
             <a:r>
-              <a:rPr lang="en-US" sz="900">
+              <a:rPr lang="en-US" sz="900" dirty="0" smtClean="0">
                 <a:solidFill>
                   <a:srgbClr val="212121"/>
                 </a:solidFill>
@@ -4772,29 +6713,45 @@
               <a:t>Inception-B: A more complex inception module that adds larger filter sizes to capture more abstract features.</a:t>
             </a:r>
             <a:br>
-              <a:rPr lang="en-US" sz="900">
+              <a:rPr lang="en-US" sz="900" dirty="0" smtClean="0">
                 <a:solidFill>
                   <a:srgbClr val="212121"/>
                 </a:solidFill>
               </a:rPr>
             </a:br>
             <a:r>
-              <a:rPr lang="en-US" sz="900">
+              <a:rPr lang="en-US" sz="900" dirty="0" smtClean="0">
                 <a:solidFill>
                   <a:srgbClr val="212121"/>
                 </a:solidFill>
               </a:rPr>
-              <a:t>Reduction-B: Another downsampling layer, more aggressive than Reduction-A, to further reduce spatial dimensions.</a:t>
+              <a:t>Reduction-B: Another </a:t>
+            </a:r>
+            <a:r>
+              <a:rPr lang="en-US" sz="900" dirty="0" err="1" smtClean="0">
+                <a:solidFill>
+                  <a:srgbClr val="212121"/>
+                </a:solidFill>
+              </a:rPr>
+              <a:t>downsampling</a:t>
+            </a:r>
+            <a:r>
+              <a:rPr lang="en-US" sz="900" dirty="0" smtClean="0">
+                <a:solidFill>
+                  <a:srgbClr val="212121"/>
+                </a:solidFill>
+              </a:rPr>
+              <a:t> layer, more aggressive than Reduction-A, to further reduce spatial dimensions.</a:t>
             </a:r>
             <a:br>
-              <a:rPr lang="en-US" sz="900">
+              <a:rPr lang="en-US" sz="900" dirty="0" smtClean="0">
                 <a:solidFill>
                   <a:srgbClr val="212121"/>
                 </a:solidFill>
               </a:rPr>
             </a:br>
             <a:r>
-              <a:rPr lang="en-US" sz="900">
+              <a:rPr lang="en-US" sz="900" dirty="0" smtClean="0">
                 <a:solidFill>
                   <a:srgbClr val="212121"/>
                 </a:solidFill>
@@ -4802,14 +6759,14 @@
               <a:t>Inception-C: A final inception block with deeper and more intricate filters for the most abstract and high-level feature extraction.</a:t>
             </a:r>
             <a:br>
-              <a:rPr lang="en-US" sz="900">
+              <a:rPr lang="en-US" sz="900" dirty="0" smtClean="0">
                 <a:solidFill>
                   <a:srgbClr val="212121"/>
                 </a:solidFill>
               </a:rPr>
             </a:br>
             <a:r>
-              <a:rPr lang="en-US" sz="900">
+              <a:rPr lang="en-US" sz="900" dirty="0" smtClean="0">
                 <a:solidFill>
                   <a:srgbClr val="212121"/>
                 </a:solidFill>
@@ -4817,14 +6774,14 @@
               <a:t>Average Pooling: A global average pooling layer that reduces the dimensionality by computing the average across each feature map.</a:t>
             </a:r>
             <a:br>
-              <a:rPr lang="en-US" sz="900">
+              <a:rPr lang="en-US" sz="900" dirty="0" smtClean="0">
                 <a:solidFill>
                   <a:srgbClr val="212121"/>
                 </a:solidFill>
               </a:rPr>
             </a:br>
             <a:r>
-              <a:rPr lang="en-US" sz="900">
+              <a:rPr lang="en-US" sz="900" dirty="0" smtClean="0">
                 <a:solidFill>
                   <a:srgbClr val="212121"/>
                 </a:solidFill>
@@ -4832,21 +6789,29 @@
               <a:t>Dropout: A regularization technique to prevent overfitting by randomly setting some units to zero during training.</a:t>
             </a:r>
             <a:br>
-              <a:rPr lang="en-US" sz="900">
+              <a:rPr lang="en-US" sz="900" dirty="0" smtClean="0">
                 <a:solidFill>
                   <a:srgbClr val="212121"/>
                 </a:solidFill>
               </a:rPr>
             </a:br>
             <a:r>
-              <a:rPr lang="en-US" sz="900">
+              <a:rPr lang="en-US" sz="900" dirty="0" err="1" smtClean="0">
                 <a:solidFill>
                   <a:srgbClr val="212121"/>
                 </a:solidFill>
               </a:rPr>
-              <a:t>Softmax: The final layer that generates the class probabilities for classification tasks.</a:t>
+              <a:t>Softmax</a:t>
             </a:r>
-            <a:endParaRPr sz="900">
+            <a:r>
+              <a:rPr lang="en-US" sz="900" dirty="0" smtClean="0">
+                <a:solidFill>
+                  <a:srgbClr val="212121"/>
+                </a:solidFill>
+              </a:rPr>
+              <a:t>: The final layer that generates the class probabilities for classification tasks.</a:t>
+            </a:r>
+            <a:endParaRPr sz="900" dirty="0" smtClean="0">
               <a:solidFill>
                 <a:srgbClr val="212121"/>
               </a:solidFill>
@@ -4870,7 +6835,7 @@
               <a:buFont typeface="Arial"/>
               <a:buNone/>
             </a:pPr>
-            <a:endParaRPr sz="900">
+            <a:endParaRPr sz="900" dirty="0" smtClean="0">
               <a:solidFill>
                 <a:srgbClr val="212121"/>
               </a:solidFill>
@@ -4886,7 +6851,7 @@
               </a:spcAft>
               <a:buNone/>
             </a:pPr>
-            <a:endParaRPr sz="1400"/>
+            <a:endParaRPr sz="1400" dirty="0"/>
           </a:p>
         </p:txBody>
       </p:sp>
@@ -13922,6 +15887,499 @@
   <p:clrMapOvr>
     <a:masterClrMapping/>
   </p:clrMapOvr>
+  <p:timing>
+    <p:tnLst>
+      <p:par>
+        <p:cTn id="1" dur="indefinite" restart="never" nodeType="tmRoot">
+          <p:childTnLst>
+            <p:seq concurrent="1" nextAc="seek">
+              <p:cTn id="2" dur="indefinite" nodeType="mainSeq">
+                <p:childTnLst>
+                  <p:par>
+                    <p:cTn id="3" fill="hold">
+                      <p:stCondLst>
+                        <p:cond delay="indefinite"/>
+                      </p:stCondLst>
+                      <p:childTnLst>
+                        <p:par>
+                          <p:cTn id="4" fill="hold">
+                            <p:stCondLst>
+                              <p:cond delay="0"/>
+                            </p:stCondLst>
+                            <p:childTnLst>
+                              <p:par>
+                                <p:cTn id="5" presetID="42" presetClass="entr" presetSubtype="0" fill="hold" grpId="0" nodeType="clickEffect">
+                                  <p:stCondLst>
+                                    <p:cond delay="0"/>
+                                  </p:stCondLst>
+                                  <p:childTnLst>
+                                    <p:set>
+                                      <p:cBhvr>
+                                        <p:cTn id="6" dur="1" fill="hold">
+                                          <p:stCondLst>
+                                            <p:cond delay="0"/>
+                                          </p:stCondLst>
+                                        </p:cTn>
+                                        <p:tgtEl>
+                                          <p:spTgt spid="176">
+                                            <p:txEl>
+                                              <p:pRg st="0" end="0"/>
+                                            </p:txEl>
+                                          </p:spTgt>
+                                        </p:tgtEl>
+                                        <p:attrNameLst>
+                                          <p:attrName>style.visibility</p:attrName>
+                                        </p:attrNameLst>
+                                      </p:cBhvr>
+                                      <p:to>
+                                        <p:strVal val="visible"/>
+                                      </p:to>
+                                    </p:set>
+                                    <p:animEffect transition="in" filter="fade">
+                                      <p:cBhvr>
+                                        <p:cTn id="7" dur="1000"/>
+                                        <p:tgtEl>
+                                          <p:spTgt spid="176">
+                                            <p:txEl>
+                                              <p:pRg st="0" end="0"/>
+                                            </p:txEl>
+                                          </p:spTgt>
+                                        </p:tgtEl>
+                                      </p:cBhvr>
+                                    </p:animEffect>
+                                    <p:anim calcmode="lin" valueType="num">
+                                      <p:cBhvr>
+                                        <p:cTn id="8" dur="1000" fill="hold"/>
+                                        <p:tgtEl>
+                                          <p:spTgt spid="176">
+                                            <p:txEl>
+                                              <p:pRg st="0" end="0"/>
+                                            </p:txEl>
+                                          </p:spTgt>
+                                        </p:tgtEl>
+                                        <p:attrNameLst>
+                                          <p:attrName>ppt_x</p:attrName>
+                                        </p:attrNameLst>
+                                      </p:cBhvr>
+                                      <p:tavLst>
+                                        <p:tav tm="0">
+                                          <p:val>
+                                            <p:strVal val="#ppt_x"/>
+                                          </p:val>
+                                        </p:tav>
+                                        <p:tav tm="100000">
+                                          <p:val>
+                                            <p:strVal val="#ppt_x"/>
+                                          </p:val>
+                                        </p:tav>
+                                      </p:tavLst>
+                                    </p:anim>
+                                    <p:anim calcmode="lin" valueType="num">
+                                      <p:cBhvr>
+                                        <p:cTn id="9" dur="1000" fill="hold"/>
+                                        <p:tgtEl>
+                                          <p:spTgt spid="176">
+                                            <p:txEl>
+                                              <p:pRg st="0" end="0"/>
+                                            </p:txEl>
+                                          </p:spTgt>
+                                        </p:tgtEl>
+                                        <p:attrNameLst>
+                                          <p:attrName>ppt_y</p:attrName>
+                                        </p:attrNameLst>
+                                      </p:cBhvr>
+                                      <p:tavLst>
+                                        <p:tav tm="0">
+                                          <p:val>
+                                            <p:strVal val="#ppt_y+.1"/>
+                                          </p:val>
+                                        </p:tav>
+                                        <p:tav tm="100000">
+                                          <p:val>
+                                            <p:strVal val="#ppt_y"/>
+                                          </p:val>
+                                        </p:tav>
+                                      </p:tavLst>
+                                    </p:anim>
+                                  </p:childTnLst>
+                                </p:cTn>
+                              </p:par>
+                            </p:childTnLst>
+                          </p:cTn>
+                        </p:par>
+                      </p:childTnLst>
+                    </p:cTn>
+                  </p:par>
+                  <p:par>
+                    <p:cTn id="10" fill="hold">
+                      <p:stCondLst>
+                        <p:cond delay="indefinite"/>
+                      </p:stCondLst>
+                      <p:childTnLst>
+                        <p:par>
+                          <p:cTn id="11" fill="hold">
+                            <p:stCondLst>
+                              <p:cond delay="0"/>
+                            </p:stCondLst>
+                            <p:childTnLst>
+                              <p:par>
+                                <p:cTn id="12" presetID="42" presetClass="entr" presetSubtype="0" fill="hold" grpId="0" nodeType="clickEffect">
+                                  <p:stCondLst>
+                                    <p:cond delay="0"/>
+                                  </p:stCondLst>
+                                  <p:childTnLst>
+                                    <p:set>
+                                      <p:cBhvr>
+                                        <p:cTn id="13" dur="1" fill="hold">
+                                          <p:stCondLst>
+                                            <p:cond delay="0"/>
+                                          </p:stCondLst>
+                                        </p:cTn>
+                                        <p:tgtEl>
+                                          <p:spTgt spid="176">
+                                            <p:txEl>
+                                              <p:pRg st="2" end="2"/>
+                                            </p:txEl>
+                                          </p:spTgt>
+                                        </p:tgtEl>
+                                        <p:attrNameLst>
+                                          <p:attrName>style.visibility</p:attrName>
+                                        </p:attrNameLst>
+                                      </p:cBhvr>
+                                      <p:to>
+                                        <p:strVal val="visible"/>
+                                      </p:to>
+                                    </p:set>
+                                    <p:animEffect transition="in" filter="fade">
+                                      <p:cBhvr>
+                                        <p:cTn id="14" dur="1000"/>
+                                        <p:tgtEl>
+                                          <p:spTgt spid="176">
+                                            <p:txEl>
+                                              <p:pRg st="2" end="2"/>
+                                            </p:txEl>
+                                          </p:spTgt>
+                                        </p:tgtEl>
+                                      </p:cBhvr>
+                                    </p:animEffect>
+                                    <p:anim calcmode="lin" valueType="num">
+                                      <p:cBhvr>
+                                        <p:cTn id="15" dur="1000" fill="hold"/>
+                                        <p:tgtEl>
+                                          <p:spTgt spid="176">
+                                            <p:txEl>
+                                              <p:pRg st="2" end="2"/>
+                                            </p:txEl>
+                                          </p:spTgt>
+                                        </p:tgtEl>
+                                        <p:attrNameLst>
+                                          <p:attrName>ppt_x</p:attrName>
+                                        </p:attrNameLst>
+                                      </p:cBhvr>
+                                      <p:tavLst>
+                                        <p:tav tm="0">
+                                          <p:val>
+                                            <p:strVal val="#ppt_x"/>
+                                          </p:val>
+                                        </p:tav>
+                                        <p:tav tm="100000">
+                                          <p:val>
+                                            <p:strVal val="#ppt_x"/>
+                                          </p:val>
+                                        </p:tav>
+                                      </p:tavLst>
+                                    </p:anim>
+                                    <p:anim calcmode="lin" valueType="num">
+                                      <p:cBhvr>
+                                        <p:cTn id="16" dur="1000" fill="hold"/>
+                                        <p:tgtEl>
+                                          <p:spTgt spid="176">
+                                            <p:txEl>
+                                              <p:pRg st="2" end="2"/>
+                                            </p:txEl>
+                                          </p:spTgt>
+                                        </p:tgtEl>
+                                        <p:attrNameLst>
+                                          <p:attrName>ppt_y</p:attrName>
+                                        </p:attrNameLst>
+                                      </p:cBhvr>
+                                      <p:tavLst>
+                                        <p:tav tm="0">
+                                          <p:val>
+                                            <p:strVal val="#ppt_y+.1"/>
+                                          </p:val>
+                                        </p:tav>
+                                        <p:tav tm="100000">
+                                          <p:val>
+                                            <p:strVal val="#ppt_y"/>
+                                          </p:val>
+                                        </p:tav>
+                                      </p:tavLst>
+                                    </p:anim>
+                                  </p:childTnLst>
+                                </p:cTn>
+                              </p:par>
+                            </p:childTnLst>
+                          </p:cTn>
+                        </p:par>
+                      </p:childTnLst>
+                    </p:cTn>
+                  </p:par>
+                  <p:par>
+                    <p:cTn id="17" fill="hold">
+                      <p:stCondLst>
+                        <p:cond delay="indefinite"/>
+                      </p:stCondLst>
+                      <p:childTnLst>
+                        <p:par>
+                          <p:cTn id="18" fill="hold">
+                            <p:stCondLst>
+                              <p:cond delay="0"/>
+                            </p:stCondLst>
+                            <p:childTnLst>
+                              <p:par>
+                                <p:cTn id="19" presetID="42" presetClass="entr" presetSubtype="0" fill="hold" grpId="0" nodeType="clickEffect">
+                                  <p:stCondLst>
+                                    <p:cond delay="0"/>
+                                  </p:stCondLst>
+                                  <p:childTnLst>
+                                    <p:set>
+                                      <p:cBhvr>
+                                        <p:cTn id="20" dur="1" fill="hold">
+                                          <p:stCondLst>
+                                            <p:cond delay="0"/>
+                                          </p:stCondLst>
+                                        </p:cTn>
+                                        <p:tgtEl>
+                                          <p:spTgt spid="176">
+                                            <p:txEl>
+                                              <p:pRg st="3" end="3"/>
+                                            </p:txEl>
+                                          </p:spTgt>
+                                        </p:tgtEl>
+                                        <p:attrNameLst>
+                                          <p:attrName>style.visibility</p:attrName>
+                                        </p:attrNameLst>
+                                      </p:cBhvr>
+                                      <p:to>
+                                        <p:strVal val="visible"/>
+                                      </p:to>
+                                    </p:set>
+                                    <p:animEffect transition="in" filter="fade">
+                                      <p:cBhvr>
+                                        <p:cTn id="21" dur="1000"/>
+                                        <p:tgtEl>
+                                          <p:spTgt spid="176">
+                                            <p:txEl>
+                                              <p:pRg st="3" end="3"/>
+                                            </p:txEl>
+                                          </p:spTgt>
+                                        </p:tgtEl>
+                                      </p:cBhvr>
+                                    </p:animEffect>
+                                    <p:anim calcmode="lin" valueType="num">
+                                      <p:cBhvr>
+                                        <p:cTn id="22" dur="1000" fill="hold"/>
+                                        <p:tgtEl>
+                                          <p:spTgt spid="176">
+                                            <p:txEl>
+                                              <p:pRg st="3" end="3"/>
+                                            </p:txEl>
+                                          </p:spTgt>
+                                        </p:tgtEl>
+                                        <p:attrNameLst>
+                                          <p:attrName>ppt_x</p:attrName>
+                                        </p:attrNameLst>
+                                      </p:cBhvr>
+                                      <p:tavLst>
+                                        <p:tav tm="0">
+                                          <p:val>
+                                            <p:strVal val="#ppt_x"/>
+                                          </p:val>
+                                        </p:tav>
+                                        <p:tav tm="100000">
+                                          <p:val>
+                                            <p:strVal val="#ppt_x"/>
+                                          </p:val>
+                                        </p:tav>
+                                      </p:tavLst>
+                                    </p:anim>
+                                    <p:anim calcmode="lin" valueType="num">
+                                      <p:cBhvr>
+                                        <p:cTn id="23" dur="1000" fill="hold"/>
+                                        <p:tgtEl>
+                                          <p:spTgt spid="176">
+                                            <p:txEl>
+                                              <p:pRg st="3" end="3"/>
+                                            </p:txEl>
+                                          </p:spTgt>
+                                        </p:tgtEl>
+                                        <p:attrNameLst>
+                                          <p:attrName>ppt_y</p:attrName>
+                                        </p:attrNameLst>
+                                      </p:cBhvr>
+                                      <p:tavLst>
+                                        <p:tav tm="0">
+                                          <p:val>
+                                            <p:strVal val="#ppt_y+.1"/>
+                                          </p:val>
+                                        </p:tav>
+                                        <p:tav tm="100000">
+                                          <p:val>
+                                            <p:strVal val="#ppt_y"/>
+                                          </p:val>
+                                        </p:tav>
+                                      </p:tavLst>
+                                    </p:anim>
+                                  </p:childTnLst>
+                                </p:cTn>
+                              </p:par>
+                            </p:childTnLst>
+                          </p:cTn>
+                        </p:par>
+                      </p:childTnLst>
+                    </p:cTn>
+                  </p:par>
+                  <p:par>
+                    <p:cTn id="24" fill="hold">
+                      <p:stCondLst>
+                        <p:cond delay="indefinite"/>
+                      </p:stCondLst>
+                      <p:childTnLst>
+                        <p:par>
+                          <p:cTn id="25" fill="hold">
+                            <p:stCondLst>
+                              <p:cond delay="0"/>
+                            </p:stCondLst>
+                            <p:childTnLst>
+                              <p:par>
+                                <p:cTn id="26" presetID="42" presetClass="entr" presetSubtype="0" fill="hold" grpId="0" nodeType="clickEffect">
+                                  <p:stCondLst>
+                                    <p:cond delay="0"/>
+                                  </p:stCondLst>
+                                  <p:childTnLst>
+                                    <p:set>
+                                      <p:cBhvr>
+                                        <p:cTn id="27" dur="1" fill="hold">
+                                          <p:stCondLst>
+                                            <p:cond delay="0"/>
+                                          </p:stCondLst>
+                                        </p:cTn>
+                                        <p:tgtEl>
+                                          <p:spTgt spid="176">
+                                            <p:txEl>
+                                              <p:pRg st="4" end="4"/>
+                                            </p:txEl>
+                                          </p:spTgt>
+                                        </p:tgtEl>
+                                        <p:attrNameLst>
+                                          <p:attrName>style.visibility</p:attrName>
+                                        </p:attrNameLst>
+                                      </p:cBhvr>
+                                      <p:to>
+                                        <p:strVal val="visible"/>
+                                      </p:to>
+                                    </p:set>
+                                    <p:animEffect transition="in" filter="fade">
+                                      <p:cBhvr>
+                                        <p:cTn id="28" dur="1000"/>
+                                        <p:tgtEl>
+                                          <p:spTgt spid="176">
+                                            <p:txEl>
+                                              <p:pRg st="4" end="4"/>
+                                            </p:txEl>
+                                          </p:spTgt>
+                                        </p:tgtEl>
+                                      </p:cBhvr>
+                                    </p:animEffect>
+                                    <p:anim calcmode="lin" valueType="num">
+                                      <p:cBhvr>
+                                        <p:cTn id="29" dur="1000" fill="hold"/>
+                                        <p:tgtEl>
+                                          <p:spTgt spid="176">
+                                            <p:txEl>
+                                              <p:pRg st="4" end="4"/>
+                                            </p:txEl>
+                                          </p:spTgt>
+                                        </p:tgtEl>
+                                        <p:attrNameLst>
+                                          <p:attrName>ppt_x</p:attrName>
+                                        </p:attrNameLst>
+                                      </p:cBhvr>
+                                      <p:tavLst>
+                                        <p:tav tm="0">
+                                          <p:val>
+                                            <p:strVal val="#ppt_x"/>
+                                          </p:val>
+                                        </p:tav>
+                                        <p:tav tm="100000">
+                                          <p:val>
+                                            <p:strVal val="#ppt_x"/>
+                                          </p:val>
+                                        </p:tav>
+                                      </p:tavLst>
+                                    </p:anim>
+                                    <p:anim calcmode="lin" valueType="num">
+                                      <p:cBhvr>
+                                        <p:cTn id="30" dur="1000" fill="hold"/>
+                                        <p:tgtEl>
+                                          <p:spTgt spid="176">
+                                            <p:txEl>
+                                              <p:pRg st="4" end="4"/>
+                                            </p:txEl>
+                                          </p:spTgt>
+                                        </p:tgtEl>
+                                        <p:attrNameLst>
+                                          <p:attrName>ppt_y</p:attrName>
+                                        </p:attrNameLst>
+                                      </p:cBhvr>
+                                      <p:tavLst>
+                                        <p:tav tm="0">
+                                          <p:val>
+                                            <p:strVal val="#ppt_y+.1"/>
+                                          </p:val>
+                                        </p:tav>
+                                        <p:tav tm="100000">
+                                          <p:val>
+                                            <p:strVal val="#ppt_y"/>
+                                          </p:val>
+                                        </p:tav>
+                                      </p:tavLst>
+                                    </p:anim>
+                                  </p:childTnLst>
+                                </p:cTn>
+                              </p:par>
+                            </p:childTnLst>
+                          </p:cTn>
+                        </p:par>
+                      </p:childTnLst>
+                    </p:cTn>
+                  </p:par>
+                </p:childTnLst>
+              </p:cTn>
+              <p:prevCondLst>
+                <p:cond evt="onPrev" delay="0">
+                  <p:tgtEl>
+                    <p:sldTgt/>
+                  </p:tgtEl>
+                </p:cond>
+              </p:prevCondLst>
+              <p:nextCondLst>
+                <p:cond evt="onNext" delay="0">
+                  <p:tgtEl>
+                    <p:sldTgt/>
+                  </p:tgtEl>
+                </p:cond>
+              </p:nextCondLst>
+            </p:seq>
+          </p:childTnLst>
+        </p:cTn>
+      </p:par>
+    </p:tnLst>
+    <p:bldLst>
+      <p:bldP spid="176" grpId="0" build="p"/>
+    </p:bldLst>
+  </p:timing>
 </p:sld>
 </file>
 
@@ -14176,18 +16634,6 @@
               <a:buNone/>
             </a:pPr>
             <a:r>
-              <a:rPr lang="en-US" sz="2400" b="1" dirty="0">
-                <a:solidFill>
-                  <a:schemeClr val="dk1"/>
-                </a:solidFill>
-                <a:latin typeface="Calibri"/>
-                <a:ea typeface="Calibri"/>
-                <a:cs typeface="Calibri"/>
-                <a:sym typeface="Calibri"/>
-              </a:rPr>
-              <a:t>The Batch Size </a:t>
-            </a:r>
-            <a:r>
               <a:rPr lang="en-US" sz="2400" dirty="0">
                 <a:solidFill>
                   <a:schemeClr val="dk1"/>
@@ -14197,7 +16643,7 @@
                 <a:cs typeface="Calibri"/>
                 <a:sym typeface="Calibri"/>
               </a:rPr>
-              <a:t>32 or 64.</a:t>
+              <a:t>The Batch Size 32 or 64.</a:t>
             </a:r>
             <a:endParaRPr sz="2400" dirty="0">
               <a:solidFill>
@@ -14310,6 +16756,460 @@
   <p:clrMapOvr>
     <a:masterClrMapping/>
   </p:clrMapOvr>
+  <p:timing>
+    <p:tnLst>
+      <p:par>
+        <p:cTn id="1" dur="indefinite" restart="never" nodeType="tmRoot">
+          <p:childTnLst>
+            <p:seq concurrent="1" nextAc="seek">
+              <p:cTn id="2" dur="indefinite" nodeType="mainSeq">
+                <p:childTnLst>
+                  <p:par>
+                    <p:cTn id="3" fill="hold">
+                      <p:stCondLst>
+                        <p:cond delay="indefinite"/>
+                      </p:stCondLst>
+                      <p:childTnLst>
+                        <p:par>
+                          <p:cTn id="4" fill="hold">
+                            <p:stCondLst>
+                              <p:cond delay="0"/>
+                            </p:stCondLst>
+                            <p:childTnLst>
+                              <p:par>
+                                <p:cTn id="5" presetID="42" presetClass="entr" presetSubtype="0" fill="hold" nodeType="clickEffect">
+                                  <p:stCondLst>
+                                    <p:cond delay="0"/>
+                                  </p:stCondLst>
+                                  <p:childTnLst>
+                                    <p:set>
+                                      <p:cBhvr>
+                                        <p:cTn id="6" dur="1" fill="hold">
+                                          <p:stCondLst>
+                                            <p:cond delay="0"/>
+                                          </p:stCondLst>
+                                        </p:cTn>
+                                        <p:tgtEl>
+                                          <p:spTgt spid="182">
+                                            <p:txEl>
+                                              <p:pRg st="0" end="0"/>
+                                            </p:txEl>
+                                          </p:spTgt>
+                                        </p:tgtEl>
+                                        <p:attrNameLst>
+                                          <p:attrName>style.visibility</p:attrName>
+                                        </p:attrNameLst>
+                                      </p:cBhvr>
+                                      <p:to>
+                                        <p:strVal val="visible"/>
+                                      </p:to>
+                                    </p:set>
+                                    <p:animEffect transition="in" filter="fade">
+                                      <p:cBhvr>
+                                        <p:cTn id="7" dur="1000"/>
+                                        <p:tgtEl>
+                                          <p:spTgt spid="182">
+                                            <p:txEl>
+                                              <p:pRg st="0" end="0"/>
+                                            </p:txEl>
+                                          </p:spTgt>
+                                        </p:tgtEl>
+                                      </p:cBhvr>
+                                    </p:animEffect>
+                                    <p:anim calcmode="lin" valueType="num">
+                                      <p:cBhvr>
+                                        <p:cTn id="8" dur="1000" fill="hold"/>
+                                        <p:tgtEl>
+                                          <p:spTgt spid="182">
+                                            <p:txEl>
+                                              <p:pRg st="0" end="0"/>
+                                            </p:txEl>
+                                          </p:spTgt>
+                                        </p:tgtEl>
+                                        <p:attrNameLst>
+                                          <p:attrName>ppt_x</p:attrName>
+                                        </p:attrNameLst>
+                                      </p:cBhvr>
+                                      <p:tavLst>
+                                        <p:tav tm="0">
+                                          <p:val>
+                                            <p:strVal val="#ppt_x"/>
+                                          </p:val>
+                                        </p:tav>
+                                        <p:tav tm="100000">
+                                          <p:val>
+                                            <p:strVal val="#ppt_x"/>
+                                          </p:val>
+                                        </p:tav>
+                                      </p:tavLst>
+                                    </p:anim>
+                                    <p:anim calcmode="lin" valueType="num">
+                                      <p:cBhvr>
+                                        <p:cTn id="9" dur="1000" fill="hold"/>
+                                        <p:tgtEl>
+                                          <p:spTgt spid="182">
+                                            <p:txEl>
+                                              <p:pRg st="0" end="0"/>
+                                            </p:txEl>
+                                          </p:spTgt>
+                                        </p:tgtEl>
+                                        <p:attrNameLst>
+                                          <p:attrName>ppt_y</p:attrName>
+                                        </p:attrNameLst>
+                                      </p:cBhvr>
+                                      <p:tavLst>
+                                        <p:tav tm="0">
+                                          <p:val>
+                                            <p:strVal val="#ppt_y+.1"/>
+                                          </p:val>
+                                        </p:tav>
+                                        <p:tav tm="100000">
+                                          <p:val>
+                                            <p:strVal val="#ppt_y"/>
+                                          </p:val>
+                                        </p:tav>
+                                      </p:tavLst>
+                                    </p:anim>
+                                  </p:childTnLst>
+                                </p:cTn>
+                              </p:par>
+                            </p:childTnLst>
+                          </p:cTn>
+                        </p:par>
+                      </p:childTnLst>
+                    </p:cTn>
+                  </p:par>
+                  <p:par>
+                    <p:cTn id="10" fill="hold">
+                      <p:stCondLst>
+                        <p:cond delay="indefinite"/>
+                      </p:stCondLst>
+                      <p:childTnLst>
+                        <p:par>
+                          <p:cTn id="11" fill="hold">
+                            <p:stCondLst>
+                              <p:cond delay="0"/>
+                            </p:stCondLst>
+                            <p:childTnLst>
+                              <p:par>
+                                <p:cTn id="12" presetID="42" presetClass="entr" presetSubtype="0" fill="hold" nodeType="clickEffect">
+                                  <p:stCondLst>
+                                    <p:cond delay="0"/>
+                                  </p:stCondLst>
+                                  <p:childTnLst>
+                                    <p:set>
+                                      <p:cBhvr>
+                                        <p:cTn id="13" dur="1" fill="hold">
+                                          <p:stCondLst>
+                                            <p:cond delay="0"/>
+                                          </p:stCondLst>
+                                        </p:cTn>
+                                        <p:tgtEl>
+                                          <p:spTgt spid="182">
+                                            <p:txEl>
+                                              <p:pRg st="2" end="2"/>
+                                            </p:txEl>
+                                          </p:spTgt>
+                                        </p:tgtEl>
+                                        <p:attrNameLst>
+                                          <p:attrName>style.visibility</p:attrName>
+                                        </p:attrNameLst>
+                                      </p:cBhvr>
+                                      <p:to>
+                                        <p:strVal val="visible"/>
+                                      </p:to>
+                                    </p:set>
+                                    <p:animEffect transition="in" filter="fade">
+                                      <p:cBhvr>
+                                        <p:cTn id="14" dur="1000"/>
+                                        <p:tgtEl>
+                                          <p:spTgt spid="182">
+                                            <p:txEl>
+                                              <p:pRg st="2" end="2"/>
+                                            </p:txEl>
+                                          </p:spTgt>
+                                        </p:tgtEl>
+                                      </p:cBhvr>
+                                    </p:animEffect>
+                                    <p:anim calcmode="lin" valueType="num">
+                                      <p:cBhvr>
+                                        <p:cTn id="15" dur="1000" fill="hold"/>
+                                        <p:tgtEl>
+                                          <p:spTgt spid="182">
+                                            <p:txEl>
+                                              <p:pRg st="2" end="2"/>
+                                            </p:txEl>
+                                          </p:spTgt>
+                                        </p:tgtEl>
+                                        <p:attrNameLst>
+                                          <p:attrName>ppt_x</p:attrName>
+                                        </p:attrNameLst>
+                                      </p:cBhvr>
+                                      <p:tavLst>
+                                        <p:tav tm="0">
+                                          <p:val>
+                                            <p:strVal val="#ppt_x"/>
+                                          </p:val>
+                                        </p:tav>
+                                        <p:tav tm="100000">
+                                          <p:val>
+                                            <p:strVal val="#ppt_x"/>
+                                          </p:val>
+                                        </p:tav>
+                                      </p:tavLst>
+                                    </p:anim>
+                                    <p:anim calcmode="lin" valueType="num">
+                                      <p:cBhvr>
+                                        <p:cTn id="16" dur="1000" fill="hold"/>
+                                        <p:tgtEl>
+                                          <p:spTgt spid="182">
+                                            <p:txEl>
+                                              <p:pRg st="2" end="2"/>
+                                            </p:txEl>
+                                          </p:spTgt>
+                                        </p:tgtEl>
+                                        <p:attrNameLst>
+                                          <p:attrName>ppt_y</p:attrName>
+                                        </p:attrNameLst>
+                                      </p:cBhvr>
+                                      <p:tavLst>
+                                        <p:tav tm="0">
+                                          <p:val>
+                                            <p:strVal val="#ppt_y+.1"/>
+                                          </p:val>
+                                        </p:tav>
+                                        <p:tav tm="100000">
+                                          <p:val>
+                                            <p:strVal val="#ppt_y"/>
+                                          </p:val>
+                                        </p:tav>
+                                      </p:tavLst>
+                                    </p:anim>
+                                  </p:childTnLst>
+                                </p:cTn>
+                              </p:par>
+                              <p:par>
+                                <p:cTn id="17" presetID="42" presetClass="entr" presetSubtype="0" fill="hold" nodeType="withEffect">
+                                  <p:stCondLst>
+                                    <p:cond delay="0"/>
+                                  </p:stCondLst>
+                                  <p:childTnLst>
+                                    <p:set>
+                                      <p:cBhvr>
+                                        <p:cTn id="18" dur="1" fill="hold">
+                                          <p:stCondLst>
+                                            <p:cond delay="0"/>
+                                          </p:stCondLst>
+                                        </p:cTn>
+                                        <p:tgtEl>
+                                          <p:spTgt spid="182">
+                                            <p:txEl>
+                                              <p:pRg st="3" end="3"/>
+                                            </p:txEl>
+                                          </p:spTgt>
+                                        </p:tgtEl>
+                                        <p:attrNameLst>
+                                          <p:attrName>style.visibility</p:attrName>
+                                        </p:attrNameLst>
+                                      </p:cBhvr>
+                                      <p:to>
+                                        <p:strVal val="visible"/>
+                                      </p:to>
+                                    </p:set>
+                                    <p:animEffect transition="in" filter="fade">
+                                      <p:cBhvr>
+                                        <p:cTn id="19" dur="1000"/>
+                                        <p:tgtEl>
+                                          <p:spTgt spid="182">
+                                            <p:txEl>
+                                              <p:pRg st="3" end="3"/>
+                                            </p:txEl>
+                                          </p:spTgt>
+                                        </p:tgtEl>
+                                      </p:cBhvr>
+                                    </p:animEffect>
+                                    <p:anim calcmode="lin" valueType="num">
+                                      <p:cBhvr>
+                                        <p:cTn id="20" dur="1000" fill="hold"/>
+                                        <p:tgtEl>
+                                          <p:spTgt spid="182">
+                                            <p:txEl>
+                                              <p:pRg st="3" end="3"/>
+                                            </p:txEl>
+                                          </p:spTgt>
+                                        </p:tgtEl>
+                                        <p:attrNameLst>
+                                          <p:attrName>ppt_x</p:attrName>
+                                        </p:attrNameLst>
+                                      </p:cBhvr>
+                                      <p:tavLst>
+                                        <p:tav tm="0">
+                                          <p:val>
+                                            <p:strVal val="#ppt_x"/>
+                                          </p:val>
+                                        </p:tav>
+                                        <p:tav tm="100000">
+                                          <p:val>
+                                            <p:strVal val="#ppt_x"/>
+                                          </p:val>
+                                        </p:tav>
+                                      </p:tavLst>
+                                    </p:anim>
+                                    <p:anim calcmode="lin" valueType="num">
+                                      <p:cBhvr>
+                                        <p:cTn id="21" dur="1000" fill="hold"/>
+                                        <p:tgtEl>
+                                          <p:spTgt spid="182">
+                                            <p:txEl>
+                                              <p:pRg st="3" end="3"/>
+                                            </p:txEl>
+                                          </p:spTgt>
+                                        </p:tgtEl>
+                                        <p:attrNameLst>
+                                          <p:attrName>ppt_y</p:attrName>
+                                        </p:attrNameLst>
+                                      </p:cBhvr>
+                                      <p:tavLst>
+                                        <p:tav tm="0">
+                                          <p:val>
+                                            <p:strVal val="#ppt_y+.1"/>
+                                          </p:val>
+                                        </p:tav>
+                                        <p:tav tm="100000">
+                                          <p:val>
+                                            <p:strVal val="#ppt_y"/>
+                                          </p:val>
+                                        </p:tav>
+                                      </p:tavLst>
+                                    </p:anim>
+                                  </p:childTnLst>
+                                </p:cTn>
+                              </p:par>
+                              <p:par>
+                                <p:cTn id="22" presetID="42" presetClass="entr" presetSubtype="0" fill="hold" nodeType="withEffect">
+                                  <p:stCondLst>
+                                    <p:cond delay="0"/>
+                                  </p:stCondLst>
+                                  <p:childTnLst>
+                                    <p:set>
+                                      <p:cBhvr>
+                                        <p:cTn id="23" dur="1" fill="hold">
+                                          <p:stCondLst>
+                                            <p:cond delay="0"/>
+                                          </p:stCondLst>
+                                        </p:cTn>
+                                        <p:tgtEl>
+                                          <p:spTgt spid="182">
+                                            <p:txEl>
+                                              <p:pRg st="4" end="4"/>
+                                            </p:txEl>
+                                          </p:spTgt>
+                                        </p:tgtEl>
+                                        <p:attrNameLst>
+                                          <p:attrName>style.visibility</p:attrName>
+                                        </p:attrNameLst>
+                                      </p:cBhvr>
+                                      <p:to>
+                                        <p:strVal val="visible"/>
+                                      </p:to>
+                                    </p:set>
+                                    <p:animEffect transition="in" filter="fade">
+                                      <p:cBhvr>
+                                        <p:cTn id="24" dur="1000"/>
+                                        <p:tgtEl>
+                                          <p:spTgt spid="182">
+                                            <p:txEl>
+                                              <p:pRg st="4" end="4"/>
+                                            </p:txEl>
+                                          </p:spTgt>
+                                        </p:tgtEl>
+                                      </p:cBhvr>
+                                    </p:animEffect>
+                                    <p:anim calcmode="lin" valueType="num">
+                                      <p:cBhvr>
+                                        <p:cTn id="25" dur="1000" fill="hold"/>
+                                        <p:tgtEl>
+                                          <p:spTgt spid="182">
+                                            <p:txEl>
+                                              <p:pRg st="4" end="4"/>
+                                            </p:txEl>
+                                          </p:spTgt>
+                                        </p:tgtEl>
+                                        <p:attrNameLst>
+                                          <p:attrName>ppt_x</p:attrName>
+                                        </p:attrNameLst>
+                                      </p:cBhvr>
+                                      <p:tavLst>
+                                        <p:tav tm="0">
+                                          <p:val>
+                                            <p:strVal val="#ppt_x"/>
+                                          </p:val>
+                                        </p:tav>
+                                        <p:tav tm="100000">
+                                          <p:val>
+                                            <p:strVal val="#ppt_x"/>
+                                          </p:val>
+                                        </p:tav>
+                                      </p:tavLst>
+                                    </p:anim>
+                                    <p:anim calcmode="lin" valueType="num">
+                                      <p:cBhvr>
+                                        <p:cTn id="26" dur="1000" fill="hold"/>
+                                        <p:tgtEl>
+                                          <p:spTgt spid="182">
+                                            <p:txEl>
+                                              <p:pRg st="4" end="4"/>
+                                            </p:txEl>
+                                          </p:spTgt>
+                                        </p:tgtEl>
+                                        <p:attrNameLst>
+                                          <p:attrName>ppt_y</p:attrName>
+                                        </p:attrNameLst>
+                                      </p:cBhvr>
+                                      <p:tavLst>
+                                        <p:tav tm="0">
+                                          <p:val>
+                                            <p:strVal val="#ppt_y+.1"/>
+                                          </p:val>
+                                        </p:tav>
+                                        <p:tav tm="100000">
+                                          <p:val>
+                                            <p:strVal val="#ppt_y"/>
+                                          </p:val>
+                                        </p:tav>
+                                      </p:tavLst>
+                                    </p:anim>
+                                  </p:childTnLst>
+                                </p:cTn>
+                              </p:par>
+                            </p:childTnLst>
+                          </p:cTn>
+                        </p:par>
+                      </p:childTnLst>
+                    </p:cTn>
+                  </p:par>
+                </p:childTnLst>
+              </p:cTn>
+              <p:prevCondLst>
+                <p:cond evt="onPrev" delay="0">
+                  <p:tgtEl>
+                    <p:sldTgt/>
+                  </p:tgtEl>
+                </p:cond>
+              </p:prevCondLst>
+              <p:nextCondLst>
+                <p:cond evt="onNext" delay="0">
+                  <p:tgtEl>
+                    <p:sldTgt/>
+                  </p:tgtEl>
+                </p:cond>
+              </p:nextCondLst>
+            </p:seq>
+          </p:childTnLst>
+        </p:cTn>
+      </p:par>
+    </p:tnLst>
+  </p:timing>
 </p:sld>
 </file>
 
@@ -14463,7 +17363,7 @@
               <a:rPr lang="en-US" sz="4800" dirty="0">
                 <a:sym typeface="Arial"/>
               </a:rPr>
-              <a:t>GUI – After Loading The Image</a:t>
+              <a:t>GUI – After Loading The File</a:t>
             </a:r>
             <a:endParaRPr sz="4800" dirty="0">
               <a:sym typeface="Arial"/>
@@ -14594,7 +17494,7 @@
         </p:nvGraphicFramePr>
         <p:xfrm>
           <a:off x="215718" y="1290225"/>
-          <a:ext cx="11760563" cy="5331242"/>
+          <a:ext cx="11760563" cy="5500784"/>
         </p:xfrm>
         <a:graphic>
           <a:graphicData uri="http://schemas.openxmlformats.org/drawingml/2006/table">
@@ -16840,6 +19740,751 @@
   <p:clrMapOvr>
     <a:masterClrMapping/>
   </p:clrMapOvr>
+  <p:timing>
+    <p:tnLst>
+      <p:par>
+        <p:cTn id="1" dur="indefinite" restart="never" nodeType="tmRoot">
+          <p:childTnLst>
+            <p:seq concurrent="1" nextAc="seek">
+              <p:cTn id="2" dur="indefinite" nodeType="mainSeq">
+                <p:childTnLst>
+                  <p:par>
+                    <p:cTn id="3" fill="hold">
+                      <p:stCondLst>
+                        <p:cond delay="indefinite"/>
+                      </p:stCondLst>
+                      <p:childTnLst>
+                        <p:par>
+                          <p:cTn id="4" fill="hold">
+                            <p:stCondLst>
+                              <p:cond delay="0"/>
+                            </p:stCondLst>
+                            <p:childTnLst>
+                              <p:par>
+                                <p:cTn id="5" presetID="42" presetClass="entr" presetSubtype="0" fill="hold" nodeType="clickEffect">
+                                  <p:stCondLst>
+                                    <p:cond delay="0"/>
+                                  </p:stCondLst>
+                                  <p:childTnLst>
+                                    <p:set>
+                                      <p:cBhvr>
+                                        <p:cTn id="6" dur="1" fill="hold">
+                                          <p:stCondLst>
+                                            <p:cond delay="0"/>
+                                          </p:stCondLst>
+                                        </p:cTn>
+                                        <p:tgtEl>
+                                          <p:spTgt spid="111">
+                                            <p:txEl>
+                                              <p:pRg st="0" end="0"/>
+                                            </p:txEl>
+                                          </p:spTgt>
+                                        </p:tgtEl>
+                                        <p:attrNameLst>
+                                          <p:attrName>style.visibility</p:attrName>
+                                        </p:attrNameLst>
+                                      </p:cBhvr>
+                                      <p:to>
+                                        <p:strVal val="visible"/>
+                                      </p:to>
+                                    </p:set>
+                                    <p:animEffect transition="in" filter="fade">
+                                      <p:cBhvr>
+                                        <p:cTn id="7" dur="1000"/>
+                                        <p:tgtEl>
+                                          <p:spTgt spid="111">
+                                            <p:txEl>
+                                              <p:pRg st="0" end="0"/>
+                                            </p:txEl>
+                                          </p:spTgt>
+                                        </p:tgtEl>
+                                      </p:cBhvr>
+                                    </p:animEffect>
+                                    <p:anim calcmode="lin" valueType="num">
+                                      <p:cBhvr>
+                                        <p:cTn id="8" dur="1000" fill="hold"/>
+                                        <p:tgtEl>
+                                          <p:spTgt spid="111">
+                                            <p:txEl>
+                                              <p:pRg st="0" end="0"/>
+                                            </p:txEl>
+                                          </p:spTgt>
+                                        </p:tgtEl>
+                                        <p:attrNameLst>
+                                          <p:attrName>ppt_x</p:attrName>
+                                        </p:attrNameLst>
+                                      </p:cBhvr>
+                                      <p:tavLst>
+                                        <p:tav tm="0">
+                                          <p:val>
+                                            <p:strVal val="#ppt_x"/>
+                                          </p:val>
+                                        </p:tav>
+                                        <p:tav tm="100000">
+                                          <p:val>
+                                            <p:strVal val="#ppt_x"/>
+                                          </p:val>
+                                        </p:tav>
+                                      </p:tavLst>
+                                    </p:anim>
+                                    <p:anim calcmode="lin" valueType="num">
+                                      <p:cBhvr>
+                                        <p:cTn id="9" dur="1000" fill="hold"/>
+                                        <p:tgtEl>
+                                          <p:spTgt spid="111">
+                                            <p:txEl>
+                                              <p:pRg st="0" end="0"/>
+                                            </p:txEl>
+                                          </p:spTgt>
+                                        </p:tgtEl>
+                                        <p:attrNameLst>
+                                          <p:attrName>ppt_y</p:attrName>
+                                        </p:attrNameLst>
+                                      </p:cBhvr>
+                                      <p:tavLst>
+                                        <p:tav tm="0">
+                                          <p:val>
+                                            <p:strVal val="#ppt_y+.1"/>
+                                          </p:val>
+                                        </p:tav>
+                                        <p:tav tm="100000">
+                                          <p:val>
+                                            <p:strVal val="#ppt_y"/>
+                                          </p:val>
+                                        </p:tav>
+                                      </p:tavLst>
+                                    </p:anim>
+                                  </p:childTnLst>
+                                </p:cTn>
+                              </p:par>
+                              <p:par>
+                                <p:cTn id="10" presetID="42" presetClass="entr" presetSubtype="0" fill="hold" nodeType="withEffect">
+                                  <p:stCondLst>
+                                    <p:cond delay="0"/>
+                                  </p:stCondLst>
+                                  <p:childTnLst>
+                                    <p:set>
+                                      <p:cBhvr>
+                                        <p:cTn id="11" dur="1" fill="hold">
+                                          <p:stCondLst>
+                                            <p:cond delay="0"/>
+                                          </p:stCondLst>
+                                        </p:cTn>
+                                        <p:tgtEl>
+                                          <p:spTgt spid="111">
+                                            <p:txEl>
+                                              <p:pRg st="1" end="1"/>
+                                            </p:txEl>
+                                          </p:spTgt>
+                                        </p:tgtEl>
+                                        <p:attrNameLst>
+                                          <p:attrName>style.visibility</p:attrName>
+                                        </p:attrNameLst>
+                                      </p:cBhvr>
+                                      <p:to>
+                                        <p:strVal val="visible"/>
+                                      </p:to>
+                                    </p:set>
+                                    <p:animEffect transition="in" filter="fade">
+                                      <p:cBhvr>
+                                        <p:cTn id="12" dur="1000"/>
+                                        <p:tgtEl>
+                                          <p:spTgt spid="111">
+                                            <p:txEl>
+                                              <p:pRg st="1" end="1"/>
+                                            </p:txEl>
+                                          </p:spTgt>
+                                        </p:tgtEl>
+                                      </p:cBhvr>
+                                    </p:animEffect>
+                                    <p:anim calcmode="lin" valueType="num">
+                                      <p:cBhvr>
+                                        <p:cTn id="13" dur="1000" fill="hold"/>
+                                        <p:tgtEl>
+                                          <p:spTgt spid="111">
+                                            <p:txEl>
+                                              <p:pRg st="1" end="1"/>
+                                            </p:txEl>
+                                          </p:spTgt>
+                                        </p:tgtEl>
+                                        <p:attrNameLst>
+                                          <p:attrName>ppt_x</p:attrName>
+                                        </p:attrNameLst>
+                                      </p:cBhvr>
+                                      <p:tavLst>
+                                        <p:tav tm="0">
+                                          <p:val>
+                                            <p:strVal val="#ppt_x"/>
+                                          </p:val>
+                                        </p:tav>
+                                        <p:tav tm="100000">
+                                          <p:val>
+                                            <p:strVal val="#ppt_x"/>
+                                          </p:val>
+                                        </p:tav>
+                                      </p:tavLst>
+                                    </p:anim>
+                                    <p:anim calcmode="lin" valueType="num">
+                                      <p:cBhvr>
+                                        <p:cTn id="14" dur="1000" fill="hold"/>
+                                        <p:tgtEl>
+                                          <p:spTgt spid="111">
+                                            <p:txEl>
+                                              <p:pRg st="1" end="1"/>
+                                            </p:txEl>
+                                          </p:spTgt>
+                                        </p:tgtEl>
+                                        <p:attrNameLst>
+                                          <p:attrName>ppt_y</p:attrName>
+                                        </p:attrNameLst>
+                                      </p:cBhvr>
+                                      <p:tavLst>
+                                        <p:tav tm="0">
+                                          <p:val>
+                                            <p:strVal val="#ppt_y+.1"/>
+                                          </p:val>
+                                        </p:tav>
+                                        <p:tav tm="100000">
+                                          <p:val>
+                                            <p:strVal val="#ppt_y"/>
+                                          </p:val>
+                                        </p:tav>
+                                      </p:tavLst>
+                                    </p:anim>
+                                  </p:childTnLst>
+                                </p:cTn>
+                              </p:par>
+                              <p:par>
+                                <p:cTn id="15" presetID="42" presetClass="entr" presetSubtype="0" fill="hold" nodeType="withEffect">
+                                  <p:stCondLst>
+                                    <p:cond delay="0"/>
+                                  </p:stCondLst>
+                                  <p:childTnLst>
+                                    <p:set>
+                                      <p:cBhvr>
+                                        <p:cTn id="16" dur="1" fill="hold">
+                                          <p:stCondLst>
+                                            <p:cond delay="0"/>
+                                          </p:stCondLst>
+                                        </p:cTn>
+                                        <p:tgtEl>
+                                          <p:spTgt spid="111">
+                                            <p:txEl>
+                                              <p:pRg st="2" end="2"/>
+                                            </p:txEl>
+                                          </p:spTgt>
+                                        </p:tgtEl>
+                                        <p:attrNameLst>
+                                          <p:attrName>style.visibility</p:attrName>
+                                        </p:attrNameLst>
+                                      </p:cBhvr>
+                                      <p:to>
+                                        <p:strVal val="visible"/>
+                                      </p:to>
+                                    </p:set>
+                                    <p:animEffect transition="in" filter="fade">
+                                      <p:cBhvr>
+                                        <p:cTn id="17" dur="1000"/>
+                                        <p:tgtEl>
+                                          <p:spTgt spid="111">
+                                            <p:txEl>
+                                              <p:pRg st="2" end="2"/>
+                                            </p:txEl>
+                                          </p:spTgt>
+                                        </p:tgtEl>
+                                      </p:cBhvr>
+                                    </p:animEffect>
+                                    <p:anim calcmode="lin" valueType="num">
+                                      <p:cBhvr>
+                                        <p:cTn id="18" dur="1000" fill="hold"/>
+                                        <p:tgtEl>
+                                          <p:spTgt spid="111">
+                                            <p:txEl>
+                                              <p:pRg st="2" end="2"/>
+                                            </p:txEl>
+                                          </p:spTgt>
+                                        </p:tgtEl>
+                                        <p:attrNameLst>
+                                          <p:attrName>ppt_x</p:attrName>
+                                        </p:attrNameLst>
+                                      </p:cBhvr>
+                                      <p:tavLst>
+                                        <p:tav tm="0">
+                                          <p:val>
+                                            <p:strVal val="#ppt_x"/>
+                                          </p:val>
+                                        </p:tav>
+                                        <p:tav tm="100000">
+                                          <p:val>
+                                            <p:strVal val="#ppt_x"/>
+                                          </p:val>
+                                        </p:tav>
+                                      </p:tavLst>
+                                    </p:anim>
+                                    <p:anim calcmode="lin" valueType="num">
+                                      <p:cBhvr>
+                                        <p:cTn id="19" dur="1000" fill="hold"/>
+                                        <p:tgtEl>
+                                          <p:spTgt spid="111">
+                                            <p:txEl>
+                                              <p:pRg st="2" end="2"/>
+                                            </p:txEl>
+                                          </p:spTgt>
+                                        </p:tgtEl>
+                                        <p:attrNameLst>
+                                          <p:attrName>ppt_y</p:attrName>
+                                        </p:attrNameLst>
+                                      </p:cBhvr>
+                                      <p:tavLst>
+                                        <p:tav tm="0">
+                                          <p:val>
+                                            <p:strVal val="#ppt_y+.1"/>
+                                          </p:val>
+                                        </p:tav>
+                                        <p:tav tm="100000">
+                                          <p:val>
+                                            <p:strVal val="#ppt_y"/>
+                                          </p:val>
+                                        </p:tav>
+                                      </p:tavLst>
+                                    </p:anim>
+                                  </p:childTnLst>
+                                </p:cTn>
+                              </p:par>
+                            </p:childTnLst>
+                          </p:cTn>
+                        </p:par>
+                      </p:childTnLst>
+                    </p:cTn>
+                  </p:par>
+                  <p:par>
+                    <p:cTn id="20" fill="hold">
+                      <p:stCondLst>
+                        <p:cond delay="indefinite"/>
+                      </p:stCondLst>
+                      <p:childTnLst>
+                        <p:par>
+                          <p:cTn id="21" fill="hold">
+                            <p:stCondLst>
+                              <p:cond delay="0"/>
+                            </p:stCondLst>
+                            <p:childTnLst>
+                              <p:par>
+                                <p:cTn id="22" presetID="42" presetClass="entr" presetSubtype="0" fill="hold" nodeType="clickEffect">
+                                  <p:stCondLst>
+                                    <p:cond delay="0"/>
+                                  </p:stCondLst>
+                                  <p:childTnLst>
+                                    <p:set>
+                                      <p:cBhvr>
+                                        <p:cTn id="23" dur="1" fill="hold">
+                                          <p:stCondLst>
+                                            <p:cond delay="0"/>
+                                          </p:stCondLst>
+                                        </p:cTn>
+                                        <p:tgtEl>
+                                          <p:spTgt spid="111">
+                                            <p:txEl>
+                                              <p:pRg st="4" end="4"/>
+                                            </p:txEl>
+                                          </p:spTgt>
+                                        </p:tgtEl>
+                                        <p:attrNameLst>
+                                          <p:attrName>style.visibility</p:attrName>
+                                        </p:attrNameLst>
+                                      </p:cBhvr>
+                                      <p:to>
+                                        <p:strVal val="visible"/>
+                                      </p:to>
+                                    </p:set>
+                                    <p:animEffect transition="in" filter="fade">
+                                      <p:cBhvr>
+                                        <p:cTn id="24" dur="1000"/>
+                                        <p:tgtEl>
+                                          <p:spTgt spid="111">
+                                            <p:txEl>
+                                              <p:pRg st="4" end="4"/>
+                                            </p:txEl>
+                                          </p:spTgt>
+                                        </p:tgtEl>
+                                      </p:cBhvr>
+                                    </p:animEffect>
+                                    <p:anim calcmode="lin" valueType="num">
+                                      <p:cBhvr>
+                                        <p:cTn id="25" dur="1000" fill="hold"/>
+                                        <p:tgtEl>
+                                          <p:spTgt spid="111">
+                                            <p:txEl>
+                                              <p:pRg st="4" end="4"/>
+                                            </p:txEl>
+                                          </p:spTgt>
+                                        </p:tgtEl>
+                                        <p:attrNameLst>
+                                          <p:attrName>ppt_x</p:attrName>
+                                        </p:attrNameLst>
+                                      </p:cBhvr>
+                                      <p:tavLst>
+                                        <p:tav tm="0">
+                                          <p:val>
+                                            <p:strVal val="#ppt_x"/>
+                                          </p:val>
+                                        </p:tav>
+                                        <p:tav tm="100000">
+                                          <p:val>
+                                            <p:strVal val="#ppt_x"/>
+                                          </p:val>
+                                        </p:tav>
+                                      </p:tavLst>
+                                    </p:anim>
+                                    <p:anim calcmode="lin" valueType="num">
+                                      <p:cBhvr>
+                                        <p:cTn id="26" dur="1000" fill="hold"/>
+                                        <p:tgtEl>
+                                          <p:spTgt spid="111">
+                                            <p:txEl>
+                                              <p:pRg st="4" end="4"/>
+                                            </p:txEl>
+                                          </p:spTgt>
+                                        </p:tgtEl>
+                                        <p:attrNameLst>
+                                          <p:attrName>ppt_y</p:attrName>
+                                        </p:attrNameLst>
+                                      </p:cBhvr>
+                                      <p:tavLst>
+                                        <p:tav tm="0">
+                                          <p:val>
+                                            <p:strVal val="#ppt_y+.1"/>
+                                          </p:val>
+                                        </p:tav>
+                                        <p:tav tm="100000">
+                                          <p:val>
+                                            <p:strVal val="#ppt_y"/>
+                                          </p:val>
+                                        </p:tav>
+                                      </p:tavLst>
+                                    </p:anim>
+                                  </p:childTnLst>
+                                </p:cTn>
+                              </p:par>
+                              <p:par>
+                                <p:cTn id="27" presetID="42" presetClass="entr" presetSubtype="0" fill="hold" nodeType="withEffect">
+                                  <p:stCondLst>
+                                    <p:cond delay="0"/>
+                                  </p:stCondLst>
+                                  <p:childTnLst>
+                                    <p:set>
+                                      <p:cBhvr>
+                                        <p:cTn id="28" dur="1" fill="hold">
+                                          <p:stCondLst>
+                                            <p:cond delay="0"/>
+                                          </p:stCondLst>
+                                        </p:cTn>
+                                        <p:tgtEl>
+                                          <p:spTgt spid="111">
+                                            <p:txEl>
+                                              <p:pRg st="5" end="5"/>
+                                            </p:txEl>
+                                          </p:spTgt>
+                                        </p:tgtEl>
+                                        <p:attrNameLst>
+                                          <p:attrName>style.visibility</p:attrName>
+                                        </p:attrNameLst>
+                                      </p:cBhvr>
+                                      <p:to>
+                                        <p:strVal val="visible"/>
+                                      </p:to>
+                                    </p:set>
+                                    <p:animEffect transition="in" filter="fade">
+                                      <p:cBhvr>
+                                        <p:cTn id="29" dur="1000"/>
+                                        <p:tgtEl>
+                                          <p:spTgt spid="111">
+                                            <p:txEl>
+                                              <p:pRg st="5" end="5"/>
+                                            </p:txEl>
+                                          </p:spTgt>
+                                        </p:tgtEl>
+                                      </p:cBhvr>
+                                    </p:animEffect>
+                                    <p:anim calcmode="lin" valueType="num">
+                                      <p:cBhvr>
+                                        <p:cTn id="30" dur="1000" fill="hold"/>
+                                        <p:tgtEl>
+                                          <p:spTgt spid="111">
+                                            <p:txEl>
+                                              <p:pRg st="5" end="5"/>
+                                            </p:txEl>
+                                          </p:spTgt>
+                                        </p:tgtEl>
+                                        <p:attrNameLst>
+                                          <p:attrName>ppt_x</p:attrName>
+                                        </p:attrNameLst>
+                                      </p:cBhvr>
+                                      <p:tavLst>
+                                        <p:tav tm="0">
+                                          <p:val>
+                                            <p:strVal val="#ppt_x"/>
+                                          </p:val>
+                                        </p:tav>
+                                        <p:tav tm="100000">
+                                          <p:val>
+                                            <p:strVal val="#ppt_x"/>
+                                          </p:val>
+                                        </p:tav>
+                                      </p:tavLst>
+                                    </p:anim>
+                                    <p:anim calcmode="lin" valueType="num">
+                                      <p:cBhvr>
+                                        <p:cTn id="31" dur="1000" fill="hold"/>
+                                        <p:tgtEl>
+                                          <p:spTgt spid="111">
+                                            <p:txEl>
+                                              <p:pRg st="5" end="5"/>
+                                            </p:txEl>
+                                          </p:spTgt>
+                                        </p:tgtEl>
+                                        <p:attrNameLst>
+                                          <p:attrName>ppt_y</p:attrName>
+                                        </p:attrNameLst>
+                                      </p:cBhvr>
+                                      <p:tavLst>
+                                        <p:tav tm="0">
+                                          <p:val>
+                                            <p:strVal val="#ppt_y+.1"/>
+                                          </p:val>
+                                        </p:tav>
+                                        <p:tav tm="100000">
+                                          <p:val>
+                                            <p:strVal val="#ppt_y"/>
+                                          </p:val>
+                                        </p:tav>
+                                      </p:tavLst>
+                                    </p:anim>
+                                  </p:childTnLst>
+                                </p:cTn>
+                              </p:par>
+                              <p:par>
+                                <p:cTn id="32" presetID="42" presetClass="entr" presetSubtype="0" fill="hold" nodeType="withEffect">
+                                  <p:stCondLst>
+                                    <p:cond delay="0"/>
+                                  </p:stCondLst>
+                                  <p:childTnLst>
+                                    <p:set>
+                                      <p:cBhvr>
+                                        <p:cTn id="33" dur="1" fill="hold">
+                                          <p:stCondLst>
+                                            <p:cond delay="0"/>
+                                          </p:stCondLst>
+                                        </p:cTn>
+                                        <p:tgtEl>
+                                          <p:spTgt spid="111">
+                                            <p:txEl>
+                                              <p:pRg st="6" end="6"/>
+                                            </p:txEl>
+                                          </p:spTgt>
+                                        </p:tgtEl>
+                                        <p:attrNameLst>
+                                          <p:attrName>style.visibility</p:attrName>
+                                        </p:attrNameLst>
+                                      </p:cBhvr>
+                                      <p:to>
+                                        <p:strVal val="visible"/>
+                                      </p:to>
+                                    </p:set>
+                                    <p:animEffect transition="in" filter="fade">
+                                      <p:cBhvr>
+                                        <p:cTn id="34" dur="1000"/>
+                                        <p:tgtEl>
+                                          <p:spTgt spid="111">
+                                            <p:txEl>
+                                              <p:pRg st="6" end="6"/>
+                                            </p:txEl>
+                                          </p:spTgt>
+                                        </p:tgtEl>
+                                      </p:cBhvr>
+                                    </p:animEffect>
+                                    <p:anim calcmode="lin" valueType="num">
+                                      <p:cBhvr>
+                                        <p:cTn id="35" dur="1000" fill="hold"/>
+                                        <p:tgtEl>
+                                          <p:spTgt spid="111">
+                                            <p:txEl>
+                                              <p:pRg st="6" end="6"/>
+                                            </p:txEl>
+                                          </p:spTgt>
+                                        </p:tgtEl>
+                                        <p:attrNameLst>
+                                          <p:attrName>ppt_x</p:attrName>
+                                        </p:attrNameLst>
+                                      </p:cBhvr>
+                                      <p:tavLst>
+                                        <p:tav tm="0">
+                                          <p:val>
+                                            <p:strVal val="#ppt_x"/>
+                                          </p:val>
+                                        </p:tav>
+                                        <p:tav tm="100000">
+                                          <p:val>
+                                            <p:strVal val="#ppt_x"/>
+                                          </p:val>
+                                        </p:tav>
+                                      </p:tavLst>
+                                    </p:anim>
+                                    <p:anim calcmode="lin" valueType="num">
+                                      <p:cBhvr>
+                                        <p:cTn id="36" dur="1000" fill="hold"/>
+                                        <p:tgtEl>
+                                          <p:spTgt spid="111">
+                                            <p:txEl>
+                                              <p:pRg st="6" end="6"/>
+                                            </p:txEl>
+                                          </p:spTgt>
+                                        </p:tgtEl>
+                                        <p:attrNameLst>
+                                          <p:attrName>ppt_y</p:attrName>
+                                        </p:attrNameLst>
+                                      </p:cBhvr>
+                                      <p:tavLst>
+                                        <p:tav tm="0">
+                                          <p:val>
+                                            <p:strVal val="#ppt_y+.1"/>
+                                          </p:val>
+                                        </p:tav>
+                                        <p:tav tm="100000">
+                                          <p:val>
+                                            <p:strVal val="#ppt_y"/>
+                                          </p:val>
+                                        </p:tav>
+                                      </p:tavLst>
+                                    </p:anim>
+                                  </p:childTnLst>
+                                </p:cTn>
+                              </p:par>
+                              <p:par>
+                                <p:cTn id="37" presetID="42" presetClass="entr" presetSubtype="0" fill="hold" nodeType="withEffect">
+                                  <p:stCondLst>
+                                    <p:cond delay="0"/>
+                                  </p:stCondLst>
+                                  <p:childTnLst>
+                                    <p:set>
+                                      <p:cBhvr>
+                                        <p:cTn id="38" dur="1" fill="hold">
+                                          <p:stCondLst>
+                                            <p:cond delay="0"/>
+                                          </p:stCondLst>
+                                        </p:cTn>
+                                        <p:tgtEl>
+                                          <p:spTgt spid="111">
+                                            <p:txEl>
+                                              <p:pRg st="7" end="7"/>
+                                            </p:txEl>
+                                          </p:spTgt>
+                                        </p:tgtEl>
+                                        <p:attrNameLst>
+                                          <p:attrName>style.visibility</p:attrName>
+                                        </p:attrNameLst>
+                                      </p:cBhvr>
+                                      <p:to>
+                                        <p:strVal val="visible"/>
+                                      </p:to>
+                                    </p:set>
+                                    <p:animEffect transition="in" filter="fade">
+                                      <p:cBhvr>
+                                        <p:cTn id="39" dur="1000"/>
+                                        <p:tgtEl>
+                                          <p:spTgt spid="111">
+                                            <p:txEl>
+                                              <p:pRg st="7" end="7"/>
+                                            </p:txEl>
+                                          </p:spTgt>
+                                        </p:tgtEl>
+                                      </p:cBhvr>
+                                    </p:animEffect>
+                                    <p:anim calcmode="lin" valueType="num">
+                                      <p:cBhvr>
+                                        <p:cTn id="40" dur="1000" fill="hold"/>
+                                        <p:tgtEl>
+                                          <p:spTgt spid="111">
+                                            <p:txEl>
+                                              <p:pRg st="7" end="7"/>
+                                            </p:txEl>
+                                          </p:spTgt>
+                                        </p:tgtEl>
+                                        <p:attrNameLst>
+                                          <p:attrName>ppt_x</p:attrName>
+                                        </p:attrNameLst>
+                                      </p:cBhvr>
+                                      <p:tavLst>
+                                        <p:tav tm="0">
+                                          <p:val>
+                                            <p:strVal val="#ppt_x"/>
+                                          </p:val>
+                                        </p:tav>
+                                        <p:tav tm="100000">
+                                          <p:val>
+                                            <p:strVal val="#ppt_x"/>
+                                          </p:val>
+                                        </p:tav>
+                                      </p:tavLst>
+                                    </p:anim>
+                                    <p:anim calcmode="lin" valueType="num">
+                                      <p:cBhvr>
+                                        <p:cTn id="41" dur="1000" fill="hold"/>
+                                        <p:tgtEl>
+                                          <p:spTgt spid="111">
+                                            <p:txEl>
+                                              <p:pRg st="7" end="7"/>
+                                            </p:txEl>
+                                          </p:spTgt>
+                                        </p:tgtEl>
+                                        <p:attrNameLst>
+                                          <p:attrName>ppt_y</p:attrName>
+                                        </p:attrNameLst>
+                                      </p:cBhvr>
+                                      <p:tavLst>
+                                        <p:tav tm="0">
+                                          <p:val>
+                                            <p:strVal val="#ppt_y+.1"/>
+                                          </p:val>
+                                        </p:tav>
+                                        <p:tav tm="100000">
+                                          <p:val>
+                                            <p:strVal val="#ppt_y"/>
+                                          </p:val>
+                                        </p:tav>
+                                      </p:tavLst>
+                                    </p:anim>
+                                  </p:childTnLst>
+                                </p:cTn>
+                              </p:par>
+                            </p:childTnLst>
+                          </p:cTn>
+                        </p:par>
+                      </p:childTnLst>
+                    </p:cTn>
+                  </p:par>
+                </p:childTnLst>
+              </p:cTn>
+              <p:prevCondLst>
+                <p:cond evt="onPrev" delay="0">
+                  <p:tgtEl>
+                    <p:sldTgt/>
+                  </p:tgtEl>
+                </p:cond>
+              </p:prevCondLst>
+              <p:nextCondLst>
+                <p:cond evt="onNext" delay="0">
+                  <p:tgtEl>
+                    <p:sldTgt/>
+                  </p:tgtEl>
+                </p:cond>
+              </p:nextCondLst>
+            </p:seq>
+          </p:childTnLst>
+        </p:cTn>
+      </p:par>
+    </p:tnLst>
+  </p:timing>
 </p:sld>
 </file>
 
@@ -16885,7 +20530,7 @@
         </p:spPr>
         <p:txBody>
           <a:bodyPr spcFirstLastPara="1" wrap="square" lIns="91425" tIns="45700" rIns="91425" bIns="45700" anchor="t" anchorCtr="0">
-            <a:normAutofit/>
+            <a:normAutofit lnSpcReduction="10000"/>
           </a:bodyPr>
           <a:lstStyle/>
           <a:p>
@@ -16973,74 +20618,103 @@
               <a:buSzPts val="2400"/>
               <a:buNone/>
             </a:pPr>
-            <a:r>
-              <a:rPr lang="en-US" sz="3000" b="1" dirty="0">
-                <a:solidFill>
-                  <a:schemeClr val="tx1"/>
-                </a:solidFill>
-              </a:rPr>
-              <a:t>The challenges:</a:t>
-            </a:r>
+            <a:endParaRPr lang="en-US" sz="3000" b="1" dirty="0">
+              <a:solidFill>
+                <a:schemeClr val="tx1"/>
+              </a:solidFill>
+            </a:endParaRPr>
           </a:p>
           <a:p>
-            <a:pPr marL="495300" indent="-457200" algn="l" rtl="0">
-              <a:lnSpc>
-                <a:spcPct val="90000"/>
-              </a:lnSpc>
-              <a:buSzPct val="70000"/>
-              <a:buFont typeface="Wingdings" panose="05000000000000000000" pitchFamily="2" charset="2"/>
-              <a:buChar char="q"/>
-            </a:pPr>
-            <a:r>
-              <a:rPr lang="en-US" sz="3000" dirty="0">
-                <a:solidFill>
-                  <a:schemeClr val="tx1"/>
-                </a:solidFill>
-              </a:rPr>
-              <a:t>Clinical Heterogeneity.</a:t>
-            </a:r>
-          </a:p>
-          <a:p>
-            <a:pPr marL="495300" indent="-457200" algn="l" rtl="0">
+            <a:pPr marL="0" lvl="0" indent="0" algn="l" rtl="0">
               <a:lnSpc>
                 <a:spcPct val="90000"/>
               </a:lnSpc>
               <a:spcBef>
-                <a:spcPts val="0"/>
+                <a:spcPts val="1000"/>
               </a:spcBef>
-              <a:buSzPct val="70000"/>
-              <a:buFont typeface="Wingdings" panose="05000000000000000000" pitchFamily="2" charset="2"/>
-              <a:buChar char="q"/>
+              <a:spcAft>
+                <a:spcPts val="0"/>
+              </a:spcAft>
+              <a:buClr>
+                <a:srgbClr val="272525"/>
+              </a:buClr>
+              <a:buSzPts val="2400"/>
+              <a:buNone/>
             </a:pPr>
-            <a:r>
-              <a:rPr lang="en-US" sz="3000" dirty="0">
-                <a:solidFill>
-                  <a:schemeClr val="tx1"/>
-                </a:solidFill>
-              </a:rPr>
-              <a:t>Genetic Diversity.</a:t>
-            </a:r>
+            <a:endParaRPr lang="en-US" sz="3000" b="1" dirty="0">
+              <a:solidFill>
+                <a:schemeClr val="tx1"/>
+              </a:solidFill>
+            </a:endParaRPr>
           </a:p>
           <a:p>
-            <a:pPr marL="495300" indent="-457200" algn="l" rtl="0">
+            <a:pPr marL="0" lvl="0" indent="0" algn="l" rtl="0">
               <a:lnSpc>
                 <a:spcPct val="90000"/>
               </a:lnSpc>
               <a:spcBef>
-                <a:spcPts val="0"/>
+                <a:spcPts val="1000"/>
               </a:spcBef>
-              <a:buSzPct val="70000"/>
-              <a:buFont typeface="Wingdings" panose="05000000000000000000" pitchFamily="2" charset="2"/>
-              <a:buChar char="q"/>
+              <a:spcAft>
+                <a:spcPts val="0"/>
+              </a:spcAft>
+              <a:buClr>
+                <a:srgbClr val="272525"/>
+              </a:buClr>
+              <a:buSzPts val="2400"/>
+              <a:buNone/>
             </a:pPr>
-            <a:r>
-              <a:rPr lang="en-US" sz="3000" dirty="0">
-                <a:solidFill>
-                  <a:schemeClr val="tx1"/>
-                </a:solidFill>
-              </a:rPr>
-              <a:t>Diagnosis Based on Symptoms.</a:t>
-            </a:r>
+            <a:endParaRPr lang="en-US" sz="3000" b="1" dirty="0">
+              <a:solidFill>
+                <a:schemeClr val="tx1"/>
+              </a:solidFill>
+            </a:endParaRPr>
+          </a:p>
+          <a:p>
+            <a:pPr marL="0" lvl="0" indent="0" algn="l" rtl="0">
+              <a:lnSpc>
+                <a:spcPct val="90000"/>
+              </a:lnSpc>
+              <a:spcBef>
+                <a:spcPts val="1000"/>
+              </a:spcBef>
+              <a:spcAft>
+                <a:spcPts val="0"/>
+              </a:spcAft>
+              <a:buClr>
+                <a:srgbClr val="272525"/>
+              </a:buClr>
+              <a:buSzPts val="2400"/>
+              <a:buNone/>
+            </a:pPr>
+            <a:endParaRPr lang="en-US" sz="3000" b="1" dirty="0">
+              <a:solidFill>
+                <a:schemeClr val="tx1"/>
+              </a:solidFill>
+            </a:endParaRPr>
+          </a:p>
+          <a:p>
+            <a:pPr marL="0" lvl="0" indent="0" algn="l" rtl="0">
+              <a:lnSpc>
+                <a:spcPct val="90000"/>
+              </a:lnSpc>
+              <a:spcBef>
+                <a:spcPts val="1000"/>
+              </a:spcBef>
+              <a:spcAft>
+                <a:spcPts val="0"/>
+              </a:spcAft>
+              <a:buClr>
+                <a:srgbClr val="272525"/>
+              </a:buClr>
+              <a:buSzPts val="2400"/>
+              <a:buNone/>
+            </a:pPr>
+            <a:endParaRPr lang="en-US" sz="3000" b="1" dirty="0">
+              <a:solidFill>
+                <a:schemeClr val="tx1"/>
+              </a:solidFill>
+            </a:endParaRPr>
           </a:p>
           <a:p>
             <a:pPr marL="0" lvl="0" indent="0" algn="l" rtl="0">
@@ -17082,11 +20756,502 @@
           </a:p>
         </p:txBody>
       </p:sp>
+      <p:graphicFrame>
+        <p:nvGraphicFramePr>
+          <p:cNvPr id="4" name="Google Shape;117;p17">
+            <a:extLst>
+              <a:ext uri="{FF2B5EF4-FFF2-40B4-BE49-F238E27FC236}">
+                <a16:creationId xmlns:a16="http://schemas.microsoft.com/office/drawing/2014/main" id="{6483C665-A2A4-A4B6-0384-F5E0DADD5437}"/>
+              </a:ext>
+            </a:extLst>
+          </p:cNvPr>
+          <p:cNvGraphicFramePr>
+            <a:graphicFrameLocks/>
+          </p:cNvGraphicFramePr>
+          <p:nvPr>
+            <p:extLst>
+              <p:ext uri="{D42A27DB-BD31-4B8C-83A1-F6EECF244321}">
+                <p14:modId xmlns:p14="http://schemas.microsoft.com/office/powerpoint/2010/main" val="1582954082"/>
+              </p:ext>
+            </p:extLst>
+          </p:nvPr>
+        </p:nvGraphicFramePr>
+        <p:xfrm>
+          <a:off x="571500" y="2068830"/>
+          <a:ext cx="9646920" cy="2228850"/>
+        </p:xfrm>
+        <a:graphic>
+          <a:graphicData uri="http://schemas.openxmlformats.org/drawingml/2006/diagram">
+            <dgm:relIds xmlns:dgm="http://schemas.openxmlformats.org/drawingml/2006/diagram" xmlns:r="http://schemas.openxmlformats.org/officeDocument/2006/relationships" r:dm="rId3" r:lo="rId4" r:qs="rId5" r:cs="rId6"/>
+          </a:graphicData>
+        </a:graphic>
+      </p:graphicFrame>
     </p:spTree>
   </p:cSld>
   <p:clrMapOvr>
     <a:masterClrMapping/>
   </p:clrMapOvr>
+  <p:timing>
+    <p:tnLst>
+      <p:par>
+        <p:cTn id="1" dur="indefinite" restart="never" nodeType="tmRoot">
+          <p:childTnLst>
+            <p:seq concurrent="1" nextAc="seek">
+              <p:cTn id="2" dur="indefinite" nodeType="mainSeq">
+                <p:childTnLst>
+                  <p:par>
+                    <p:cTn id="3" fill="hold">
+                      <p:stCondLst>
+                        <p:cond delay="indefinite"/>
+                      </p:stCondLst>
+                      <p:childTnLst>
+                        <p:par>
+                          <p:cTn id="4" fill="hold">
+                            <p:stCondLst>
+                              <p:cond delay="0"/>
+                            </p:stCondLst>
+                            <p:childTnLst>
+                              <p:par>
+                                <p:cTn id="5" presetID="42" presetClass="entr" presetSubtype="0" fill="hold" nodeType="clickEffect">
+                                  <p:stCondLst>
+                                    <p:cond delay="0"/>
+                                  </p:stCondLst>
+                                  <p:childTnLst>
+                                    <p:set>
+                                      <p:cBhvr>
+                                        <p:cTn id="6" dur="1" fill="hold">
+                                          <p:stCondLst>
+                                            <p:cond delay="0"/>
+                                          </p:stCondLst>
+                                        </p:cTn>
+                                        <p:tgtEl>
+                                          <p:spTgt spid="117">
+                                            <p:txEl>
+                                              <p:pRg st="0" end="0"/>
+                                            </p:txEl>
+                                          </p:spTgt>
+                                        </p:tgtEl>
+                                        <p:attrNameLst>
+                                          <p:attrName>style.visibility</p:attrName>
+                                        </p:attrNameLst>
+                                      </p:cBhvr>
+                                      <p:to>
+                                        <p:strVal val="visible"/>
+                                      </p:to>
+                                    </p:set>
+                                    <p:animEffect transition="in" filter="fade">
+                                      <p:cBhvr>
+                                        <p:cTn id="7" dur="1000"/>
+                                        <p:tgtEl>
+                                          <p:spTgt spid="117">
+                                            <p:txEl>
+                                              <p:pRg st="0" end="0"/>
+                                            </p:txEl>
+                                          </p:spTgt>
+                                        </p:tgtEl>
+                                      </p:cBhvr>
+                                    </p:animEffect>
+                                    <p:anim calcmode="lin" valueType="num">
+                                      <p:cBhvr>
+                                        <p:cTn id="8" dur="1000" fill="hold"/>
+                                        <p:tgtEl>
+                                          <p:spTgt spid="117">
+                                            <p:txEl>
+                                              <p:pRg st="0" end="0"/>
+                                            </p:txEl>
+                                          </p:spTgt>
+                                        </p:tgtEl>
+                                        <p:attrNameLst>
+                                          <p:attrName>ppt_x</p:attrName>
+                                        </p:attrNameLst>
+                                      </p:cBhvr>
+                                      <p:tavLst>
+                                        <p:tav tm="0">
+                                          <p:val>
+                                            <p:strVal val="#ppt_x"/>
+                                          </p:val>
+                                        </p:tav>
+                                        <p:tav tm="100000">
+                                          <p:val>
+                                            <p:strVal val="#ppt_x"/>
+                                          </p:val>
+                                        </p:tav>
+                                      </p:tavLst>
+                                    </p:anim>
+                                    <p:anim calcmode="lin" valueType="num">
+                                      <p:cBhvr>
+                                        <p:cTn id="9" dur="1000" fill="hold"/>
+                                        <p:tgtEl>
+                                          <p:spTgt spid="117">
+                                            <p:txEl>
+                                              <p:pRg st="0" end="0"/>
+                                            </p:txEl>
+                                          </p:spTgt>
+                                        </p:tgtEl>
+                                        <p:attrNameLst>
+                                          <p:attrName>ppt_y</p:attrName>
+                                        </p:attrNameLst>
+                                      </p:cBhvr>
+                                      <p:tavLst>
+                                        <p:tav tm="0">
+                                          <p:val>
+                                            <p:strVal val="#ppt_y+.1"/>
+                                          </p:val>
+                                        </p:tav>
+                                        <p:tav tm="100000">
+                                          <p:val>
+                                            <p:strVal val="#ppt_y"/>
+                                          </p:val>
+                                        </p:tav>
+                                      </p:tavLst>
+                                    </p:anim>
+                                  </p:childTnLst>
+                                </p:cTn>
+                              </p:par>
+                            </p:childTnLst>
+                          </p:cTn>
+                        </p:par>
+                      </p:childTnLst>
+                    </p:cTn>
+                  </p:par>
+                  <p:par>
+                    <p:cTn id="10" fill="hold">
+                      <p:stCondLst>
+                        <p:cond delay="indefinite"/>
+                      </p:stCondLst>
+                      <p:childTnLst>
+                        <p:par>
+                          <p:cTn id="11" fill="hold">
+                            <p:stCondLst>
+                              <p:cond delay="0"/>
+                            </p:stCondLst>
+                            <p:childTnLst>
+                              <p:par>
+                                <p:cTn id="12" presetID="42" presetClass="entr" presetSubtype="0" fill="hold" grpId="0" nodeType="clickEffect">
+                                  <p:stCondLst>
+                                    <p:cond delay="0"/>
+                                  </p:stCondLst>
+                                  <p:childTnLst>
+                                    <p:set>
+                                      <p:cBhvr>
+                                        <p:cTn id="13" dur="1" fill="hold">
+                                          <p:stCondLst>
+                                            <p:cond delay="0"/>
+                                          </p:stCondLst>
+                                        </p:cTn>
+                                        <p:tgtEl>
+                                          <p:spTgt spid="4"/>
+                                        </p:tgtEl>
+                                        <p:attrNameLst>
+                                          <p:attrName>style.visibility</p:attrName>
+                                        </p:attrNameLst>
+                                      </p:cBhvr>
+                                      <p:to>
+                                        <p:strVal val="visible"/>
+                                      </p:to>
+                                    </p:set>
+                                    <p:animEffect transition="in" filter="fade">
+                                      <p:cBhvr>
+                                        <p:cTn id="14" dur="1000"/>
+                                        <p:tgtEl>
+                                          <p:spTgt spid="4"/>
+                                        </p:tgtEl>
+                                      </p:cBhvr>
+                                    </p:animEffect>
+                                    <p:anim calcmode="lin" valueType="num">
+                                      <p:cBhvr>
+                                        <p:cTn id="15" dur="1000" fill="hold"/>
+                                        <p:tgtEl>
+                                          <p:spTgt spid="4"/>
+                                        </p:tgtEl>
+                                        <p:attrNameLst>
+                                          <p:attrName>ppt_x</p:attrName>
+                                        </p:attrNameLst>
+                                      </p:cBhvr>
+                                      <p:tavLst>
+                                        <p:tav tm="0">
+                                          <p:val>
+                                            <p:strVal val="#ppt_x"/>
+                                          </p:val>
+                                        </p:tav>
+                                        <p:tav tm="100000">
+                                          <p:val>
+                                            <p:strVal val="#ppt_x"/>
+                                          </p:val>
+                                        </p:tav>
+                                      </p:tavLst>
+                                    </p:anim>
+                                    <p:anim calcmode="lin" valueType="num">
+                                      <p:cBhvr>
+                                        <p:cTn id="16" dur="1000" fill="hold"/>
+                                        <p:tgtEl>
+                                          <p:spTgt spid="4"/>
+                                        </p:tgtEl>
+                                        <p:attrNameLst>
+                                          <p:attrName>ppt_y</p:attrName>
+                                        </p:attrNameLst>
+                                      </p:cBhvr>
+                                      <p:tavLst>
+                                        <p:tav tm="0">
+                                          <p:val>
+                                            <p:strVal val="#ppt_y+.1"/>
+                                          </p:val>
+                                        </p:tav>
+                                        <p:tav tm="100000">
+                                          <p:val>
+                                            <p:strVal val="#ppt_y"/>
+                                          </p:val>
+                                        </p:tav>
+                                      </p:tavLst>
+                                    </p:anim>
+                                  </p:childTnLst>
+                                </p:cTn>
+                              </p:par>
+                            </p:childTnLst>
+                          </p:cTn>
+                        </p:par>
+                      </p:childTnLst>
+                    </p:cTn>
+                  </p:par>
+                  <p:par>
+                    <p:cTn id="17" fill="hold">
+                      <p:stCondLst>
+                        <p:cond delay="indefinite"/>
+                      </p:stCondLst>
+                      <p:childTnLst>
+                        <p:par>
+                          <p:cTn id="18" fill="hold">
+                            <p:stCondLst>
+                              <p:cond delay="0"/>
+                            </p:stCondLst>
+                            <p:childTnLst>
+                              <p:par>
+                                <p:cTn id="19" presetID="42" presetClass="entr" presetSubtype="0" fill="hold" nodeType="clickEffect">
+                                  <p:stCondLst>
+                                    <p:cond delay="0"/>
+                                  </p:stCondLst>
+                                  <p:childTnLst>
+                                    <p:set>
+                                      <p:cBhvr>
+                                        <p:cTn id="20" dur="1" fill="hold">
+                                          <p:stCondLst>
+                                            <p:cond delay="0"/>
+                                          </p:stCondLst>
+                                        </p:cTn>
+                                        <p:tgtEl>
+                                          <p:spTgt spid="117">
+                                            <p:txEl>
+                                              <p:pRg st="7" end="7"/>
+                                            </p:txEl>
+                                          </p:spTgt>
+                                        </p:tgtEl>
+                                        <p:attrNameLst>
+                                          <p:attrName>style.visibility</p:attrName>
+                                        </p:attrNameLst>
+                                      </p:cBhvr>
+                                      <p:to>
+                                        <p:strVal val="visible"/>
+                                      </p:to>
+                                    </p:set>
+                                    <p:animEffect transition="in" filter="fade">
+                                      <p:cBhvr>
+                                        <p:cTn id="21" dur="1000"/>
+                                        <p:tgtEl>
+                                          <p:spTgt spid="117">
+                                            <p:txEl>
+                                              <p:pRg st="7" end="7"/>
+                                            </p:txEl>
+                                          </p:spTgt>
+                                        </p:tgtEl>
+                                      </p:cBhvr>
+                                    </p:animEffect>
+                                    <p:anim calcmode="lin" valueType="num">
+                                      <p:cBhvr>
+                                        <p:cTn id="22" dur="1000" fill="hold"/>
+                                        <p:tgtEl>
+                                          <p:spTgt spid="117">
+                                            <p:txEl>
+                                              <p:pRg st="7" end="7"/>
+                                            </p:txEl>
+                                          </p:spTgt>
+                                        </p:tgtEl>
+                                        <p:attrNameLst>
+                                          <p:attrName>ppt_x</p:attrName>
+                                        </p:attrNameLst>
+                                      </p:cBhvr>
+                                      <p:tavLst>
+                                        <p:tav tm="0">
+                                          <p:val>
+                                            <p:strVal val="#ppt_x"/>
+                                          </p:val>
+                                        </p:tav>
+                                        <p:tav tm="100000">
+                                          <p:val>
+                                            <p:strVal val="#ppt_x"/>
+                                          </p:val>
+                                        </p:tav>
+                                      </p:tavLst>
+                                    </p:anim>
+                                    <p:anim calcmode="lin" valueType="num">
+                                      <p:cBhvr>
+                                        <p:cTn id="23" dur="1000" fill="hold"/>
+                                        <p:tgtEl>
+                                          <p:spTgt spid="117">
+                                            <p:txEl>
+                                              <p:pRg st="7" end="7"/>
+                                            </p:txEl>
+                                          </p:spTgt>
+                                        </p:tgtEl>
+                                        <p:attrNameLst>
+                                          <p:attrName>ppt_y</p:attrName>
+                                        </p:attrNameLst>
+                                      </p:cBhvr>
+                                      <p:tavLst>
+                                        <p:tav tm="0">
+                                          <p:val>
+                                            <p:strVal val="#ppt_y+.1"/>
+                                          </p:val>
+                                        </p:tav>
+                                        <p:tav tm="100000">
+                                          <p:val>
+                                            <p:strVal val="#ppt_y"/>
+                                          </p:val>
+                                        </p:tav>
+                                      </p:tavLst>
+                                    </p:anim>
+                                  </p:childTnLst>
+                                </p:cTn>
+                              </p:par>
+                              <p:par>
+                                <p:cTn id="24" presetID="42" presetClass="entr" presetSubtype="0" fill="hold" nodeType="withEffect">
+                                  <p:stCondLst>
+                                    <p:cond delay="0"/>
+                                  </p:stCondLst>
+                                  <p:childTnLst>
+                                    <p:set>
+                                      <p:cBhvr>
+                                        <p:cTn id="25" dur="1" fill="hold">
+                                          <p:stCondLst>
+                                            <p:cond delay="0"/>
+                                          </p:stCondLst>
+                                        </p:cTn>
+                                        <p:tgtEl>
+                                          <p:spTgt spid="117">
+                                            <p:txEl>
+                                              <p:pRg st="8" end="8"/>
+                                            </p:txEl>
+                                          </p:spTgt>
+                                        </p:tgtEl>
+                                        <p:attrNameLst>
+                                          <p:attrName>style.visibility</p:attrName>
+                                        </p:attrNameLst>
+                                      </p:cBhvr>
+                                      <p:to>
+                                        <p:strVal val="visible"/>
+                                      </p:to>
+                                    </p:set>
+                                    <p:animEffect transition="in" filter="fade">
+                                      <p:cBhvr>
+                                        <p:cTn id="26" dur="1000"/>
+                                        <p:tgtEl>
+                                          <p:spTgt spid="117">
+                                            <p:txEl>
+                                              <p:pRg st="8" end="8"/>
+                                            </p:txEl>
+                                          </p:spTgt>
+                                        </p:tgtEl>
+                                      </p:cBhvr>
+                                    </p:animEffect>
+                                    <p:anim calcmode="lin" valueType="num">
+                                      <p:cBhvr>
+                                        <p:cTn id="27" dur="1000" fill="hold"/>
+                                        <p:tgtEl>
+                                          <p:spTgt spid="117">
+                                            <p:txEl>
+                                              <p:pRg st="8" end="8"/>
+                                            </p:txEl>
+                                          </p:spTgt>
+                                        </p:tgtEl>
+                                        <p:attrNameLst>
+                                          <p:attrName>ppt_x</p:attrName>
+                                        </p:attrNameLst>
+                                      </p:cBhvr>
+                                      <p:tavLst>
+                                        <p:tav tm="0">
+                                          <p:val>
+                                            <p:strVal val="#ppt_x"/>
+                                          </p:val>
+                                        </p:tav>
+                                        <p:tav tm="100000">
+                                          <p:val>
+                                            <p:strVal val="#ppt_x"/>
+                                          </p:val>
+                                        </p:tav>
+                                      </p:tavLst>
+                                    </p:anim>
+                                    <p:anim calcmode="lin" valueType="num">
+                                      <p:cBhvr>
+                                        <p:cTn id="28" dur="1000" fill="hold"/>
+                                        <p:tgtEl>
+                                          <p:spTgt spid="117">
+                                            <p:txEl>
+                                              <p:pRg st="8" end="8"/>
+                                            </p:txEl>
+                                          </p:spTgt>
+                                        </p:tgtEl>
+                                        <p:attrNameLst>
+                                          <p:attrName>ppt_y</p:attrName>
+                                        </p:attrNameLst>
+                                      </p:cBhvr>
+                                      <p:tavLst>
+                                        <p:tav tm="0">
+                                          <p:val>
+                                            <p:strVal val="#ppt_y+.1"/>
+                                          </p:val>
+                                        </p:tav>
+                                        <p:tav tm="100000">
+                                          <p:val>
+                                            <p:strVal val="#ppt_y"/>
+                                          </p:val>
+                                        </p:tav>
+                                      </p:tavLst>
+                                    </p:anim>
+                                  </p:childTnLst>
+                                </p:cTn>
+                              </p:par>
+                            </p:childTnLst>
+                          </p:cTn>
+                        </p:par>
+                      </p:childTnLst>
+                    </p:cTn>
+                  </p:par>
+                </p:childTnLst>
+              </p:cTn>
+              <p:prevCondLst>
+                <p:cond evt="onPrev" delay="0">
+                  <p:tgtEl>
+                    <p:sldTgt/>
+                  </p:tgtEl>
+                </p:cond>
+              </p:prevCondLst>
+              <p:nextCondLst>
+                <p:cond evt="onNext" delay="0">
+                  <p:tgtEl>
+                    <p:sldTgt/>
+                  </p:tgtEl>
+                </p:cond>
+              </p:nextCondLst>
+            </p:seq>
+          </p:childTnLst>
+        </p:cTn>
+      </p:par>
+    </p:tnLst>
+    <p:bldLst>
+      <p:bldGraphic spid="4" grpId="0">
+        <p:bldAsOne/>
+      </p:bldGraphic>
+    </p:bldLst>
+  </p:timing>
 </p:sld>
 </file>
 
@@ -17343,7 +21508,7 @@
                 <a16:creationId xmlns:a16="http://schemas.microsoft.com/office/drawing/2014/main" id="{64FA5DFF-7FE6-4855-84E6-DFA78EE978BD}"/>
               </a:ext>
               <a:ext uri="{C183D7F6-B498-43B3-948B-1728B52AA6E4}">
-                <adec:decorative xmlns:adec="http://schemas.microsoft.com/office/drawing/2017/decorative" val="1"/>
+                <adec:decorative xmlns:adec="http://schemas.microsoft.com/office/drawing/2017/decorative" xmlns="" val="1"/>
               </a:ext>
             </a:extLst>
           </p:cNvPr>
@@ -17397,7 +21562,7 @@
                 <a16:creationId xmlns:a16="http://schemas.microsoft.com/office/drawing/2014/main" id="{2AFD8CBA-54A3-4363-991B-B9C631BBFA74}"/>
               </a:ext>
               <a:ext uri="{C183D7F6-B498-43B3-948B-1728B52AA6E4}">
-                <adec:decorative xmlns:adec="http://schemas.microsoft.com/office/drawing/2017/decorative" val="1"/>
+                <adec:decorative xmlns:adec="http://schemas.microsoft.com/office/drawing/2017/decorative" xmlns="" val="1"/>
               </a:ext>
             </a:extLst>
           </p:cNvPr>
@@ -17451,7 +21616,7 @@
                 <a16:creationId xmlns:a16="http://schemas.microsoft.com/office/drawing/2014/main" id="{3F088236-D655-4F88-B238-E16762358025}"/>
               </a:ext>
               <a:ext uri="{C183D7F6-B498-43B3-948B-1728B52AA6E4}">
-                <adec:decorative xmlns:adec="http://schemas.microsoft.com/office/drawing/2017/decorative" val="1"/>
+                <adec:decorative xmlns:adec="http://schemas.microsoft.com/office/drawing/2017/decorative" xmlns="" val="1"/>
               </a:ext>
             </a:extLst>
           </p:cNvPr>
@@ -17538,7 +21703,7 @@
                 <a16:creationId xmlns:a16="http://schemas.microsoft.com/office/drawing/2014/main" id="{3DAC0C92-199E-475C-9390-119A9B027276}"/>
               </a:ext>
               <a:ext uri="{C183D7F6-B498-43B3-948B-1728B52AA6E4}">
-                <adec:decorative xmlns:adec="http://schemas.microsoft.com/office/drawing/2017/decorative" val="1"/>
+                <adec:decorative xmlns:adec="http://schemas.microsoft.com/office/drawing/2017/decorative" xmlns="" val="1"/>
               </a:ext>
             </a:extLst>
           </p:cNvPr>
@@ -17625,7 +21790,7 @@
                 <a16:creationId xmlns:a16="http://schemas.microsoft.com/office/drawing/2014/main" id="{C4CFB339-0ED8-4FE2-9EF1-6D1375B8499B}"/>
               </a:ext>
               <a:ext uri="{C183D7F6-B498-43B3-948B-1728B52AA6E4}">
-                <adec:decorative xmlns:adec="http://schemas.microsoft.com/office/drawing/2017/decorative" val="1"/>
+                <adec:decorative xmlns:adec="http://schemas.microsoft.com/office/drawing/2017/decorative" xmlns="" val="1"/>
               </a:ext>
             </a:extLst>
           </p:cNvPr>
@@ -17690,7 +21855,7 @@
                 <a16:creationId xmlns:a16="http://schemas.microsoft.com/office/drawing/2014/main" id="{31896C80-2069-4431-9C19-83B913734490}"/>
               </a:ext>
               <a:ext uri="{C183D7F6-B498-43B3-948B-1728B52AA6E4}">
-                <adec:decorative xmlns:adec="http://schemas.microsoft.com/office/drawing/2017/decorative" val="1"/>
+                <adec:decorative xmlns:adec="http://schemas.microsoft.com/office/drawing/2017/decorative" xmlns="" val="1"/>
               </a:ext>
             </a:extLst>
           </p:cNvPr>
@@ -17778,7 +21943,7 @@
                 <a16:creationId xmlns:a16="http://schemas.microsoft.com/office/drawing/2014/main" id="{BF120A21-0841-4823-B0C4-28AEBCEF9B78}"/>
               </a:ext>
               <a:ext uri="{C183D7F6-B498-43B3-948B-1728B52AA6E4}">
-                <adec:decorative xmlns:adec="http://schemas.microsoft.com/office/drawing/2017/decorative" val="1"/>
+                <adec:decorative xmlns:adec="http://schemas.microsoft.com/office/drawing/2017/decorative" xmlns="" val="1"/>
               </a:ext>
             </a:extLst>
           </p:cNvPr>
@@ -17867,7 +22032,7 @@
                 <a16:creationId xmlns:a16="http://schemas.microsoft.com/office/drawing/2014/main" id="{DBB05BAE-BBD3-4289-899F-A6851503C6B0}"/>
               </a:ext>
               <a:ext uri="{C183D7F6-B498-43B3-948B-1728B52AA6E4}">
-                <adec:decorative xmlns:adec="http://schemas.microsoft.com/office/drawing/2017/decorative" val="1"/>
+                <adec:decorative xmlns:adec="http://schemas.microsoft.com/office/drawing/2017/decorative" xmlns="" val="1"/>
               </a:ext>
             </a:extLst>
           </p:cNvPr>
@@ -17954,7 +22119,7 @@
                 <a16:creationId xmlns:a16="http://schemas.microsoft.com/office/drawing/2014/main" id="{9874D11C-36F5-4BBE-A490-019A54E953B0}"/>
               </a:ext>
               <a:ext uri="{C183D7F6-B498-43B3-948B-1728B52AA6E4}">
-                <adec:decorative xmlns:adec="http://schemas.microsoft.com/office/drawing/2017/decorative" val="1"/>
+                <adec:decorative xmlns:adec="http://schemas.microsoft.com/office/drawing/2017/decorative" xmlns="" val="1"/>
               </a:ext>
             </a:extLst>
           </p:cNvPr>
@@ -18016,6 +22181,460 @@
   <p:clrMapOvr>
     <a:masterClrMapping/>
   </p:clrMapOvr>
+  <p:timing>
+    <p:tnLst>
+      <p:par>
+        <p:cTn id="1" dur="indefinite" restart="never" nodeType="tmRoot">
+          <p:childTnLst>
+            <p:seq concurrent="1" nextAc="seek">
+              <p:cTn id="2" dur="indefinite" nodeType="mainSeq">
+                <p:childTnLst>
+                  <p:par>
+                    <p:cTn id="3" fill="hold">
+                      <p:stCondLst>
+                        <p:cond delay="indefinite"/>
+                      </p:stCondLst>
+                      <p:childTnLst>
+                        <p:par>
+                          <p:cTn id="4" fill="hold">
+                            <p:stCondLst>
+                              <p:cond delay="0"/>
+                            </p:stCondLst>
+                            <p:childTnLst>
+                              <p:par>
+                                <p:cTn id="5" presetID="42" presetClass="entr" presetSubtype="0" fill="hold" nodeType="clickEffect">
+                                  <p:stCondLst>
+                                    <p:cond delay="0"/>
+                                  </p:stCondLst>
+                                  <p:childTnLst>
+                                    <p:set>
+                                      <p:cBhvr>
+                                        <p:cTn id="6" dur="1" fill="hold">
+                                          <p:stCondLst>
+                                            <p:cond delay="0"/>
+                                          </p:stCondLst>
+                                        </p:cTn>
+                                        <p:tgtEl>
+                                          <p:spTgt spid="138">
+                                            <p:txEl>
+                                              <p:pRg st="0" end="0"/>
+                                            </p:txEl>
+                                          </p:spTgt>
+                                        </p:tgtEl>
+                                        <p:attrNameLst>
+                                          <p:attrName>style.visibility</p:attrName>
+                                        </p:attrNameLst>
+                                      </p:cBhvr>
+                                      <p:to>
+                                        <p:strVal val="visible"/>
+                                      </p:to>
+                                    </p:set>
+                                    <p:animEffect transition="in" filter="fade">
+                                      <p:cBhvr>
+                                        <p:cTn id="7" dur="1000"/>
+                                        <p:tgtEl>
+                                          <p:spTgt spid="138">
+                                            <p:txEl>
+                                              <p:pRg st="0" end="0"/>
+                                            </p:txEl>
+                                          </p:spTgt>
+                                        </p:tgtEl>
+                                      </p:cBhvr>
+                                    </p:animEffect>
+                                    <p:anim calcmode="lin" valueType="num">
+                                      <p:cBhvr>
+                                        <p:cTn id="8" dur="1000" fill="hold"/>
+                                        <p:tgtEl>
+                                          <p:spTgt spid="138">
+                                            <p:txEl>
+                                              <p:pRg st="0" end="0"/>
+                                            </p:txEl>
+                                          </p:spTgt>
+                                        </p:tgtEl>
+                                        <p:attrNameLst>
+                                          <p:attrName>ppt_x</p:attrName>
+                                        </p:attrNameLst>
+                                      </p:cBhvr>
+                                      <p:tavLst>
+                                        <p:tav tm="0">
+                                          <p:val>
+                                            <p:strVal val="#ppt_x"/>
+                                          </p:val>
+                                        </p:tav>
+                                        <p:tav tm="100000">
+                                          <p:val>
+                                            <p:strVal val="#ppt_x"/>
+                                          </p:val>
+                                        </p:tav>
+                                      </p:tavLst>
+                                    </p:anim>
+                                    <p:anim calcmode="lin" valueType="num">
+                                      <p:cBhvr>
+                                        <p:cTn id="9" dur="1000" fill="hold"/>
+                                        <p:tgtEl>
+                                          <p:spTgt spid="138">
+                                            <p:txEl>
+                                              <p:pRg st="0" end="0"/>
+                                            </p:txEl>
+                                          </p:spTgt>
+                                        </p:tgtEl>
+                                        <p:attrNameLst>
+                                          <p:attrName>ppt_y</p:attrName>
+                                        </p:attrNameLst>
+                                      </p:cBhvr>
+                                      <p:tavLst>
+                                        <p:tav tm="0">
+                                          <p:val>
+                                            <p:strVal val="#ppt_y+.1"/>
+                                          </p:val>
+                                        </p:tav>
+                                        <p:tav tm="100000">
+                                          <p:val>
+                                            <p:strVal val="#ppt_y"/>
+                                          </p:val>
+                                        </p:tav>
+                                      </p:tavLst>
+                                    </p:anim>
+                                  </p:childTnLst>
+                                </p:cTn>
+                              </p:par>
+                            </p:childTnLst>
+                          </p:cTn>
+                        </p:par>
+                      </p:childTnLst>
+                    </p:cTn>
+                  </p:par>
+                  <p:par>
+                    <p:cTn id="10" fill="hold">
+                      <p:stCondLst>
+                        <p:cond delay="indefinite"/>
+                      </p:stCondLst>
+                      <p:childTnLst>
+                        <p:par>
+                          <p:cTn id="11" fill="hold">
+                            <p:stCondLst>
+                              <p:cond delay="0"/>
+                            </p:stCondLst>
+                            <p:childTnLst>
+                              <p:par>
+                                <p:cTn id="12" presetID="42" presetClass="entr" presetSubtype="0" fill="hold" nodeType="clickEffect">
+                                  <p:stCondLst>
+                                    <p:cond delay="0"/>
+                                  </p:stCondLst>
+                                  <p:childTnLst>
+                                    <p:set>
+                                      <p:cBhvr>
+                                        <p:cTn id="13" dur="1" fill="hold">
+                                          <p:stCondLst>
+                                            <p:cond delay="0"/>
+                                          </p:stCondLst>
+                                        </p:cTn>
+                                        <p:tgtEl>
+                                          <p:spTgt spid="138">
+                                            <p:txEl>
+                                              <p:pRg st="2" end="2"/>
+                                            </p:txEl>
+                                          </p:spTgt>
+                                        </p:tgtEl>
+                                        <p:attrNameLst>
+                                          <p:attrName>style.visibility</p:attrName>
+                                        </p:attrNameLst>
+                                      </p:cBhvr>
+                                      <p:to>
+                                        <p:strVal val="visible"/>
+                                      </p:to>
+                                    </p:set>
+                                    <p:animEffect transition="in" filter="fade">
+                                      <p:cBhvr>
+                                        <p:cTn id="14" dur="1000"/>
+                                        <p:tgtEl>
+                                          <p:spTgt spid="138">
+                                            <p:txEl>
+                                              <p:pRg st="2" end="2"/>
+                                            </p:txEl>
+                                          </p:spTgt>
+                                        </p:tgtEl>
+                                      </p:cBhvr>
+                                    </p:animEffect>
+                                    <p:anim calcmode="lin" valueType="num">
+                                      <p:cBhvr>
+                                        <p:cTn id="15" dur="1000" fill="hold"/>
+                                        <p:tgtEl>
+                                          <p:spTgt spid="138">
+                                            <p:txEl>
+                                              <p:pRg st="2" end="2"/>
+                                            </p:txEl>
+                                          </p:spTgt>
+                                        </p:tgtEl>
+                                        <p:attrNameLst>
+                                          <p:attrName>ppt_x</p:attrName>
+                                        </p:attrNameLst>
+                                      </p:cBhvr>
+                                      <p:tavLst>
+                                        <p:tav tm="0">
+                                          <p:val>
+                                            <p:strVal val="#ppt_x"/>
+                                          </p:val>
+                                        </p:tav>
+                                        <p:tav tm="100000">
+                                          <p:val>
+                                            <p:strVal val="#ppt_x"/>
+                                          </p:val>
+                                        </p:tav>
+                                      </p:tavLst>
+                                    </p:anim>
+                                    <p:anim calcmode="lin" valueType="num">
+                                      <p:cBhvr>
+                                        <p:cTn id="16" dur="1000" fill="hold"/>
+                                        <p:tgtEl>
+                                          <p:spTgt spid="138">
+                                            <p:txEl>
+                                              <p:pRg st="2" end="2"/>
+                                            </p:txEl>
+                                          </p:spTgt>
+                                        </p:tgtEl>
+                                        <p:attrNameLst>
+                                          <p:attrName>ppt_y</p:attrName>
+                                        </p:attrNameLst>
+                                      </p:cBhvr>
+                                      <p:tavLst>
+                                        <p:tav tm="0">
+                                          <p:val>
+                                            <p:strVal val="#ppt_y+.1"/>
+                                          </p:val>
+                                        </p:tav>
+                                        <p:tav tm="100000">
+                                          <p:val>
+                                            <p:strVal val="#ppt_y"/>
+                                          </p:val>
+                                        </p:tav>
+                                      </p:tavLst>
+                                    </p:anim>
+                                  </p:childTnLst>
+                                </p:cTn>
+                              </p:par>
+                              <p:par>
+                                <p:cTn id="17" presetID="42" presetClass="entr" presetSubtype="0" fill="hold" nodeType="withEffect">
+                                  <p:stCondLst>
+                                    <p:cond delay="0"/>
+                                  </p:stCondLst>
+                                  <p:childTnLst>
+                                    <p:set>
+                                      <p:cBhvr>
+                                        <p:cTn id="18" dur="1" fill="hold">
+                                          <p:stCondLst>
+                                            <p:cond delay="0"/>
+                                          </p:stCondLst>
+                                        </p:cTn>
+                                        <p:tgtEl>
+                                          <p:spTgt spid="138">
+                                            <p:txEl>
+                                              <p:pRg st="3" end="3"/>
+                                            </p:txEl>
+                                          </p:spTgt>
+                                        </p:tgtEl>
+                                        <p:attrNameLst>
+                                          <p:attrName>style.visibility</p:attrName>
+                                        </p:attrNameLst>
+                                      </p:cBhvr>
+                                      <p:to>
+                                        <p:strVal val="visible"/>
+                                      </p:to>
+                                    </p:set>
+                                    <p:animEffect transition="in" filter="fade">
+                                      <p:cBhvr>
+                                        <p:cTn id="19" dur="1000"/>
+                                        <p:tgtEl>
+                                          <p:spTgt spid="138">
+                                            <p:txEl>
+                                              <p:pRg st="3" end="3"/>
+                                            </p:txEl>
+                                          </p:spTgt>
+                                        </p:tgtEl>
+                                      </p:cBhvr>
+                                    </p:animEffect>
+                                    <p:anim calcmode="lin" valueType="num">
+                                      <p:cBhvr>
+                                        <p:cTn id="20" dur="1000" fill="hold"/>
+                                        <p:tgtEl>
+                                          <p:spTgt spid="138">
+                                            <p:txEl>
+                                              <p:pRg st="3" end="3"/>
+                                            </p:txEl>
+                                          </p:spTgt>
+                                        </p:tgtEl>
+                                        <p:attrNameLst>
+                                          <p:attrName>ppt_x</p:attrName>
+                                        </p:attrNameLst>
+                                      </p:cBhvr>
+                                      <p:tavLst>
+                                        <p:tav tm="0">
+                                          <p:val>
+                                            <p:strVal val="#ppt_x"/>
+                                          </p:val>
+                                        </p:tav>
+                                        <p:tav tm="100000">
+                                          <p:val>
+                                            <p:strVal val="#ppt_x"/>
+                                          </p:val>
+                                        </p:tav>
+                                      </p:tavLst>
+                                    </p:anim>
+                                    <p:anim calcmode="lin" valueType="num">
+                                      <p:cBhvr>
+                                        <p:cTn id="21" dur="1000" fill="hold"/>
+                                        <p:tgtEl>
+                                          <p:spTgt spid="138">
+                                            <p:txEl>
+                                              <p:pRg st="3" end="3"/>
+                                            </p:txEl>
+                                          </p:spTgt>
+                                        </p:tgtEl>
+                                        <p:attrNameLst>
+                                          <p:attrName>ppt_y</p:attrName>
+                                        </p:attrNameLst>
+                                      </p:cBhvr>
+                                      <p:tavLst>
+                                        <p:tav tm="0">
+                                          <p:val>
+                                            <p:strVal val="#ppt_y+.1"/>
+                                          </p:val>
+                                        </p:tav>
+                                        <p:tav tm="100000">
+                                          <p:val>
+                                            <p:strVal val="#ppt_y"/>
+                                          </p:val>
+                                        </p:tav>
+                                      </p:tavLst>
+                                    </p:anim>
+                                  </p:childTnLst>
+                                </p:cTn>
+                              </p:par>
+                              <p:par>
+                                <p:cTn id="22" presetID="42" presetClass="entr" presetSubtype="0" fill="hold" nodeType="withEffect">
+                                  <p:stCondLst>
+                                    <p:cond delay="0"/>
+                                  </p:stCondLst>
+                                  <p:childTnLst>
+                                    <p:set>
+                                      <p:cBhvr>
+                                        <p:cTn id="23" dur="1" fill="hold">
+                                          <p:stCondLst>
+                                            <p:cond delay="0"/>
+                                          </p:stCondLst>
+                                        </p:cTn>
+                                        <p:tgtEl>
+                                          <p:spTgt spid="138">
+                                            <p:txEl>
+                                              <p:pRg st="4" end="4"/>
+                                            </p:txEl>
+                                          </p:spTgt>
+                                        </p:tgtEl>
+                                        <p:attrNameLst>
+                                          <p:attrName>style.visibility</p:attrName>
+                                        </p:attrNameLst>
+                                      </p:cBhvr>
+                                      <p:to>
+                                        <p:strVal val="visible"/>
+                                      </p:to>
+                                    </p:set>
+                                    <p:animEffect transition="in" filter="fade">
+                                      <p:cBhvr>
+                                        <p:cTn id="24" dur="1000"/>
+                                        <p:tgtEl>
+                                          <p:spTgt spid="138">
+                                            <p:txEl>
+                                              <p:pRg st="4" end="4"/>
+                                            </p:txEl>
+                                          </p:spTgt>
+                                        </p:tgtEl>
+                                      </p:cBhvr>
+                                    </p:animEffect>
+                                    <p:anim calcmode="lin" valueType="num">
+                                      <p:cBhvr>
+                                        <p:cTn id="25" dur="1000" fill="hold"/>
+                                        <p:tgtEl>
+                                          <p:spTgt spid="138">
+                                            <p:txEl>
+                                              <p:pRg st="4" end="4"/>
+                                            </p:txEl>
+                                          </p:spTgt>
+                                        </p:tgtEl>
+                                        <p:attrNameLst>
+                                          <p:attrName>ppt_x</p:attrName>
+                                        </p:attrNameLst>
+                                      </p:cBhvr>
+                                      <p:tavLst>
+                                        <p:tav tm="0">
+                                          <p:val>
+                                            <p:strVal val="#ppt_x"/>
+                                          </p:val>
+                                        </p:tav>
+                                        <p:tav tm="100000">
+                                          <p:val>
+                                            <p:strVal val="#ppt_x"/>
+                                          </p:val>
+                                        </p:tav>
+                                      </p:tavLst>
+                                    </p:anim>
+                                    <p:anim calcmode="lin" valueType="num">
+                                      <p:cBhvr>
+                                        <p:cTn id="26" dur="1000" fill="hold"/>
+                                        <p:tgtEl>
+                                          <p:spTgt spid="138">
+                                            <p:txEl>
+                                              <p:pRg st="4" end="4"/>
+                                            </p:txEl>
+                                          </p:spTgt>
+                                        </p:tgtEl>
+                                        <p:attrNameLst>
+                                          <p:attrName>ppt_y</p:attrName>
+                                        </p:attrNameLst>
+                                      </p:cBhvr>
+                                      <p:tavLst>
+                                        <p:tav tm="0">
+                                          <p:val>
+                                            <p:strVal val="#ppt_y+.1"/>
+                                          </p:val>
+                                        </p:tav>
+                                        <p:tav tm="100000">
+                                          <p:val>
+                                            <p:strVal val="#ppt_y"/>
+                                          </p:val>
+                                        </p:tav>
+                                      </p:tavLst>
+                                    </p:anim>
+                                  </p:childTnLst>
+                                </p:cTn>
+                              </p:par>
+                            </p:childTnLst>
+                          </p:cTn>
+                        </p:par>
+                      </p:childTnLst>
+                    </p:cTn>
+                  </p:par>
+                </p:childTnLst>
+              </p:cTn>
+              <p:prevCondLst>
+                <p:cond evt="onPrev" delay="0">
+                  <p:tgtEl>
+                    <p:sldTgt/>
+                  </p:tgtEl>
+                </p:cond>
+              </p:prevCondLst>
+              <p:nextCondLst>
+                <p:cond evt="onNext" delay="0">
+                  <p:tgtEl>
+                    <p:sldTgt/>
+                  </p:tgtEl>
+                </p:cond>
+              </p:nextCondLst>
+            </p:seq>
+          </p:childTnLst>
+        </p:cTn>
+      </p:par>
+    </p:tnLst>
+  </p:timing>
 </p:sld>
 </file>
 
@@ -18071,10 +22690,10 @@
               <a:buNone/>
             </a:pPr>
             <a:r>
-              <a:rPr lang="en-US" sz="4800" dirty="0"/>
+              <a:rPr lang="en-US" sz="4800"/>
               <a:t>Autism Brain Imaging Data Exchange (ABIDE) Dataset</a:t>
             </a:r>
-            <a:endParaRPr sz="4800" dirty="0"/>
+            <a:endParaRPr lang="en-US" sz="4800" dirty="0"/>
           </a:p>
         </p:txBody>
       </p:sp>
@@ -18121,7 +22740,6 @@
               <a:rPr lang="en-US" sz="2300" dirty="0"/>
               <a:t>36 sites worldwide.</a:t>
             </a:r>
-            <a:endParaRPr sz="2300" dirty="0"/>
           </a:p>
           <a:p>
             <a:pPr marL="0" lvl="0" indent="0" algn="l" rtl="0">
@@ -18142,7 +22760,6 @@
               <a:rPr lang="en-US" sz="2300" dirty="0"/>
               <a:t>2,226 datasets: 1,060 ASD, 1,166 controls.</a:t>
             </a:r>
-            <a:endParaRPr sz="2300" dirty="0"/>
           </a:p>
           <a:p>
             <a:pPr marL="0" lvl="0" indent="0" algn="l" rtl="0">
@@ -18163,7 +22780,6 @@
               <a:rPr lang="en-US" sz="2300" dirty="0"/>
               <a:t>Ages: 5 to 64 years.</a:t>
             </a:r>
-            <a:endParaRPr sz="2300" dirty="0"/>
           </a:p>
           <a:p>
             <a:pPr marL="0" lvl="0" indent="0" algn="l" rtl="0">
@@ -18184,7 +22800,6 @@
               <a:rPr lang="en-US" sz="2300" dirty="0"/>
               <a:t>Includes resting-state fMRI, structural MRI.</a:t>
             </a:r>
-            <a:endParaRPr sz="2300" dirty="0"/>
           </a:p>
           <a:p>
             <a:pPr marL="0" lvl="0" indent="0" algn="l" rtl="0">
@@ -18200,42 +22815,622 @@
               <a:rPr lang="en-US" sz="2300" dirty="0"/>
               <a:t>We will use anatomical MRI scans at 256x256 pixels.</a:t>
             </a:r>
-            <a:endParaRPr sz="2300" dirty="0"/>
           </a:p>
         </p:txBody>
       </p:sp>
-      <p:pic>
-        <p:nvPicPr>
-          <p:cNvPr id="156" name="Google Shape;156;p22"/>
-          <p:cNvPicPr preferRelativeResize="0"/>
-          <p:nvPr/>
-        </p:nvPicPr>
-        <p:blipFill rotWithShape="1">
-          <a:blip r:embed="rId3">
-            <a:alphaModFix/>
-          </a:blip>
-          <a:srcRect l="1762" t="3807" r="79732" b="30070"/>
-          <a:stretch/>
-        </p:blipFill>
-        <p:spPr>
-          <a:xfrm>
-            <a:off x="8172450" y="4230907"/>
-            <a:ext cx="2915236" cy="2337533"/>
-          </a:xfrm>
-          <a:prstGeom prst="rect">
-            <a:avLst/>
-          </a:prstGeom>
-          <a:noFill/>
-          <a:ln>
-            <a:noFill/>
-          </a:ln>
-        </p:spPr>
-      </p:pic>
     </p:spTree>
   </p:cSld>
   <p:clrMapOvr>
     <a:masterClrMapping/>
   </p:clrMapOvr>
+  <p:timing>
+    <p:tnLst>
+      <p:par>
+        <p:cTn id="1" dur="indefinite" restart="never" nodeType="tmRoot">
+          <p:childTnLst>
+            <p:seq concurrent="1" nextAc="seek">
+              <p:cTn id="2" dur="indefinite" nodeType="mainSeq">
+                <p:childTnLst>
+                  <p:par>
+                    <p:cTn id="3" fill="hold">
+                      <p:stCondLst>
+                        <p:cond delay="indefinite"/>
+                      </p:stCondLst>
+                      <p:childTnLst>
+                        <p:par>
+                          <p:cTn id="4" fill="hold">
+                            <p:stCondLst>
+                              <p:cond delay="0"/>
+                            </p:stCondLst>
+                            <p:childTnLst>
+                              <p:par>
+                                <p:cTn id="5" presetID="42" presetClass="entr" presetSubtype="0" fill="hold" grpId="0" nodeType="clickEffect">
+                                  <p:stCondLst>
+                                    <p:cond delay="0"/>
+                                  </p:stCondLst>
+                                  <p:childTnLst>
+                                    <p:set>
+                                      <p:cBhvr>
+                                        <p:cTn id="6" dur="1" fill="hold">
+                                          <p:stCondLst>
+                                            <p:cond delay="0"/>
+                                          </p:stCondLst>
+                                        </p:cTn>
+                                        <p:tgtEl>
+                                          <p:spTgt spid="155">
+                                            <p:txEl>
+                                              <p:pRg st="0" end="0"/>
+                                            </p:txEl>
+                                          </p:spTgt>
+                                        </p:tgtEl>
+                                        <p:attrNameLst>
+                                          <p:attrName>style.visibility</p:attrName>
+                                        </p:attrNameLst>
+                                      </p:cBhvr>
+                                      <p:to>
+                                        <p:strVal val="visible"/>
+                                      </p:to>
+                                    </p:set>
+                                    <p:animEffect transition="in" filter="fade">
+                                      <p:cBhvr>
+                                        <p:cTn id="7" dur="1000"/>
+                                        <p:tgtEl>
+                                          <p:spTgt spid="155">
+                                            <p:txEl>
+                                              <p:pRg st="0" end="0"/>
+                                            </p:txEl>
+                                          </p:spTgt>
+                                        </p:tgtEl>
+                                      </p:cBhvr>
+                                    </p:animEffect>
+                                    <p:anim calcmode="lin" valueType="num">
+                                      <p:cBhvr>
+                                        <p:cTn id="8" dur="1000" fill="hold"/>
+                                        <p:tgtEl>
+                                          <p:spTgt spid="155">
+                                            <p:txEl>
+                                              <p:pRg st="0" end="0"/>
+                                            </p:txEl>
+                                          </p:spTgt>
+                                        </p:tgtEl>
+                                        <p:attrNameLst>
+                                          <p:attrName>ppt_x</p:attrName>
+                                        </p:attrNameLst>
+                                      </p:cBhvr>
+                                      <p:tavLst>
+                                        <p:tav tm="0">
+                                          <p:val>
+                                            <p:strVal val="#ppt_x"/>
+                                          </p:val>
+                                        </p:tav>
+                                        <p:tav tm="100000">
+                                          <p:val>
+                                            <p:strVal val="#ppt_x"/>
+                                          </p:val>
+                                        </p:tav>
+                                      </p:tavLst>
+                                    </p:anim>
+                                    <p:anim calcmode="lin" valueType="num">
+                                      <p:cBhvr>
+                                        <p:cTn id="9" dur="1000" fill="hold"/>
+                                        <p:tgtEl>
+                                          <p:spTgt spid="155">
+                                            <p:txEl>
+                                              <p:pRg st="0" end="0"/>
+                                            </p:txEl>
+                                          </p:spTgt>
+                                        </p:tgtEl>
+                                        <p:attrNameLst>
+                                          <p:attrName>ppt_y</p:attrName>
+                                        </p:attrNameLst>
+                                      </p:cBhvr>
+                                      <p:tavLst>
+                                        <p:tav tm="0">
+                                          <p:val>
+                                            <p:strVal val="#ppt_y+.1"/>
+                                          </p:val>
+                                        </p:tav>
+                                        <p:tav tm="100000">
+                                          <p:val>
+                                            <p:strVal val="#ppt_y"/>
+                                          </p:val>
+                                        </p:tav>
+                                      </p:tavLst>
+                                    </p:anim>
+                                  </p:childTnLst>
+                                </p:cTn>
+                              </p:par>
+                            </p:childTnLst>
+                          </p:cTn>
+                        </p:par>
+                      </p:childTnLst>
+                    </p:cTn>
+                  </p:par>
+                  <p:par>
+                    <p:cTn id="10" fill="hold">
+                      <p:stCondLst>
+                        <p:cond delay="indefinite"/>
+                      </p:stCondLst>
+                      <p:childTnLst>
+                        <p:par>
+                          <p:cTn id="11" fill="hold">
+                            <p:stCondLst>
+                              <p:cond delay="0"/>
+                            </p:stCondLst>
+                            <p:childTnLst>
+                              <p:par>
+                                <p:cTn id="12" presetID="42" presetClass="entr" presetSubtype="0" fill="hold" grpId="0" nodeType="clickEffect">
+                                  <p:stCondLst>
+                                    <p:cond delay="0"/>
+                                  </p:stCondLst>
+                                  <p:childTnLst>
+                                    <p:set>
+                                      <p:cBhvr>
+                                        <p:cTn id="13" dur="1" fill="hold">
+                                          <p:stCondLst>
+                                            <p:cond delay="0"/>
+                                          </p:stCondLst>
+                                        </p:cTn>
+                                        <p:tgtEl>
+                                          <p:spTgt spid="155">
+                                            <p:txEl>
+                                              <p:pRg st="1" end="1"/>
+                                            </p:txEl>
+                                          </p:spTgt>
+                                        </p:tgtEl>
+                                        <p:attrNameLst>
+                                          <p:attrName>style.visibility</p:attrName>
+                                        </p:attrNameLst>
+                                      </p:cBhvr>
+                                      <p:to>
+                                        <p:strVal val="visible"/>
+                                      </p:to>
+                                    </p:set>
+                                    <p:animEffect transition="in" filter="fade">
+                                      <p:cBhvr>
+                                        <p:cTn id="14" dur="1000"/>
+                                        <p:tgtEl>
+                                          <p:spTgt spid="155">
+                                            <p:txEl>
+                                              <p:pRg st="1" end="1"/>
+                                            </p:txEl>
+                                          </p:spTgt>
+                                        </p:tgtEl>
+                                      </p:cBhvr>
+                                    </p:animEffect>
+                                    <p:anim calcmode="lin" valueType="num">
+                                      <p:cBhvr>
+                                        <p:cTn id="15" dur="1000" fill="hold"/>
+                                        <p:tgtEl>
+                                          <p:spTgt spid="155">
+                                            <p:txEl>
+                                              <p:pRg st="1" end="1"/>
+                                            </p:txEl>
+                                          </p:spTgt>
+                                        </p:tgtEl>
+                                        <p:attrNameLst>
+                                          <p:attrName>ppt_x</p:attrName>
+                                        </p:attrNameLst>
+                                      </p:cBhvr>
+                                      <p:tavLst>
+                                        <p:tav tm="0">
+                                          <p:val>
+                                            <p:strVal val="#ppt_x"/>
+                                          </p:val>
+                                        </p:tav>
+                                        <p:tav tm="100000">
+                                          <p:val>
+                                            <p:strVal val="#ppt_x"/>
+                                          </p:val>
+                                        </p:tav>
+                                      </p:tavLst>
+                                    </p:anim>
+                                    <p:anim calcmode="lin" valueType="num">
+                                      <p:cBhvr>
+                                        <p:cTn id="16" dur="1000" fill="hold"/>
+                                        <p:tgtEl>
+                                          <p:spTgt spid="155">
+                                            <p:txEl>
+                                              <p:pRg st="1" end="1"/>
+                                            </p:txEl>
+                                          </p:spTgt>
+                                        </p:tgtEl>
+                                        <p:attrNameLst>
+                                          <p:attrName>ppt_y</p:attrName>
+                                        </p:attrNameLst>
+                                      </p:cBhvr>
+                                      <p:tavLst>
+                                        <p:tav tm="0">
+                                          <p:val>
+                                            <p:strVal val="#ppt_y+.1"/>
+                                          </p:val>
+                                        </p:tav>
+                                        <p:tav tm="100000">
+                                          <p:val>
+                                            <p:strVal val="#ppt_y"/>
+                                          </p:val>
+                                        </p:tav>
+                                      </p:tavLst>
+                                    </p:anim>
+                                  </p:childTnLst>
+                                </p:cTn>
+                              </p:par>
+                            </p:childTnLst>
+                          </p:cTn>
+                        </p:par>
+                      </p:childTnLst>
+                    </p:cTn>
+                  </p:par>
+                  <p:par>
+                    <p:cTn id="17" fill="hold">
+                      <p:stCondLst>
+                        <p:cond delay="indefinite"/>
+                      </p:stCondLst>
+                      <p:childTnLst>
+                        <p:par>
+                          <p:cTn id="18" fill="hold">
+                            <p:stCondLst>
+                              <p:cond delay="0"/>
+                            </p:stCondLst>
+                            <p:childTnLst>
+                              <p:par>
+                                <p:cTn id="19" presetID="42" presetClass="entr" presetSubtype="0" fill="hold" grpId="0" nodeType="clickEffect">
+                                  <p:stCondLst>
+                                    <p:cond delay="0"/>
+                                  </p:stCondLst>
+                                  <p:childTnLst>
+                                    <p:set>
+                                      <p:cBhvr>
+                                        <p:cTn id="20" dur="1" fill="hold">
+                                          <p:stCondLst>
+                                            <p:cond delay="0"/>
+                                          </p:stCondLst>
+                                        </p:cTn>
+                                        <p:tgtEl>
+                                          <p:spTgt spid="155">
+                                            <p:txEl>
+                                              <p:pRg st="2" end="2"/>
+                                            </p:txEl>
+                                          </p:spTgt>
+                                        </p:tgtEl>
+                                        <p:attrNameLst>
+                                          <p:attrName>style.visibility</p:attrName>
+                                        </p:attrNameLst>
+                                      </p:cBhvr>
+                                      <p:to>
+                                        <p:strVal val="visible"/>
+                                      </p:to>
+                                    </p:set>
+                                    <p:animEffect transition="in" filter="fade">
+                                      <p:cBhvr>
+                                        <p:cTn id="21" dur="1000"/>
+                                        <p:tgtEl>
+                                          <p:spTgt spid="155">
+                                            <p:txEl>
+                                              <p:pRg st="2" end="2"/>
+                                            </p:txEl>
+                                          </p:spTgt>
+                                        </p:tgtEl>
+                                      </p:cBhvr>
+                                    </p:animEffect>
+                                    <p:anim calcmode="lin" valueType="num">
+                                      <p:cBhvr>
+                                        <p:cTn id="22" dur="1000" fill="hold"/>
+                                        <p:tgtEl>
+                                          <p:spTgt spid="155">
+                                            <p:txEl>
+                                              <p:pRg st="2" end="2"/>
+                                            </p:txEl>
+                                          </p:spTgt>
+                                        </p:tgtEl>
+                                        <p:attrNameLst>
+                                          <p:attrName>ppt_x</p:attrName>
+                                        </p:attrNameLst>
+                                      </p:cBhvr>
+                                      <p:tavLst>
+                                        <p:tav tm="0">
+                                          <p:val>
+                                            <p:strVal val="#ppt_x"/>
+                                          </p:val>
+                                        </p:tav>
+                                        <p:tav tm="100000">
+                                          <p:val>
+                                            <p:strVal val="#ppt_x"/>
+                                          </p:val>
+                                        </p:tav>
+                                      </p:tavLst>
+                                    </p:anim>
+                                    <p:anim calcmode="lin" valueType="num">
+                                      <p:cBhvr>
+                                        <p:cTn id="23" dur="1000" fill="hold"/>
+                                        <p:tgtEl>
+                                          <p:spTgt spid="155">
+                                            <p:txEl>
+                                              <p:pRg st="2" end="2"/>
+                                            </p:txEl>
+                                          </p:spTgt>
+                                        </p:tgtEl>
+                                        <p:attrNameLst>
+                                          <p:attrName>ppt_y</p:attrName>
+                                        </p:attrNameLst>
+                                      </p:cBhvr>
+                                      <p:tavLst>
+                                        <p:tav tm="0">
+                                          <p:val>
+                                            <p:strVal val="#ppt_y+.1"/>
+                                          </p:val>
+                                        </p:tav>
+                                        <p:tav tm="100000">
+                                          <p:val>
+                                            <p:strVal val="#ppt_y"/>
+                                          </p:val>
+                                        </p:tav>
+                                      </p:tavLst>
+                                    </p:anim>
+                                  </p:childTnLst>
+                                </p:cTn>
+                              </p:par>
+                            </p:childTnLst>
+                          </p:cTn>
+                        </p:par>
+                      </p:childTnLst>
+                    </p:cTn>
+                  </p:par>
+                  <p:par>
+                    <p:cTn id="24" fill="hold">
+                      <p:stCondLst>
+                        <p:cond delay="indefinite"/>
+                      </p:stCondLst>
+                      <p:childTnLst>
+                        <p:par>
+                          <p:cTn id="25" fill="hold">
+                            <p:stCondLst>
+                              <p:cond delay="0"/>
+                            </p:stCondLst>
+                            <p:childTnLst>
+                              <p:par>
+                                <p:cTn id="26" presetID="42" presetClass="entr" presetSubtype="0" fill="hold" grpId="0" nodeType="clickEffect">
+                                  <p:stCondLst>
+                                    <p:cond delay="0"/>
+                                  </p:stCondLst>
+                                  <p:childTnLst>
+                                    <p:set>
+                                      <p:cBhvr>
+                                        <p:cTn id="27" dur="1" fill="hold">
+                                          <p:stCondLst>
+                                            <p:cond delay="0"/>
+                                          </p:stCondLst>
+                                        </p:cTn>
+                                        <p:tgtEl>
+                                          <p:spTgt spid="155">
+                                            <p:txEl>
+                                              <p:pRg st="3" end="3"/>
+                                            </p:txEl>
+                                          </p:spTgt>
+                                        </p:tgtEl>
+                                        <p:attrNameLst>
+                                          <p:attrName>style.visibility</p:attrName>
+                                        </p:attrNameLst>
+                                      </p:cBhvr>
+                                      <p:to>
+                                        <p:strVal val="visible"/>
+                                      </p:to>
+                                    </p:set>
+                                    <p:animEffect transition="in" filter="fade">
+                                      <p:cBhvr>
+                                        <p:cTn id="28" dur="1000"/>
+                                        <p:tgtEl>
+                                          <p:spTgt spid="155">
+                                            <p:txEl>
+                                              <p:pRg st="3" end="3"/>
+                                            </p:txEl>
+                                          </p:spTgt>
+                                        </p:tgtEl>
+                                      </p:cBhvr>
+                                    </p:animEffect>
+                                    <p:anim calcmode="lin" valueType="num">
+                                      <p:cBhvr>
+                                        <p:cTn id="29" dur="1000" fill="hold"/>
+                                        <p:tgtEl>
+                                          <p:spTgt spid="155">
+                                            <p:txEl>
+                                              <p:pRg st="3" end="3"/>
+                                            </p:txEl>
+                                          </p:spTgt>
+                                        </p:tgtEl>
+                                        <p:attrNameLst>
+                                          <p:attrName>ppt_x</p:attrName>
+                                        </p:attrNameLst>
+                                      </p:cBhvr>
+                                      <p:tavLst>
+                                        <p:tav tm="0">
+                                          <p:val>
+                                            <p:strVal val="#ppt_x"/>
+                                          </p:val>
+                                        </p:tav>
+                                        <p:tav tm="100000">
+                                          <p:val>
+                                            <p:strVal val="#ppt_x"/>
+                                          </p:val>
+                                        </p:tav>
+                                      </p:tavLst>
+                                    </p:anim>
+                                    <p:anim calcmode="lin" valueType="num">
+                                      <p:cBhvr>
+                                        <p:cTn id="30" dur="1000" fill="hold"/>
+                                        <p:tgtEl>
+                                          <p:spTgt spid="155">
+                                            <p:txEl>
+                                              <p:pRg st="3" end="3"/>
+                                            </p:txEl>
+                                          </p:spTgt>
+                                        </p:tgtEl>
+                                        <p:attrNameLst>
+                                          <p:attrName>ppt_y</p:attrName>
+                                        </p:attrNameLst>
+                                      </p:cBhvr>
+                                      <p:tavLst>
+                                        <p:tav tm="0">
+                                          <p:val>
+                                            <p:strVal val="#ppt_y+.1"/>
+                                          </p:val>
+                                        </p:tav>
+                                        <p:tav tm="100000">
+                                          <p:val>
+                                            <p:strVal val="#ppt_y"/>
+                                          </p:val>
+                                        </p:tav>
+                                      </p:tavLst>
+                                    </p:anim>
+                                  </p:childTnLst>
+                                </p:cTn>
+                              </p:par>
+                            </p:childTnLst>
+                          </p:cTn>
+                        </p:par>
+                      </p:childTnLst>
+                    </p:cTn>
+                  </p:par>
+                  <p:par>
+                    <p:cTn id="31" fill="hold">
+                      <p:stCondLst>
+                        <p:cond delay="indefinite"/>
+                      </p:stCondLst>
+                      <p:childTnLst>
+                        <p:par>
+                          <p:cTn id="32" fill="hold">
+                            <p:stCondLst>
+                              <p:cond delay="0"/>
+                            </p:stCondLst>
+                            <p:childTnLst>
+                              <p:par>
+                                <p:cTn id="33" presetID="42" presetClass="entr" presetSubtype="0" fill="hold" grpId="0" nodeType="clickEffect">
+                                  <p:stCondLst>
+                                    <p:cond delay="0"/>
+                                  </p:stCondLst>
+                                  <p:childTnLst>
+                                    <p:set>
+                                      <p:cBhvr>
+                                        <p:cTn id="34" dur="1" fill="hold">
+                                          <p:stCondLst>
+                                            <p:cond delay="0"/>
+                                          </p:stCondLst>
+                                        </p:cTn>
+                                        <p:tgtEl>
+                                          <p:spTgt spid="155">
+                                            <p:txEl>
+                                              <p:pRg st="4" end="4"/>
+                                            </p:txEl>
+                                          </p:spTgt>
+                                        </p:tgtEl>
+                                        <p:attrNameLst>
+                                          <p:attrName>style.visibility</p:attrName>
+                                        </p:attrNameLst>
+                                      </p:cBhvr>
+                                      <p:to>
+                                        <p:strVal val="visible"/>
+                                      </p:to>
+                                    </p:set>
+                                    <p:animEffect transition="in" filter="fade">
+                                      <p:cBhvr>
+                                        <p:cTn id="35" dur="1000"/>
+                                        <p:tgtEl>
+                                          <p:spTgt spid="155">
+                                            <p:txEl>
+                                              <p:pRg st="4" end="4"/>
+                                            </p:txEl>
+                                          </p:spTgt>
+                                        </p:tgtEl>
+                                      </p:cBhvr>
+                                    </p:animEffect>
+                                    <p:anim calcmode="lin" valueType="num">
+                                      <p:cBhvr>
+                                        <p:cTn id="36" dur="1000" fill="hold"/>
+                                        <p:tgtEl>
+                                          <p:spTgt spid="155">
+                                            <p:txEl>
+                                              <p:pRg st="4" end="4"/>
+                                            </p:txEl>
+                                          </p:spTgt>
+                                        </p:tgtEl>
+                                        <p:attrNameLst>
+                                          <p:attrName>ppt_x</p:attrName>
+                                        </p:attrNameLst>
+                                      </p:cBhvr>
+                                      <p:tavLst>
+                                        <p:tav tm="0">
+                                          <p:val>
+                                            <p:strVal val="#ppt_x"/>
+                                          </p:val>
+                                        </p:tav>
+                                        <p:tav tm="100000">
+                                          <p:val>
+                                            <p:strVal val="#ppt_x"/>
+                                          </p:val>
+                                        </p:tav>
+                                      </p:tavLst>
+                                    </p:anim>
+                                    <p:anim calcmode="lin" valueType="num">
+                                      <p:cBhvr>
+                                        <p:cTn id="37" dur="1000" fill="hold"/>
+                                        <p:tgtEl>
+                                          <p:spTgt spid="155">
+                                            <p:txEl>
+                                              <p:pRg st="4" end="4"/>
+                                            </p:txEl>
+                                          </p:spTgt>
+                                        </p:tgtEl>
+                                        <p:attrNameLst>
+                                          <p:attrName>ppt_y</p:attrName>
+                                        </p:attrNameLst>
+                                      </p:cBhvr>
+                                      <p:tavLst>
+                                        <p:tav tm="0">
+                                          <p:val>
+                                            <p:strVal val="#ppt_y+.1"/>
+                                          </p:val>
+                                        </p:tav>
+                                        <p:tav tm="100000">
+                                          <p:val>
+                                            <p:strVal val="#ppt_y"/>
+                                          </p:val>
+                                        </p:tav>
+                                      </p:tavLst>
+                                    </p:anim>
+                                  </p:childTnLst>
+                                </p:cTn>
+                              </p:par>
+                            </p:childTnLst>
+                          </p:cTn>
+                        </p:par>
+                      </p:childTnLst>
+                    </p:cTn>
+                  </p:par>
+                </p:childTnLst>
+              </p:cTn>
+              <p:prevCondLst>
+                <p:cond evt="onPrev" delay="0">
+                  <p:tgtEl>
+                    <p:sldTgt/>
+                  </p:tgtEl>
+                </p:cond>
+              </p:prevCondLst>
+              <p:nextCondLst>
+                <p:cond evt="onNext" delay="0">
+                  <p:tgtEl>
+                    <p:sldTgt/>
+                  </p:tgtEl>
+                </p:cond>
+              </p:nextCondLst>
+            </p:seq>
+          </p:childTnLst>
+        </p:cTn>
+      </p:par>
+    </p:tnLst>
+    <p:bldLst>
+      <p:bldP spid="155" grpId="0" build="p"/>
+    </p:bldLst>
+  </p:timing>
 </p:sld>
 </file>
 
@@ -18384,6 +23579,384 @@
   <p:clrMapOvr>
     <a:masterClrMapping/>
   </p:clrMapOvr>
+  <p:timing>
+    <p:tnLst>
+      <p:par>
+        <p:cTn id="1" dur="indefinite" restart="never" nodeType="tmRoot">
+          <p:childTnLst>
+            <p:seq concurrent="1" nextAc="seek">
+              <p:cTn id="2" dur="indefinite" nodeType="mainSeq">
+                <p:childTnLst>
+                  <p:par>
+                    <p:cTn id="3" fill="hold">
+                      <p:stCondLst>
+                        <p:cond delay="indefinite"/>
+                      </p:stCondLst>
+                      <p:childTnLst>
+                        <p:par>
+                          <p:cTn id="4" fill="hold">
+                            <p:stCondLst>
+                              <p:cond delay="0"/>
+                            </p:stCondLst>
+                            <p:childTnLst>
+                              <p:par>
+                                <p:cTn id="5" presetID="42" presetClass="entr" presetSubtype="0" fill="hold" grpId="0" nodeType="clickEffect">
+                                  <p:stCondLst>
+                                    <p:cond delay="0"/>
+                                  </p:stCondLst>
+                                  <p:childTnLst>
+                                    <p:set>
+                                      <p:cBhvr>
+                                        <p:cTn id="6" dur="1" fill="hold">
+                                          <p:stCondLst>
+                                            <p:cond delay="0"/>
+                                          </p:stCondLst>
+                                        </p:cTn>
+                                        <p:tgtEl>
+                                          <p:spTgt spid="125">
+                                            <p:txEl>
+                                              <p:pRg st="0" end="0"/>
+                                            </p:txEl>
+                                          </p:spTgt>
+                                        </p:tgtEl>
+                                        <p:attrNameLst>
+                                          <p:attrName>style.visibility</p:attrName>
+                                        </p:attrNameLst>
+                                      </p:cBhvr>
+                                      <p:to>
+                                        <p:strVal val="visible"/>
+                                      </p:to>
+                                    </p:set>
+                                    <p:animEffect transition="in" filter="fade">
+                                      <p:cBhvr>
+                                        <p:cTn id="7" dur="1000"/>
+                                        <p:tgtEl>
+                                          <p:spTgt spid="125">
+                                            <p:txEl>
+                                              <p:pRg st="0" end="0"/>
+                                            </p:txEl>
+                                          </p:spTgt>
+                                        </p:tgtEl>
+                                      </p:cBhvr>
+                                    </p:animEffect>
+                                    <p:anim calcmode="lin" valueType="num">
+                                      <p:cBhvr>
+                                        <p:cTn id="8" dur="1000" fill="hold"/>
+                                        <p:tgtEl>
+                                          <p:spTgt spid="125">
+                                            <p:txEl>
+                                              <p:pRg st="0" end="0"/>
+                                            </p:txEl>
+                                          </p:spTgt>
+                                        </p:tgtEl>
+                                        <p:attrNameLst>
+                                          <p:attrName>ppt_x</p:attrName>
+                                        </p:attrNameLst>
+                                      </p:cBhvr>
+                                      <p:tavLst>
+                                        <p:tav tm="0">
+                                          <p:val>
+                                            <p:strVal val="#ppt_x"/>
+                                          </p:val>
+                                        </p:tav>
+                                        <p:tav tm="100000">
+                                          <p:val>
+                                            <p:strVal val="#ppt_x"/>
+                                          </p:val>
+                                        </p:tav>
+                                      </p:tavLst>
+                                    </p:anim>
+                                    <p:anim calcmode="lin" valueType="num">
+                                      <p:cBhvr>
+                                        <p:cTn id="9" dur="1000" fill="hold"/>
+                                        <p:tgtEl>
+                                          <p:spTgt spid="125">
+                                            <p:txEl>
+                                              <p:pRg st="0" end="0"/>
+                                            </p:txEl>
+                                          </p:spTgt>
+                                        </p:tgtEl>
+                                        <p:attrNameLst>
+                                          <p:attrName>ppt_y</p:attrName>
+                                        </p:attrNameLst>
+                                      </p:cBhvr>
+                                      <p:tavLst>
+                                        <p:tav tm="0">
+                                          <p:val>
+                                            <p:strVal val="#ppt_y+.1"/>
+                                          </p:val>
+                                        </p:tav>
+                                        <p:tav tm="100000">
+                                          <p:val>
+                                            <p:strVal val="#ppt_y"/>
+                                          </p:val>
+                                        </p:tav>
+                                      </p:tavLst>
+                                    </p:anim>
+                                  </p:childTnLst>
+                                </p:cTn>
+                              </p:par>
+                            </p:childTnLst>
+                          </p:cTn>
+                        </p:par>
+                      </p:childTnLst>
+                    </p:cTn>
+                  </p:par>
+                  <p:par>
+                    <p:cTn id="10" fill="hold">
+                      <p:stCondLst>
+                        <p:cond delay="indefinite"/>
+                      </p:stCondLst>
+                      <p:childTnLst>
+                        <p:par>
+                          <p:cTn id="11" fill="hold">
+                            <p:stCondLst>
+                              <p:cond delay="0"/>
+                            </p:stCondLst>
+                            <p:childTnLst>
+                              <p:par>
+                                <p:cTn id="12" presetID="42" presetClass="entr" presetSubtype="0" fill="hold" grpId="0" nodeType="clickEffect">
+                                  <p:stCondLst>
+                                    <p:cond delay="0"/>
+                                  </p:stCondLst>
+                                  <p:childTnLst>
+                                    <p:set>
+                                      <p:cBhvr>
+                                        <p:cTn id="13" dur="1" fill="hold">
+                                          <p:stCondLst>
+                                            <p:cond delay="0"/>
+                                          </p:stCondLst>
+                                        </p:cTn>
+                                        <p:tgtEl>
+                                          <p:spTgt spid="125">
+                                            <p:txEl>
+                                              <p:pRg st="1" end="1"/>
+                                            </p:txEl>
+                                          </p:spTgt>
+                                        </p:tgtEl>
+                                        <p:attrNameLst>
+                                          <p:attrName>style.visibility</p:attrName>
+                                        </p:attrNameLst>
+                                      </p:cBhvr>
+                                      <p:to>
+                                        <p:strVal val="visible"/>
+                                      </p:to>
+                                    </p:set>
+                                    <p:animEffect transition="in" filter="fade">
+                                      <p:cBhvr>
+                                        <p:cTn id="14" dur="1000"/>
+                                        <p:tgtEl>
+                                          <p:spTgt spid="125">
+                                            <p:txEl>
+                                              <p:pRg st="1" end="1"/>
+                                            </p:txEl>
+                                          </p:spTgt>
+                                        </p:tgtEl>
+                                      </p:cBhvr>
+                                    </p:animEffect>
+                                    <p:anim calcmode="lin" valueType="num">
+                                      <p:cBhvr>
+                                        <p:cTn id="15" dur="1000" fill="hold"/>
+                                        <p:tgtEl>
+                                          <p:spTgt spid="125">
+                                            <p:txEl>
+                                              <p:pRg st="1" end="1"/>
+                                            </p:txEl>
+                                          </p:spTgt>
+                                        </p:tgtEl>
+                                        <p:attrNameLst>
+                                          <p:attrName>ppt_x</p:attrName>
+                                        </p:attrNameLst>
+                                      </p:cBhvr>
+                                      <p:tavLst>
+                                        <p:tav tm="0">
+                                          <p:val>
+                                            <p:strVal val="#ppt_x"/>
+                                          </p:val>
+                                        </p:tav>
+                                        <p:tav tm="100000">
+                                          <p:val>
+                                            <p:strVal val="#ppt_x"/>
+                                          </p:val>
+                                        </p:tav>
+                                      </p:tavLst>
+                                    </p:anim>
+                                    <p:anim calcmode="lin" valueType="num">
+                                      <p:cBhvr>
+                                        <p:cTn id="16" dur="1000" fill="hold"/>
+                                        <p:tgtEl>
+                                          <p:spTgt spid="125">
+                                            <p:txEl>
+                                              <p:pRg st="1" end="1"/>
+                                            </p:txEl>
+                                          </p:spTgt>
+                                        </p:tgtEl>
+                                        <p:attrNameLst>
+                                          <p:attrName>ppt_y</p:attrName>
+                                        </p:attrNameLst>
+                                      </p:cBhvr>
+                                      <p:tavLst>
+                                        <p:tav tm="0">
+                                          <p:val>
+                                            <p:strVal val="#ppt_y+.1"/>
+                                          </p:val>
+                                        </p:tav>
+                                        <p:tav tm="100000">
+                                          <p:val>
+                                            <p:strVal val="#ppt_y"/>
+                                          </p:val>
+                                        </p:tav>
+                                      </p:tavLst>
+                                    </p:anim>
+                                  </p:childTnLst>
+                                </p:cTn>
+                              </p:par>
+                            </p:childTnLst>
+                          </p:cTn>
+                        </p:par>
+                      </p:childTnLst>
+                    </p:cTn>
+                  </p:par>
+                  <p:par>
+                    <p:cTn id="17" fill="hold">
+                      <p:stCondLst>
+                        <p:cond delay="indefinite"/>
+                      </p:stCondLst>
+                      <p:childTnLst>
+                        <p:par>
+                          <p:cTn id="18" fill="hold">
+                            <p:stCondLst>
+                              <p:cond delay="0"/>
+                            </p:stCondLst>
+                            <p:childTnLst>
+                              <p:par>
+                                <p:cTn id="19" presetID="42" presetClass="entr" presetSubtype="0" fill="hold" grpId="0" nodeType="clickEffect">
+                                  <p:stCondLst>
+                                    <p:cond delay="0"/>
+                                  </p:stCondLst>
+                                  <p:childTnLst>
+                                    <p:set>
+                                      <p:cBhvr>
+                                        <p:cTn id="20" dur="1" fill="hold">
+                                          <p:stCondLst>
+                                            <p:cond delay="0"/>
+                                          </p:stCondLst>
+                                        </p:cTn>
+                                        <p:tgtEl>
+                                          <p:spTgt spid="125">
+                                            <p:txEl>
+                                              <p:pRg st="2" end="2"/>
+                                            </p:txEl>
+                                          </p:spTgt>
+                                        </p:tgtEl>
+                                        <p:attrNameLst>
+                                          <p:attrName>style.visibility</p:attrName>
+                                        </p:attrNameLst>
+                                      </p:cBhvr>
+                                      <p:to>
+                                        <p:strVal val="visible"/>
+                                      </p:to>
+                                    </p:set>
+                                    <p:animEffect transition="in" filter="fade">
+                                      <p:cBhvr>
+                                        <p:cTn id="21" dur="1000"/>
+                                        <p:tgtEl>
+                                          <p:spTgt spid="125">
+                                            <p:txEl>
+                                              <p:pRg st="2" end="2"/>
+                                            </p:txEl>
+                                          </p:spTgt>
+                                        </p:tgtEl>
+                                      </p:cBhvr>
+                                    </p:animEffect>
+                                    <p:anim calcmode="lin" valueType="num">
+                                      <p:cBhvr>
+                                        <p:cTn id="22" dur="1000" fill="hold"/>
+                                        <p:tgtEl>
+                                          <p:spTgt spid="125">
+                                            <p:txEl>
+                                              <p:pRg st="2" end="2"/>
+                                            </p:txEl>
+                                          </p:spTgt>
+                                        </p:tgtEl>
+                                        <p:attrNameLst>
+                                          <p:attrName>ppt_x</p:attrName>
+                                        </p:attrNameLst>
+                                      </p:cBhvr>
+                                      <p:tavLst>
+                                        <p:tav tm="0">
+                                          <p:val>
+                                            <p:strVal val="#ppt_x"/>
+                                          </p:val>
+                                        </p:tav>
+                                        <p:tav tm="100000">
+                                          <p:val>
+                                            <p:strVal val="#ppt_x"/>
+                                          </p:val>
+                                        </p:tav>
+                                      </p:tavLst>
+                                    </p:anim>
+                                    <p:anim calcmode="lin" valueType="num">
+                                      <p:cBhvr>
+                                        <p:cTn id="23" dur="1000" fill="hold"/>
+                                        <p:tgtEl>
+                                          <p:spTgt spid="125">
+                                            <p:txEl>
+                                              <p:pRg st="2" end="2"/>
+                                            </p:txEl>
+                                          </p:spTgt>
+                                        </p:tgtEl>
+                                        <p:attrNameLst>
+                                          <p:attrName>ppt_y</p:attrName>
+                                        </p:attrNameLst>
+                                      </p:cBhvr>
+                                      <p:tavLst>
+                                        <p:tav tm="0">
+                                          <p:val>
+                                            <p:strVal val="#ppt_y+.1"/>
+                                          </p:val>
+                                        </p:tav>
+                                        <p:tav tm="100000">
+                                          <p:val>
+                                            <p:strVal val="#ppt_y"/>
+                                          </p:val>
+                                        </p:tav>
+                                      </p:tavLst>
+                                    </p:anim>
+                                  </p:childTnLst>
+                                </p:cTn>
+                              </p:par>
+                            </p:childTnLst>
+                          </p:cTn>
+                        </p:par>
+                      </p:childTnLst>
+                    </p:cTn>
+                  </p:par>
+                </p:childTnLst>
+              </p:cTn>
+              <p:prevCondLst>
+                <p:cond evt="onPrev" delay="0">
+                  <p:tgtEl>
+                    <p:sldTgt/>
+                  </p:tgtEl>
+                </p:cond>
+              </p:prevCondLst>
+              <p:nextCondLst>
+                <p:cond evt="onNext" delay="0">
+                  <p:tgtEl>
+                    <p:sldTgt/>
+                  </p:tgtEl>
+                </p:cond>
+              </p:nextCondLst>
+            </p:seq>
+          </p:childTnLst>
+        </p:cTn>
+      </p:par>
+    </p:tnLst>
+    <p:bldLst>
+      <p:bldP spid="125" grpId="0" build="p"/>
+    </p:bldLst>
+  </p:timing>
 </p:sld>
 </file>
 
@@ -18419,8 +23992,8 @@
         </p:blipFill>
         <p:spPr>
           <a:xfrm>
-            <a:off x="7216877" y="3340509"/>
-            <a:ext cx="2604261" cy="3264825"/>
+            <a:off x="8005547" y="1508760"/>
+            <a:ext cx="3927373" cy="5231048"/>
           </a:xfrm>
           <a:prstGeom prst="rect">
             <a:avLst/>
@@ -18508,7 +24081,14 @@
             </a:pPr>
             <a:r>
               <a:rPr lang="en-US" sz="2400" dirty="0"/>
-              <a:t>Early Childhood Growth:  Total volume brain grows too much early on but becomes normal-sized by the teen years.</a:t>
+              <a:t>Early Childhood Growth:  Total volume brain grows </a:t>
+            </a:r>
+            <a:br>
+              <a:rPr lang="en-US" sz="2400" dirty="0"/>
+            </a:br>
+            <a:r>
+              <a:rPr lang="en-US" sz="2400" dirty="0"/>
+              <a:t>too much early on but becomes normal-sized by the teen years.</a:t>
             </a:r>
             <a:endParaRPr sz="2400" dirty="0"/>
           </a:p>
@@ -18628,8 +24208,8 @@
         </p:blipFill>
         <p:spPr>
           <a:xfrm>
-            <a:off x="656081" y="4088447"/>
-            <a:ext cx="3770800" cy="2317000"/>
+            <a:off x="781810" y="3867825"/>
+            <a:ext cx="4235959" cy="2769553"/>
           </a:xfrm>
           <a:prstGeom prst="rect">
             <a:avLst/>
@@ -18645,6 +24225,384 @@
   <p:clrMapOvr>
     <a:masterClrMapping/>
   </p:clrMapOvr>
+  <p:timing>
+    <p:tnLst>
+      <p:par>
+        <p:cTn id="1" dur="indefinite" restart="never" nodeType="tmRoot">
+          <p:childTnLst>
+            <p:seq concurrent="1" nextAc="seek">
+              <p:cTn id="2" dur="indefinite" nodeType="mainSeq">
+                <p:childTnLst>
+                  <p:par>
+                    <p:cTn id="3" fill="hold">
+                      <p:stCondLst>
+                        <p:cond delay="indefinite"/>
+                      </p:stCondLst>
+                      <p:childTnLst>
+                        <p:par>
+                          <p:cTn id="4" fill="hold">
+                            <p:stCondLst>
+                              <p:cond delay="0"/>
+                            </p:stCondLst>
+                            <p:childTnLst>
+                              <p:par>
+                                <p:cTn id="5" presetID="42" presetClass="entr" presetSubtype="0" fill="hold" grpId="0" nodeType="clickEffect">
+                                  <p:stCondLst>
+                                    <p:cond delay="0"/>
+                                  </p:stCondLst>
+                                  <p:childTnLst>
+                                    <p:set>
+                                      <p:cBhvr>
+                                        <p:cTn id="6" dur="1" fill="hold">
+                                          <p:stCondLst>
+                                            <p:cond delay="0"/>
+                                          </p:stCondLst>
+                                        </p:cTn>
+                                        <p:tgtEl>
+                                          <p:spTgt spid="146">
+                                            <p:txEl>
+                                              <p:pRg st="1" end="1"/>
+                                            </p:txEl>
+                                          </p:spTgt>
+                                        </p:tgtEl>
+                                        <p:attrNameLst>
+                                          <p:attrName>style.visibility</p:attrName>
+                                        </p:attrNameLst>
+                                      </p:cBhvr>
+                                      <p:to>
+                                        <p:strVal val="visible"/>
+                                      </p:to>
+                                    </p:set>
+                                    <p:animEffect transition="in" filter="fade">
+                                      <p:cBhvr>
+                                        <p:cTn id="7" dur="1000"/>
+                                        <p:tgtEl>
+                                          <p:spTgt spid="146">
+                                            <p:txEl>
+                                              <p:pRg st="1" end="1"/>
+                                            </p:txEl>
+                                          </p:spTgt>
+                                        </p:tgtEl>
+                                      </p:cBhvr>
+                                    </p:animEffect>
+                                    <p:anim calcmode="lin" valueType="num">
+                                      <p:cBhvr>
+                                        <p:cTn id="8" dur="1000" fill="hold"/>
+                                        <p:tgtEl>
+                                          <p:spTgt spid="146">
+                                            <p:txEl>
+                                              <p:pRg st="1" end="1"/>
+                                            </p:txEl>
+                                          </p:spTgt>
+                                        </p:tgtEl>
+                                        <p:attrNameLst>
+                                          <p:attrName>ppt_x</p:attrName>
+                                        </p:attrNameLst>
+                                      </p:cBhvr>
+                                      <p:tavLst>
+                                        <p:tav tm="0">
+                                          <p:val>
+                                            <p:strVal val="#ppt_x"/>
+                                          </p:val>
+                                        </p:tav>
+                                        <p:tav tm="100000">
+                                          <p:val>
+                                            <p:strVal val="#ppt_x"/>
+                                          </p:val>
+                                        </p:tav>
+                                      </p:tavLst>
+                                    </p:anim>
+                                    <p:anim calcmode="lin" valueType="num">
+                                      <p:cBhvr>
+                                        <p:cTn id="9" dur="1000" fill="hold"/>
+                                        <p:tgtEl>
+                                          <p:spTgt spid="146">
+                                            <p:txEl>
+                                              <p:pRg st="1" end="1"/>
+                                            </p:txEl>
+                                          </p:spTgt>
+                                        </p:tgtEl>
+                                        <p:attrNameLst>
+                                          <p:attrName>ppt_y</p:attrName>
+                                        </p:attrNameLst>
+                                      </p:cBhvr>
+                                      <p:tavLst>
+                                        <p:tav tm="0">
+                                          <p:val>
+                                            <p:strVal val="#ppt_y+.1"/>
+                                          </p:val>
+                                        </p:tav>
+                                        <p:tav tm="100000">
+                                          <p:val>
+                                            <p:strVal val="#ppt_y"/>
+                                          </p:val>
+                                        </p:tav>
+                                      </p:tavLst>
+                                    </p:anim>
+                                  </p:childTnLst>
+                                </p:cTn>
+                              </p:par>
+                            </p:childTnLst>
+                          </p:cTn>
+                        </p:par>
+                      </p:childTnLst>
+                    </p:cTn>
+                  </p:par>
+                  <p:par>
+                    <p:cTn id="10" fill="hold">
+                      <p:stCondLst>
+                        <p:cond delay="indefinite"/>
+                      </p:stCondLst>
+                      <p:childTnLst>
+                        <p:par>
+                          <p:cTn id="11" fill="hold">
+                            <p:stCondLst>
+                              <p:cond delay="0"/>
+                            </p:stCondLst>
+                            <p:childTnLst>
+                              <p:par>
+                                <p:cTn id="12" presetID="42" presetClass="entr" presetSubtype="0" fill="hold" grpId="0" nodeType="clickEffect">
+                                  <p:stCondLst>
+                                    <p:cond delay="0"/>
+                                  </p:stCondLst>
+                                  <p:childTnLst>
+                                    <p:set>
+                                      <p:cBhvr>
+                                        <p:cTn id="13" dur="1" fill="hold">
+                                          <p:stCondLst>
+                                            <p:cond delay="0"/>
+                                          </p:stCondLst>
+                                        </p:cTn>
+                                        <p:tgtEl>
+                                          <p:spTgt spid="146">
+                                            <p:txEl>
+                                              <p:pRg st="2" end="2"/>
+                                            </p:txEl>
+                                          </p:spTgt>
+                                        </p:tgtEl>
+                                        <p:attrNameLst>
+                                          <p:attrName>style.visibility</p:attrName>
+                                        </p:attrNameLst>
+                                      </p:cBhvr>
+                                      <p:to>
+                                        <p:strVal val="visible"/>
+                                      </p:to>
+                                    </p:set>
+                                    <p:animEffect transition="in" filter="fade">
+                                      <p:cBhvr>
+                                        <p:cTn id="14" dur="1000"/>
+                                        <p:tgtEl>
+                                          <p:spTgt spid="146">
+                                            <p:txEl>
+                                              <p:pRg st="2" end="2"/>
+                                            </p:txEl>
+                                          </p:spTgt>
+                                        </p:tgtEl>
+                                      </p:cBhvr>
+                                    </p:animEffect>
+                                    <p:anim calcmode="lin" valueType="num">
+                                      <p:cBhvr>
+                                        <p:cTn id="15" dur="1000" fill="hold"/>
+                                        <p:tgtEl>
+                                          <p:spTgt spid="146">
+                                            <p:txEl>
+                                              <p:pRg st="2" end="2"/>
+                                            </p:txEl>
+                                          </p:spTgt>
+                                        </p:tgtEl>
+                                        <p:attrNameLst>
+                                          <p:attrName>ppt_x</p:attrName>
+                                        </p:attrNameLst>
+                                      </p:cBhvr>
+                                      <p:tavLst>
+                                        <p:tav tm="0">
+                                          <p:val>
+                                            <p:strVal val="#ppt_x"/>
+                                          </p:val>
+                                        </p:tav>
+                                        <p:tav tm="100000">
+                                          <p:val>
+                                            <p:strVal val="#ppt_x"/>
+                                          </p:val>
+                                        </p:tav>
+                                      </p:tavLst>
+                                    </p:anim>
+                                    <p:anim calcmode="lin" valueType="num">
+                                      <p:cBhvr>
+                                        <p:cTn id="16" dur="1000" fill="hold"/>
+                                        <p:tgtEl>
+                                          <p:spTgt spid="146">
+                                            <p:txEl>
+                                              <p:pRg st="2" end="2"/>
+                                            </p:txEl>
+                                          </p:spTgt>
+                                        </p:tgtEl>
+                                        <p:attrNameLst>
+                                          <p:attrName>ppt_y</p:attrName>
+                                        </p:attrNameLst>
+                                      </p:cBhvr>
+                                      <p:tavLst>
+                                        <p:tav tm="0">
+                                          <p:val>
+                                            <p:strVal val="#ppt_y+.1"/>
+                                          </p:val>
+                                        </p:tav>
+                                        <p:tav tm="100000">
+                                          <p:val>
+                                            <p:strVal val="#ppt_y"/>
+                                          </p:val>
+                                        </p:tav>
+                                      </p:tavLst>
+                                    </p:anim>
+                                  </p:childTnLst>
+                                </p:cTn>
+                              </p:par>
+                            </p:childTnLst>
+                          </p:cTn>
+                        </p:par>
+                      </p:childTnLst>
+                    </p:cTn>
+                  </p:par>
+                  <p:par>
+                    <p:cTn id="17" fill="hold">
+                      <p:stCondLst>
+                        <p:cond delay="indefinite"/>
+                      </p:stCondLst>
+                      <p:childTnLst>
+                        <p:par>
+                          <p:cTn id="18" fill="hold">
+                            <p:stCondLst>
+                              <p:cond delay="0"/>
+                            </p:stCondLst>
+                            <p:childTnLst>
+                              <p:par>
+                                <p:cTn id="19" presetID="42" presetClass="entr" presetSubtype="0" fill="hold" grpId="0" nodeType="clickEffect">
+                                  <p:stCondLst>
+                                    <p:cond delay="0"/>
+                                  </p:stCondLst>
+                                  <p:childTnLst>
+                                    <p:set>
+                                      <p:cBhvr>
+                                        <p:cTn id="20" dur="1" fill="hold">
+                                          <p:stCondLst>
+                                            <p:cond delay="0"/>
+                                          </p:stCondLst>
+                                        </p:cTn>
+                                        <p:tgtEl>
+                                          <p:spTgt spid="146">
+                                            <p:txEl>
+                                              <p:pRg st="3" end="3"/>
+                                            </p:txEl>
+                                          </p:spTgt>
+                                        </p:tgtEl>
+                                        <p:attrNameLst>
+                                          <p:attrName>style.visibility</p:attrName>
+                                        </p:attrNameLst>
+                                      </p:cBhvr>
+                                      <p:to>
+                                        <p:strVal val="visible"/>
+                                      </p:to>
+                                    </p:set>
+                                    <p:animEffect transition="in" filter="fade">
+                                      <p:cBhvr>
+                                        <p:cTn id="21" dur="1000"/>
+                                        <p:tgtEl>
+                                          <p:spTgt spid="146">
+                                            <p:txEl>
+                                              <p:pRg st="3" end="3"/>
+                                            </p:txEl>
+                                          </p:spTgt>
+                                        </p:tgtEl>
+                                      </p:cBhvr>
+                                    </p:animEffect>
+                                    <p:anim calcmode="lin" valueType="num">
+                                      <p:cBhvr>
+                                        <p:cTn id="22" dur="1000" fill="hold"/>
+                                        <p:tgtEl>
+                                          <p:spTgt spid="146">
+                                            <p:txEl>
+                                              <p:pRg st="3" end="3"/>
+                                            </p:txEl>
+                                          </p:spTgt>
+                                        </p:tgtEl>
+                                        <p:attrNameLst>
+                                          <p:attrName>ppt_x</p:attrName>
+                                        </p:attrNameLst>
+                                      </p:cBhvr>
+                                      <p:tavLst>
+                                        <p:tav tm="0">
+                                          <p:val>
+                                            <p:strVal val="#ppt_x"/>
+                                          </p:val>
+                                        </p:tav>
+                                        <p:tav tm="100000">
+                                          <p:val>
+                                            <p:strVal val="#ppt_x"/>
+                                          </p:val>
+                                        </p:tav>
+                                      </p:tavLst>
+                                    </p:anim>
+                                    <p:anim calcmode="lin" valueType="num">
+                                      <p:cBhvr>
+                                        <p:cTn id="23" dur="1000" fill="hold"/>
+                                        <p:tgtEl>
+                                          <p:spTgt spid="146">
+                                            <p:txEl>
+                                              <p:pRg st="3" end="3"/>
+                                            </p:txEl>
+                                          </p:spTgt>
+                                        </p:tgtEl>
+                                        <p:attrNameLst>
+                                          <p:attrName>ppt_y</p:attrName>
+                                        </p:attrNameLst>
+                                      </p:cBhvr>
+                                      <p:tavLst>
+                                        <p:tav tm="0">
+                                          <p:val>
+                                            <p:strVal val="#ppt_y+.1"/>
+                                          </p:val>
+                                        </p:tav>
+                                        <p:tav tm="100000">
+                                          <p:val>
+                                            <p:strVal val="#ppt_y"/>
+                                          </p:val>
+                                        </p:tav>
+                                      </p:tavLst>
+                                    </p:anim>
+                                  </p:childTnLst>
+                                </p:cTn>
+                              </p:par>
+                            </p:childTnLst>
+                          </p:cTn>
+                        </p:par>
+                      </p:childTnLst>
+                    </p:cTn>
+                  </p:par>
+                </p:childTnLst>
+              </p:cTn>
+              <p:prevCondLst>
+                <p:cond evt="onPrev" delay="0">
+                  <p:tgtEl>
+                    <p:sldTgt/>
+                  </p:tgtEl>
+                </p:cond>
+              </p:prevCondLst>
+              <p:nextCondLst>
+                <p:cond evt="onNext" delay="0">
+                  <p:tgtEl>
+                    <p:sldTgt/>
+                  </p:tgtEl>
+                </p:cond>
+              </p:nextCondLst>
+            </p:seq>
+          </p:childTnLst>
+        </p:cTn>
+      </p:par>
+    </p:tnLst>
+    <p:bldLst>
+      <p:bldP spid="146" grpId="0" build="p"/>
+    </p:bldLst>
+  </p:timing>
 </p:sld>
 </file>
 
@@ -18878,6 +24836,384 @@
   <p:clrMapOvr>
     <a:masterClrMapping/>
   </p:clrMapOvr>
+  <p:timing>
+    <p:tnLst>
+      <p:par>
+        <p:cTn id="1" dur="indefinite" restart="never" nodeType="tmRoot">
+          <p:childTnLst>
+            <p:seq concurrent="1" nextAc="seek">
+              <p:cTn id="2" dur="indefinite" nodeType="mainSeq">
+                <p:childTnLst>
+                  <p:par>
+                    <p:cTn id="3" fill="hold">
+                      <p:stCondLst>
+                        <p:cond delay="indefinite"/>
+                      </p:stCondLst>
+                      <p:childTnLst>
+                        <p:par>
+                          <p:cTn id="4" fill="hold">
+                            <p:stCondLst>
+                              <p:cond delay="0"/>
+                            </p:stCondLst>
+                            <p:childTnLst>
+                              <p:par>
+                                <p:cTn id="5" presetID="42" presetClass="entr" presetSubtype="0" fill="hold" grpId="0" nodeType="clickEffect">
+                                  <p:stCondLst>
+                                    <p:cond delay="0"/>
+                                  </p:stCondLst>
+                                  <p:childTnLst>
+                                    <p:set>
+                                      <p:cBhvr>
+                                        <p:cTn id="6" dur="1" fill="hold">
+                                          <p:stCondLst>
+                                            <p:cond delay="0"/>
+                                          </p:stCondLst>
+                                        </p:cTn>
+                                        <p:tgtEl>
+                                          <p:spTgt spid="162">
+                                            <p:txEl>
+                                              <p:pRg st="0" end="0"/>
+                                            </p:txEl>
+                                          </p:spTgt>
+                                        </p:tgtEl>
+                                        <p:attrNameLst>
+                                          <p:attrName>style.visibility</p:attrName>
+                                        </p:attrNameLst>
+                                      </p:cBhvr>
+                                      <p:to>
+                                        <p:strVal val="visible"/>
+                                      </p:to>
+                                    </p:set>
+                                    <p:animEffect transition="in" filter="fade">
+                                      <p:cBhvr>
+                                        <p:cTn id="7" dur="1000"/>
+                                        <p:tgtEl>
+                                          <p:spTgt spid="162">
+                                            <p:txEl>
+                                              <p:pRg st="0" end="0"/>
+                                            </p:txEl>
+                                          </p:spTgt>
+                                        </p:tgtEl>
+                                      </p:cBhvr>
+                                    </p:animEffect>
+                                    <p:anim calcmode="lin" valueType="num">
+                                      <p:cBhvr>
+                                        <p:cTn id="8" dur="1000" fill="hold"/>
+                                        <p:tgtEl>
+                                          <p:spTgt spid="162">
+                                            <p:txEl>
+                                              <p:pRg st="0" end="0"/>
+                                            </p:txEl>
+                                          </p:spTgt>
+                                        </p:tgtEl>
+                                        <p:attrNameLst>
+                                          <p:attrName>ppt_x</p:attrName>
+                                        </p:attrNameLst>
+                                      </p:cBhvr>
+                                      <p:tavLst>
+                                        <p:tav tm="0">
+                                          <p:val>
+                                            <p:strVal val="#ppt_x"/>
+                                          </p:val>
+                                        </p:tav>
+                                        <p:tav tm="100000">
+                                          <p:val>
+                                            <p:strVal val="#ppt_x"/>
+                                          </p:val>
+                                        </p:tav>
+                                      </p:tavLst>
+                                    </p:anim>
+                                    <p:anim calcmode="lin" valueType="num">
+                                      <p:cBhvr>
+                                        <p:cTn id="9" dur="1000" fill="hold"/>
+                                        <p:tgtEl>
+                                          <p:spTgt spid="162">
+                                            <p:txEl>
+                                              <p:pRg st="0" end="0"/>
+                                            </p:txEl>
+                                          </p:spTgt>
+                                        </p:tgtEl>
+                                        <p:attrNameLst>
+                                          <p:attrName>ppt_y</p:attrName>
+                                        </p:attrNameLst>
+                                      </p:cBhvr>
+                                      <p:tavLst>
+                                        <p:tav tm="0">
+                                          <p:val>
+                                            <p:strVal val="#ppt_y+.1"/>
+                                          </p:val>
+                                        </p:tav>
+                                        <p:tav tm="100000">
+                                          <p:val>
+                                            <p:strVal val="#ppt_y"/>
+                                          </p:val>
+                                        </p:tav>
+                                      </p:tavLst>
+                                    </p:anim>
+                                  </p:childTnLst>
+                                </p:cTn>
+                              </p:par>
+                            </p:childTnLst>
+                          </p:cTn>
+                        </p:par>
+                      </p:childTnLst>
+                    </p:cTn>
+                  </p:par>
+                  <p:par>
+                    <p:cTn id="10" fill="hold">
+                      <p:stCondLst>
+                        <p:cond delay="indefinite"/>
+                      </p:stCondLst>
+                      <p:childTnLst>
+                        <p:par>
+                          <p:cTn id="11" fill="hold">
+                            <p:stCondLst>
+                              <p:cond delay="0"/>
+                            </p:stCondLst>
+                            <p:childTnLst>
+                              <p:par>
+                                <p:cTn id="12" presetID="42" presetClass="entr" presetSubtype="0" fill="hold" grpId="0" nodeType="clickEffect">
+                                  <p:stCondLst>
+                                    <p:cond delay="0"/>
+                                  </p:stCondLst>
+                                  <p:childTnLst>
+                                    <p:set>
+                                      <p:cBhvr>
+                                        <p:cTn id="13" dur="1" fill="hold">
+                                          <p:stCondLst>
+                                            <p:cond delay="0"/>
+                                          </p:stCondLst>
+                                        </p:cTn>
+                                        <p:tgtEl>
+                                          <p:spTgt spid="162">
+                                            <p:txEl>
+                                              <p:pRg st="1" end="1"/>
+                                            </p:txEl>
+                                          </p:spTgt>
+                                        </p:tgtEl>
+                                        <p:attrNameLst>
+                                          <p:attrName>style.visibility</p:attrName>
+                                        </p:attrNameLst>
+                                      </p:cBhvr>
+                                      <p:to>
+                                        <p:strVal val="visible"/>
+                                      </p:to>
+                                    </p:set>
+                                    <p:animEffect transition="in" filter="fade">
+                                      <p:cBhvr>
+                                        <p:cTn id="14" dur="1000"/>
+                                        <p:tgtEl>
+                                          <p:spTgt spid="162">
+                                            <p:txEl>
+                                              <p:pRg st="1" end="1"/>
+                                            </p:txEl>
+                                          </p:spTgt>
+                                        </p:tgtEl>
+                                      </p:cBhvr>
+                                    </p:animEffect>
+                                    <p:anim calcmode="lin" valueType="num">
+                                      <p:cBhvr>
+                                        <p:cTn id="15" dur="1000" fill="hold"/>
+                                        <p:tgtEl>
+                                          <p:spTgt spid="162">
+                                            <p:txEl>
+                                              <p:pRg st="1" end="1"/>
+                                            </p:txEl>
+                                          </p:spTgt>
+                                        </p:tgtEl>
+                                        <p:attrNameLst>
+                                          <p:attrName>ppt_x</p:attrName>
+                                        </p:attrNameLst>
+                                      </p:cBhvr>
+                                      <p:tavLst>
+                                        <p:tav tm="0">
+                                          <p:val>
+                                            <p:strVal val="#ppt_x"/>
+                                          </p:val>
+                                        </p:tav>
+                                        <p:tav tm="100000">
+                                          <p:val>
+                                            <p:strVal val="#ppt_x"/>
+                                          </p:val>
+                                        </p:tav>
+                                      </p:tavLst>
+                                    </p:anim>
+                                    <p:anim calcmode="lin" valueType="num">
+                                      <p:cBhvr>
+                                        <p:cTn id="16" dur="1000" fill="hold"/>
+                                        <p:tgtEl>
+                                          <p:spTgt spid="162">
+                                            <p:txEl>
+                                              <p:pRg st="1" end="1"/>
+                                            </p:txEl>
+                                          </p:spTgt>
+                                        </p:tgtEl>
+                                        <p:attrNameLst>
+                                          <p:attrName>ppt_y</p:attrName>
+                                        </p:attrNameLst>
+                                      </p:cBhvr>
+                                      <p:tavLst>
+                                        <p:tav tm="0">
+                                          <p:val>
+                                            <p:strVal val="#ppt_y+.1"/>
+                                          </p:val>
+                                        </p:tav>
+                                        <p:tav tm="100000">
+                                          <p:val>
+                                            <p:strVal val="#ppt_y"/>
+                                          </p:val>
+                                        </p:tav>
+                                      </p:tavLst>
+                                    </p:anim>
+                                  </p:childTnLst>
+                                </p:cTn>
+                              </p:par>
+                            </p:childTnLst>
+                          </p:cTn>
+                        </p:par>
+                      </p:childTnLst>
+                    </p:cTn>
+                  </p:par>
+                  <p:par>
+                    <p:cTn id="17" fill="hold">
+                      <p:stCondLst>
+                        <p:cond delay="indefinite"/>
+                      </p:stCondLst>
+                      <p:childTnLst>
+                        <p:par>
+                          <p:cTn id="18" fill="hold">
+                            <p:stCondLst>
+                              <p:cond delay="0"/>
+                            </p:stCondLst>
+                            <p:childTnLst>
+                              <p:par>
+                                <p:cTn id="19" presetID="42" presetClass="entr" presetSubtype="0" fill="hold" grpId="0" nodeType="clickEffect">
+                                  <p:stCondLst>
+                                    <p:cond delay="0"/>
+                                  </p:stCondLst>
+                                  <p:childTnLst>
+                                    <p:set>
+                                      <p:cBhvr>
+                                        <p:cTn id="20" dur="1" fill="hold">
+                                          <p:stCondLst>
+                                            <p:cond delay="0"/>
+                                          </p:stCondLst>
+                                        </p:cTn>
+                                        <p:tgtEl>
+                                          <p:spTgt spid="162">
+                                            <p:txEl>
+                                              <p:pRg st="3" end="3"/>
+                                            </p:txEl>
+                                          </p:spTgt>
+                                        </p:tgtEl>
+                                        <p:attrNameLst>
+                                          <p:attrName>style.visibility</p:attrName>
+                                        </p:attrNameLst>
+                                      </p:cBhvr>
+                                      <p:to>
+                                        <p:strVal val="visible"/>
+                                      </p:to>
+                                    </p:set>
+                                    <p:animEffect transition="in" filter="fade">
+                                      <p:cBhvr>
+                                        <p:cTn id="21" dur="1000"/>
+                                        <p:tgtEl>
+                                          <p:spTgt spid="162">
+                                            <p:txEl>
+                                              <p:pRg st="3" end="3"/>
+                                            </p:txEl>
+                                          </p:spTgt>
+                                        </p:tgtEl>
+                                      </p:cBhvr>
+                                    </p:animEffect>
+                                    <p:anim calcmode="lin" valueType="num">
+                                      <p:cBhvr>
+                                        <p:cTn id="22" dur="1000" fill="hold"/>
+                                        <p:tgtEl>
+                                          <p:spTgt spid="162">
+                                            <p:txEl>
+                                              <p:pRg st="3" end="3"/>
+                                            </p:txEl>
+                                          </p:spTgt>
+                                        </p:tgtEl>
+                                        <p:attrNameLst>
+                                          <p:attrName>ppt_x</p:attrName>
+                                        </p:attrNameLst>
+                                      </p:cBhvr>
+                                      <p:tavLst>
+                                        <p:tav tm="0">
+                                          <p:val>
+                                            <p:strVal val="#ppt_x"/>
+                                          </p:val>
+                                        </p:tav>
+                                        <p:tav tm="100000">
+                                          <p:val>
+                                            <p:strVal val="#ppt_x"/>
+                                          </p:val>
+                                        </p:tav>
+                                      </p:tavLst>
+                                    </p:anim>
+                                    <p:anim calcmode="lin" valueType="num">
+                                      <p:cBhvr>
+                                        <p:cTn id="23" dur="1000" fill="hold"/>
+                                        <p:tgtEl>
+                                          <p:spTgt spid="162">
+                                            <p:txEl>
+                                              <p:pRg st="3" end="3"/>
+                                            </p:txEl>
+                                          </p:spTgt>
+                                        </p:tgtEl>
+                                        <p:attrNameLst>
+                                          <p:attrName>ppt_y</p:attrName>
+                                        </p:attrNameLst>
+                                      </p:cBhvr>
+                                      <p:tavLst>
+                                        <p:tav tm="0">
+                                          <p:val>
+                                            <p:strVal val="#ppt_y+.1"/>
+                                          </p:val>
+                                        </p:tav>
+                                        <p:tav tm="100000">
+                                          <p:val>
+                                            <p:strVal val="#ppt_y"/>
+                                          </p:val>
+                                        </p:tav>
+                                      </p:tavLst>
+                                    </p:anim>
+                                  </p:childTnLst>
+                                </p:cTn>
+                              </p:par>
+                            </p:childTnLst>
+                          </p:cTn>
+                        </p:par>
+                      </p:childTnLst>
+                    </p:cTn>
+                  </p:par>
+                </p:childTnLst>
+              </p:cTn>
+              <p:prevCondLst>
+                <p:cond evt="onPrev" delay="0">
+                  <p:tgtEl>
+                    <p:sldTgt/>
+                  </p:tgtEl>
+                </p:cond>
+              </p:prevCondLst>
+              <p:nextCondLst>
+                <p:cond evt="onNext" delay="0">
+                  <p:tgtEl>
+                    <p:sldTgt/>
+                  </p:tgtEl>
+                </p:cond>
+              </p:nextCondLst>
+            </p:seq>
+          </p:childTnLst>
+        </p:cTn>
+      </p:par>
+    </p:tnLst>
+    <p:bldLst>
+      <p:bldP spid="162" grpId="0" build="p"/>
+    </p:bldLst>
+  </p:timing>
 </p:sld>
 </file>
 

--- a/Final presentation Phase A-24-2-R-8.pptx
+++ b/Final presentation Phase A-24-2-R-8.pptx
@@ -4611,22 +4611,6 @@
             </a:br>
             <a:endParaRPr dirty="0"/>
           </a:p>
-          <a:p>
-            <a:pPr marL="0" lvl="0" indent="0" algn="l" rtl="0">
-              <a:spcBef>
-                <a:spcPts val="0"/>
-              </a:spcBef>
-              <a:spcAft>
-                <a:spcPts val="0"/>
-              </a:spcAft>
-              <a:buNone/>
-            </a:pPr>
-            <a:r>
-              <a:rPr lang="en-US" dirty="0"/>
-              <a:t>Using transfer learning accelerates the development of models for new tasks and significantly reduces the amount of data and computing resources required. Transfer learning improves the efficiency and effectiveness of machine learning applications in various domains by using already trained models, leading to more robust and generalized models</a:t>
-            </a:r>
-            <a:endParaRPr dirty="0"/>
-          </a:p>
         </p:txBody>
       </p:sp>
       <p:sp>
@@ -4720,379 +4704,334 @@
           </a:bodyPr>
           <a:lstStyle/>
           <a:p>
-            <a:pPr marL="0" lvl="0" indent="0" algn="l" rtl="0">
-              <a:lnSpc>
-                <a:spcPct val="115000"/>
-              </a:lnSpc>
-              <a:spcBef>
-                <a:spcPts val="1200"/>
-              </a:spcBef>
-              <a:spcAft>
-                <a:spcPts val="0"/>
-              </a:spcAft>
-              <a:buClr>
-                <a:schemeClr val="dk1"/>
-              </a:buClr>
-              <a:buSzPts val="1100"/>
-              <a:buFont typeface="Arial"/>
-              <a:buNone/>
-            </a:pPr>
+            <a:pPr algn="l" rtl="0"/>
             <a:r>
-              <a:rPr lang="en-US" dirty="0">
+              <a:rPr lang="en-US" sz="1200" b="0" i="0" u="none" strike="noStrike" cap="none" dirty="0" smtClean="0">
                 <a:solidFill>
-                  <a:srgbClr val="212121"/>
+                  <a:schemeClr val="dk1"/>
                 </a:solidFill>
+                <a:effectLst/>
+                <a:latin typeface="Arial"/>
+                <a:ea typeface="Arial"/>
+                <a:cs typeface="Arial"/>
+                <a:sym typeface="Arial"/>
               </a:rPr>
-              <a:t>Before starting the training process, we prepare the dataset. The dataset includes MRI images labeled as either ASD or non-ASD. </a:t>
+              <a:t>Before starting the training process, we prepare the dataset. </a:t>
             </a:r>
-            <a:br>
-              <a:rPr lang="en-US" dirty="0">
+          </a:p>
+          <a:p>
+            <a:pPr algn="l" rtl="0"/>
+            <a:r>
+              <a:rPr lang="en-US" sz="1200" b="0" i="0" u="none" strike="noStrike" cap="none" dirty="0" smtClean="0">
                 <a:solidFill>
-                  <a:srgbClr val="212121"/>
+                  <a:schemeClr val="dk1"/>
                 </a:solidFill>
+                <a:effectLst/>
+                <a:latin typeface="Arial"/>
+                <a:ea typeface="Arial"/>
+                <a:cs typeface="Arial"/>
+                <a:sym typeface="Arial"/>
               </a:rPr>
-            </a:br>
+              <a:t>The dataset includes MRI images labeled as either ASD or non-ASD. </a:t>
+            </a:r>
+          </a:p>
+          <a:p>
+            <a:pPr algn="l" rtl="0"/>
             <a:r>
-              <a:rPr lang="en-US" dirty="0">
+              <a:rPr lang="en-US" sz="1200" b="0" i="0" u="none" strike="noStrike" cap="none" dirty="0" smtClean="0">
                 <a:solidFill>
-                  <a:srgbClr val="212121"/>
+                  <a:schemeClr val="dk1"/>
                 </a:solidFill>
+                <a:effectLst/>
+                <a:latin typeface="Arial"/>
+                <a:ea typeface="Arial"/>
+                <a:cs typeface="Arial"/>
+                <a:sym typeface="Arial"/>
               </a:rPr>
-              <a:t>The dataset is split, Training set 80%: Used to train the model. </a:t>
+              <a:t>The dataset is split to Training - 80%, the </a:t>
             </a:r>
-            <a:br>
-              <a:rPr lang="en-US" dirty="0">
+            <a:r>
+              <a:rPr lang="en-US" sz="1200" b="0" i="0" u="none" strike="noStrike" cap="none" dirty="0" err="1" smtClean="0">
                 <a:solidFill>
-                  <a:srgbClr val="212121"/>
+                  <a:schemeClr val="dk1"/>
                 </a:solidFill>
+                <a:effectLst/>
+                <a:latin typeface="Arial"/>
+                <a:ea typeface="Arial"/>
+                <a:cs typeface="Arial"/>
+                <a:sym typeface="Arial"/>
               </a:rPr>
-            </a:br>
+              <a:t>traning</a:t>
+            </a:r>
             <a:r>
-              <a:rPr lang="en-US" dirty="0">
+              <a:rPr lang="en-US" sz="1200" b="0" i="0" u="none" strike="noStrike" cap="none" dirty="0" smtClean="0">
                 <a:solidFill>
-                  <a:srgbClr val="212121"/>
+                  <a:schemeClr val="dk1"/>
                 </a:solidFill>
+                <a:effectLst/>
+                <a:latin typeface="Arial"/>
+                <a:ea typeface="Arial"/>
+                <a:cs typeface="Arial"/>
+                <a:sym typeface="Arial"/>
+              </a:rPr>
+              <a:t> layer is Used to train the model. </a:t>
+            </a:r>
+          </a:p>
+          <a:p>
+            <a:pPr algn="l" rtl="0"/>
+            <a:r>
+              <a:rPr lang="en-US" sz="1200" b="0" i="0" u="none" strike="noStrike" cap="none" dirty="0" smtClean="0">
+                <a:solidFill>
+                  <a:schemeClr val="dk1"/>
+                </a:solidFill>
+                <a:effectLst/>
+                <a:latin typeface="Arial"/>
+                <a:ea typeface="Arial"/>
+                <a:cs typeface="Arial"/>
+                <a:sym typeface="Arial"/>
               </a:rPr>
               <a:t>Validation set 15%: Used during training to monitor the model’s performance and help prevent overfitting. The test set 5%: Used after training to evaluate the model’s final performance. </a:t>
             </a:r>
-            <a:br>
-              <a:rPr lang="en-US" dirty="0">
+          </a:p>
+          <a:p>
+            <a:pPr algn="l" rtl="0"/>
+            <a:r>
+              <a:rPr lang="en-US" sz="1200" b="0" i="0" u="none" strike="noStrike" cap="none" dirty="0" smtClean="0">
                 <a:solidFill>
-                  <a:srgbClr val="212121"/>
+                  <a:schemeClr val="dk1"/>
                 </a:solidFill>
+                <a:effectLst/>
+                <a:latin typeface="Arial"/>
+                <a:ea typeface="Arial"/>
+                <a:cs typeface="Arial"/>
+                <a:sym typeface="Arial"/>
               </a:rPr>
-            </a:br>
+              <a:t>Images are padded to match the required input size (299x299 for Inception V4</a:t>
+            </a:r>
+          </a:p>
+          <a:p>
+            <a:pPr algn="l" rtl="0"/>
             <a:r>
-              <a:rPr lang="en-US" dirty="0">
+              <a:rPr lang="en-US" sz="1200" b="0" i="0" u="none" strike="noStrike" cap="none" dirty="0" smtClean="0">
                 <a:solidFill>
-                  <a:srgbClr val="212121"/>
+                  <a:schemeClr val="dk1"/>
                 </a:solidFill>
+                <a:effectLst/>
+                <a:latin typeface="Arial"/>
+                <a:ea typeface="Arial"/>
+                <a:cs typeface="Arial"/>
+                <a:sym typeface="Arial"/>
               </a:rPr>
               <a:t>Loading Inception V4 model pre-trained on ImageNet. </a:t>
             </a:r>
-            <a:br>
-              <a:rPr lang="en-US" dirty="0">
+          </a:p>
+          <a:p>
+            <a:pPr algn="l" rtl="0"/>
+            <a:r>
+              <a:rPr lang="en-US" sz="1200" b="0" i="0" u="none" strike="noStrike" cap="none" dirty="0" smtClean="0">
                 <a:solidFill>
-                  <a:srgbClr val="212121"/>
+                  <a:schemeClr val="dk1"/>
                 </a:solidFill>
-              </a:rPr>
-            </a:br>
-            <a:r>
-              <a:rPr lang="en-US" dirty="0">
-                <a:solidFill>
-                  <a:srgbClr val="212121"/>
-                </a:solidFill>
+                <a:effectLst/>
+                <a:latin typeface="Arial"/>
+                <a:ea typeface="Arial"/>
+                <a:cs typeface="Arial"/>
+                <a:sym typeface="Arial"/>
               </a:rPr>
               <a:t>The early layers of the pre-trained model capture general features, which are useful for many tasks. Therefore, these layers are frozen during training to retain their pre-trained weights. Only the deeper layers will be trained to learn task-specific features.</a:t>
             </a:r>
-            <a:br>
-              <a:rPr lang="en-US" dirty="0">
+          </a:p>
+          <a:p>
+            <a:pPr algn="l" rtl="0"/>
+            <a:r>
+              <a:rPr lang="en-US" sz="1200" b="0" i="0" u="none" strike="noStrike" cap="none" dirty="0" smtClean="0">
                 <a:solidFill>
-                  <a:srgbClr val="212121"/>
+                  <a:schemeClr val="dk1"/>
                 </a:solidFill>
-              </a:rPr>
-            </a:br>
-            <a:r>
-              <a:rPr lang="en-US" dirty="0">
-                <a:solidFill>
-                  <a:srgbClr val="212121"/>
-                </a:solidFill>
+                <a:effectLst/>
+                <a:latin typeface="Arial"/>
+                <a:ea typeface="Arial"/>
+                <a:cs typeface="Arial"/>
+                <a:sym typeface="Arial"/>
               </a:rPr>
               <a:t>The final layer will have 2 output units with a </a:t>
             </a:r>
             <a:r>
-              <a:rPr lang="en-US" dirty="0" err="1">
+              <a:rPr lang="en-US" sz="1200" b="0" i="0" u="none" strike="noStrike" cap="none" dirty="0" err="1" smtClean="0">
                 <a:solidFill>
-                  <a:srgbClr val="212121"/>
+                  <a:schemeClr val="dk1"/>
                 </a:solidFill>
+                <a:effectLst/>
+                <a:latin typeface="Arial"/>
+                <a:ea typeface="Arial"/>
+                <a:cs typeface="Arial"/>
+                <a:sym typeface="Arial"/>
               </a:rPr>
               <a:t>softmax</a:t>
             </a:r>
             <a:r>
-              <a:rPr lang="en-US" dirty="0">
+              <a:rPr lang="en-US" sz="1200" b="0" i="0" u="none" strike="noStrike" cap="none" dirty="0" smtClean="0">
                 <a:solidFill>
-                  <a:srgbClr val="212121"/>
+                  <a:schemeClr val="dk1"/>
                 </a:solidFill>
+                <a:effectLst/>
+                <a:latin typeface="Arial"/>
+                <a:ea typeface="Arial"/>
+                <a:cs typeface="Arial"/>
+                <a:sym typeface="Arial"/>
               </a:rPr>
               <a:t> activation function to output probabilities for the two classes. </a:t>
             </a:r>
-            <a:br>
-              <a:rPr lang="en-US" dirty="0">
+          </a:p>
+          <a:p>
+            <a:pPr algn="l" rtl="0"/>
+            <a:r>
+              <a:rPr lang="en-US" sz="1200" b="1" i="0" u="none" strike="noStrike" cap="none" dirty="0" smtClean="0">
                 <a:solidFill>
-                  <a:srgbClr val="212121"/>
+                  <a:schemeClr val="dk1"/>
                 </a:solidFill>
-              </a:rPr>
-            </a:br>
-            <a:r>
-              <a:rPr lang="en-US" dirty="0">
-                <a:solidFill>
-                  <a:srgbClr val="212121"/>
-                </a:solidFill>
-              </a:rPr>
-              <a:t>A batch size of 32 or 64 images per batch is defined, depending on your hardware capabilities. </a:t>
-            </a:r>
-            <a:endParaRPr dirty="0">
-              <a:solidFill>
-                <a:srgbClr val="212121"/>
-              </a:solidFill>
-            </a:endParaRPr>
-          </a:p>
-          <a:p>
-            <a:pPr marL="0" lvl="0" indent="0" algn="l" rtl="0">
-              <a:spcBef>
-                <a:spcPts val="0"/>
-              </a:spcBef>
-              <a:spcAft>
-                <a:spcPts val="0"/>
-              </a:spcAft>
-              <a:buClr>
-                <a:schemeClr val="dk1"/>
-              </a:buClr>
-              <a:buSzPts val="1100"/>
-              <a:buFont typeface="Arial"/>
-              <a:buNone/>
-            </a:pPr>
-            <a:endParaRPr sz="1000" u="sng" dirty="0">
-              <a:solidFill>
-                <a:srgbClr val="FF0000"/>
-              </a:solidFill>
-            </a:endParaRPr>
-          </a:p>
-          <a:p>
-            <a:pPr marL="0" lvl="0" indent="0" algn="l" rtl="0">
-              <a:lnSpc>
-                <a:spcPct val="115000"/>
-              </a:lnSpc>
-              <a:spcBef>
-                <a:spcPts val="1200"/>
-              </a:spcBef>
-              <a:spcAft>
-                <a:spcPts val="0"/>
-              </a:spcAft>
-              <a:buClr>
-                <a:schemeClr val="dk1"/>
-              </a:buClr>
-              <a:buSzPts val="1100"/>
-              <a:buFont typeface="Arial"/>
-              <a:buNone/>
-            </a:pPr>
-            <a:r>
-              <a:rPr lang="en-US" u="sng" dirty="0">
-                <a:solidFill>
-                  <a:srgbClr val="212121"/>
-                </a:solidFill>
+                <a:effectLst/>
+                <a:latin typeface="Arial"/>
+                <a:ea typeface="Arial"/>
+                <a:cs typeface="Arial"/>
+                <a:sym typeface="Arial"/>
               </a:rPr>
               <a:t>Training: </a:t>
             </a:r>
-            <a:br>
-              <a:rPr lang="en-US" u="sng" dirty="0">
+          </a:p>
+          <a:p>
+            <a:pPr algn="l" rtl="0"/>
+            <a:r>
+              <a:rPr lang="en-US" sz="1200" b="0" i="0" u="none" strike="noStrike" cap="none" dirty="0" smtClean="0">
                 <a:solidFill>
-                  <a:srgbClr val="212121"/>
+                  <a:schemeClr val="dk1"/>
                 </a:solidFill>
-              </a:rPr>
-            </a:br>
-            <a:r>
-              <a:rPr lang="en-US" dirty="0">
-                <a:solidFill>
-                  <a:srgbClr val="212121"/>
-                </a:solidFill>
+                <a:effectLst/>
+                <a:latin typeface="Arial"/>
+                <a:ea typeface="Arial"/>
+                <a:cs typeface="Arial"/>
+                <a:sym typeface="Arial"/>
               </a:rPr>
               <a:t>Initially, only the new layers added to the model are trained, while the early layers from Inception V4 are frozen.</a:t>
             </a:r>
-            <a:endParaRPr dirty="0">
-              <a:solidFill>
-                <a:srgbClr val="212121"/>
-              </a:solidFill>
-            </a:endParaRPr>
-          </a:p>
-          <a:p>
-            <a:pPr marL="0" lvl="0" indent="0" algn="l" rtl="0">
-              <a:lnSpc>
-                <a:spcPct val="115000"/>
-              </a:lnSpc>
-              <a:spcBef>
-                <a:spcPts val="1200"/>
-              </a:spcBef>
-              <a:spcAft>
-                <a:spcPts val="0"/>
-              </a:spcAft>
-              <a:buClr>
-                <a:schemeClr val="dk1"/>
-              </a:buClr>
-              <a:buSzPts val="1100"/>
-              <a:buFont typeface="Arial"/>
-              <a:buNone/>
-            </a:pPr>
+          </a:p>
+          <a:p>
+            <a:pPr algn="l" rtl="0"/>
             <a:r>
-              <a:rPr lang="en-US" u="sng" dirty="0">
+              <a:rPr lang="en-US" sz="1200" b="1" i="0" u="none" strike="noStrike" cap="none" dirty="0" smtClean="0">
                 <a:solidFill>
-                  <a:srgbClr val="212121"/>
+                  <a:schemeClr val="dk1"/>
                 </a:solidFill>
+                <a:effectLst/>
+                <a:latin typeface="Arial"/>
+                <a:ea typeface="Arial"/>
+                <a:cs typeface="Arial"/>
+                <a:sym typeface="Arial"/>
               </a:rPr>
               <a:t>Validation:</a:t>
             </a:r>
+          </a:p>
+          <a:p>
+            <a:pPr algn="l" rtl="0"/>
             <a:r>
-              <a:rPr lang="en-US" dirty="0">
+              <a:rPr lang="en-US" sz="1200" b="0" i="0" u="none" strike="noStrike" cap="none" dirty="0" smtClean="0">
                 <a:solidFill>
-                  <a:srgbClr val="212121"/>
+                  <a:schemeClr val="dk1"/>
                 </a:solidFill>
-              </a:rPr>
-              <a:t/>
-            </a:r>
-            <a:br>
-              <a:rPr lang="en-US" dirty="0">
-                <a:solidFill>
-                  <a:srgbClr val="212121"/>
-                </a:solidFill>
-              </a:rPr>
-            </a:br>
-            <a:r>
-              <a:rPr lang="en-US" dirty="0">
-                <a:solidFill>
-                  <a:srgbClr val="212121"/>
-                </a:solidFill>
+                <a:effectLst/>
+                <a:latin typeface="Arial"/>
+                <a:ea typeface="Arial"/>
+                <a:cs typeface="Arial"/>
+                <a:sym typeface="Arial"/>
               </a:rPr>
               <a:t> Monitor validation performance after each epoch to check for signs of overfitting or </a:t>
             </a:r>
             <a:r>
-              <a:rPr lang="en-US" dirty="0" err="1">
+              <a:rPr lang="en-US" sz="1200" b="0" i="0" u="none" strike="noStrike" cap="none" dirty="0" err="1" smtClean="0">
                 <a:solidFill>
-                  <a:srgbClr val="212121"/>
+                  <a:schemeClr val="dk1"/>
                 </a:solidFill>
+                <a:effectLst/>
+                <a:latin typeface="Arial"/>
+                <a:ea typeface="Arial"/>
+                <a:cs typeface="Arial"/>
+                <a:sym typeface="Arial"/>
               </a:rPr>
               <a:t>underfitting</a:t>
             </a:r>
             <a:r>
-              <a:rPr lang="en-US" dirty="0">
+              <a:rPr lang="en-US" sz="1200" b="0" i="0" u="none" strike="noStrike" cap="none" dirty="0" smtClean="0">
                 <a:solidFill>
-                  <a:srgbClr val="212121"/>
+                  <a:schemeClr val="dk1"/>
                 </a:solidFill>
+                <a:effectLst/>
+                <a:latin typeface="Arial"/>
+                <a:ea typeface="Arial"/>
+                <a:cs typeface="Arial"/>
+                <a:sym typeface="Arial"/>
               </a:rPr>
               <a:t>. </a:t>
             </a:r>
-            <a:endParaRPr dirty="0">
-              <a:solidFill>
-                <a:srgbClr val="212121"/>
-              </a:solidFill>
-            </a:endParaRPr>
-          </a:p>
-          <a:p>
-            <a:pPr marL="0" lvl="0" indent="0" algn="l" rtl="0">
-              <a:lnSpc>
-                <a:spcPct val="115000"/>
-              </a:lnSpc>
-              <a:spcBef>
-                <a:spcPts val="1200"/>
-              </a:spcBef>
-              <a:spcAft>
-                <a:spcPts val="0"/>
-              </a:spcAft>
-              <a:buClr>
-                <a:schemeClr val="dk1"/>
-              </a:buClr>
-              <a:buSzPts val="1100"/>
-              <a:buFont typeface="Arial"/>
-              <a:buNone/>
-            </a:pPr>
+          </a:p>
+          <a:p>
+            <a:pPr algn="l" rtl="0"/>
             <a:r>
-              <a:rPr lang="en-US" u="sng" dirty="0">
+              <a:rPr lang="en-US" sz="1200" b="1" i="0" u="none" strike="noStrike" cap="none" dirty="0" smtClean="0">
                 <a:solidFill>
-                  <a:srgbClr val="212121"/>
+                  <a:schemeClr val="dk1"/>
                 </a:solidFill>
+                <a:effectLst/>
+                <a:latin typeface="Arial"/>
+                <a:ea typeface="Arial"/>
+                <a:cs typeface="Arial"/>
+                <a:sym typeface="Arial"/>
               </a:rPr>
               <a:t>Testing: </a:t>
             </a:r>
+          </a:p>
+          <a:p>
+            <a:pPr algn="l" rtl="0"/>
             <a:r>
-              <a:rPr lang="en-US" dirty="0">
+              <a:rPr lang="en-US" sz="1200" b="0" i="0" u="none" strike="noStrike" cap="none" dirty="0" smtClean="0">
                 <a:solidFill>
-                  <a:srgbClr val="212121"/>
+                  <a:schemeClr val="dk1"/>
                 </a:solidFill>
-              </a:rPr>
-              <a:t/>
-            </a:r>
-            <a:br>
-              <a:rPr lang="en-US" dirty="0">
-                <a:solidFill>
-                  <a:srgbClr val="212121"/>
-                </a:solidFill>
-              </a:rPr>
-            </a:br>
-            <a:r>
-              <a:rPr lang="en-US" dirty="0">
-                <a:solidFill>
-                  <a:srgbClr val="212121"/>
-                </a:solidFill>
+                <a:effectLst/>
+                <a:latin typeface="Arial"/>
+                <a:ea typeface="Arial"/>
+                <a:cs typeface="Arial"/>
+                <a:sym typeface="Arial"/>
               </a:rPr>
               <a:t>To evaluate the final performance, we will measure performance metrics such as accuracy, precision, recall, F1-score, and confusion matrix on the test set to assess how well the model generalizes to completely unseen data. </a:t>
             </a:r>
-            <a:endParaRPr dirty="0">
-              <a:solidFill>
-                <a:srgbClr val="212121"/>
-              </a:solidFill>
-            </a:endParaRPr>
-          </a:p>
-          <a:p>
-            <a:pPr marL="0" lvl="0" indent="0" algn="l" rtl="0">
-              <a:lnSpc>
-                <a:spcPct val="115000"/>
-              </a:lnSpc>
-              <a:spcBef>
-                <a:spcPts val="1200"/>
-              </a:spcBef>
-              <a:spcAft>
-                <a:spcPts val="0"/>
-              </a:spcAft>
-              <a:buClr>
-                <a:schemeClr val="dk1"/>
-              </a:buClr>
-              <a:buSzPts val="1100"/>
-              <a:buFont typeface="Arial"/>
-              <a:buNone/>
-            </a:pPr>
+          </a:p>
+          <a:p>
+            <a:pPr algn="l" rtl="0"/>
             <a:r>
-              <a:rPr lang="en-US" dirty="0">
+              <a:rPr lang="en-US" sz="1200" b="0" i="0" u="none" strike="noStrike" cap="none" dirty="0" smtClean="0">
                 <a:solidFill>
-                  <a:srgbClr val="212121"/>
+                  <a:schemeClr val="dk1"/>
                 </a:solidFill>
+                <a:effectLst/>
+                <a:latin typeface="Arial"/>
+                <a:ea typeface="Arial"/>
+                <a:cs typeface="Arial"/>
+                <a:sym typeface="Arial"/>
               </a:rPr>
-              <a:t>Once the model performs well on the training, we will fine-tune if necessary (canceling the freeze part or all of the model and continuing training with a smaller learning rate for better performance) [fig. 8].</a:t>
+              <a:t>Once the model performs well on the training, we will fine-tune if necessary (canceling the freeze part or all of the model and continuing training with a smaller learning rate for better performance)</a:t>
             </a:r>
-            <a:endParaRPr dirty="0">
-              <a:solidFill>
-                <a:srgbClr val="212121"/>
-              </a:solidFill>
-            </a:endParaRPr>
-          </a:p>
-          <a:p>
-            <a:pPr marL="0" lvl="0" indent="0" algn="l" rtl="0">
-              <a:spcBef>
-                <a:spcPts val="0"/>
-              </a:spcBef>
-              <a:spcAft>
-                <a:spcPts val="0"/>
-              </a:spcAft>
-              <a:buNone/>
-            </a:pPr>
+            <a:br>
+              <a:rPr lang="en-US" sz="1200" b="0" i="0" u="none" strike="noStrike" cap="none" dirty="0" smtClean="0">
+                <a:solidFill>
+                  <a:schemeClr val="dk1"/>
+                </a:solidFill>
+                <a:effectLst/>
+                <a:latin typeface="Arial"/>
+                <a:ea typeface="Arial"/>
+                <a:cs typeface="Arial"/>
+                <a:sym typeface="Arial"/>
+              </a:rPr>
+            </a:br>
             <a:endParaRPr dirty="0"/>
           </a:p>
         </p:txBody>
@@ -5728,6 +5667,70 @@
           </a:bodyPr>
           <a:lstStyle/>
           <a:p>
+            <a:pPr algn="l" rtl="0"/>
+            <a:r>
+              <a:rPr lang="en-US" sz="1200" b="0" i="0" u="none" strike="noStrike" cap="none" dirty="0" smtClean="0">
+                <a:solidFill>
+                  <a:schemeClr val="dk1"/>
+                </a:solidFill>
+                <a:effectLst/>
+                <a:latin typeface="Arial"/>
+                <a:ea typeface="Arial"/>
+                <a:cs typeface="Arial"/>
+                <a:sym typeface="Arial"/>
+              </a:rPr>
+              <a:t>Autism spectrum disorder (ASD) is a brain-based disorder involves social deficits and repetitive behaviors. ASD is traditionally diagnosed through behavioral assessments.</a:t>
+            </a:r>
+          </a:p>
+          <a:p>
+            <a:pPr algn="l" rtl="0"/>
+            <a:r>
+              <a:rPr lang="en-US" sz="1200" b="0" i="0" u="none" strike="noStrike" cap="none" dirty="0" smtClean="0">
+                <a:solidFill>
+                  <a:schemeClr val="dk1"/>
+                </a:solidFill>
+                <a:effectLst/>
+                <a:latin typeface="Arial"/>
+                <a:ea typeface="Arial"/>
+                <a:cs typeface="Arial"/>
+                <a:sym typeface="Arial"/>
+              </a:rPr>
+              <a:t> </a:t>
+            </a:r>
+          </a:p>
+          <a:p>
+            <a:pPr algn="l" rtl="0"/>
+            <a:r>
+              <a:rPr lang="en-US" sz="1200" b="0" i="0" u="none" strike="noStrike" cap="none" dirty="0" smtClean="0">
+                <a:solidFill>
+                  <a:schemeClr val="dk1"/>
+                </a:solidFill>
+                <a:effectLst/>
+                <a:latin typeface="Arial"/>
+                <a:ea typeface="Arial"/>
+                <a:cs typeface="Arial"/>
+                <a:sym typeface="Arial"/>
+              </a:rPr>
+              <a:t>its important because early diagnosis can improve the social skills and communication problems of children with ASD and enhance their quality of life. In USA ASD affects one in 68 children.</a:t>
+            </a:r>
+          </a:p>
+          <a:p>
+            <a:pPr algn="l" rtl="0"/>
+            <a:r>
+              <a:rPr lang="en-US" sz="1200" b="0" i="0" u="none" strike="noStrike" cap="none" dirty="0" smtClean="0">
+                <a:solidFill>
+                  <a:schemeClr val="dk1"/>
+                </a:solidFill>
+                <a:effectLst/>
+                <a:latin typeface="Arial"/>
+                <a:ea typeface="Arial"/>
+                <a:cs typeface="Arial"/>
+                <a:sym typeface="Arial"/>
+              </a:rPr>
+              <a:t> </a:t>
+            </a:r>
+          </a:p>
+          <a:p>
             <a:pPr marL="0" lvl="0" indent="0" algn="l" rtl="0">
               <a:lnSpc>
                 <a:spcPct val="90000"/>
@@ -5839,6 +5842,150 @@
             <a:noAutofit/>
           </a:bodyPr>
           <a:lstStyle/>
+          <a:p>
+            <a:pPr algn="l" rtl="0"/>
+            <a:r>
+              <a:rPr lang="en-US" sz="1200" b="0" i="0" u="none" strike="noStrike" cap="none" dirty="0" smtClean="0">
+                <a:solidFill>
+                  <a:schemeClr val="dk1"/>
+                </a:solidFill>
+                <a:effectLst/>
+                <a:latin typeface="Arial"/>
+                <a:ea typeface="Arial"/>
+                <a:cs typeface="Arial"/>
+                <a:sym typeface="Arial"/>
+              </a:rPr>
+              <a:t>Today there is no unequivocal way to detect ASD, </a:t>
+            </a:r>
+          </a:p>
+          <a:p>
+            <a:pPr algn="l" rtl="0"/>
+            <a:r>
+              <a:rPr lang="en-US" sz="1200" b="0" i="0" u="none" strike="noStrike" cap="none" dirty="0" smtClean="0">
+                <a:solidFill>
+                  <a:schemeClr val="dk1"/>
+                </a:solidFill>
+                <a:effectLst/>
+                <a:latin typeface="Arial"/>
+                <a:ea typeface="Arial"/>
+                <a:cs typeface="Arial"/>
+                <a:sym typeface="Arial"/>
+              </a:rPr>
+              <a:t> </a:t>
+            </a:r>
+          </a:p>
+          <a:p>
+            <a:pPr algn="l" rtl="0"/>
+            <a:r>
+              <a:rPr lang="en-US" sz="1200" b="0" i="0" u="none" strike="noStrike" cap="none" dirty="0" smtClean="0">
+                <a:solidFill>
+                  <a:schemeClr val="dk1"/>
+                </a:solidFill>
+                <a:effectLst/>
+                <a:latin typeface="Arial"/>
+                <a:ea typeface="Arial"/>
+                <a:cs typeface="Arial"/>
+                <a:sym typeface="Arial"/>
+              </a:rPr>
+              <a:t>To ASD  there is no single genetic marker for the diagnosis, Autism is  caused by a combination of different genes, which can affect in various ways.  Therefore, the diagnosis is made phenotypically (phenotype is The outward physical expression of a genetic trait). a given phenotype may arise from a diverse set of biochemical processes. </a:t>
+            </a:r>
+          </a:p>
+          <a:p>
+            <a:pPr algn="l" rtl="0"/>
+            <a:r>
+              <a:rPr lang="en-US" sz="1200" b="0" i="0" u="none" strike="noStrike" cap="none" dirty="0" smtClean="0">
+                <a:solidFill>
+                  <a:schemeClr val="dk1"/>
+                </a:solidFill>
+                <a:effectLst/>
+                <a:latin typeface="Arial"/>
+                <a:ea typeface="Arial"/>
+                <a:cs typeface="Arial"/>
+                <a:sym typeface="Arial"/>
+              </a:rPr>
+              <a:t> </a:t>
+            </a:r>
+          </a:p>
+          <a:p>
+            <a:pPr algn="l" rtl="0"/>
+            <a:r>
+              <a:rPr lang="en-US" sz="1200" b="0" i="0" u="none" strike="noStrike" cap="none" dirty="0" smtClean="0">
+                <a:solidFill>
+                  <a:schemeClr val="dk1"/>
+                </a:solidFill>
+                <a:effectLst/>
+                <a:latin typeface="Arial"/>
+                <a:ea typeface="Arial"/>
+                <a:cs typeface="Arial"/>
+                <a:sym typeface="Arial"/>
+              </a:rPr>
+              <a:t>Autism encompasses a wide range of symptoms and severity levels. Individuals with autism can exhibit very different behaviors, communication abilities, and interests, making it challenging to establish uniform diagnostic criteria.</a:t>
+            </a:r>
+          </a:p>
+          <a:p>
+            <a:pPr algn="l" rtl="0"/>
+            <a:r>
+              <a:rPr lang="en-US" sz="1200" b="0" i="0" u="none" strike="noStrike" cap="none" dirty="0" smtClean="0">
+                <a:solidFill>
+                  <a:schemeClr val="dk1"/>
+                </a:solidFill>
+                <a:effectLst/>
+                <a:latin typeface="Arial"/>
+                <a:ea typeface="Arial"/>
+                <a:cs typeface="Arial"/>
+                <a:sym typeface="Arial"/>
+              </a:rPr>
+              <a:t> </a:t>
+            </a:r>
+          </a:p>
+          <a:p>
+            <a:pPr algn="l" rtl="0"/>
+            <a:r>
+              <a:rPr lang="en-US" sz="1200" b="0" i="0" u="none" strike="noStrike" cap="none" dirty="0" smtClean="0">
+                <a:solidFill>
+                  <a:schemeClr val="dk1"/>
+                </a:solidFill>
+                <a:effectLst/>
+                <a:latin typeface="Arial"/>
+                <a:ea typeface="Arial"/>
+                <a:cs typeface="Arial"/>
+                <a:sym typeface="Arial"/>
+              </a:rPr>
+              <a:t>Therefore, diagnosis of autism by primarily behavioral symptoms and observations, rather than on objective tests such as blood tests or imaging, can lead to subjective assessments or differences in diagnosis between different doctors.</a:t>
+            </a:r>
+          </a:p>
+          <a:p>
+            <a:pPr algn="l" rtl="0"/>
+            <a:r>
+              <a:rPr lang="en-US" sz="1200" b="0" i="0" u="none" strike="noStrike" cap="none" dirty="0" smtClean="0">
+                <a:solidFill>
+                  <a:schemeClr val="dk1"/>
+                </a:solidFill>
+                <a:effectLst/>
+                <a:latin typeface="Arial"/>
+                <a:ea typeface="Arial"/>
+                <a:cs typeface="Arial"/>
+                <a:sym typeface="Arial"/>
+              </a:rPr>
+              <a:t> </a:t>
+            </a:r>
+          </a:p>
+          <a:p>
+            <a:pPr algn="l" rtl="0"/>
+            <a:r>
+              <a:rPr lang="en-US" sz="1200" b="0" i="0" u="none" strike="noStrike" cap="none" dirty="0" smtClean="0">
+                <a:solidFill>
+                  <a:schemeClr val="dk1"/>
+                </a:solidFill>
+                <a:effectLst/>
+                <a:latin typeface="Arial"/>
+                <a:ea typeface="Arial"/>
+                <a:cs typeface="Arial"/>
+                <a:sym typeface="Arial"/>
+              </a:rPr>
+              <a:t>OUR goal is to improve the accuracy in detecting autism spectrum disorders.</a:t>
+            </a:r>
+          </a:p>
           <a:p>
             <a:pPr marL="0" lvl="0" indent="0" algn="l" rtl="0">
               <a:spcBef>
@@ -6616,230 +6763,271 @@
           </a:bodyPr>
           <a:lstStyle/>
           <a:p>
-            <a:pPr marL="0" lvl="0" indent="0" algn="l" rtl="0">
-              <a:lnSpc>
-                <a:spcPct val="115000"/>
-              </a:lnSpc>
-              <a:spcBef>
-                <a:spcPts val="1200"/>
-              </a:spcBef>
-              <a:spcAft>
-                <a:spcPts val="0"/>
-              </a:spcAft>
-              <a:buNone/>
-            </a:pPr>
+            <a:pPr algn="l" rtl="0"/>
             <a:r>
-              <a:rPr lang="en-US" sz="900" dirty="0" smtClean="0">
+              <a:rPr lang="en-US" sz="1200" b="0" i="0" u="none" strike="noStrike" cap="none" dirty="0" smtClean="0">
                 <a:solidFill>
-                  <a:srgbClr val="212121"/>
+                  <a:schemeClr val="dk1"/>
                 </a:solidFill>
+                <a:effectLst/>
+                <a:latin typeface="Arial"/>
+                <a:ea typeface="Arial"/>
+                <a:cs typeface="Arial"/>
+                <a:sym typeface="Arial"/>
               </a:rPr>
-              <a:t>Fig 6: On the left is the overall schema for the pure Inception-v4 network. On the right is the detailed composition of the stem [4].</a:t>
+              <a:t>Inception-v4 is a type of convolutional neural network (CNN). Inception v4 designed for tasks like image classification and object detection.</a:t>
+            </a:r>
+          </a:p>
+          <a:p>
+            <a:pPr algn="l" rtl="0"/>
+            <a:r>
+              <a:rPr lang="en-US" sz="1200" b="0" i="0" u="none" strike="noStrike" cap="none" dirty="0" smtClean="0">
+                <a:solidFill>
+                  <a:schemeClr val="dk1"/>
+                </a:solidFill>
+                <a:effectLst/>
+                <a:latin typeface="Arial"/>
+                <a:ea typeface="Arial"/>
+                <a:cs typeface="Arial"/>
+                <a:sym typeface="Arial"/>
+              </a:rPr>
+              <a:t>Our input is the </a:t>
+            </a:r>
+            <a:r>
+              <a:rPr lang="en-US" sz="1200" b="0" i="0" u="none" strike="noStrike" cap="none" dirty="0" err="1" smtClean="0">
+                <a:solidFill>
+                  <a:schemeClr val="dk1"/>
+                </a:solidFill>
+                <a:effectLst/>
+                <a:latin typeface="Arial"/>
+                <a:ea typeface="Arial"/>
+                <a:cs typeface="Arial"/>
+                <a:sym typeface="Arial"/>
+              </a:rPr>
+              <a:t>mri</a:t>
+            </a:r>
+            <a:r>
+              <a:rPr lang="en-US" sz="1200" b="0" i="0" u="none" strike="noStrike" cap="none" dirty="0" smtClean="0">
+                <a:solidFill>
+                  <a:schemeClr val="dk1"/>
+                </a:solidFill>
+                <a:effectLst/>
+                <a:latin typeface="Arial"/>
+                <a:ea typeface="Arial"/>
+                <a:cs typeface="Arial"/>
+                <a:sym typeface="Arial"/>
+              </a:rPr>
+              <a:t> image padding its go through a stem,</a:t>
             </a:r>
             <a:br>
-              <a:rPr lang="en-US" sz="900" dirty="0" smtClean="0">
+              <a:rPr lang="en-US" sz="1200" b="0" i="0" u="none" strike="noStrike" cap="none" dirty="0" smtClean="0">
                 <a:solidFill>
-                  <a:srgbClr val="212121"/>
+                  <a:schemeClr val="dk1"/>
                 </a:solidFill>
+                <a:effectLst/>
+                <a:latin typeface="Arial"/>
+                <a:ea typeface="Arial"/>
+                <a:cs typeface="Arial"/>
+                <a:sym typeface="Arial"/>
               </a:rPr>
             </a:br>
+            <a:endParaRPr lang="en-US" sz="1200" b="0" i="0" u="none" strike="noStrike" cap="none" dirty="0" smtClean="0">
+              <a:solidFill>
+                <a:schemeClr val="dk1"/>
+              </a:solidFill>
+              <a:effectLst/>
+              <a:latin typeface="Arial"/>
+              <a:ea typeface="Arial"/>
+              <a:cs typeface="Arial"/>
+              <a:sym typeface="Arial"/>
+            </a:endParaRPr>
+          </a:p>
+          <a:p>
+            <a:pPr algn="l" rtl="0"/>
             <a:r>
-              <a:rPr lang="en-US" sz="900" dirty="0" smtClean="0">
+              <a:rPr lang="en-US" sz="1200" b="1" i="0" u="none" strike="noStrike" cap="none" dirty="0" smtClean="0">
                 <a:solidFill>
-                  <a:srgbClr val="212121"/>
+                  <a:schemeClr val="dk1"/>
                 </a:solidFill>
+                <a:effectLst/>
+                <a:latin typeface="Arial"/>
+                <a:ea typeface="Arial"/>
+                <a:cs typeface="Arial"/>
+                <a:sym typeface="Arial"/>
               </a:rPr>
-              <a:t>Stem: Initial convolutional and pooling layers that process the input image, extracting low-level features (e.g., edges, textures).</a:t>
-            </a:r>
-            <a:br>
-              <a:rPr lang="en-US" sz="900" dirty="0" smtClean="0">
-                <a:solidFill>
-                  <a:srgbClr val="212121"/>
-                </a:solidFill>
-              </a:rPr>
-            </a:br>
-            <a:r>
-              <a:rPr lang="en-US" sz="900" dirty="0" smtClean="0">
-                <a:solidFill>
-                  <a:srgbClr val="212121"/>
-                </a:solidFill>
-              </a:rPr>
-              <a:t>Inception-A: A module that applies multiple convolutional filters in parallel (1x1, 3x3, 5x5) to capture different feature scales, followed by concatenation.</a:t>
-            </a:r>
-            <a:br>
-              <a:rPr lang="en-US" sz="900" dirty="0" smtClean="0">
-                <a:solidFill>
-                  <a:srgbClr val="212121"/>
-                </a:solidFill>
-              </a:rPr>
-            </a:br>
-            <a:r>
-              <a:rPr lang="en-US" sz="900" dirty="0" smtClean="0">
-                <a:solidFill>
-                  <a:srgbClr val="212121"/>
-                </a:solidFill>
-              </a:rPr>
-              <a:t>Reduction-A: A </a:t>
+              <a:t>Stem:</a:t>
             </a:r>
             <a:r>
-              <a:rPr lang="en-US" sz="900" dirty="0" err="1" smtClean="0">
+              <a:rPr lang="en-US" sz="1200" b="0" i="0" u="none" strike="noStrike" cap="none" dirty="0" smtClean="0">
                 <a:solidFill>
-                  <a:srgbClr val="212121"/>
+                  <a:schemeClr val="dk1"/>
                 </a:solidFill>
+                <a:effectLst/>
+                <a:latin typeface="Arial"/>
+                <a:ea typeface="Arial"/>
+                <a:cs typeface="Arial"/>
+                <a:sym typeface="Arial"/>
               </a:rPr>
-              <a:t>downsampling</a:t>
+              <a:t> The stem is used to preprocess the data before it enters the Inception module, is initial convolutional and pooling layers that process the input image, extracting low-level features such as edges, textures.</a:t>
+            </a:r>
+          </a:p>
+          <a:p>
+            <a:pPr algn="l" rtl="0"/>
+            <a:r>
+              <a:rPr lang="en-US" sz="1200" b="1" i="0" u="none" strike="noStrike" cap="none" dirty="0" smtClean="0">
+                <a:solidFill>
+                  <a:schemeClr val="dk1"/>
+                </a:solidFill>
+                <a:effectLst/>
+                <a:latin typeface="Arial"/>
+                <a:ea typeface="Arial"/>
+                <a:cs typeface="Arial"/>
+                <a:sym typeface="Arial"/>
+              </a:rPr>
+              <a:t>Inception layers</a:t>
             </a:r>
             <a:r>
-              <a:rPr lang="en-US" sz="900" dirty="0" smtClean="0">
+              <a:rPr lang="en-US" sz="1200" b="0" i="0" u="none" strike="noStrike" cap="none" dirty="0" smtClean="0">
                 <a:solidFill>
-                  <a:srgbClr val="212121"/>
+                  <a:schemeClr val="dk1"/>
                 </a:solidFill>
+                <a:effectLst/>
+                <a:latin typeface="Arial"/>
+                <a:ea typeface="Arial"/>
+                <a:cs typeface="Arial"/>
+                <a:sym typeface="Arial"/>
               </a:rPr>
-              <a:t> layer using convolutions and pooling to reduce the spatial dimensions while preserving key features.</a:t>
+              <a:t> applies multiple convolutional filters in parallel (1x1, 3x3, 5x5) to capture different feature scales, followed by concatenation. each layer build  more general features from the previous layers features </a:t>
             </a:r>
-            <a:br>
-              <a:rPr lang="en-US" sz="900" dirty="0" smtClean="0">
+          </a:p>
+          <a:p>
+            <a:pPr algn="l" rtl="0"/>
+            <a:r>
+              <a:rPr lang="en-US" sz="1200" b="1" i="0" u="none" strike="noStrike" cap="none" dirty="0" smtClean="0">
                 <a:solidFill>
-                  <a:srgbClr val="212121"/>
+                  <a:schemeClr val="dk1"/>
                 </a:solidFill>
+                <a:effectLst/>
+                <a:latin typeface="Arial"/>
+                <a:ea typeface="Arial"/>
+                <a:cs typeface="Arial"/>
+                <a:sym typeface="Arial"/>
               </a:rPr>
-            </a:br>
-            <a:r>
-              <a:rPr lang="en-US" sz="900" dirty="0" smtClean="0">
-                <a:solidFill>
-                  <a:srgbClr val="212121"/>
-                </a:solidFill>
-              </a:rPr>
-              <a:t>Inception-B: A more complex inception module that adds larger filter sizes to capture more abstract features.</a:t>
-            </a:r>
-            <a:br>
-              <a:rPr lang="en-US" sz="900" dirty="0" smtClean="0">
-                <a:solidFill>
-                  <a:srgbClr val="212121"/>
-                </a:solidFill>
-              </a:rPr>
-            </a:br>
-            <a:r>
-              <a:rPr lang="en-US" sz="900" dirty="0" smtClean="0">
-                <a:solidFill>
-                  <a:srgbClr val="212121"/>
-                </a:solidFill>
-              </a:rPr>
-              <a:t>Reduction-B: Another </a:t>
+              <a:t>Reduction blocks:</a:t>
             </a:r>
             <a:r>
-              <a:rPr lang="en-US" sz="900" dirty="0" err="1" smtClean="0">
+              <a:rPr lang="en-US" sz="1200" b="0" i="0" u="none" strike="noStrike" cap="none" dirty="0" smtClean="0">
                 <a:solidFill>
-                  <a:srgbClr val="212121"/>
+                  <a:schemeClr val="dk1"/>
                 </a:solidFill>
+                <a:effectLst/>
+                <a:latin typeface="Arial"/>
+                <a:ea typeface="Arial"/>
+                <a:cs typeface="Arial"/>
+                <a:sym typeface="Arial"/>
               </a:rPr>
-              <a:t>downsampling</a:t>
+              <a:t> are modules between the three Inception modules act as pooling layers , they using convolutions and pooling to reduce the spatial dimensions while preserving key features.</a:t>
+            </a:r>
+          </a:p>
+          <a:p>
+            <a:pPr algn="l" rtl="0"/>
+            <a:r>
+              <a:rPr lang="en-US" sz="1200" b="1" i="0" u="none" strike="noStrike" cap="none" dirty="0" smtClean="0">
+                <a:solidFill>
+                  <a:schemeClr val="dk1"/>
+                </a:solidFill>
+                <a:effectLst/>
+                <a:latin typeface="Arial"/>
+                <a:ea typeface="Arial"/>
+                <a:cs typeface="Arial"/>
+                <a:sym typeface="Arial"/>
+              </a:rPr>
+              <a:t>Average Pooling:</a:t>
             </a:r>
             <a:r>
-              <a:rPr lang="en-US" sz="900" dirty="0" smtClean="0">
+              <a:rPr lang="en-US" sz="1200" b="0" i="0" u="none" strike="noStrike" cap="none" dirty="0" smtClean="0">
                 <a:solidFill>
-                  <a:srgbClr val="212121"/>
+                  <a:schemeClr val="dk1"/>
                 </a:solidFill>
+                <a:effectLst/>
+                <a:latin typeface="Arial"/>
+                <a:ea typeface="Arial"/>
+                <a:cs typeface="Arial"/>
+                <a:sym typeface="Arial"/>
               </a:rPr>
-              <a:t> layer, more aggressive than Reduction-A, to further reduce spatial dimensions.</a:t>
+              <a:t> A global average pooling layer that reduces the dimensionality by computing the average across each feature map.</a:t>
             </a:r>
-            <a:br>
-              <a:rPr lang="en-US" sz="900" dirty="0" smtClean="0">
+          </a:p>
+          <a:p>
+            <a:pPr algn="l" rtl="0"/>
+            <a:r>
+              <a:rPr lang="en-US" sz="1200" b="1" i="0" u="none" strike="noStrike" cap="none" dirty="0" smtClean="0">
                 <a:solidFill>
-                  <a:srgbClr val="212121"/>
+                  <a:schemeClr val="dk1"/>
                 </a:solidFill>
+                <a:effectLst/>
+                <a:latin typeface="Arial"/>
+                <a:ea typeface="Arial"/>
+                <a:cs typeface="Arial"/>
+                <a:sym typeface="Arial"/>
               </a:rPr>
-            </a:br>
+              <a:t>Dropout:</a:t>
+            </a:r>
             <a:r>
-              <a:rPr lang="en-US" sz="900" dirty="0" smtClean="0">
+              <a:rPr lang="en-US" sz="1200" b="0" i="0" u="none" strike="noStrike" cap="none" dirty="0" smtClean="0">
                 <a:solidFill>
-                  <a:srgbClr val="212121"/>
+                  <a:schemeClr val="dk1"/>
                 </a:solidFill>
+                <a:effectLst/>
+                <a:latin typeface="Arial"/>
+                <a:ea typeface="Arial"/>
+                <a:cs typeface="Arial"/>
+                <a:sym typeface="Arial"/>
               </a:rPr>
-              <a:t>Inception-C: A final inception block with deeper and more intricate filters for the most abstract and high-level feature extraction.</a:t>
+              <a:t> A regularization technique to prevent overfitting by randomly setting some units to zero during training.</a:t>
             </a:r>
-            <a:br>
-              <a:rPr lang="en-US" sz="900" dirty="0" smtClean="0">
+          </a:p>
+          <a:p>
+            <a:pPr algn="l" rtl="0"/>
+            <a:r>
+              <a:rPr lang="en-US" sz="1200" b="1" i="0" u="none" strike="noStrike" cap="none" dirty="0" err="1" smtClean="0">
                 <a:solidFill>
-                  <a:srgbClr val="212121"/>
+                  <a:schemeClr val="dk1"/>
                 </a:solidFill>
-              </a:rPr>
-            </a:br>
-            <a:r>
-              <a:rPr lang="en-US" sz="900" dirty="0" smtClean="0">
-                <a:solidFill>
-                  <a:srgbClr val="212121"/>
-                </a:solidFill>
-              </a:rPr>
-              <a:t>Average Pooling: A global average pooling layer that reduces the dimensionality by computing the average across each feature map.</a:t>
-            </a:r>
-            <a:br>
-              <a:rPr lang="en-US" sz="900" dirty="0" smtClean="0">
-                <a:solidFill>
-                  <a:srgbClr val="212121"/>
-                </a:solidFill>
-              </a:rPr>
-            </a:br>
-            <a:r>
-              <a:rPr lang="en-US" sz="900" dirty="0" smtClean="0">
-                <a:solidFill>
-                  <a:srgbClr val="212121"/>
-                </a:solidFill>
-              </a:rPr>
-              <a:t>Dropout: A regularization technique to prevent overfitting by randomly setting some units to zero during training.</a:t>
-            </a:r>
-            <a:br>
-              <a:rPr lang="en-US" sz="900" dirty="0" smtClean="0">
-                <a:solidFill>
-                  <a:srgbClr val="212121"/>
-                </a:solidFill>
-              </a:rPr>
-            </a:br>
-            <a:r>
-              <a:rPr lang="en-US" sz="900" dirty="0" err="1" smtClean="0">
-                <a:solidFill>
-                  <a:srgbClr val="212121"/>
-                </a:solidFill>
+                <a:effectLst/>
+                <a:latin typeface="Arial"/>
+                <a:ea typeface="Arial"/>
+                <a:cs typeface="Arial"/>
+                <a:sym typeface="Arial"/>
               </a:rPr>
               <a:t>Softmax</a:t>
             </a:r>
             <a:r>
-              <a:rPr lang="en-US" sz="900" dirty="0" smtClean="0">
+              <a:rPr lang="en-US" sz="1200" b="1" i="0" u="none" strike="noStrike" cap="none" dirty="0" smtClean="0">
                 <a:solidFill>
-                  <a:srgbClr val="212121"/>
+                  <a:schemeClr val="dk1"/>
                 </a:solidFill>
+                <a:effectLst/>
+                <a:latin typeface="Arial"/>
+                <a:ea typeface="Arial"/>
+                <a:cs typeface="Arial"/>
+                <a:sym typeface="Arial"/>
               </a:rPr>
-              <a:t>: The final layer that generates the class probabilities for classification tasks.</a:t>
+              <a:t>:</a:t>
             </a:r>
-            <a:endParaRPr sz="900" dirty="0" smtClean="0">
-              <a:solidFill>
-                <a:srgbClr val="212121"/>
-              </a:solidFill>
-            </a:endParaRPr>
-          </a:p>
-          <a:p>
-            <a:pPr marL="0" lvl="0" indent="0" algn="l" rtl="0">
-              <a:lnSpc>
-                <a:spcPct val="115000"/>
-              </a:lnSpc>
-              <a:spcBef>
-                <a:spcPts val="1200"/>
-              </a:spcBef>
-              <a:spcAft>
-                <a:spcPts val="0"/>
-              </a:spcAft>
-              <a:buClr>
-                <a:schemeClr val="dk1"/>
-              </a:buClr>
-              <a:buSzPts val="1100"/>
-              <a:buFont typeface="Arial"/>
-              <a:buNone/>
-            </a:pPr>
-            <a:endParaRPr sz="900" dirty="0" smtClean="0">
-              <a:solidFill>
-                <a:srgbClr val="212121"/>
-              </a:solidFill>
-            </a:endParaRPr>
+            <a:r>
+              <a:rPr lang="en-US" sz="1200" b="0" i="0" u="none" strike="noStrike" cap="none" dirty="0" smtClean="0">
+                <a:solidFill>
+                  <a:schemeClr val="dk1"/>
+                </a:solidFill>
+                <a:effectLst/>
+                <a:latin typeface="Arial"/>
+                <a:ea typeface="Arial"/>
+                <a:cs typeface="Arial"/>
+                <a:sym typeface="Arial"/>
+              </a:rPr>
+              <a:t> The final layer that generates the class probabilities for classification tasks.</a:t>
+            </a:r>
           </a:p>
           <a:p>
             <a:pPr marL="0" lvl="0" indent="0" algn="l" rtl="0">
@@ -15633,6 +15821,13 @@
   <p:clrMapOvr>
     <a:masterClrMapping/>
   </p:clrMapOvr>
+  <p:timing>
+    <p:tnLst>
+      <p:par>
+        <p:cTn id="1" dur="indefinite" restart="never" nodeType="tmRoot"/>
+      </p:par>
+    </p:tnLst>
+  </p:timing>
 </p:sld>
 </file>
 
@@ -15701,8 +15896,13 @@
             </a:pPr>
             <a:r>
               <a:rPr lang="en-US" sz="4800" dirty="0"/>
-              <a:t>Transfer Learning</a:t>
+              <a:t>Transfer </a:t>
             </a:r>
+            <a:r>
+              <a:rPr lang="en-US" sz="4800" dirty="0" smtClean="0"/>
+              <a:t>learning</a:t>
+            </a:r>
+            <a:endParaRPr lang="en-US" sz="4800" dirty="0"/>
           </a:p>
         </p:txBody>
       </p:sp>
@@ -17363,7 +17563,37 @@
               <a:rPr lang="en-US" sz="4800" dirty="0">
                 <a:sym typeface="Arial"/>
               </a:rPr>
-              <a:t>GUI – After Loading The File</a:t>
+              <a:t>GUI – After </a:t>
+            </a:r>
+            <a:r>
+              <a:rPr lang="en-US" sz="4800" dirty="0" smtClean="0">
+                <a:sym typeface="Arial"/>
+              </a:rPr>
+              <a:t>loading </a:t>
+            </a:r>
+            <a:r>
+              <a:rPr lang="en-US" sz="4800" dirty="0">
+                <a:sym typeface="Arial"/>
+              </a:rPr>
+              <a:t>t</a:t>
+            </a:r>
+            <a:r>
+              <a:rPr lang="en-US" sz="4800" dirty="0" smtClean="0">
+                <a:sym typeface="Arial"/>
+              </a:rPr>
+              <a:t>he </a:t>
+            </a:r>
+            <a:r>
+              <a:rPr lang="en-US" sz="4800" dirty="0">
+                <a:sym typeface="Arial"/>
+              </a:rPr>
+              <a:t>f</a:t>
+            </a:r>
+            <a:r>
+              <a:rPr lang="en-US" sz="4800" dirty="0" smtClean="0">
+                <a:sym typeface="Arial"/>
+              </a:rPr>
+              <a:t>ile</a:t>
             </a:r>
             <a:endParaRPr sz="4800" dirty="0">
               <a:sym typeface="Arial"/>
@@ -17475,8 +17705,29 @@
                 <a:cs typeface="+mj-cs"/>
                 <a:sym typeface="Arial"/>
               </a:rPr>
-              <a:t>Test Process</a:t>
+              <a:t>Test </a:t>
             </a:r>
+            <a:r>
+              <a:rPr lang="en-US" sz="4800" kern="1200" dirty="0" smtClean="0">
+                <a:solidFill>
+                  <a:schemeClr val="accent1"/>
+                </a:solidFill>
+                <a:latin typeface="+mj-lt"/>
+                <a:ea typeface="+mj-ea"/>
+                <a:cs typeface="+mj-cs"/>
+                <a:sym typeface="Arial"/>
+              </a:rPr>
+              <a:t>process</a:t>
+            </a:r>
+            <a:endParaRPr lang="en-US" sz="4800" kern="1200" dirty="0">
+              <a:solidFill>
+                <a:schemeClr val="accent1"/>
+              </a:solidFill>
+              <a:latin typeface="+mj-lt"/>
+              <a:ea typeface="+mj-ea"/>
+              <a:cs typeface="+mj-cs"/>
+              <a:sym typeface="Arial"/>
+            </a:endParaRPr>
           </a:p>
         </p:txBody>
       </p:sp>
@@ -19379,7 +19630,23 @@
                   <a:srgbClr val="FFFFFF"/>
                 </a:solidFill>
               </a:rPr>
-              <a:t>Thank you for Listening!</a:t>
+              <a:t>Thank you for </a:t>
+            </a:r>
+            <a:r>
+              <a:rPr lang="en-US" sz="8000" b="1" dirty="0" smtClean="0">
+                <a:solidFill>
+                  <a:srgbClr val="FFFFFF"/>
+                </a:solidFill>
+              </a:rPr>
+              <a:t>listening</a:t>
+            </a:r>
+            <a:r>
+              <a:rPr lang="en-US" sz="8000" b="1" dirty="0">
+                <a:solidFill>
+                  <a:srgbClr val="FFFFFF"/>
+                </a:solidFill>
+              </a:rPr>
+              <a:t>!</a:t>
             </a:r>
             <a:endParaRPr sz="6000" b="1" dirty="0"/>
           </a:p>
@@ -23487,7 +23754,11 @@
             </a:pPr>
             <a:r>
               <a:rPr lang="en-US" sz="4800" dirty="0"/>
-              <a:t>Previous Research </a:t>
+              <a:t>Previous </a:t>
+            </a:r>
+            <a:r>
+              <a:rPr lang="en-US" sz="4800" dirty="0" smtClean="0"/>
+              <a:t>research </a:t>
             </a:r>
             <a:endParaRPr sz="4800" dirty="0"/>
           </a:p>
@@ -24671,7 +24942,11 @@
             </a:pPr>
             <a:r>
               <a:rPr lang="en-US" sz="4800" dirty="0"/>
-              <a:t>Suggested Solution</a:t>
+              <a:t>Suggested </a:t>
+            </a:r>
+            <a:r>
+              <a:rPr lang="en-US" sz="4800" dirty="0" smtClean="0"/>
+              <a:t>solution</a:t>
             </a:r>
             <a:endParaRPr sz="4800" dirty="0"/>
           </a:p>
@@ -25321,6 +25596,13 @@
   <p:clrMapOvr>
     <a:masterClrMapping/>
   </p:clrMapOvr>
+  <p:timing>
+    <p:tnLst>
+      <p:par>
+        <p:cTn id="1" dur="indefinite" restart="never" nodeType="tmRoot"/>
+      </p:par>
+    </p:tnLst>
+  </p:timing>
 </p:sld>
 </file>
 

--- a/Final presentation Phase A-24-2-R-8.pptx
+++ b/Final presentation Phase A-24-2-R-8.pptx
@@ -1351,7 +1351,7 @@
                 <a14:useLocalDpi xmlns:a14="http://schemas.microsoft.com/office/drawing/2010/main" val="0"/>
               </a:ext>
               <a:ext uri="{96DAC541-7B7A-43D3-8B79-37D633B846F1}">
-                <asvg:svgBlip xmlns:asvg="http://schemas.microsoft.com/office/drawing/2016/SVG/main" xmlns="" r:embed="rId2"/>
+                <asvg:svgBlip xmlns="" xmlns:asvg="http://schemas.microsoft.com/office/drawing/2016/SVG/main" r:embed="rId2"/>
               </a:ext>
             </a:extLst>
           </a:blip>
@@ -1412,7 +1412,7 @@
                 <a14:useLocalDpi xmlns:a14="http://schemas.microsoft.com/office/drawing/2010/main" val="0"/>
               </a:ext>
               <a:ext uri="{96DAC541-7B7A-43D3-8B79-37D633B846F1}">
-                <asvg:svgBlip xmlns:asvg="http://schemas.microsoft.com/office/drawing/2016/SVG/main" xmlns="" r:embed="rId4"/>
+                <asvg:svgBlip xmlns="" xmlns:asvg="http://schemas.microsoft.com/office/drawing/2016/SVG/main" r:embed="rId4"/>
               </a:ext>
             </a:extLst>
           </a:blip>
@@ -1473,7 +1473,7 @@
                 <a14:useLocalDpi xmlns:a14="http://schemas.microsoft.com/office/drawing/2010/main" val="0"/>
               </a:ext>
               <a:ext uri="{96DAC541-7B7A-43D3-8B79-37D633B846F1}">
-                <asvg:svgBlip xmlns:asvg="http://schemas.microsoft.com/office/drawing/2016/SVG/main" xmlns="" r:embed="rId6"/>
+                <asvg:svgBlip xmlns="" xmlns:asvg="http://schemas.microsoft.com/office/drawing/2016/SVG/main" r:embed="rId6"/>
               </a:ext>
             </a:extLst>
           </a:blip>
@@ -1616,7 +1616,7 @@
                 <a14:useLocalDpi xmlns:a14="http://schemas.microsoft.com/office/drawing/2010/main" val="0"/>
               </a:ext>
               <a:ext uri="{96DAC541-7B7A-43D3-8B79-37D633B846F1}">
-                <asvg:svgBlip xmlns:asvg="http://schemas.microsoft.com/office/drawing/2016/SVG/main" xmlns="" r:embed="rId2"/>
+                <asvg:svgBlip xmlns="" xmlns:asvg="http://schemas.microsoft.com/office/drawing/2016/SVG/main" r:embed="rId2"/>
               </a:ext>
             </a:extLst>
           </a:blip>
@@ -1764,7 +1764,7 @@
                 <a14:useLocalDpi xmlns:a14="http://schemas.microsoft.com/office/drawing/2010/main" val="0"/>
               </a:ext>
               <a:ext uri="{96DAC541-7B7A-43D3-8B79-37D633B846F1}">
-                <asvg:svgBlip xmlns:asvg="http://schemas.microsoft.com/office/drawing/2016/SVG/main" xmlns="" r:embed="rId4"/>
+                <asvg:svgBlip xmlns="" xmlns:asvg="http://schemas.microsoft.com/office/drawing/2016/SVG/main" r:embed="rId4"/>
               </a:ext>
             </a:extLst>
           </a:blip>
@@ -1912,7 +1912,7 @@
                 <a14:useLocalDpi xmlns:a14="http://schemas.microsoft.com/office/drawing/2010/main" val="0"/>
               </a:ext>
               <a:ext uri="{96DAC541-7B7A-43D3-8B79-37D633B846F1}">
-                <asvg:svgBlip xmlns:asvg="http://schemas.microsoft.com/office/drawing/2016/SVG/main" xmlns="" r:embed="rId6"/>
+                <asvg:svgBlip xmlns="" xmlns:asvg="http://schemas.microsoft.com/office/drawing/2016/SVG/main" r:embed="rId6"/>
               </a:ext>
             </a:extLst>
           </a:blip>
@@ -17504,6 +17504,13 @@
   <p:clrMapOvr>
     <a:masterClrMapping/>
   </p:clrMapOvr>
+  <p:timing>
+    <p:tnLst>
+      <p:par>
+        <p:cTn id="1" dur="indefinite" restart="never" nodeType="tmRoot"/>
+      </p:par>
+    </p:tnLst>
+  </p:timing>
 </p:sld>
 </file>
 
@@ -17633,6 +17640,13 @@
   <p:clrMapOvr>
     <a:masterClrMapping/>
   </p:clrMapOvr>
+  <p:timing>
+    <p:tnLst>
+      <p:par>
+        <p:cTn id="1" dur="indefinite" restart="never" nodeType="tmRoot"/>
+      </p:par>
+    </p:tnLst>
+  </p:timing>
 </p:sld>
 </file>
 
@@ -19475,6 +19489,13 @@
   <p:clrMapOvr>
     <a:masterClrMapping/>
   </p:clrMapOvr>
+  <p:timing>
+    <p:tnLst>
+      <p:par>
+        <p:cTn id="1" dur="indefinite" restart="never" nodeType="tmRoot"/>
+      </p:par>
+    </p:tnLst>
+  </p:timing>
 </p:sld>
 </file>
 
@@ -21775,7 +21796,7 @@
                 <a16:creationId xmlns:a16="http://schemas.microsoft.com/office/drawing/2014/main" id="{64FA5DFF-7FE6-4855-84E6-DFA78EE978BD}"/>
               </a:ext>
               <a:ext uri="{C183D7F6-B498-43B3-948B-1728B52AA6E4}">
-                <adec:decorative xmlns:adec="http://schemas.microsoft.com/office/drawing/2017/decorative" xmlns="" val="1"/>
+                <adec:decorative xmlns="" xmlns:adec="http://schemas.microsoft.com/office/drawing/2017/decorative" val="1"/>
               </a:ext>
             </a:extLst>
           </p:cNvPr>
@@ -21829,7 +21850,7 @@
                 <a16:creationId xmlns:a16="http://schemas.microsoft.com/office/drawing/2014/main" id="{2AFD8CBA-54A3-4363-991B-B9C631BBFA74}"/>
               </a:ext>
               <a:ext uri="{C183D7F6-B498-43B3-948B-1728B52AA6E4}">
-                <adec:decorative xmlns:adec="http://schemas.microsoft.com/office/drawing/2017/decorative" xmlns="" val="1"/>
+                <adec:decorative xmlns="" xmlns:adec="http://schemas.microsoft.com/office/drawing/2017/decorative" val="1"/>
               </a:ext>
             </a:extLst>
           </p:cNvPr>
@@ -21883,7 +21904,7 @@
                 <a16:creationId xmlns:a16="http://schemas.microsoft.com/office/drawing/2014/main" id="{3F088236-D655-4F88-B238-E16762358025}"/>
               </a:ext>
               <a:ext uri="{C183D7F6-B498-43B3-948B-1728B52AA6E4}">
-                <adec:decorative xmlns:adec="http://schemas.microsoft.com/office/drawing/2017/decorative" xmlns="" val="1"/>
+                <adec:decorative xmlns="" xmlns:adec="http://schemas.microsoft.com/office/drawing/2017/decorative" val="1"/>
               </a:ext>
             </a:extLst>
           </p:cNvPr>
@@ -21970,7 +21991,7 @@
                 <a16:creationId xmlns:a16="http://schemas.microsoft.com/office/drawing/2014/main" id="{3DAC0C92-199E-475C-9390-119A9B027276}"/>
               </a:ext>
               <a:ext uri="{C183D7F6-B498-43B3-948B-1728B52AA6E4}">
-                <adec:decorative xmlns:adec="http://schemas.microsoft.com/office/drawing/2017/decorative" xmlns="" val="1"/>
+                <adec:decorative xmlns="" xmlns:adec="http://schemas.microsoft.com/office/drawing/2017/decorative" val="1"/>
               </a:ext>
             </a:extLst>
           </p:cNvPr>
@@ -22057,7 +22078,7 @@
                 <a16:creationId xmlns:a16="http://schemas.microsoft.com/office/drawing/2014/main" id="{C4CFB339-0ED8-4FE2-9EF1-6D1375B8499B}"/>
               </a:ext>
               <a:ext uri="{C183D7F6-B498-43B3-948B-1728B52AA6E4}">
-                <adec:decorative xmlns:adec="http://schemas.microsoft.com/office/drawing/2017/decorative" xmlns="" val="1"/>
+                <adec:decorative xmlns="" xmlns:adec="http://schemas.microsoft.com/office/drawing/2017/decorative" val="1"/>
               </a:ext>
             </a:extLst>
           </p:cNvPr>
@@ -22122,7 +22143,7 @@
                 <a16:creationId xmlns:a16="http://schemas.microsoft.com/office/drawing/2014/main" id="{31896C80-2069-4431-9C19-83B913734490}"/>
               </a:ext>
               <a:ext uri="{C183D7F6-B498-43B3-948B-1728B52AA6E4}">
-                <adec:decorative xmlns:adec="http://schemas.microsoft.com/office/drawing/2017/decorative" xmlns="" val="1"/>
+                <adec:decorative xmlns="" xmlns:adec="http://schemas.microsoft.com/office/drawing/2017/decorative" val="1"/>
               </a:ext>
             </a:extLst>
           </p:cNvPr>
@@ -22210,7 +22231,7 @@
                 <a16:creationId xmlns:a16="http://schemas.microsoft.com/office/drawing/2014/main" id="{BF120A21-0841-4823-B0C4-28AEBCEF9B78}"/>
               </a:ext>
               <a:ext uri="{C183D7F6-B498-43B3-948B-1728B52AA6E4}">
-                <adec:decorative xmlns:adec="http://schemas.microsoft.com/office/drawing/2017/decorative" xmlns="" val="1"/>
+                <adec:decorative xmlns="" xmlns:adec="http://schemas.microsoft.com/office/drawing/2017/decorative" val="1"/>
               </a:ext>
             </a:extLst>
           </p:cNvPr>
@@ -22299,7 +22320,7 @@
                 <a16:creationId xmlns:a16="http://schemas.microsoft.com/office/drawing/2014/main" id="{DBB05BAE-BBD3-4289-899F-A6851503C6B0}"/>
               </a:ext>
               <a:ext uri="{C183D7F6-B498-43B3-948B-1728B52AA6E4}">
-                <adec:decorative xmlns:adec="http://schemas.microsoft.com/office/drawing/2017/decorative" xmlns="" val="1"/>
+                <adec:decorative xmlns="" xmlns:adec="http://schemas.microsoft.com/office/drawing/2017/decorative" val="1"/>
               </a:ext>
             </a:extLst>
           </p:cNvPr>
@@ -22386,7 +22407,7 @@
                 <a16:creationId xmlns:a16="http://schemas.microsoft.com/office/drawing/2014/main" id="{9874D11C-36F5-4BBE-A490-019A54E953B0}"/>
               </a:ext>
               <a:ext uri="{C183D7F6-B498-43B3-948B-1728B52AA6E4}">
-                <adec:decorative xmlns:adec="http://schemas.microsoft.com/office/drawing/2017/decorative" xmlns="" val="1"/>
+                <adec:decorative xmlns="" xmlns:adec="http://schemas.microsoft.com/office/drawing/2017/decorative" val="1"/>
               </a:ext>
             </a:extLst>
           </p:cNvPr>
@@ -24263,7 +24284,7 @@
         </p:blipFill>
         <p:spPr>
           <a:xfrm>
-            <a:off x="8005547" y="1508760"/>
+            <a:off x="7297624" y="994300"/>
             <a:ext cx="3927373" cy="5231048"/>
           </a:xfrm>
           <a:prstGeom prst="rect">
@@ -24295,8 +24316,8 @@
         </p:nvSpPr>
         <p:spPr>
           <a:xfrm>
-            <a:off x="0" y="1063125"/>
-            <a:ext cx="8274900" cy="2804700"/>
+            <a:off x="117987" y="1279435"/>
+            <a:ext cx="6115665" cy="2804700"/>
           </a:xfrm>
           <a:prstGeom prst="rect">
             <a:avLst/>
@@ -24463,34 +24484,6 @@
           </a:p>
         </p:txBody>
       </p:sp>
-      <p:pic>
-        <p:nvPicPr>
-          <p:cNvPr id="148" name="Google Shape;148;p21"/>
-          <p:cNvPicPr preferRelativeResize="0"/>
-          <p:nvPr/>
-        </p:nvPicPr>
-        <p:blipFill>
-          <a:blip r:embed="rId4">
-            <a:alphaModFix/>
-          </a:blip>
-          <a:stretch>
-            <a:fillRect/>
-          </a:stretch>
-        </p:blipFill>
-        <p:spPr>
-          <a:xfrm>
-            <a:off x="781810" y="3867825"/>
-            <a:ext cx="4235959" cy="2769553"/>
-          </a:xfrm>
-          <a:prstGeom prst="rect">
-            <a:avLst/>
-          </a:prstGeom>
-          <a:noFill/>
-          <a:ln>
-            <a:noFill/>
-          </a:ln>
-        </p:spPr>
-      </p:pic>
     </p:spTree>
   </p:cSld>
   <p:clrMapOvr>
